--- a/Documents/Control Software Summary.pptx
+++ b/Documents/Control Software Summary.pptx
@@ -6,6 +6,7 @@
   </p:sldMasterIdLst>
   <p:sldIdLst>
     <p:sldId id="256" r:id="rId2"/>
+    <p:sldId id="257" r:id="rId3"/>
   </p:sldIdLst>
   <p:sldSz cx="12192000" cy="6858000"/>
   <p:notesSz cx="6858000" cy="9144000"/>
@@ -126,6 +127,54 @@
       </p:grpSpPr>
       <p:sp>
         <p:nvSpPr>
+          <p:cNvPr id="7" name="Isosceles Triangle 6"/>
+          <p:cNvSpPr/>
+          <p:nvPr userDrawn="1"/>
+        </p:nvSpPr>
+        <p:spPr>
+          <a:xfrm flipV="1">
+            <a:off x="5051474" y="0"/>
+            <a:ext cx="7118252" cy="6858000"/>
+          </a:xfrm>
+          <a:prstGeom prst="triangle">
+            <a:avLst>
+              <a:gd name="adj" fmla="val 100000"/>
+            </a:avLst>
+          </a:prstGeom>
+          <a:solidFill>
+            <a:schemeClr val="accent1">
+              <a:lumMod val="20000"/>
+              <a:lumOff val="80000"/>
+            </a:schemeClr>
+          </a:solidFill>
+        </p:spPr>
+        <p:style>
+          <a:lnRef idx="2">
+            <a:schemeClr val="accent1">
+              <a:shade val="50000"/>
+            </a:schemeClr>
+          </a:lnRef>
+          <a:fillRef idx="1">
+            <a:schemeClr val="accent1"/>
+          </a:fillRef>
+          <a:effectRef idx="0">
+            <a:schemeClr val="accent1"/>
+          </a:effectRef>
+          <a:fontRef idx="minor">
+            <a:schemeClr val="lt1"/>
+          </a:fontRef>
+        </p:style>
+        <p:txBody>
+          <a:bodyPr rtlCol="0" anchor="ctr"/>
+          <a:lstStyle/>
+          <a:p>
+            <a:pPr algn="ctr"/>
+            <a:endParaRPr lang="en-US"/>
+          </a:p>
+        </p:txBody>
+      </p:sp>
+      <p:sp>
+        <p:nvSpPr>
           <p:cNvPr id="2" name="Title 1"/>
           <p:cNvSpPr>
             <a:spLocks noGrp="1"/>
@@ -136,23 +185,23 @@
         </p:nvSpPr>
         <p:spPr>
           <a:xfrm>
-            <a:off x="1524000" y="1122363"/>
-            <a:ext cx="9144000" cy="2387600"/>
+            <a:off x="0" y="2325786"/>
+            <a:ext cx="7230794" cy="2387600"/>
           </a:xfrm>
         </p:spPr>
         <p:txBody>
           <a:bodyPr anchor="b"/>
           <a:lstStyle>
-            <a:lvl1pPr algn="ctr">
+            <a:lvl1pPr algn="l">
               <a:defRPr sz="6000"/>
             </a:lvl1pPr>
           </a:lstStyle>
           <a:p>
             <a:r>
-              <a:rPr lang="en-US" smtClean="0"/>
+              <a:rPr lang="en-US" dirty="0" smtClean="0"/>
               <a:t>Click to edit Master title style</a:t>
             </a:r>
-            <a:endParaRPr lang="en-US"/>
+            <a:endParaRPr lang="en-US" dirty="0"/>
           </a:p>
         </p:txBody>
       </p:sp>
@@ -168,14 +217,14 @@
         </p:nvSpPr>
         <p:spPr>
           <a:xfrm>
-            <a:off x="1524000" y="3602038"/>
+            <a:off x="0" y="4713386"/>
             <a:ext cx="9144000" cy="1655762"/>
           </a:xfrm>
         </p:spPr>
         <p:txBody>
           <a:bodyPr/>
           <a:lstStyle>
-            <a:lvl1pPr marL="0" indent="0" algn="ctr">
+            <a:lvl1pPr marL="0" indent="0" algn="l">
               <a:buNone/>
               <a:defRPr sz="2400"/>
             </a:lvl1pPr>
@@ -214,10 +263,10 @@
           </a:lstStyle>
           <a:p>
             <a:r>
-              <a:rPr lang="en-US" smtClean="0"/>
+              <a:rPr lang="en-US" dirty="0" smtClean="0"/>
               <a:t>Click to edit Master subtitle style</a:t>
             </a:r>
-            <a:endParaRPr lang="en-US"/>
+            <a:endParaRPr lang="en-US" dirty="0"/>
           </a:p>
         </p:txBody>
       </p:sp>
@@ -236,7 +285,7 @@
           <a:bodyPr/>
           <a:lstStyle/>
           <a:p>
-            <a:fld id="{D5B707B7-CFF1-45F8-86E9-AB741835EE55}" type="datetimeFigureOut">
+            <a:fld id="{7641C023-4088-4D75-BBD8-CE482B98921B}" type="datetimeFigureOut">
               <a:rPr lang="en-US" smtClean="0"/>
               <a:t>9/23/2019</a:t>
             </a:fld>
@@ -254,31 +303,39 @@
             <p:ph type="ftr" sz="quarter" idx="11"/>
           </p:nvPr>
         </p:nvSpPr>
+        <p:spPr>
+          <a:xfrm>
+            <a:off x="4038600" y="6356350"/>
+            <a:ext cx="4114800" cy="365125"/>
+          </a:xfrm>
+          <a:prstGeom prst="rect">
+            <a:avLst/>
+          </a:prstGeom>
+        </p:spPr>
+        <p:txBody>
+          <a:bodyPr/>
+          <a:lstStyle/>
+          <a:p>
+            <a:endParaRPr lang="en-US" dirty="0"/>
+          </a:p>
+        </p:txBody>
+      </p:sp>
+      <p:sp>
+        <p:nvSpPr>
+          <p:cNvPr id="6" name="Slide Number Placeholder 5"/>
+          <p:cNvSpPr>
+            <a:spLocks noGrp="1"/>
+          </p:cNvSpPr>
+          <p:nvPr>
+            <p:ph type="sldNum" sz="quarter" idx="12"/>
+          </p:nvPr>
+        </p:nvSpPr>
         <p:spPr/>
         <p:txBody>
           <a:bodyPr/>
           <a:lstStyle/>
           <a:p>
-            <a:endParaRPr lang="en-US"/>
-          </a:p>
-        </p:txBody>
-      </p:sp>
-      <p:sp>
-        <p:nvSpPr>
-          <p:cNvPr id="6" name="Slide Number Placeholder 5"/>
-          <p:cNvSpPr>
-            <a:spLocks noGrp="1"/>
-          </p:cNvSpPr>
-          <p:nvPr>
-            <p:ph type="sldNum" sz="quarter" idx="12"/>
-          </p:nvPr>
-        </p:nvSpPr>
-        <p:spPr/>
-        <p:txBody>
-          <a:bodyPr/>
-          <a:lstStyle/>
-          <a:p>
-            <a:fld id="{602BBDAE-8186-4EE1-88E0-30CBA835D8D5}" type="slidenum">
+            <a:fld id="{175F09DF-D319-4D32-86C8-2E63EA6969AE}" type="slidenum">
               <a:rPr lang="en-US" smtClean="0"/>
               <a:t>‹#›</a:t>
             </a:fld>
@@ -286,10 +343,58 @@
           </a:p>
         </p:txBody>
       </p:sp>
+      <p:pic>
+        <p:nvPicPr>
+          <p:cNvPr id="8" name="Picture 7"/>
+          <p:cNvPicPr>
+            <a:picLocks noChangeAspect="1"/>
+          </p:cNvPicPr>
+          <p:nvPr userDrawn="1"/>
+        </p:nvPicPr>
+        <p:blipFill>
+          <a:blip r:embed="rId2"/>
+          <a:stretch>
+            <a:fillRect/>
+          </a:stretch>
+        </p:blipFill>
+        <p:spPr>
+          <a:xfrm>
+            <a:off x="8398413" y="1085636"/>
+            <a:ext cx="3610552" cy="2889415"/>
+          </a:xfrm>
+          <a:prstGeom prst="rect">
+            <a:avLst/>
+          </a:prstGeom>
+        </p:spPr>
+      </p:pic>
+      <p:pic>
+        <p:nvPicPr>
+          <p:cNvPr id="9" name="Picture 8"/>
+          <p:cNvPicPr>
+            <a:picLocks noChangeAspect="1"/>
+          </p:cNvPicPr>
+          <p:nvPr userDrawn="1"/>
+        </p:nvPicPr>
+        <p:blipFill>
+          <a:blip r:embed="rId3"/>
+          <a:stretch>
+            <a:fillRect/>
+          </a:stretch>
+        </p:blipFill>
+        <p:spPr>
+          <a:xfrm>
+            <a:off x="-186408" y="-154512"/>
+            <a:ext cx="2959976" cy="2480297"/>
+          </a:xfrm>
+          <a:prstGeom prst="rect">
+            <a:avLst/>
+          </a:prstGeom>
+        </p:spPr>
+      </p:pic>
     </p:spTree>
     <p:extLst>
       <p:ext uri="{BB962C8B-B14F-4D97-AF65-F5344CB8AC3E}">
-        <p14:creationId xmlns:p14="http://schemas.microsoft.com/office/powerpoint/2010/main" val="1481950735"/>
+        <p14:creationId xmlns:p14="http://schemas.microsoft.com/office/powerpoint/2010/main" val="1510880771"/>
       </p:ext>
     </p:extLst>
   </p:cSld>
@@ -406,7 +511,7 @@
           <a:bodyPr/>
           <a:lstStyle/>
           <a:p>
-            <a:fld id="{D5B707B7-CFF1-45F8-86E9-AB741835EE55}" type="datetimeFigureOut">
+            <a:fld id="{7641C023-4088-4D75-BBD8-CE482B98921B}" type="datetimeFigureOut">
               <a:rPr lang="en-US" smtClean="0"/>
               <a:t>9/23/2019</a:t>
             </a:fld>
@@ -424,31 +529,39 @@
             <p:ph type="ftr" sz="quarter" idx="11"/>
           </p:nvPr>
         </p:nvSpPr>
+        <p:spPr>
+          <a:xfrm>
+            <a:off x="4038600" y="6356350"/>
+            <a:ext cx="4114800" cy="365125"/>
+          </a:xfrm>
+          <a:prstGeom prst="rect">
+            <a:avLst/>
+          </a:prstGeom>
+        </p:spPr>
+        <p:txBody>
+          <a:bodyPr/>
+          <a:lstStyle/>
+          <a:p>
+            <a:endParaRPr lang="en-US"/>
+          </a:p>
+        </p:txBody>
+      </p:sp>
+      <p:sp>
+        <p:nvSpPr>
+          <p:cNvPr id="6" name="Slide Number Placeholder 5"/>
+          <p:cNvSpPr>
+            <a:spLocks noGrp="1"/>
+          </p:cNvSpPr>
+          <p:nvPr>
+            <p:ph type="sldNum" sz="quarter" idx="12"/>
+          </p:nvPr>
+        </p:nvSpPr>
         <p:spPr/>
         <p:txBody>
           <a:bodyPr/>
           <a:lstStyle/>
           <a:p>
-            <a:endParaRPr lang="en-US"/>
-          </a:p>
-        </p:txBody>
-      </p:sp>
-      <p:sp>
-        <p:nvSpPr>
-          <p:cNvPr id="6" name="Slide Number Placeholder 5"/>
-          <p:cNvSpPr>
-            <a:spLocks noGrp="1"/>
-          </p:cNvSpPr>
-          <p:nvPr>
-            <p:ph type="sldNum" sz="quarter" idx="12"/>
-          </p:nvPr>
-        </p:nvSpPr>
-        <p:spPr/>
-        <p:txBody>
-          <a:bodyPr/>
-          <a:lstStyle/>
-          <a:p>
-            <a:fld id="{602BBDAE-8186-4EE1-88E0-30CBA835D8D5}" type="slidenum">
+            <a:fld id="{175F09DF-D319-4D32-86C8-2E63EA6969AE}" type="slidenum">
               <a:rPr lang="en-US" smtClean="0"/>
               <a:t>‹#›</a:t>
             </a:fld>
@@ -459,7 +572,7 @@
     </p:spTree>
     <p:extLst>
       <p:ext uri="{BB962C8B-B14F-4D97-AF65-F5344CB8AC3E}">
-        <p14:creationId xmlns:p14="http://schemas.microsoft.com/office/powerpoint/2010/main" val="1081864810"/>
+        <p14:creationId xmlns:p14="http://schemas.microsoft.com/office/powerpoint/2010/main" val="338772948"/>
       </p:ext>
     </p:extLst>
   </p:cSld>
@@ -586,7 +699,7 @@
           <a:bodyPr/>
           <a:lstStyle/>
           <a:p>
-            <a:fld id="{D5B707B7-CFF1-45F8-86E9-AB741835EE55}" type="datetimeFigureOut">
+            <a:fld id="{7641C023-4088-4D75-BBD8-CE482B98921B}" type="datetimeFigureOut">
               <a:rPr lang="en-US" smtClean="0"/>
               <a:t>9/23/2019</a:t>
             </a:fld>
@@ -604,31 +717,39 @@
             <p:ph type="ftr" sz="quarter" idx="11"/>
           </p:nvPr>
         </p:nvSpPr>
+        <p:spPr>
+          <a:xfrm>
+            <a:off x="4038600" y="6356350"/>
+            <a:ext cx="4114800" cy="365125"/>
+          </a:xfrm>
+          <a:prstGeom prst="rect">
+            <a:avLst/>
+          </a:prstGeom>
+        </p:spPr>
+        <p:txBody>
+          <a:bodyPr/>
+          <a:lstStyle/>
+          <a:p>
+            <a:endParaRPr lang="en-US"/>
+          </a:p>
+        </p:txBody>
+      </p:sp>
+      <p:sp>
+        <p:nvSpPr>
+          <p:cNvPr id="6" name="Slide Number Placeholder 5"/>
+          <p:cNvSpPr>
+            <a:spLocks noGrp="1"/>
+          </p:cNvSpPr>
+          <p:nvPr>
+            <p:ph type="sldNum" sz="quarter" idx="12"/>
+          </p:nvPr>
+        </p:nvSpPr>
         <p:spPr/>
         <p:txBody>
           <a:bodyPr/>
           <a:lstStyle/>
           <a:p>
-            <a:endParaRPr lang="en-US"/>
-          </a:p>
-        </p:txBody>
-      </p:sp>
-      <p:sp>
-        <p:nvSpPr>
-          <p:cNvPr id="6" name="Slide Number Placeholder 5"/>
-          <p:cNvSpPr>
-            <a:spLocks noGrp="1"/>
-          </p:cNvSpPr>
-          <p:nvPr>
-            <p:ph type="sldNum" sz="quarter" idx="12"/>
-          </p:nvPr>
-        </p:nvSpPr>
-        <p:spPr/>
-        <p:txBody>
-          <a:bodyPr/>
-          <a:lstStyle/>
-          <a:p>
-            <a:fld id="{602BBDAE-8186-4EE1-88E0-30CBA835D8D5}" type="slidenum">
+            <a:fld id="{175F09DF-D319-4D32-86C8-2E63EA6969AE}" type="slidenum">
               <a:rPr lang="en-US" smtClean="0"/>
               <a:t>‹#›</a:t>
             </a:fld>
@@ -639,7 +760,7 @@
     </p:spTree>
     <p:extLst>
       <p:ext uri="{BB962C8B-B14F-4D97-AF65-F5344CB8AC3E}">
-        <p14:creationId xmlns:p14="http://schemas.microsoft.com/office/powerpoint/2010/main" val="3895821499"/>
+        <p14:creationId xmlns:p14="http://schemas.microsoft.com/office/powerpoint/2010/main" val="3661885955"/>
       </p:ext>
     </p:extLst>
   </p:cSld>
@@ -668,6 +789,52 @@
       </p:grpSpPr>
       <p:sp>
         <p:nvSpPr>
+          <p:cNvPr id="7" name="Rectangle 6"/>
+          <p:cNvSpPr/>
+          <p:nvPr userDrawn="1"/>
+        </p:nvSpPr>
+        <p:spPr>
+          <a:xfrm>
+            <a:off x="0" y="-1"/>
+            <a:ext cx="12192000" cy="1408113"/>
+          </a:xfrm>
+          <a:prstGeom prst="rect">
+            <a:avLst/>
+          </a:prstGeom>
+          <a:solidFill>
+            <a:schemeClr val="accent1">
+              <a:lumMod val="20000"/>
+              <a:lumOff val="80000"/>
+            </a:schemeClr>
+          </a:solidFill>
+        </p:spPr>
+        <p:style>
+          <a:lnRef idx="2">
+            <a:schemeClr val="accent1">
+              <a:shade val="50000"/>
+            </a:schemeClr>
+          </a:lnRef>
+          <a:fillRef idx="1">
+            <a:schemeClr val="accent1"/>
+          </a:fillRef>
+          <a:effectRef idx="0">
+            <a:schemeClr val="accent1"/>
+          </a:effectRef>
+          <a:fontRef idx="minor">
+            <a:schemeClr val="lt1"/>
+          </a:fontRef>
+        </p:style>
+        <p:txBody>
+          <a:bodyPr rtlCol="0" anchor="ctr"/>
+          <a:lstStyle/>
+          <a:p>
+            <a:pPr algn="ctr"/>
+            <a:endParaRPr lang="en-US"/>
+          </a:p>
+        </p:txBody>
+      </p:sp>
+      <p:sp>
+        <p:nvSpPr>
           <p:cNvPr id="2" name="Title 1"/>
           <p:cNvSpPr>
             <a:spLocks noGrp="1"/>
@@ -676,87 +843,97 @@
             <p:ph type="title"/>
           </p:nvPr>
         </p:nvSpPr>
+        <p:spPr>
+          <a:xfrm>
+            <a:off x="1903828" y="351057"/>
+            <a:ext cx="8384344" cy="930275"/>
+          </a:xfrm>
+        </p:spPr>
+        <p:txBody>
+          <a:bodyPr/>
+          <a:lstStyle/>
+          <a:p>
+            <a:r>
+              <a:rPr lang="en-US" smtClean="0"/>
+              <a:t>Click to edit Master title style</a:t>
+            </a:r>
+            <a:endParaRPr lang="en-US"/>
+          </a:p>
+        </p:txBody>
+      </p:sp>
+      <p:sp>
+        <p:nvSpPr>
+          <p:cNvPr id="3" name="Content Placeholder 2"/>
+          <p:cNvSpPr>
+            <a:spLocks noGrp="1"/>
+          </p:cNvSpPr>
+          <p:nvPr>
+            <p:ph idx="1"/>
+          </p:nvPr>
+        </p:nvSpPr>
+        <p:spPr>
+          <a:xfrm>
+            <a:off x="838200" y="1587500"/>
+            <a:ext cx="10515600" cy="4589463"/>
+          </a:xfrm>
+        </p:spPr>
+        <p:txBody>
+          <a:bodyPr/>
+          <a:lstStyle/>
+          <a:p>
+            <a:pPr lvl="0"/>
+            <a:r>
+              <a:rPr lang="en-US" smtClean="0"/>
+              <a:t>Click to edit Master text styles</a:t>
+            </a:r>
+          </a:p>
+          <a:p>
+            <a:pPr lvl="1"/>
+            <a:r>
+              <a:rPr lang="en-US" smtClean="0"/>
+              <a:t>Second level</a:t>
+            </a:r>
+          </a:p>
+          <a:p>
+            <a:pPr lvl="2"/>
+            <a:r>
+              <a:rPr lang="en-US" smtClean="0"/>
+              <a:t>Third level</a:t>
+            </a:r>
+          </a:p>
+          <a:p>
+            <a:pPr lvl="3"/>
+            <a:r>
+              <a:rPr lang="en-US" smtClean="0"/>
+              <a:t>Fourth level</a:t>
+            </a:r>
+          </a:p>
+          <a:p>
+            <a:pPr lvl="4"/>
+            <a:r>
+              <a:rPr lang="en-US" smtClean="0"/>
+              <a:t>Fifth level</a:t>
+            </a:r>
+            <a:endParaRPr lang="en-US"/>
+          </a:p>
+        </p:txBody>
+      </p:sp>
+      <p:sp>
+        <p:nvSpPr>
+          <p:cNvPr id="4" name="Date Placeholder 3"/>
+          <p:cNvSpPr>
+            <a:spLocks noGrp="1"/>
+          </p:cNvSpPr>
+          <p:nvPr>
+            <p:ph type="dt" sz="half" idx="10"/>
+          </p:nvPr>
+        </p:nvSpPr>
         <p:spPr/>
         <p:txBody>
           <a:bodyPr/>
           <a:lstStyle/>
           <a:p>
-            <a:r>
-              <a:rPr lang="en-US" smtClean="0"/>
-              <a:t>Click to edit Master title style</a:t>
-            </a:r>
-            <a:endParaRPr lang="en-US"/>
-          </a:p>
-        </p:txBody>
-      </p:sp>
-      <p:sp>
-        <p:nvSpPr>
-          <p:cNvPr id="3" name="Content Placeholder 2"/>
-          <p:cNvSpPr>
-            <a:spLocks noGrp="1"/>
-          </p:cNvSpPr>
-          <p:nvPr>
-            <p:ph idx="1"/>
-          </p:nvPr>
-        </p:nvSpPr>
-        <p:spPr/>
-        <p:txBody>
-          <a:bodyPr/>
-          <a:lstStyle/>
-          <a:p>
-            <a:pPr lvl="0"/>
-            <a:r>
-              <a:rPr lang="en-US" smtClean="0"/>
-              <a:t>Click to edit Master text styles</a:t>
-            </a:r>
-          </a:p>
-          <a:p>
-            <a:pPr lvl="1"/>
-            <a:r>
-              <a:rPr lang="en-US" smtClean="0"/>
-              <a:t>Second level</a:t>
-            </a:r>
-          </a:p>
-          <a:p>
-            <a:pPr lvl="2"/>
-            <a:r>
-              <a:rPr lang="en-US" smtClean="0"/>
-              <a:t>Third level</a:t>
-            </a:r>
-          </a:p>
-          <a:p>
-            <a:pPr lvl="3"/>
-            <a:r>
-              <a:rPr lang="en-US" smtClean="0"/>
-              <a:t>Fourth level</a:t>
-            </a:r>
-          </a:p>
-          <a:p>
-            <a:pPr lvl="4"/>
-            <a:r>
-              <a:rPr lang="en-US" smtClean="0"/>
-              <a:t>Fifth level</a:t>
-            </a:r>
-            <a:endParaRPr lang="en-US"/>
-          </a:p>
-        </p:txBody>
-      </p:sp>
-      <p:sp>
-        <p:nvSpPr>
-          <p:cNvPr id="4" name="Date Placeholder 3"/>
-          <p:cNvSpPr>
-            <a:spLocks noGrp="1"/>
-          </p:cNvSpPr>
-          <p:nvPr>
-            <p:ph type="dt" sz="half" idx="10"/>
-          </p:nvPr>
-        </p:nvSpPr>
-        <p:spPr/>
-        <p:txBody>
-          <a:bodyPr/>
-          <a:lstStyle/>
-          <a:p>
-            <a:fld id="{D5B707B7-CFF1-45F8-86E9-AB741835EE55}" type="datetimeFigureOut">
+            <a:fld id="{7641C023-4088-4D75-BBD8-CE482B98921B}" type="datetimeFigureOut">
               <a:rPr lang="en-US" smtClean="0"/>
               <a:t>9/23/2019</a:t>
             </a:fld>
@@ -774,31 +951,39 @@
             <p:ph type="ftr" sz="quarter" idx="11"/>
           </p:nvPr>
         </p:nvSpPr>
+        <p:spPr>
+          <a:xfrm>
+            <a:off x="4038600" y="6356350"/>
+            <a:ext cx="4114800" cy="365125"/>
+          </a:xfrm>
+          <a:prstGeom prst="rect">
+            <a:avLst/>
+          </a:prstGeom>
+        </p:spPr>
+        <p:txBody>
+          <a:bodyPr/>
+          <a:lstStyle/>
+          <a:p>
+            <a:endParaRPr lang="en-US"/>
+          </a:p>
+        </p:txBody>
+      </p:sp>
+      <p:sp>
+        <p:nvSpPr>
+          <p:cNvPr id="6" name="Slide Number Placeholder 5"/>
+          <p:cNvSpPr>
+            <a:spLocks noGrp="1"/>
+          </p:cNvSpPr>
+          <p:nvPr>
+            <p:ph type="sldNum" sz="quarter" idx="12"/>
+          </p:nvPr>
+        </p:nvSpPr>
         <p:spPr/>
         <p:txBody>
           <a:bodyPr/>
           <a:lstStyle/>
           <a:p>
-            <a:endParaRPr lang="en-US"/>
-          </a:p>
-        </p:txBody>
-      </p:sp>
-      <p:sp>
-        <p:nvSpPr>
-          <p:cNvPr id="6" name="Slide Number Placeholder 5"/>
-          <p:cNvSpPr>
-            <a:spLocks noGrp="1"/>
-          </p:cNvSpPr>
-          <p:nvPr>
-            <p:ph type="sldNum" sz="quarter" idx="12"/>
-          </p:nvPr>
-        </p:nvSpPr>
-        <p:spPr/>
-        <p:txBody>
-          <a:bodyPr/>
-          <a:lstStyle/>
-          <a:p>
-            <a:fld id="{602BBDAE-8186-4EE1-88E0-30CBA835D8D5}" type="slidenum">
+            <a:fld id="{175F09DF-D319-4D32-86C8-2E63EA6969AE}" type="slidenum">
               <a:rPr lang="en-US" smtClean="0"/>
               <a:t>‹#›</a:t>
             </a:fld>
@@ -806,10 +991,58 @@
           </a:p>
         </p:txBody>
       </p:sp>
+      <p:pic>
+        <p:nvPicPr>
+          <p:cNvPr id="17" name="Picture 16"/>
+          <p:cNvPicPr>
+            <a:picLocks noChangeAspect="1"/>
+          </p:cNvPicPr>
+          <p:nvPr userDrawn="1"/>
+        </p:nvPicPr>
+        <p:blipFill>
+          <a:blip r:embed="rId2"/>
+          <a:stretch>
+            <a:fillRect/>
+          </a:stretch>
+        </p:blipFill>
+        <p:spPr>
+          <a:xfrm>
+            <a:off x="10600162" y="100941"/>
+            <a:ext cx="1507276" cy="1206227"/>
+          </a:xfrm>
+          <a:prstGeom prst="rect">
+            <a:avLst/>
+          </a:prstGeom>
+        </p:spPr>
+      </p:pic>
+      <p:pic>
+        <p:nvPicPr>
+          <p:cNvPr id="23" name="Picture 22"/>
+          <p:cNvPicPr>
+            <a:picLocks noChangeAspect="1"/>
+          </p:cNvPicPr>
+          <p:nvPr userDrawn="1"/>
+        </p:nvPicPr>
+        <p:blipFill>
+          <a:blip r:embed="rId3"/>
+          <a:stretch>
+            <a:fillRect/>
+          </a:stretch>
+        </p:blipFill>
+        <p:spPr>
+          <a:xfrm>
+            <a:off x="-186408" y="-154511"/>
+            <a:ext cx="2049216" cy="1717130"/>
+          </a:xfrm>
+          <a:prstGeom prst="rect">
+            <a:avLst/>
+          </a:prstGeom>
+        </p:spPr>
+      </p:pic>
     </p:spTree>
     <p:extLst>
       <p:ext uri="{BB962C8B-B14F-4D97-AF65-F5344CB8AC3E}">
-        <p14:creationId xmlns:p14="http://schemas.microsoft.com/office/powerpoint/2010/main" val="2434048750"/>
+        <p14:creationId xmlns:p14="http://schemas.microsoft.com/office/powerpoint/2010/main" val="3083393250"/>
       </p:ext>
     </p:extLst>
   </p:cSld>
@@ -1002,7 +1235,7 @@
           <a:bodyPr/>
           <a:lstStyle/>
           <a:p>
-            <a:fld id="{D5B707B7-CFF1-45F8-86E9-AB741835EE55}" type="datetimeFigureOut">
+            <a:fld id="{7641C023-4088-4D75-BBD8-CE482B98921B}" type="datetimeFigureOut">
               <a:rPr lang="en-US" smtClean="0"/>
               <a:t>9/23/2019</a:t>
             </a:fld>
@@ -1020,31 +1253,39 @@
             <p:ph type="ftr" sz="quarter" idx="11"/>
           </p:nvPr>
         </p:nvSpPr>
+        <p:spPr>
+          <a:xfrm>
+            <a:off x="4038600" y="6356350"/>
+            <a:ext cx="4114800" cy="365125"/>
+          </a:xfrm>
+          <a:prstGeom prst="rect">
+            <a:avLst/>
+          </a:prstGeom>
+        </p:spPr>
+        <p:txBody>
+          <a:bodyPr/>
+          <a:lstStyle/>
+          <a:p>
+            <a:endParaRPr lang="en-US"/>
+          </a:p>
+        </p:txBody>
+      </p:sp>
+      <p:sp>
+        <p:nvSpPr>
+          <p:cNvPr id="6" name="Slide Number Placeholder 5"/>
+          <p:cNvSpPr>
+            <a:spLocks noGrp="1"/>
+          </p:cNvSpPr>
+          <p:nvPr>
+            <p:ph type="sldNum" sz="quarter" idx="12"/>
+          </p:nvPr>
+        </p:nvSpPr>
         <p:spPr/>
         <p:txBody>
           <a:bodyPr/>
           <a:lstStyle/>
           <a:p>
-            <a:endParaRPr lang="en-US"/>
-          </a:p>
-        </p:txBody>
-      </p:sp>
-      <p:sp>
-        <p:nvSpPr>
-          <p:cNvPr id="6" name="Slide Number Placeholder 5"/>
-          <p:cNvSpPr>
-            <a:spLocks noGrp="1"/>
-          </p:cNvSpPr>
-          <p:nvPr>
-            <p:ph type="sldNum" sz="quarter" idx="12"/>
-          </p:nvPr>
-        </p:nvSpPr>
-        <p:spPr/>
-        <p:txBody>
-          <a:bodyPr/>
-          <a:lstStyle/>
-          <a:p>
-            <a:fld id="{602BBDAE-8186-4EE1-88E0-30CBA835D8D5}" type="slidenum">
+            <a:fld id="{175F09DF-D319-4D32-86C8-2E63EA6969AE}" type="slidenum">
               <a:rPr lang="en-US" smtClean="0"/>
               <a:t>‹#›</a:t>
             </a:fld>
@@ -1052,10 +1293,58 @@
           </a:p>
         </p:txBody>
       </p:sp>
+      <p:pic>
+        <p:nvPicPr>
+          <p:cNvPr id="7" name="Picture 6"/>
+          <p:cNvPicPr>
+            <a:picLocks noChangeAspect="1"/>
+          </p:cNvPicPr>
+          <p:nvPr userDrawn="1"/>
+        </p:nvPicPr>
+        <p:blipFill>
+          <a:blip r:embed="rId2"/>
+          <a:stretch>
+            <a:fillRect/>
+          </a:stretch>
+        </p:blipFill>
+        <p:spPr>
+          <a:xfrm>
+            <a:off x="10600162" y="100941"/>
+            <a:ext cx="1507276" cy="1206227"/>
+          </a:xfrm>
+          <a:prstGeom prst="rect">
+            <a:avLst/>
+          </a:prstGeom>
+        </p:spPr>
+      </p:pic>
+      <p:pic>
+        <p:nvPicPr>
+          <p:cNvPr id="8" name="Picture 7"/>
+          <p:cNvPicPr>
+            <a:picLocks noChangeAspect="1"/>
+          </p:cNvPicPr>
+          <p:nvPr userDrawn="1"/>
+        </p:nvPicPr>
+        <p:blipFill>
+          <a:blip r:embed="rId3"/>
+          <a:stretch>
+            <a:fillRect/>
+          </a:stretch>
+        </p:blipFill>
+        <p:spPr>
+          <a:xfrm>
+            <a:off x="-186408" y="-154511"/>
+            <a:ext cx="2049216" cy="1717130"/>
+          </a:xfrm>
+          <a:prstGeom prst="rect">
+            <a:avLst/>
+          </a:prstGeom>
+        </p:spPr>
+      </p:pic>
     </p:spTree>
     <p:extLst>
       <p:ext uri="{BB962C8B-B14F-4D97-AF65-F5344CB8AC3E}">
-        <p14:creationId xmlns:p14="http://schemas.microsoft.com/office/powerpoint/2010/main" val="3442843351"/>
+        <p14:creationId xmlns:p14="http://schemas.microsoft.com/office/powerpoint/2010/main" val="900905525"/>
       </p:ext>
     </p:extLst>
   </p:cSld>
@@ -1066,7 +1355,7 @@
 </file>
 
 <file path=ppt/slideLayouts/slideLayout4.xml><?xml version="1.0" encoding="utf-8"?>
-<p:sldLayout xmlns:a="http://schemas.openxmlformats.org/drawingml/2006/main" xmlns:r="http://schemas.openxmlformats.org/officeDocument/2006/relationships" xmlns:p="http://schemas.openxmlformats.org/presentationml/2006/main" type="twoObj" preserve="1">
+<p:sldLayout xmlns:a="http://schemas.openxmlformats.org/drawingml/2006/main" xmlns:r="http://schemas.openxmlformats.org/officeDocument/2006/relationships" xmlns:p="http://schemas.openxmlformats.org/presentationml/2006/main" preserve="1" userDrawn="1">
   <p:cSld name="Two Content">
     <p:spTree>
       <p:nvGrpSpPr>
@@ -1084,29 +1373,6 @@
       </p:grpSpPr>
       <p:sp>
         <p:nvSpPr>
-          <p:cNvPr id="2" name="Title 1"/>
-          <p:cNvSpPr>
-            <a:spLocks noGrp="1"/>
-          </p:cNvSpPr>
-          <p:nvPr>
-            <p:ph type="title"/>
-          </p:nvPr>
-        </p:nvSpPr>
-        <p:spPr/>
-        <p:txBody>
-          <a:bodyPr/>
-          <a:lstStyle/>
-          <a:p>
-            <a:r>
-              <a:rPr lang="en-US" smtClean="0"/>
-              <a:t>Click to edit Master title style</a:t>
-            </a:r>
-            <a:endParaRPr lang="en-US"/>
-          </a:p>
-        </p:txBody>
-      </p:sp>
-      <p:sp>
-        <p:nvSpPr>
           <p:cNvPr id="3" name="Content Placeholder 2"/>
           <p:cNvSpPr>
             <a:spLocks noGrp="1"/>
@@ -1234,7 +1500,7 @@
           <a:bodyPr/>
           <a:lstStyle/>
           <a:p>
-            <a:fld id="{D5B707B7-CFF1-45F8-86E9-AB741835EE55}" type="datetimeFigureOut">
+            <a:fld id="{7641C023-4088-4D75-BBD8-CE482B98921B}" type="datetimeFigureOut">
               <a:rPr lang="en-US" smtClean="0"/>
               <a:t>9/23/2019</a:t>
             </a:fld>
@@ -1252,31 +1518,39 @@
             <p:ph type="ftr" sz="quarter" idx="11"/>
           </p:nvPr>
         </p:nvSpPr>
+        <p:spPr>
+          <a:xfrm>
+            <a:off x="4038600" y="6356350"/>
+            <a:ext cx="4114800" cy="365125"/>
+          </a:xfrm>
+          <a:prstGeom prst="rect">
+            <a:avLst/>
+          </a:prstGeom>
+        </p:spPr>
+        <p:txBody>
+          <a:bodyPr/>
+          <a:lstStyle/>
+          <a:p>
+            <a:endParaRPr lang="en-US"/>
+          </a:p>
+        </p:txBody>
+      </p:sp>
+      <p:sp>
+        <p:nvSpPr>
+          <p:cNvPr id="7" name="Slide Number Placeholder 6"/>
+          <p:cNvSpPr>
+            <a:spLocks noGrp="1"/>
+          </p:cNvSpPr>
+          <p:nvPr>
+            <p:ph type="sldNum" sz="quarter" idx="12"/>
+          </p:nvPr>
+        </p:nvSpPr>
         <p:spPr/>
         <p:txBody>
           <a:bodyPr/>
           <a:lstStyle/>
           <a:p>
-            <a:endParaRPr lang="en-US"/>
-          </a:p>
-        </p:txBody>
-      </p:sp>
-      <p:sp>
-        <p:nvSpPr>
-          <p:cNvPr id="7" name="Slide Number Placeholder 6"/>
-          <p:cNvSpPr>
-            <a:spLocks noGrp="1"/>
-          </p:cNvSpPr>
-          <p:nvPr>
-            <p:ph type="sldNum" sz="quarter" idx="12"/>
-          </p:nvPr>
-        </p:nvSpPr>
-        <p:spPr/>
-        <p:txBody>
-          <a:bodyPr/>
-          <a:lstStyle/>
-          <a:p>
-            <a:fld id="{602BBDAE-8186-4EE1-88E0-30CBA835D8D5}" type="slidenum">
+            <a:fld id="{175F09DF-D319-4D32-86C8-2E63EA6969AE}" type="slidenum">
               <a:rPr lang="en-US" smtClean="0"/>
               <a:t>‹#›</a:t>
             </a:fld>
@@ -1284,10 +1558,132 @@
           </a:p>
         </p:txBody>
       </p:sp>
+      <p:sp>
+        <p:nvSpPr>
+          <p:cNvPr id="8" name="Rectangle 7"/>
+          <p:cNvSpPr/>
+          <p:nvPr userDrawn="1"/>
+        </p:nvSpPr>
+        <p:spPr>
+          <a:xfrm>
+            <a:off x="0" y="-1"/>
+            <a:ext cx="12192000" cy="1408113"/>
+          </a:xfrm>
+          <a:prstGeom prst="rect">
+            <a:avLst/>
+          </a:prstGeom>
+          <a:solidFill>
+            <a:schemeClr val="accent1">
+              <a:lumMod val="20000"/>
+              <a:lumOff val="80000"/>
+            </a:schemeClr>
+          </a:solidFill>
+        </p:spPr>
+        <p:style>
+          <a:lnRef idx="2">
+            <a:schemeClr val="accent1">
+              <a:shade val="50000"/>
+            </a:schemeClr>
+          </a:lnRef>
+          <a:fillRef idx="1">
+            <a:schemeClr val="accent1"/>
+          </a:fillRef>
+          <a:effectRef idx="0">
+            <a:schemeClr val="accent1"/>
+          </a:effectRef>
+          <a:fontRef idx="minor">
+            <a:schemeClr val="lt1"/>
+          </a:fontRef>
+        </p:style>
+        <p:txBody>
+          <a:bodyPr rtlCol="0" anchor="ctr"/>
+          <a:lstStyle/>
+          <a:p>
+            <a:pPr algn="ctr"/>
+            <a:endParaRPr lang="en-US"/>
+          </a:p>
+        </p:txBody>
+      </p:sp>
+      <p:sp>
+        <p:nvSpPr>
+          <p:cNvPr id="9" name="Title 1"/>
+          <p:cNvSpPr>
+            <a:spLocks noGrp="1"/>
+          </p:cNvSpPr>
+          <p:nvPr>
+            <p:ph type="title"/>
+          </p:nvPr>
+        </p:nvSpPr>
+        <p:spPr>
+          <a:xfrm>
+            <a:off x="1903828" y="351057"/>
+            <a:ext cx="8384344" cy="930275"/>
+          </a:xfrm>
+        </p:spPr>
+        <p:txBody>
+          <a:bodyPr/>
+          <a:lstStyle/>
+          <a:p>
+            <a:r>
+              <a:rPr lang="en-US" smtClean="0"/>
+              <a:t>Click to edit Master title style</a:t>
+            </a:r>
+            <a:endParaRPr lang="en-US"/>
+          </a:p>
+        </p:txBody>
+      </p:sp>
+      <p:pic>
+        <p:nvPicPr>
+          <p:cNvPr id="10" name="Picture 9"/>
+          <p:cNvPicPr>
+            <a:picLocks noChangeAspect="1"/>
+          </p:cNvPicPr>
+          <p:nvPr userDrawn="1"/>
+        </p:nvPicPr>
+        <p:blipFill>
+          <a:blip r:embed="rId2"/>
+          <a:stretch>
+            <a:fillRect/>
+          </a:stretch>
+        </p:blipFill>
+        <p:spPr>
+          <a:xfrm>
+            <a:off x="10600162" y="100941"/>
+            <a:ext cx="1507276" cy="1206227"/>
+          </a:xfrm>
+          <a:prstGeom prst="rect">
+            <a:avLst/>
+          </a:prstGeom>
+        </p:spPr>
+      </p:pic>
+      <p:pic>
+        <p:nvPicPr>
+          <p:cNvPr id="11" name="Picture 10"/>
+          <p:cNvPicPr>
+            <a:picLocks noChangeAspect="1"/>
+          </p:cNvPicPr>
+          <p:nvPr userDrawn="1"/>
+        </p:nvPicPr>
+        <p:blipFill>
+          <a:blip r:embed="rId3"/>
+          <a:stretch>
+            <a:fillRect/>
+          </a:stretch>
+        </p:blipFill>
+        <p:spPr>
+          <a:xfrm>
+            <a:off x="-186408" y="-154511"/>
+            <a:ext cx="2049216" cy="1717130"/>
+          </a:xfrm>
+          <a:prstGeom prst="rect">
+            <a:avLst/>
+          </a:prstGeom>
+        </p:spPr>
+      </p:pic>
     </p:spTree>
     <p:extLst>
       <p:ext uri="{BB962C8B-B14F-4D97-AF65-F5344CB8AC3E}">
-        <p14:creationId xmlns:p14="http://schemas.microsoft.com/office/powerpoint/2010/main" val="2330122773"/>
+        <p14:creationId xmlns:p14="http://schemas.microsoft.com/office/powerpoint/2010/main" val="3117421081"/>
       </p:ext>
     </p:extLst>
   </p:cSld>
@@ -1298,7 +1694,7 @@
 </file>
 
 <file path=ppt/slideLayouts/slideLayout5.xml><?xml version="1.0" encoding="utf-8"?>
-<p:sldLayout xmlns:a="http://schemas.openxmlformats.org/drawingml/2006/main" xmlns:r="http://schemas.openxmlformats.org/officeDocument/2006/relationships" xmlns:p="http://schemas.openxmlformats.org/presentationml/2006/main" type="twoTxTwoObj" preserve="1">
+<p:sldLayout xmlns:a="http://schemas.openxmlformats.org/drawingml/2006/main" xmlns:r="http://schemas.openxmlformats.org/officeDocument/2006/relationships" xmlns:p="http://schemas.openxmlformats.org/presentationml/2006/main" preserve="1" userDrawn="1">
   <p:cSld name="Comparison">
     <p:spTree>
       <p:nvGrpSpPr>
@@ -1316,34 +1712,6 @@
       </p:grpSpPr>
       <p:sp>
         <p:nvSpPr>
-          <p:cNvPr id="2" name="Title 1"/>
-          <p:cNvSpPr>
-            <a:spLocks noGrp="1"/>
-          </p:cNvSpPr>
-          <p:nvPr>
-            <p:ph type="title"/>
-          </p:nvPr>
-        </p:nvSpPr>
-        <p:spPr>
-          <a:xfrm>
-            <a:off x="839788" y="365125"/>
-            <a:ext cx="10515600" cy="1325563"/>
-          </a:xfrm>
-        </p:spPr>
-        <p:txBody>
-          <a:bodyPr/>
-          <a:lstStyle/>
-          <a:p>
-            <a:r>
-              <a:rPr lang="en-US" smtClean="0"/>
-              <a:t>Click to edit Master title style</a:t>
-            </a:r>
-            <a:endParaRPr lang="en-US"/>
-          </a:p>
-        </p:txBody>
-      </p:sp>
-      <p:sp>
-        <p:nvSpPr>
           <p:cNvPr id="3" name="Text Placeholder 2"/>
           <p:cNvSpPr>
             <a:spLocks noGrp="1"/>
@@ -1601,7 +1969,7 @@
           <a:bodyPr/>
           <a:lstStyle/>
           <a:p>
-            <a:fld id="{D5B707B7-CFF1-45F8-86E9-AB741835EE55}" type="datetimeFigureOut">
+            <a:fld id="{7641C023-4088-4D75-BBD8-CE482B98921B}" type="datetimeFigureOut">
               <a:rPr lang="en-US" smtClean="0"/>
               <a:t>9/23/2019</a:t>
             </a:fld>
@@ -1619,31 +1987,39 @@
             <p:ph type="ftr" sz="quarter" idx="11"/>
           </p:nvPr>
         </p:nvSpPr>
+        <p:spPr>
+          <a:xfrm>
+            <a:off x="4038600" y="6356350"/>
+            <a:ext cx="4114800" cy="365125"/>
+          </a:xfrm>
+          <a:prstGeom prst="rect">
+            <a:avLst/>
+          </a:prstGeom>
+        </p:spPr>
+        <p:txBody>
+          <a:bodyPr/>
+          <a:lstStyle/>
+          <a:p>
+            <a:endParaRPr lang="en-US"/>
+          </a:p>
+        </p:txBody>
+      </p:sp>
+      <p:sp>
+        <p:nvSpPr>
+          <p:cNvPr id="9" name="Slide Number Placeholder 8"/>
+          <p:cNvSpPr>
+            <a:spLocks noGrp="1"/>
+          </p:cNvSpPr>
+          <p:nvPr>
+            <p:ph type="sldNum" sz="quarter" idx="12"/>
+          </p:nvPr>
+        </p:nvSpPr>
         <p:spPr/>
         <p:txBody>
           <a:bodyPr/>
           <a:lstStyle/>
           <a:p>
-            <a:endParaRPr lang="en-US"/>
-          </a:p>
-        </p:txBody>
-      </p:sp>
-      <p:sp>
-        <p:nvSpPr>
-          <p:cNvPr id="9" name="Slide Number Placeholder 8"/>
-          <p:cNvSpPr>
-            <a:spLocks noGrp="1"/>
-          </p:cNvSpPr>
-          <p:nvPr>
-            <p:ph type="sldNum" sz="quarter" idx="12"/>
-          </p:nvPr>
-        </p:nvSpPr>
-        <p:spPr/>
-        <p:txBody>
-          <a:bodyPr/>
-          <a:lstStyle/>
-          <a:p>
-            <a:fld id="{602BBDAE-8186-4EE1-88E0-30CBA835D8D5}" type="slidenum">
+            <a:fld id="{175F09DF-D319-4D32-86C8-2E63EA6969AE}" type="slidenum">
               <a:rPr lang="en-US" smtClean="0"/>
               <a:t>‹#›</a:t>
             </a:fld>
@@ -1651,10 +2027,132 @@
           </a:p>
         </p:txBody>
       </p:sp>
+      <p:sp>
+        <p:nvSpPr>
+          <p:cNvPr id="10" name="Rectangle 9"/>
+          <p:cNvSpPr/>
+          <p:nvPr userDrawn="1"/>
+        </p:nvSpPr>
+        <p:spPr>
+          <a:xfrm>
+            <a:off x="0" y="-1"/>
+            <a:ext cx="12192000" cy="1408113"/>
+          </a:xfrm>
+          <a:prstGeom prst="rect">
+            <a:avLst/>
+          </a:prstGeom>
+          <a:solidFill>
+            <a:schemeClr val="accent1">
+              <a:lumMod val="20000"/>
+              <a:lumOff val="80000"/>
+            </a:schemeClr>
+          </a:solidFill>
+        </p:spPr>
+        <p:style>
+          <a:lnRef idx="2">
+            <a:schemeClr val="accent1">
+              <a:shade val="50000"/>
+            </a:schemeClr>
+          </a:lnRef>
+          <a:fillRef idx="1">
+            <a:schemeClr val="accent1"/>
+          </a:fillRef>
+          <a:effectRef idx="0">
+            <a:schemeClr val="accent1"/>
+          </a:effectRef>
+          <a:fontRef idx="minor">
+            <a:schemeClr val="lt1"/>
+          </a:fontRef>
+        </p:style>
+        <p:txBody>
+          <a:bodyPr rtlCol="0" anchor="ctr"/>
+          <a:lstStyle/>
+          <a:p>
+            <a:pPr algn="ctr"/>
+            <a:endParaRPr lang="en-US"/>
+          </a:p>
+        </p:txBody>
+      </p:sp>
+      <p:sp>
+        <p:nvSpPr>
+          <p:cNvPr id="11" name="Title 1"/>
+          <p:cNvSpPr>
+            <a:spLocks noGrp="1"/>
+          </p:cNvSpPr>
+          <p:nvPr>
+            <p:ph type="title"/>
+          </p:nvPr>
+        </p:nvSpPr>
+        <p:spPr>
+          <a:xfrm>
+            <a:off x="1903828" y="351057"/>
+            <a:ext cx="8384344" cy="930275"/>
+          </a:xfrm>
+        </p:spPr>
+        <p:txBody>
+          <a:bodyPr/>
+          <a:lstStyle/>
+          <a:p>
+            <a:r>
+              <a:rPr lang="en-US" smtClean="0"/>
+              <a:t>Click to edit Master title style</a:t>
+            </a:r>
+            <a:endParaRPr lang="en-US"/>
+          </a:p>
+        </p:txBody>
+      </p:sp>
+      <p:pic>
+        <p:nvPicPr>
+          <p:cNvPr id="12" name="Picture 11"/>
+          <p:cNvPicPr>
+            <a:picLocks noChangeAspect="1"/>
+          </p:cNvPicPr>
+          <p:nvPr userDrawn="1"/>
+        </p:nvPicPr>
+        <p:blipFill>
+          <a:blip r:embed="rId2"/>
+          <a:stretch>
+            <a:fillRect/>
+          </a:stretch>
+        </p:blipFill>
+        <p:spPr>
+          <a:xfrm>
+            <a:off x="10600162" y="100941"/>
+            <a:ext cx="1507276" cy="1206227"/>
+          </a:xfrm>
+          <a:prstGeom prst="rect">
+            <a:avLst/>
+          </a:prstGeom>
+        </p:spPr>
+      </p:pic>
+      <p:pic>
+        <p:nvPicPr>
+          <p:cNvPr id="13" name="Picture 12"/>
+          <p:cNvPicPr>
+            <a:picLocks noChangeAspect="1"/>
+          </p:cNvPicPr>
+          <p:nvPr userDrawn="1"/>
+        </p:nvPicPr>
+        <p:blipFill>
+          <a:blip r:embed="rId3"/>
+          <a:stretch>
+            <a:fillRect/>
+          </a:stretch>
+        </p:blipFill>
+        <p:spPr>
+          <a:xfrm>
+            <a:off x="-186408" y="-154511"/>
+            <a:ext cx="2049216" cy="1717130"/>
+          </a:xfrm>
+          <a:prstGeom prst="rect">
+            <a:avLst/>
+          </a:prstGeom>
+        </p:spPr>
+      </p:pic>
     </p:spTree>
     <p:extLst>
       <p:ext uri="{BB962C8B-B14F-4D97-AF65-F5344CB8AC3E}">
-        <p14:creationId xmlns:p14="http://schemas.microsoft.com/office/powerpoint/2010/main" val="4063709540"/>
+        <p14:creationId xmlns:p14="http://schemas.microsoft.com/office/powerpoint/2010/main" val="910283014"/>
       </p:ext>
     </p:extLst>
   </p:cSld>
@@ -1665,7 +2163,7 @@
 </file>
 
 <file path=ppt/slideLayouts/slideLayout6.xml><?xml version="1.0" encoding="utf-8"?>
-<p:sldLayout xmlns:a="http://schemas.openxmlformats.org/drawingml/2006/main" xmlns:r="http://schemas.openxmlformats.org/officeDocument/2006/relationships" xmlns:p="http://schemas.openxmlformats.org/presentationml/2006/main" type="titleOnly" preserve="1">
+<p:sldLayout xmlns:a="http://schemas.openxmlformats.org/drawingml/2006/main" xmlns:r="http://schemas.openxmlformats.org/officeDocument/2006/relationships" xmlns:p="http://schemas.openxmlformats.org/presentationml/2006/main" preserve="1" userDrawn="1">
   <p:cSld name="Title Only">
     <p:spTree>
       <p:nvGrpSpPr>
@@ -1683,12 +2181,12 @@
       </p:grpSpPr>
       <p:sp>
         <p:nvSpPr>
-          <p:cNvPr id="2" name="Title 1"/>
-          <p:cNvSpPr>
-            <a:spLocks noGrp="1"/>
-          </p:cNvSpPr>
-          <p:nvPr>
-            <p:ph type="title"/>
+          <p:cNvPr id="3" name="Date Placeholder 2"/>
+          <p:cNvSpPr>
+            <a:spLocks noGrp="1"/>
+          </p:cNvSpPr>
+          <p:nvPr>
+            <p:ph type="dt" sz="half" idx="10"/>
           </p:nvPr>
         </p:nvSpPr>
         <p:spPr/>
@@ -1696,30 +2194,7 @@
           <a:bodyPr/>
           <a:lstStyle/>
           <a:p>
-            <a:r>
-              <a:rPr lang="en-US" smtClean="0"/>
-              <a:t>Click to edit Master title style</a:t>
-            </a:r>
-            <a:endParaRPr lang="en-US"/>
-          </a:p>
-        </p:txBody>
-      </p:sp>
-      <p:sp>
-        <p:nvSpPr>
-          <p:cNvPr id="3" name="Date Placeholder 2"/>
-          <p:cNvSpPr>
-            <a:spLocks noGrp="1"/>
-          </p:cNvSpPr>
-          <p:nvPr>
-            <p:ph type="dt" sz="half" idx="10"/>
-          </p:nvPr>
-        </p:nvSpPr>
-        <p:spPr/>
-        <p:txBody>
-          <a:bodyPr/>
-          <a:lstStyle/>
-          <a:p>
-            <a:fld id="{D5B707B7-CFF1-45F8-86E9-AB741835EE55}" type="datetimeFigureOut">
+            <a:fld id="{7641C023-4088-4D75-BBD8-CE482B98921B}" type="datetimeFigureOut">
               <a:rPr lang="en-US" smtClean="0"/>
               <a:t>9/23/2019</a:t>
             </a:fld>
@@ -1737,31 +2212,39 @@
             <p:ph type="ftr" sz="quarter" idx="11"/>
           </p:nvPr>
         </p:nvSpPr>
+        <p:spPr>
+          <a:xfrm>
+            <a:off x="4038600" y="6356350"/>
+            <a:ext cx="4114800" cy="365125"/>
+          </a:xfrm>
+          <a:prstGeom prst="rect">
+            <a:avLst/>
+          </a:prstGeom>
+        </p:spPr>
+        <p:txBody>
+          <a:bodyPr/>
+          <a:lstStyle/>
+          <a:p>
+            <a:endParaRPr lang="en-US"/>
+          </a:p>
+        </p:txBody>
+      </p:sp>
+      <p:sp>
+        <p:nvSpPr>
+          <p:cNvPr id="5" name="Slide Number Placeholder 4"/>
+          <p:cNvSpPr>
+            <a:spLocks noGrp="1"/>
+          </p:cNvSpPr>
+          <p:nvPr>
+            <p:ph type="sldNum" sz="quarter" idx="12"/>
+          </p:nvPr>
+        </p:nvSpPr>
         <p:spPr/>
         <p:txBody>
           <a:bodyPr/>
           <a:lstStyle/>
           <a:p>
-            <a:endParaRPr lang="en-US"/>
-          </a:p>
-        </p:txBody>
-      </p:sp>
-      <p:sp>
-        <p:nvSpPr>
-          <p:cNvPr id="5" name="Slide Number Placeholder 4"/>
-          <p:cNvSpPr>
-            <a:spLocks noGrp="1"/>
-          </p:cNvSpPr>
-          <p:nvPr>
-            <p:ph type="sldNum" sz="quarter" idx="12"/>
-          </p:nvPr>
-        </p:nvSpPr>
-        <p:spPr/>
-        <p:txBody>
-          <a:bodyPr/>
-          <a:lstStyle/>
-          <a:p>
-            <a:fld id="{602BBDAE-8186-4EE1-88E0-30CBA835D8D5}" type="slidenum">
+            <a:fld id="{175F09DF-D319-4D32-86C8-2E63EA6969AE}" type="slidenum">
               <a:rPr lang="en-US" smtClean="0"/>
               <a:t>‹#›</a:t>
             </a:fld>
@@ -1769,10 +2252,132 @@
           </a:p>
         </p:txBody>
       </p:sp>
+      <p:sp>
+        <p:nvSpPr>
+          <p:cNvPr id="6" name="Rectangle 5"/>
+          <p:cNvSpPr/>
+          <p:nvPr userDrawn="1"/>
+        </p:nvSpPr>
+        <p:spPr>
+          <a:xfrm>
+            <a:off x="0" y="-1"/>
+            <a:ext cx="12192000" cy="1408113"/>
+          </a:xfrm>
+          <a:prstGeom prst="rect">
+            <a:avLst/>
+          </a:prstGeom>
+          <a:solidFill>
+            <a:schemeClr val="accent1">
+              <a:lumMod val="20000"/>
+              <a:lumOff val="80000"/>
+            </a:schemeClr>
+          </a:solidFill>
+        </p:spPr>
+        <p:style>
+          <a:lnRef idx="2">
+            <a:schemeClr val="accent1">
+              <a:shade val="50000"/>
+            </a:schemeClr>
+          </a:lnRef>
+          <a:fillRef idx="1">
+            <a:schemeClr val="accent1"/>
+          </a:fillRef>
+          <a:effectRef idx="0">
+            <a:schemeClr val="accent1"/>
+          </a:effectRef>
+          <a:fontRef idx="minor">
+            <a:schemeClr val="lt1"/>
+          </a:fontRef>
+        </p:style>
+        <p:txBody>
+          <a:bodyPr rtlCol="0" anchor="ctr"/>
+          <a:lstStyle/>
+          <a:p>
+            <a:pPr algn="ctr"/>
+            <a:endParaRPr lang="en-US"/>
+          </a:p>
+        </p:txBody>
+      </p:sp>
+      <p:sp>
+        <p:nvSpPr>
+          <p:cNvPr id="7" name="Title 1"/>
+          <p:cNvSpPr>
+            <a:spLocks noGrp="1"/>
+          </p:cNvSpPr>
+          <p:nvPr>
+            <p:ph type="title"/>
+          </p:nvPr>
+        </p:nvSpPr>
+        <p:spPr>
+          <a:xfrm>
+            <a:off x="1903828" y="351057"/>
+            <a:ext cx="8384344" cy="930275"/>
+          </a:xfrm>
+        </p:spPr>
+        <p:txBody>
+          <a:bodyPr/>
+          <a:lstStyle/>
+          <a:p>
+            <a:r>
+              <a:rPr lang="en-US" smtClean="0"/>
+              <a:t>Click to edit Master title style</a:t>
+            </a:r>
+            <a:endParaRPr lang="en-US"/>
+          </a:p>
+        </p:txBody>
+      </p:sp>
+      <p:pic>
+        <p:nvPicPr>
+          <p:cNvPr id="8" name="Picture 7"/>
+          <p:cNvPicPr>
+            <a:picLocks noChangeAspect="1"/>
+          </p:cNvPicPr>
+          <p:nvPr userDrawn="1"/>
+        </p:nvPicPr>
+        <p:blipFill>
+          <a:blip r:embed="rId2"/>
+          <a:stretch>
+            <a:fillRect/>
+          </a:stretch>
+        </p:blipFill>
+        <p:spPr>
+          <a:xfrm>
+            <a:off x="10600162" y="100941"/>
+            <a:ext cx="1507276" cy="1206227"/>
+          </a:xfrm>
+          <a:prstGeom prst="rect">
+            <a:avLst/>
+          </a:prstGeom>
+        </p:spPr>
+      </p:pic>
+      <p:pic>
+        <p:nvPicPr>
+          <p:cNvPr id="9" name="Picture 8"/>
+          <p:cNvPicPr>
+            <a:picLocks noChangeAspect="1"/>
+          </p:cNvPicPr>
+          <p:nvPr userDrawn="1"/>
+        </p:nvPicPr>
+        <p:blipFill>
+          <a:blip r:embed="rId3"/>
+          <a:stretch>
+            <a:fillRect/>
+          </a:stretch>
+        </p:blipFill>
+        <p:spPr>
+          <a:xfrm>
+            <a:off x="-186408" y="-154511"/>
+            <a:ext cx="2049216" cy="1717130"/>
+          </a:xfrm>
+          <a:prstGeom prst="rect">
+            <a:avLst/>
+          </a:prstGeom>
+        </p:spPr>
+      </p:pic>
     </p:spTree>
     <p:extLst>
       <p:ext uri="{BB962C8B-B14F-4D97-AF65-F5344CB8AC3E}">
-        <p14:creationId xmlns:p14="http://schemas.microsoft.com/office/powerpoint/2010/main" val="478614225"/>
+        <p14:creationId xmlns:p14="http://schemas.microsoft.com/office/powerpoint/2010/main" val="1693299314"/>
       </p:ext>
     </p:extLst>
   </p:cSld>
@@ -1814,7 +2419,7 @@
           <a:bodyPr/>
           <a:lstStyle/>
           <a:p>
-            <a:fld id="{D5B707B7-CFF1-45F8-86E9-AB741835EE55}" type="datetimeFigureOut">
+            <a:fld id="{7641C023-4088-4D75-BBD8-CE482B98921B}" type="datetimeFigureOut">
               <a:rPr lang="en-US" smtClean="0"/>
               <a:t>9/23/2019</a:t>
             </a:fld>
@@ -1832,31 +2437,39 @@
             <p:ph type="ftr" sz="quarter" idx="11"/>
           </p:nvPr>
         </p:nvSpPr>
+        <p:spPr>
+          <a:xfrm>
+            <a:off x="4038600" y="6356350"/>
+            <a:ext cx="4114800" cy="365125"/>
+          </a:xfrm>
+          <a:prstGeom prst="rect">
+            <a:avLst/>
+          </a:prstGeom>
+        </p:spPr>
+        <p:txBody>
+          <a:bodyPr/>
+          <a:lstStyle/>
+          <a:p>
+            <a:endParaRPr lang="en-US"/>
+          </a:p>
+        </p:txBody>
+      </p:sp>
+      <p:sp>
+        <p:nvSpPr>
+          <p:cNvPr id="4" name="Slide Number Placeholder 3"/>
+          <p:cNvSpPr>
+            <a:spLocks noGrp="1"/>
+          </p:cNvSpPr>
+          <p:nvPr>
+            <p:ph type="sldNum" sz="quarter" idx="12"/>
+          </p:nvPr>
+        </p:nvSpPr>
         <p:spPr/>
         <p:txBody>
           <a:bodyPr/>
           <a:lstStyle/>
           <a:p>
-            <a:endParaRPr lang="en-US"/>
-          </a:p>
-        </p:txBody>
-      </p:sp>
-      <p:sp>
-        <p:nvSpPr>
-          <p:cNvPr id="4" name="Slide Number Placeholder 3"/>
-          <p:cNvSpPr>
-            <a:spLocks noGrp="1"/>
-          </p:cNvSpPr>
-          <p:nvPr>
-            <p:ph type="sldNum" sz="quarter" idx="12"/>
-          </p:nvPr>
-        </p:nvSpPr>
-        <p:spPr/>
-        <p:txBody>
-          <a:bodyPr/>
-          <a:lstStyle/>
-          <a:p>
-            <a:fld id="{602BBDAE-8186-4EE1-88E0-30CBA835D8D5}" type="slidenum">
+            <a:fld id="{175F09DF-D319-4D32-86C8-2E63EA6969AE}" type="slidenum">
               <a:rPr lang="en-US" smtClean="0"/>
               <a:t>‹#›</a:t>
             </a:fld>
@@ -1867,7 +2480,7 @@
     </p:spTree>
     <p:extLst>
       <p:ext uri="{BB962C8B-B14F-4D97-AF65-F5344CB8AC3E}">
-        <p14:creationId xmlns:p14="http://schemas.microsoft.com/office/powerpoint/2010/main" val="1723955629"/>
+        <p14:creationId xmlns:p14="http://schemas.microsoft.com/office/powerpoint/2010/main" val="1635799398"/>
       </p:ext>
     </p:extLst>
   </p:cSld>
@@ -2091,7 +2704,7 @@
           <a:bodyPr/>
           <a:lstStyle/>
           <a:p>
-            <a:fld id="{D5B707B7-CFF1-45F8-86E9-AB741835EE55}" type="datetimeFigureOut">
+            <a:fld id="{7641C023-4088-4D75-BBD8-CE482B98921B}" type="datetimeFigureOut">
               <a:rPr lang="en-US" smtClean="0"/>
               <a:t>9/23/2019</a:t>
             </a:fld>
@@ -2109,31 +2722,39 @@
             <p:ph type="ftr" sz="quarter" idx="11"/>
           </p:nvPr>
         </p:nvSpPr>
+        <p:spPr>
+          <a:xfrm>
+            <a:off x="4038600" y="6356350"/>
+            <a:ext cx="4114800" cy="365125"/>
+          </a:xfrm>
+          <a:prstGeom prst="rect">
+            <a:avLst/>
+          </a:prstGeom>
+        </p:spPr>
+        <p:txBody>
+          <a:bodyPr/>
+          <a:lstStyle/>
+          <a:p>
+            <a:endParaRPr lang="en-US"/>
+          </a:p>
+        </p:txBody>
+      </p:sp>
+      <p:sp>
+        <p:nvSpPr>
+          <p:cNvPr id="7" name="Slide Number Placeholder 6"/>
+          <p:cNvSpPr>
+            <a:spLocks noGrp="1"/>
+          </p:cNvSpPr>
+          <p:nvPr>
+            <p:ph type="sldNum" sz="quarter" idx="12"/>
+          </p:nvPr>
+        </p:nvSpPr>
         <p:spPr/>
         <p:txBody>
           <a:bodyPr/>
           <a:lstStyle/>
           <a:p>
-            <a:endParaRPr lang="en-US"/>
-          </a:p>
-        </p:txBody>
-      </p:sp>
-      <p:sp>
-        <p:nvSpPr>
-          <p:cNvPr id="7" name="Slide Number Placeholder 6"/>
-          <p:cNvSpPr>
-            <a:spLocks noGrp="1"/>
-          </p:cNvSpPr>
-          <p:nvPr>
-            <p:ph type="sldNum" sz="quarter" idx="12"/>
-          </p:nvPr>
-        </p:nvSpPr>
-        <p:spPr/>
-        <p:txBody>
-          <a:bodyPr/>
-          <a:lstStyle/>
-          <a:p>
-            <a:fld id="{602BBDAE-8186-4EE1-88E0-30CBA835D8D5}" type="slidenum">
+            <a:fld id="{175F09DF-D319-4D32-86C8-2E63EA6969AE}" type="slidenum">
               <a:rPr lang="en-US" smtClean="0"/>
               <a:t>‹#›</a:t>
             </a:fld>
@@ -2144,7 +2765,7 @@
     </p:spTree>
     <p:extLst>
       <p:ext uri="{BB962C8B-B14F-4D97-AF65-F5344CB8AC3E}">
-        <p14:creationId xmlns:p14="http://schemas.microsoft.com/office/powerpoint/2010/main" val="4004659173"/>
+        <p14:creationId xmlns:p14="http://schemas.microsoft.com/office/powerpoint/2010/main" val="3053423869"/>
       </p:ext>
     </p:extLst>
   </p:cSld>
@@ -2344,7 +2965,7 @@
           <a:bodyPr/>
           <a:lstStyle/>
           <a:p>
-            <a:fld id="{D5B707B7-CFF1-45F8-86E9-AB741835EE55}" type="datetimeFigureOut">
+            <a:fld id="{7641C023-4088-4D75-BBD8-CE482B98921B}" type="datetimeFigureOut">
               <a:rPr lang="en-US" smtClean="0"/>
               <a:t>9/23/2019</a:t>
             </a:fld>
@@ -2362,31 +2983,39 @@
             <p:ph type="ftr" sz="quarter" idx="11"/>
           </p:nvPr>
         </p:nvSpPr>
+        <p:spPr>
+          <a:xfrm>
+            <a:off x="4038600" y="6356350"/>
+            <a:ext cx="4114800" cy="365125"/>
+          </a:xfrm>
+          <a:prstGeom prst="rect">
+            <a:avLst/>
+          </a:prstGeom>
+        </p:spPr>
+        <p:txBody>
+          <a:bodyPr/>
+          <a:lstStyle/>
+          <a:p>
+            <a:endParaRPr lang="en-US"/>
+          </a:p>
+        </p:txBody>
+      </p:sp>
+      <p:sp>
+        <p:nvSpPr>
+          <p:cNvPr id="7" name="Slide Number Placeholder 6"/>
+          <p:cNvSpPr>
+            <a:spLocks noGrp="1"/>
+          </p:cNvSpPr>
+          <p:nvPr>
+            <p:ph type="sldNum" sz="quarter" idx="12"/>
+          </p:nvPr>
+        </p:nvSpPr>
         <p:spPr/>
         <p:txBody>
           <a:bodyPr/>
           <a:lstStyle/>
           <a:p>
-            <a:endParaRPr lang="en-US"/>
-          </a:p>
-        </p:txBody>
-      </p:sp>
-      <p:sp>
-        <p:nvSpPr>
-          <p:cNvPr id="7" name="Slide Number Placeholder 6"/>
-          <p:cNvSpPr>
-            <a:spLocks noGrp="1"/>
-          </p:cNvSpPr>
-          <p:nvPr>
-            <p:ph type="sldNum" sz="quarter" idx="12"/>
-          </p:nvPr>
-        </p:nvSpPr>
-        <p:spPr/>
-        <p:txBody>
-          <a:bodyPr/>
-          <a:lstStyle/>
-          <a:p>
-            <a:fld id="{602BBDAE-8186-4EE1-88E0-30CBA835D8D5}" type="slidenum">
+            <a:fld id="{175F09DF-D319-4D32-86C8-2E63EA6969AE}" type="slidenum">
               <a:rPr lang="en-US" smtClean="0"/>
               <a:t>‹#›</a:t>
             </a:fld>
@@ -2397,7 +3026,7 @@
     </p:spTree>
     <p:extLst>
       <p:ext uri="{BB962C8B-B14F-4D97-AF65-F5344CB8AC3E}">
-        <p14:creationId xmlns:p14="http://schemas.microsoft.com/office/powerpoint/2010/main" val="374440966"/>
+        <p14:creationId xmlns:p14="http://schemas.microsoft.com/office/powerpoint/2010/main" val="1455866172"/>
       </p:ext>
     </p:extLst>
   </p:cSld>
@@ -2557,47 +3186,10 @@
             </a:lvl1pPr>
           </a:lstStyle>
           <a:p>
-            <a:fld id="{D5B707B7-CFF1-45F8-86E9-AB741835EE55}" type="datetimeFigureOut">
+            <a:fld id="{7641C023-4088-4D75-BBD8-CE482B98921B}" type="datetimeFigureOut">
               <a:rPr lang="en-US" smtClean="0"/>
               <a:t>9/23/2019</a:t>
             </a:fld>
-            <a:endParaRPr lang="en-US"/>
-          </a:p>
-        </p:txBody>
-      </p:sp>
-      <p:sp>
-        <p:nvSpPr>
-          <p:cNvPr id="5" name="Footer Placeholder 4"/>
-          <p:cNvSpPr>
-            <a:spLocks noGrp="1"/>
-          </p:cNvSpPr>
-          <p:nvPr>
-            <p:ph type="ftr" sz="quarter" idx="3"/>
-          </p:nvPr>
-        </p:nvSpPr>
-        <p:spPr>
-          <a:xfrm>
-            <a:off x="4038600" y="6356350"/>
-            <a:ext cx="4114800" cy="365125"/>
-          </a:xfrm>
-          <a:prstGeom prst="rect">
-            <a:avLst/>
-          </a:prstGeom>
-        </p:spPr>
-        <p:txBody>
-          <a:bodyPr vert="horz" lIns="91440" tIns="45720" rIns="91440" bIns="45720" rtlCol="0" anchor="ctr"/>
-          <a:lstStyle>
-            <a:lvl1pPr algn="ctr">
-              <a:defRPr sz="1200">
-                <a:solidFill>
-                  <a:schemeClr val="tx1">
-                    <a:tint val="75000"/>
-                  </a:schemeClr>
-                </a:solidFill>
-              </a:defRPr>
-            </a:lvl1pPr>
-          </a:lstStyle>
-          <a:p>
             <a:endParaRPr lang="en-US"/>
           </a:p>
         </p:txBody>
@@ -2635,18 +3227,48 @@
             </a:lvl1pPr>
           </a:lstStyle>
           <a:p>
-            <a:fld id="{602BBDAE-8186-4EE1-88E0-30CBA835D8D5}" type="slidenum">
+            <a:fld id="{175F09DF-D319-4D32-86C8-2E63EA6969AE}" type="slidenum">
               <a:rPr lang="en-US" smtClean="0"/>
               <a:t>‹#›</a:t>
             </a:fld>
             <a:endParaRPr lang="en-US"/>
+          </a:p>
+        </p:txBody>
+      </p:sp>
+      <p:sp>
+        <p:nvSpPr>
+          <p:cNvPr id="7" name="TextBox 6"/>
+          <p:cNvSpPr txBox="1"/>
+          <p:nvPr userDrawn="1"/>
+        </p:nvSpPr>
+        <p:spPr>
+          <a:xfrm>
+            <a:off x="4669968" y="6367536"/>
+            <a:ext cx="2852063" cy="369332"/>
+          </a:xfrm>
+          <a:prstGeom prst="rect">
+            <a:avLst/>
+          </a:prstGeom>
+          <a:noFill/>
+        </p:spPr>
+        <p:txBody>
+          <a:bodyPr wrap="none" rtlCol="0">
+            <a:spAutoFit/>
+          </a:bodyPr>
+          <a:lstStyle/>
+          <a:p>
+            <a:r>
+              <a:rPr lang="en-US" dirty="0" smtClean="0"/>
+              <a:t>For Instructional Use Only</a:t>
+            </a:r>
+            <a:endParaRPr lang="en-US" dirty="0"/>
           </a:p>
         </p:txBody>
       </p:sp>
     </p:spTree>
     <p:extLst>
       <p:ext uri="{BB962C8B-B14F-4D97-AF65-F5344CB8AC3E}">
-        <p14:creationId xmlns:p14="http://schemas.microsoft.com/office/powerpoint/2010/main" val="295399919"/>
+        <p14:creationId xmlns:p14="http://schemas.microsoft.com/office/powerpoint/2010/main" val="2871024585"/>
       </p:ext>
     </p:extLst>
   </p:cSld>
@@ -2979,7 +3601,7 @@
           <a:bodyPr/>
           <a:lstStyle/>
           <a:p>
-            <a:endParaRPr lang="en-US"/>
+            <a:endParaRPr lang="en-US" dirty="0"/>
           </a:p>
         </p:txBody>
       </p:sp>
@@ -3005,7 +3627,75 @@
     </p:spTree>
     <p:extLst>
       <p:ext uri="{BB962C8B-B14F-4D97-AF65-F5344CB8AC3E}">
-        <p14:creationId xmlns:p14="http://schemas.microsoft.com/office/powerpoint/2010/main" val="1562269481"/>
+        <p14:creationId xmlns:p14="http://schemas.microsoft.com/office/powerpoint/2010/main" val="2539259729"/>
+      </p:ext>
+    </p:extLst>
+  </p:cSld>
+  <p:clrMapOvr>
+    <a:masterClrMapping/>
+  </p:clrMapOvr>
+</p:sld>
+</file>
+
+<file path=ppt/slides/slide2.xml><?xml version="1.0" encoding="utf-8"?>
+<p:sld xmlns:a="http://schemas.openxmlformats.org/drawingml/2006/main" xmlns:r="http://schemas.openxmlformats.org/officeDocument/2006/relationships" xmlns:p="http://schemas.openxmlformats.org/presentationml/2006/main">
+  <p:cSld>
+    <p:spTree>
+      <p:nvGrpSpPr>
+        <p:cNvPr id="1" name=""/>
+        <p:cNvGrpSpPr/>
+        <p:nvPr/>
+      </p:nvGrpSpPr>
+      <p:grpSpPr>
+        <a:xfrm>
+          <a:off x="0" y="0"/>
+          <a:ext cx="0" cy="0"/>
+          <a:chOff x="0" y="0"/>
+          <a:chExt cx="0" cy="0"/>
+        </a:xfrm>
+      </p:grpSpPr>
+      <p:sp>
+        <p:nvSpPr>
+          <p:cNvPr id="2" name="Title 1"/>
+          <p:cNvSpPr>
+            <a:spLocks noGrp="1"/>
+          </p:cNvSpPr>
+          <p:nvPr>
+            <p:ph type="title"/>
+          </p:nvPr>
+        </p:nvSpPr>
+        <p:spPr/>
+        <p:txBody>
+          <a:bodyPr/>
+          <a:lstStyle/>
+          <a:p>
+            <a:endParaRPr lang="en-US"/>
+          </a:p>
+        </p:txBody>
+      </p:sp>
+      <p:sp>
+        <p:nvSpPr>
+          <p:cNvPr id="3" name="Content Placeholder 2"/>
+          <p:cNvSpPr>
+            <a:spLocks noGrp="1"/>
+          </p:cNvSpPr>
+          <p:nvPr>
+            <p:ph idx="1"/>
+          </p:nvPr>
+        </p:nvSpPr>
+        <p:spPr/>
+        <p:txBody>
+          <a:bodyPr/>
+          <a:lstStyle/>
+          <a:p>
+            <a:endParaRPr lang="en-US"/>
+          </a:p>
+        </p:txBody>
+      </p:sp>
+    </p:spTree>
+    <p:extLst>
+      <p:ext uri="{BB962C8B-B14F-4D97-AF65-F5344CB8AC3E}">
+        <p14:creationId xmlns:p14="http://schemas.microsoft.com/office/powerpoint/2010/main" val="3032350724"/>
       </p:ext>
     </p:extLst>
   </p:cSld>
@@ -3056,13 +3746,13 @@
         <a:srgbClr val="954F72"/>
       </a:folHlink>
     </a:clrScheme>
-    <a:fontScheme name="Office">
+    <a:fontScheme name="Times New Roman-Arial">
       <a:majorFont>
-        <a:latin typeface="Calibri Light" panose="020F0302020204030204"/>
+        <a:latin typeface="Times New Roman" panose="02020603050405020304"/>
         <a:ea typeface=""/>
         <a:cs typeface=""/>
-        <a:font script="Jpan" typeface="ＭＳ Ｐゴシック"/>
-        <a:font script="Hang" typeface="맑은 고딕"/>
+        <a:font script="Jpan" typeface="ＭＳ Ｐ明朝"/>
+        <a:font script="Hang" typeface="바탕"/>
         <a:font script="Hans" typeface="宋体"/>
         <a:font script="Hant" typeface="新細明體"/>
         <a:font script="Arab" typeface="Times New Roman"/>
@@ -3093,13 +3783,13 @@
         <a:font script="Geor" typeface="Sylfaen"/>
       </a:majorFont>
       <a:minorFont>
-        <a:latin typeface="Calibri" panose="020F0502020204030204"/>
+        <a:latin typeface="Arial" panose="020B0604020202020204"/>
         <a:ea typeface=""/>
         <a:cs typeface=""/>
         <a:font script="Jpan" typeface="ＭＳ Ｐゴシック"/>
-        <a:font script="Hang" typeface="맑은 고딕"/>
-        <a:font script="Hans" typeface="宋体"/>
-        <a:font script="Hant" typeface="新細明體"/>
+        <a:font script="Hang" typeface="돋움"/>
+        <a:font script="Hans" typeface="黑体"/>
+        <a:font script="Hant" typeface="微軟正黑體"/>
         <a:font script="Arab" typeface="Arial"/>
         <a:font script="Hebr" typeface="Arial"/>
         <a:font script="Thai" typeface="Cordia New"/>

--- a/Documents/Control Software Summary.pptx
+++ b/Documents/Control Software Summary.pptx
@@ -7,6 +7,16 @@
   <p:sldIdLst>
     <p:sldId id="256" r:id="rId2"/>
     <p:sldId id="257" r:id="rId3"/>
+    <p:sldId id="258" r:id="rId4"/>
+    <p:sldId id="259" r:id="rId5"/>
+    <p:sldId id="260" r:id="rId6"/>
+    <p:sldId id="261" r:id="rId7"/>
+    <p:sldId id="262" r:id="rId8"/>
+    <p:sldId id="263" r:id="rId9"/>
+    <p:sldId id="264" r:id="rId10"/>
+    <p:sldId id="265" r:id="rId11"/>
+    <p:sldId id="266" r:id="rId12"/>
+    <p:sldId id="267" r:id="rId13"/>
   </p:sldIdLst>
   <p:sldSz cx="12192000" cy="6858000"/>
   <p:notesSz cx="6858000" cy="9144000"/>
@@ -105,6 +115,11 @@
       </a:defRPr>
     </a:lvl9pPr>
   </p:defaultTextStyle>
+  <p:extLst>
+    <p:ext uri="{EFAFB233-063F-42B5-8137-9DF3F51BA10A}">
+      <p15:sldGuideLst xmlns:p15="http://schemas.microsoft.com/office/powerpoint/2012/main"/>
+    </p:ext>
+  </p:extLst>
 </p:presentation>
 </file>
 
@@ -287,7 +302,7 @@
           <a:p>
             <a:fld id="{7641C023-4088-4D75-BBD8-CE482B98921B}" type="datetimeFigureOut">
               <a:rPr lang="en-US" smtClean="0"/>
-              <a:t>9/23/2019</a:t>
+              <a:t>10/13/2019</a:t>
             </a:fld>
             <a:endParaRPr lang="en-US"/>
           </a:p>
@@ -513,7 +528,7 @@
           <a:p>
             <a:fld id="{7641C023-4088-4D75-BBD8-CE482B98921B}" type="datetimeFigureOut">
               <a:rPr lang="en-US" smtClean="0"/>
-              <a:t>9/23/2019</a:t>
+              <a:t>10/13/2019</a:t>
             </a:fld>
             <a:endParaRPr lang="en-US"/>
           </a:p>
@@ -701,7 +716,7 @@
           <a:p>
             <a:fld id="{7641C023-4088-4D75-BBD8-CE482B98921B}" type="datetimeFigureOut">
               <a:rPr lang="en-US" smtClean="0"/>
-              <a:t>9/23/2019</a:t>
+              <a:t>10/13/2019</a:t>
             </a:fld>
             <a:endParaRPr lang="en-US"/>
           </a:p>
@@ -935,7 +950,7 @@
           <a:p>
             <a:fld id="{7641C023-4088-4D75-BBD8-CE482B98921B}" type="datetimeFigureOut">
               <a:rPr lang="en-US" smtClean="0"/>
-              <a:t>9/23/2019</a:t>
+              <a:t>10/13/2019</a:t>
             </a:fld>
             <a:endParaRPr lang="en-US"/>
           </a:p>
@@ -1237,7 +1252,7 @@
           <a:p>
             <a:fld id="{7641C023-4088-4D75-BBD8-CE482B98921B}" type="datetimeFigureOut">
               <a:rPr lang="en-US" smtClean="0"/>
-              <a:t>9/23/2019</a:t>
+              <a:t>10/13/2019</a:t>
             </a:fld>
             <a:endParaRPr lang="en-US"/>
           </a:p>
@@ -1502,7 +1517,7 @@
           <a:p>
             <a:fld id="{7641C023-4088-4D75-BBD8-CE482B98921B}" type="datetimeFigureOut">
               <a:rPr lang="en-US" smtClean="0"/>
-              <a:t>9/23/2019</a:t>
+              <a:t>10/13/2019</a:t>
             </a:fld>
             <a:endParaRPr lang="en-US"/>
           </a:p>
@@ -1971,7 +1986,7 @@
           <a:p>
             <a:fld id="{7641C023-4088-4D75-BBD8-CE482B98921B}" type="datetimeFigureOut">
               <a:rPr lang="en-US" smtClean="0"/>
-              <a:t>9/23/2019</a:t>
+              <a:t>10/13/2019</a:t>
             </a:fld>
             <a:endParaRPr lang="en-US"/>
           </a:p>
@@ -2196,7 +2211,7 @@
           <a:p>
             <a:fld id="{7641C023-4088-4D75-BBD8-CE482B98921B}" type="datetimeFigureOut">
               <a:rPr lang="en-US" smtClean="0"/>
-              <a:t>9/23/2019</a:t>
+              <a:t>10/13/2019</a:t>
             </a:fld>
             <a:endParaRPr lang="en-US"/>
           </a:p>
@@ -2421,7 +2436,7 @@
           <a:p>
             <a:fld id="{7641C023-4088-4D75-BBD8-CE482B98921B}" type="datetimeFigureOut">
               <a:rPr lang="en-US" smtClean="0"/>
-              <a:t>9/23/2019</a:t>
+              <a:t>10/13/2019</a:t>
             </a:fld>
             <a:endParaRPr lang="en-US"/>
           </a:p>
@@ -2706,7 +2721,7 @@
           <a:p>
             <a:fld id="{7641C023-4088-4D75-BBD8-CE482B98921B}" type="datetimeFigureOut">
               <a:rPr lang="en-US" smtClean="0"/>
-              <a:t>9/23/2019</a:t>
+              <a:t>10/13/2019</a:t>
             </a:fld>
             <a:endParaRPr lang="en-US"/>
           </a:p>
@@ -2967,7 +2982,7 @@
           <a:p>
             <a:fld id="{7641C023-4088-4D75-BBD8-CE482B98921B}" type="datetimeFigureOut">
               <a:rPr lang="en-US" smtClean="0"/>
-              <a:t>9/23/2019</a:t>
+              <a:t>10/13/2019</a:t>
             </a:fld>
             <a:endParaRPr lang="en-US"/>
           </a:p>
@@ -3188,7 +3203,7 @@
           <a:p>
             <a:fld id="{7641C023-4088-4D75-BBD8-CE482B98921B}" type="datetimeFigureOut">
               <a:rPr lang="en-US" smtClean="0"/>
-              <a:t>9/23/2019</a:t>
+              <a:t>10/13/2019</a:t>
             </a:fld>
             <a:endParaRPr lang="en-US"/>
           </a:p>
@@ -3601,6 +3616,10 @@
           <a:bodyPr/>
           <a:lstStyle/>
           <a:p>
+            <a:r>
+              <a:rPr lang="en-US" dirty="0" smtClean="0"/>
+              <a:t>Control Software Summary</a:t>
+            </a:r>
             <a:endParaRPr lang="en-US" dirty="0"/>
           </a:p>
         </p:txBody>
@@ -3628,6 +3647,259 @@
     <p:extLst>
       <p:ext uri="{BB962C8B-B14F-4D97-AF65-F5344CB8AC3E}">
         <p14:creationId xmlns:p14="http://schemas.microsoft.com/office/powerpoint/2010/main" val="2539259729"/>
+      </p:ext>
+    </p:extLst>
+  </p:cSld>
+  <p:clrMapOvr>
+    <a:masterClrMapping/>
+  </p:clrMapOvr>
+</p:sld>
+</file>
+
+<file path=ppt/slides/slide10.xml><?xml version="1.0" encoding="utf-8"?>
+<p:sld xmlns:a="http://schemas.openxmlformats.org/drawingml/2006/main" xmlns:r="http://schemas.openxmlformats.org/officeDocument/2006/relationships" xmlns:p="http://schemas.openxmlformats.org/presentationml/2006/main">
+  <p:cSld>
+    <p:spTree>
+      <p:nvGrpSpPr>
+        <p:cNvPr id="1" name=""/>
+        <p:cNvGrpSpPr/>
+        <p:nvPr/>
+      </p:nvGrpSpPr>
+      <p:grpSpPr>
+        <a:xfrm>
+          <a:off x="0" y="0"/>
+          <a:ext cx="0" cy="0"/>
+          <a:chOff x="0" y="0"/>
+          <a:chExt cx="0" cy="0"/>
+        </a:xfrm>
+      </p:grpSpPr>
+      <p:sp>
+        <p:nvSpPr>
+          <p:cNvPr id="2" name="Title 1"/>
+          <p:cNvSpPr>
+            <a:spLocks noGrp="1"/>
+          </p:cNvSpPr>
+          <p:nvPr>
+            <p:ph type="title"/>
+          </p:nvPr>
+        </p:nvSpPr>
+        <p:spPr/>
+        <p:txBody>
+          <a:bodyPr/>
+          <a:lstStyle/>
+          <a:p>
+            <a:r>
+              <a:rPr lang="en-US" dirty="0" smtClean="0"/>
+              <a:t>FMV Controls</a:t>
+            </a:r>
+            <a:endParaRPr lang="en-US" dirty="0"/>
+          </a:p>
+        </p:txBody>
+      </p:sp>
+      <p:sp>
+        <p:nvSpPr>
+          <p:cNvPr id="3" name="Content Placeholder 2"/>
+          <p:cNvSpPr>
+            <a:spLocks noGrp="1"/>
+          </p:cNvSpPr>
+          <p:nvPr>
+            <p:ph idx="1"/>
+          </p:nvPr>
+        </p:nvSpPr>
+        <p:spPr/>
+        <p:txBody>
+          <a:bodyPr/>
+          <a:lstStyle/>
+          <a:p>
+            <a:r>
+              <a:rPr lang="en-US" dirty="0" smtClean="0"/>
+              <a:t>Show sensor PTZ using </a:t>
+            </a:r>
+            <a:r>
+              <a:rPr lang="en-US" dirty="0" err="1" smtClean="0"/>
+              <a:t>xbox</a:t>
+            </a:r>
+            <a:r>
+              <a:rPr lang="en-US" dirty="0" smtClean="0"/>
+              <a:t> controller – engage button first</a:t>
+            </a:r>
+            <a:endParaRPr lang="en-US" dirty="0"/>
+          </a:p>
+        </p:txBody>
+      </p:sp>
+    </p:spTree>
+    <p:extLst>
+      <p:ext uri="{BB962C8B-B14F-4D97-AF65-F5344CB8AC3E}">
+        <p14:creationId xmlns:p14="http://schemas.microsoft.com/office/powerpoint/2010/main" val="1484554142"/>
+      </p:ext>
+    </p:extLst>
+  </p:cSld>
+  <p:clrMapOvr>
+    <a:masterClrMapping/>
+  </p:clrMapOvr>
+</p:sld>
+</file>
+
+<file path=ppt/slides/slide11.xml><?xml version="1.0" encoding="utf-8"?>
+<p:sld xmlns:a="http://schemas.openxmlformats.org/drawingml/2006/main" xmlns:r="http://schemas.openxmlformats.org/officeDocument/2006/relationships" xmlns:p="http://schemas.openxmlformats.org/presentationml/2006/main">
+  <p:cSld>
+    <p:spTree>
+      <p:nvGrpSpPr>
+        <p:cNvPr id="1" name=""/>
+        <p:cNvGrpSpPr/>
+        <p:nvPr/>
+      </p:nvGrpSpPr>
+      <p:grpSpPr>
+        <a:xfrm>
+          <a:off x="0" y="0"/>
+          <a:ext cx="0" cy="0"/>
+          <a:chOff x="0" y="0"/>
+          <a:chExt cx="0" cy="0"/>
+        </a:xfrm>
+      </p:grpSpPr>
+      <p:sp>
+        <p:nvSpPr>
+          <p:cNvPr id="2" name="Title 1"/>
+          <p:cNvSpPr>
+            <a:spLocks noGrp="1"/>
+          </p:cNvSpPr>
+          <p:nvPr>
+            <p:ph type="title"/>
+          </p:nvPr>
+        </p:nvSpPr>
+        <p:spPr/>
+        <p:txBody>
+          <a:bodyPr/>
+          <a:lstStyle/>
+          <a:p>
+            <a:r>
+              <a:rPr lang="en-US" dirty="0" smtClean="0"/>
+              <a:t>Wide Area Sensor Control</a:t>
+            </a:r>
+            <a:endParaRPr lang="en-US" dirty="0"/>
+          </a:p>
+        </p:txBody>
+      </p:sp>
+      <p:sp>
+        <p:nvSpPr>
+          <p:cNvPr id="3" name="Content Placeholder 2"/>
+          <p:cNvSpPr>
+            <a:spLocks noGrp="1"/>
+          </p:cNvSpPr>
+          <p:nvPr>
+            <p:ph idx="1"/>
+          </p:nvPr>
+        </p:nvSpPr>
+        <p:spPr/>
+        <p:txBody>
+          <a:bodyPr/>
+          <a:lstStyle/>
+          <a:p>
+            <a:r>
+              <a:rPr lang="en-US" dirty="0" smtClean="0"/>
+              <a:t>Show manual collection button</a:t>
+            </a:r>
+          </a:p>
+          <a:p>
+            <a:r>
+              <a:rPr lang="en-US" dirty="0" smtClean="0"/>
+              <a:t>Show how you can turn on automatic collection</a:t>
+            </a:r>
+          </a:p>
+          <a:p>
+            <a:pPr lvl="1"/>
+            <a:r>
+              <a:rPr lang="en-US" dirty="0" smtClean="0"/>
+              <a:t>Needs user to plan route to be effective… otherwise it will just take pictures underneath</a:t>
+            </a:r>
+            <a:endParaRPr lang="en-US" dirty="0"/>
+          </a:p>
+        </p:txBody>
+      </p:sp>
+    </p:spTree>
+    <p:extLst>
+      <p:ext uri="{BB962C8B-B14F-4D97-AF65-F5344CB8AC3E}">
+        <p14:creationId xmlns:p14="http://schemas.microsoft.com/office/powerpoint/2010/main" val="96831351"/>
+      </p:ext>
+    </p:extLst>
+  </p:cSld>
+  <p:clrMapOvr>
+    <a:masterClrMapping/>
+  </p:clrMapOvr>
+</p:sld>
+</file>
+
+<file path=ppt/slides/slide12.xml><?xml version="1.0" encoding="utf-8"?>
+<p:sld xmlns:a="http://schemas.openxmlformats.org/drawingml/2006/main" xmlns:r="http://schemas.openxmlformats.org/officeDocument/2006/relationships" xmlns:p="http://schemas.openxmlformats.org/presentationml/2006/main">
+  <p:cSld>
+    <p:spTree>
+      <p:nvGrpSpPr>
+        <p:cNvPr id="1" name=""/>
+        <p:cNvGrpSpPr/>
+        <p:nvPr/>
+      </p:nvGrpSpPr>
+      <p:grpSpPr>
+        <a:xfrm>
+          <a:off x="0" y="0"/>
+          <a:ext cx="0" cy="0"/>
+          <a:chOff x="0" y="0"/>
+          <a:chExt cx="0" cy="0"/>
+        </a:xfrm>
+      </p:grpSpPr>
+      <p:sp>
+        <p:nvSpPr>
+          <p:cNvPr id="2" name="Title 1"/>
+          <p:cNvSpPr>
+            <a:spLocks noGrp="1"/>
+          </p:cNvSpPr>
+          <p:nvPr>
+            <p:ph type="title"/>
+          </p:nvPr>
+        </p:nvSpPr>
+        <p:spPr/>
+        <p:txBody>
+          <a:bodyPr/>
+          <a:lstStyle/>
+          <a:p>
+            <a:r>
+              <a:rPr lang="en-US" dirty="0" smtClean="0"/>
+              <a:t>Communications Control</a:t>
+            </a:r>
+            <a:endParaRPr lang="en-US" dirty="0"/>
+          </a:p>
+        </p:txBody>
+      </p:sp>
+      <p:sp>
+        <p:nvSpPr>
+          <p:cNvPr id="3" name="Content Placeholder 2"/>
+          <p:cNvSpPr>
+            <a:spLocks noGrp="1"/>
+          </p:cNvSpPr>
+          <p:nvPr>
+            <p:ph idx="1"/>
+          </p:nvPr>
+        </p:nvSpPr>
+        <p:spPr/>
+        <p:txBody>
+          <a:bodyPr/>
+          <a:lstStyle/>
+          <a:p>
+            <a:r>
+              <a:rPr lang="en-US" dirty="0" smtClean="0"/>
+              <a:t>Show user selection </a:t>
+            </a:r>
+            <a:r>
+              <a:rPr lang="en-US" smtClean="0"/>
+              <a:t>of network</a:t>
+            </a:r>
+            <a:endParaRPr lang="en-US"/>
+          </a:p>
+        </p:txBody>
+      </p:sp>
+    </p:spTree>
+    <p:extLst>
+      <p:ext uri="{BB962C8B-B14F-4D97-AF65-F5344CB8AC3E}">
+        <p14:creationId xmlns:p14="http://schemas.microsoft.com/office/powerpoint/2010/main" val="1132078398"/>
       </p:ext>
     </p:extLst>
   </p:cSld>
@@ -3669,7 +3941,11 @@
           <a:bodyPr/>
           <a:lstStyle/>
           <a:p>
-            <a:endParaRPr lang="en-US"/>
+            <a:r>
+              <a:rPr lang="en-US" dirty="0" smtClean="0"/>
+              <a:t>Overview</a:t>
+            </a:r>
+            <a:endParaRPr lang="en-US" dirty="0"/>
           </a:p>
         </p:txBody>
       </p:sp>
@@ -3688,7 +3964,74 @@
           <a:bodyPr/>
           <a:lstStyle/>
           <a:p>
-            <a:endParaRPr lang="en-US"/>
+            <a:r>
+              <a:rPr lang="en-US" dirty="0" smtClean="0"/>
+              <a:t>Pilot Interface</a:t>
+            </a:r>
+          </a:p>
+          <a:p>
+            <a:pPr lvl="1"/>
+            <a:r>
+              <a:rPr lang="en-US" dirty="0" smtClean="0"/>
+              <a:t>Overview</a:t>
+            </a:r>
+            <a:endParaRPr lang="en-US" dirty="0" smtClean="0"/>
+          </a:p>
+          <a:p>
+            <a:pPr lvl="1"/>
+            <a:r>
+              <a:rPr lang="en-US" dirty="0" smtClean="0"/>
+              <a:t>Primary Flight Display</a:t>
+            </a:r>
+          </a:p>
+          <a:p>
+            <a:pPr lvl="1"/>
+            <a:r>
+              <a:rPr lang="en-US" dirty="0" smtClean="0"/>
+              <a:t>Hand Controls</a:t>
+            </a:r>
+          </a:p>
+          <a:p>
+            <a:pPr lvl="1"/>
+            <a:r>
+              <a:rPr lang="en-US" dirty="0" smtClean="0"/>
+              <a:t>Autopilot</a:t>
+            </a:r>
+          </a:p>
+          <a:p>
+            <a:r>
+              <a:rPr lang="en-US" dirty="0" smtClean="0"/>
+              <a:t>Mission Control</a:t>
+            </a:r>
+          </a:p>
+          <a:p>
+            <a:pPr lvl="1"/>
+            <a:r>
+              <a:rPr lang="en-US" dirty="0" smtClean="0"/>
+              <a:t>Route Planner</a:t>
+            </a:r>
+          </a:p>
+          <a:p>
+            <a:pPr lvl="1"/>
+            <a:r>
+              <a:rPr lang="en-US" dirty="0" smtClean="0"/>
+              <a:t>System Status</a:t>
+            </a:r>
+          </a:p>
+          <a:p>
+            <a:pPr lvl="1"/>
+            <a:r>
+              <a:rPr lang="en-US" dirty="0" smtClean="0"/>
+              <a:t>Sensor Control</a:t>
+            </a:r>
+          </a:p>
+          <a:p>
+            <a:pPr lvl="1"/>
+            <a:r>
+              <a:rPr lang="en-US" dirty="0" smtClean="0"/>
+              <a:t>Communications Interface</a:t>
+            </a:r>
+            <a:endParaRPr lang="en-US" dirty="0"/>
           </a:p>
         </p:txBody>
       </p:sp>
@@ -3696,6 +4039,594 @@
     <p:extLst>
       <p:ext uri="{BB962C8B-B14F-4D97-AF65-F5344CB8AC3E}">
         <p14:creationId xmlns:p14="http://schemas.microsoft.com/office/powerpoint/2010/main" val="3032350724"/>
+      </p:ext>
+    </p:extLst>
+  </p:cSld>
+  <p:clrMapOvr>
+    <a:masterClrMapping/>
+  </p:clrMapOvr>
+</p:sld>
+</file>
+
+<file path=ppt/slides/slide3.xml><?xml version="1.0" encoding="utf-8"?>
+<p:sld xmlns:a="http://schemas.openxmlformats.org/drawingml/2006/main" xmlns:r="http://schemas.openxmlformats.org/officeDocument/2006/relationships" xmlns:p="http://schemas.openxmlformats.org/presentationml/2006/main">
+  <p:cSld>
+    <p:spTree>
+      <p:nvGrpSpPr>
+        <p:cNvPr id="1" name=""/>
+        <p:cNvGrpSpPr/>
+        <p:nvPr/>
+      </p:nvGrpSpPr>
+      <p:grpSpPr>
+        <a:xfrm>
+          <a:off x="0" y="0"/>
+          <a:ext cx="0" cy="0"/>
+          <a:chOff x="0" y="0"/>
+          <a:chExt cx="0" cy="0"/>
+        </a:xfrm>
+      </p:grpSpPr>
+      <p:sp>
+        <p:nvSpPr>
+          <p:cNvPr id="2" name="Title 1"/>
+          <p:cNvSpPr>
+            <a:spLocks noGrp="1"/>
+          </p:cNvSpPr>
+          <p:nvPr>
+            <p:ph type="title"/>
+          </p:nvPr>
+        </p:nvSpPr>
+        <p:spPr/>
+        <p:txBody>
+          <a:bodyPr/>
+          <a:lstStyle/>
+          <a:p>
+            <a:r>
+              <a:rPr lang="en-US" dirty="0" smtClean="0"/>
+              <a:t>Pilot Interface Overview</a:t>
+            </a:r>
+            <a:endParaRPr lang="en-US" dirty="0"/>
+          </a:p>
+        </p:txBody>
+      </p:sp>
+      <p:sp>
+        <p:nvSpPr>
+          <p:cNvPr id="3" name="Content Placeholder 2"/>
+          <p:cNvSpPr>
+            <a:spLocks noGrp="1"/>
+          </p:cNvSpPr>
+          <p:nvPr>
+            <p:ph idx="1"/>
+          </p:nvPr>
+        </p:nvSpPr>
+        <p:spPr/>
+        <p:txBody>
+          <a:bodyPr/>
+          <a:lstStyle/>
+          <a:p>
+            <a:r>
+              <a:rPr lang="en-US" dirty="0" smtClean="0"/>
+              <a:t>Show Laptop, controller (think </a:t>
+            </a:r>
+            <a:r>
+              <a:rPr lang="en-US" dirty="0" err="1" smtClean="0"/>
+              <a:t>xbox</a:t>
+            </a:r>
+            <a:r>
+              <a:rPr lang="en-US" dirty="0" smtClean="0"/>
+              <a:t>), </a:t>
+            </a:r>
+            <a:endParaRPr lang="en-US" dirty="0"/>
+          </a:p>
+        </p:txBody>
+      </p:sp>
+    </p:spTree>
+    <p:extLst>
+      <p:ext uri="{BB962C8B-B14F-4D97-AF65-F5344CB8AC3E}">
+        <p14:creationId xmlns:p14="http://schemas.microsoft.com/office/powerpoint/2010/main" val="2383873602"/>
+      </p:ext>
+    </p:extLst>
+  </p:cSld>
+  <p:clrMapOvr>
+    <a:masterClrMapping/>
+  </p:clrMapOvr>
+</p:sld>
+</file>
+
+<file path=ppt/slides/slide4.xml><?xml version="1.0" encoding="utf-8"?>
+<p:sld xmlns:a="http://schemas.openxmlformats.org/drawingml/2006/main" xmlns:r="http://schemas.openxmlformats.org/officeDocument/2006/relationships" xmlns:p="http://schemas.openxmlformats.org/presentationml/2006/main">
+  <p:cSld>
+    <p:spTree>
+      <p:nvGrpSpPr>
+        <p:cNvPr id="1" name=""/>
+        <p:cNvGrpSpPr/>
+        <p:nvPr/>
+      </p:nvGrpSpPr>
+      <p:grpSpPr>
+        <a:xfrm>
+          <a:off x="0" y="0"/>
+          <a:ext cx="0" cy="0"/>
+          <a:chOff x="0" y="0"/>
+          <a:chExt cx="0" cy="0"/>
+        </a:xfrm>
+      </p:grpSpPr>
+      <p:sp>
+        <p:nvSpPr>
+          <p:cNvPr id="2" name="Title 1"/>
+          <p:cNvSpPr>
+            <a:spLocks noGrp="1"/>
+          </p:cNvSpPr>
+          <p:nvPr>
+            <p:ph type="title"/>
+          </p:nvPr>
+        </p:nvSpPr>
+        <p:spPr/>
+        <p:txBody>
+          <a:bodyPr/>
+          <a:lstStyle/>
+          <a:p>
+            <a:r>
+              <a:rPr lang="en-US" dirty="0" smtClean="0"/>
+              <a:t>Interface Overview</a:t>
+            </a:r>
+            <a:endParaRPr lang="en-US" dirty="0"/>
+          </a:p>
+        </p:txBody>
+      </p:sp>
+      <p:sp>
+        <p:nvSpPr>
+          <p:cNvPr id="3" name="Content Placeholder 2"/>
+          <p:cNvSpPr>
+            <a:spLocks noGrp="1"/>
+          </p:cNvSpPr>
+          <p:nvPr>
+            <p:ph idx="1"/>
+          </p:nvPr>
+        </p:nvSpPr>
+        <p:spPr/>
+        <p:txBody>
+          <a:bodyPr/>
+          <a:lstStyle/>
+          <a:p>
+            <a:r>
+              <a:rPr lang="en-US" dirty="0" smtClean="0"/>
+              <a:t>Visual showing primary screen, pointing out PFD, map viewer, system status display, and imagery viewer</a:t>
+            </a:r>
+            <a:endParaRPr lang="en-US" dirty="0"/>
+          </a:p>
+        </p:txBody>
+      </p:sp>
+    </p:spTree>
+    <p:extLst>
+      <p:ext uri="{BB962C8B-B14F-4D97-AF65-F5344CB8AC3E}">
+        <p14:creationId xmlns:p14="http://schemas.microsoft.com/office/powerpoint/2010/main" val="1138789770"/>
+      </p:ext>
+    </p:extLst>
+  </p:cSld>
+  <p:clrMapOvr>
+    <a:masterClrMapping/>
+  </p:clrMapOvr>
+</p:sld>
+</file>
+
+<file path=ppt/slides/slide5.xml><?xml version="1.0" encoding="utf-8"?>
+<p:sld xmlns:a="http://schemas.openxmlformats.org/drawingml/2006/main" xmlns:r="http://schemas.openxmlformats.org/officeDocument/2006/relationships" xmlns:p="http://schemas.openxmlformats.org/presentationml/2006/main">
+  <p:cSld>
+    <p:spTree>
+      <p:nvGrpSpPr>
+        <p:cNvPr id="1" name=""/>
+        <p:cNvGrpSpPr/>
+        <p:nvPr/>
+      </p:nvGrpSpPr>
+      <p:grpSpPr>
+        <a:xfrm>
+          <a:off x="0" y="0"/>
+          <a:ext cx="0" cy="0"/>
+          <a:chOff x="0" y="0"/>
+          <a:chExt cx="0" cy="0"/>
+        </a:xfrm>
+      </p:grpSpPr>
+      <p:sp>
+        <p:nvSpPr>
+          <p:cNvPr id="2" name="Title 1"/>
+          <p:cNvSpPr>
+            <a:spLocks noGrp="1"/>
+          </p:cNvSpPr>
+          <p:nvPr>
+            <p:ph type="title"/>
+          </p:nvPr>
+        </p:nvSpPr>
+        <p:spPr/>
+        <p:txBody>
+          <a:bodyPr/>
+          <a:lstStyle/>
+          <a:p>
+            <a:r>
+              <a:rPr lang="en-US" dirty="0" smtClean="0"/>
+              <a:t>Primary Flight Display</a:t>
+            </a:r>
+            <a:endParaRPr lang="en-US" dirty="0"/>
+          </a:p>
+        </p:txBody>
+      </p:sp>
+      <p:sp>
+        <p:nvSpPr>
+          <p:cNvPr id="3" name="Content Placeholder 2"/>
+          <p:cNvSpPr>
+            <a:spLocks noGrp="1"/>
+          </p:cNvSpPr>
+          <p:nvPr>
+            <p:ph idx="1"/>
+          </p:nvPr>
+        </p:nvSpPr>
+        <p:spPr/>
+        <p:txBody>
+          <a:bodyPr/>
+          <a:lstStyle/>
+          <a:p>
+            <a:r>
+              <a:rPr lang="en-US" dirty="0" smtClean="0"/>
+              <a:t>Zoom in on PFD</a:t>
+            </a:r>
+          </a:p>
+          <a:p>
+            <a:pPr lvl="1"/>
+            <a:r>
+              <a:rPr lang="en-US" dirty="0" smtClean="0"/>
+              <a:t>Missing current waypoint indication</a:t>
+            </a:r>
+            <a:endParaRPr lang="en-US" dirty="0"/>
+          </a:p>
+        </p:txBody>
+      </p:sp>
+    </p:spTree>
+    <p:extLst>
+      <p:ext uri="{BB962C8B-B14F-4D97-AF65-F5344CB8AC3E}">
+        <p14:creationId xmlns:p14="http://schemas.microsoft.com/office/powerpoint/2010/main" val="273087309"/>
+      </p:ext>
+    </p:extLst>
+  </p:cSld>
+  <p:clrMapOvr>
+    <a:masterClrMapping/>
+  </p:clrMapOvr>
+</p:sld>
+</file>
+
+<file path=ppt/slides/slide6.xml><?xml version="1.0" encoding="utf-8"?>
+<p:sld xmlns:a="http://schemas.openxmlformats.org/drawingml/2006/main" xmlns:r="http://schemas.openxmlformats.org/officeDocument/2006/relationships" xmlns:p="http://schemas.openxmlformats.org/presentationml/2006/main">
+  <p:cSld>
+    <p:spTree>
+      <p:nvGrpSpPr>
+        <p:cNvPr id="1" name=""/>
+        <p:cNvGrpSpPr/>
+        <p:nvPr/>
+      </p:nvGrpSpPr>
+      <p:grpSpPr>
+        <a:xfrm>
+          <a:off x="0" y="0"/>
+          <a:ext cx="0" cy="0"/>
+          <a:chOff x="0" y="0"/>
+          <a:chExt cx="0" cy="0"/>
+        </a:xfrm>
+      </p:grpSpPr>
+      <p:sp>
+        <p:nvSpPr>
+          <p:cNvPr id="2" name="Title 1"/>
+          <p:cNvSpPr>
+            <a:spLocks noGrp="1"/>
+          </p:cNvSpPr>
+          <p:nvPr>
+            <p:ph type="title"/>
+          </p:nvPr>
+        </p:nvSpPr>
+        <p:spPr/>
+        <p:txBody>
+          <a:bodyPr/>
+          <a:lstStyle/>
+          <a:p>
+            <a:r>
+              <a:rPr lang="en-US" dirty="0" smtClean="0"/>
+              <a:t>Hand Controls</a:t>
+            </a:r>
+            <a:endParaRPr lang="en-US" dirty="0"/>
+          </a:p>
+        </p:txBody>
+      </p:sp>
+      <p:sp>
+        <p:nvSpPr>
+          <p:cNvPr id="3" name="Content Placeholder 2"/>
+          <p:cNvSpPr>
+            <a:spLocks noGrp="1"/>
+          </p:cNvSpPr>
+          <p:nvPr>
+            <p:ph idx="1"/>
+          </p:nvPr>
+        </p:nvSpPr>
+        <p:spPr/>
+        <p:txBody>
+          <a:bodyPr/>
+          <a:lstStyle/>
+          <a:p>
+            <a:r>
+              <a:rPr lang="en-US" dirty="0" smtClean="0"/>
+              <a:t>Zoom in on Xbox Controller</a:t>
+            </a:r>
+            <a:endParaRPr lang="en-US" dirty="0"/>
+          </a:p>
+        </p:txBody>
+      </p:sp>
+    </p:spTree>
+    <p:extLst>
+      <p:ext uri="{BB962C8B-B14F-4D97-AF65-F5344CB8AC3E}">
+        <p14:creationId xmlns:p14="http://schemas.microsoft.com/office/powerpoint/2010/main" val="947858082"/>
+      </p:ext>
+    </p:extLst>
+  </p:cSld>
+  <p:clrMapOvr>
+    <a:masterClrMapping/>
+  </p:clrMapOvr>
+</p:sld>
+</file>
+
+<file path=ppt/slides/slide7.xml><?xml version="1.0" encoding="utf-8"?>
+<p:sld xmlns:a="http://schemas.openxmlformats.org/drawingml/2006/main" xmlns:r="http://schemas.openxmlformats.org/officeDocument/2006/relationships" xmlns:p="http://schemas.openxmlformats.org/presentationml/2006/main">
+  <p:cSld>
+    <p:spTree>
+      <p:nvGrpSpPr>
+        <p:cNvPr id="1" name=""/>
+        <p:cNvGrpSpPr/>
+        <p:nvPr/>
+      </p:nvGrpSpPr>
+      <p:grpSpPr>
+        <a:xfrm>
+          <a:off x="0" y="0"/>
+          <a:ext cx="0" cy="0"/>
+          <a:chOff x="0" y="0"/>
+          <a:chExt cx="0" cy="0"/>
+        </a:xfrm>
+      </p:grpSpPr>
+      <p:sp>
+        <p:nvSpPr>
+          <p:cNvPr id="2" name="Title 1"/>
+          <p:cNvSpPr>
+            <a:spLocks noGrp="1"/>
+          </p:cNvSpPr>
+          <p:nvPr>
+            <p:ph type="title"/>
+          </p:nvPr>
+        </p:nvSpPr>
+        <p:spPr/>
+        <p:txBody>
+          <a:bodyPr/>
+          <a:lstStyle/>
+          <a:p>
+            <a:r>
+              <a:rPr lang="en-US" dirty="0" smtClean="0"/>
+              <a:t>Autopilot</a:t>
+            </a:r>
+            <a:endParaRPr lang="en-US" dirty="0"/>
+          </a:p>
+        </p:txBody>
+      </p:sp>
+      <p:sp>
+        <p:nvSpPr>
+          <p:cNvPr id="3" name="Content Placeholder 2"/>
+          <p:cNvSpPr>
+            <a:spLocks noGrp="1"/>
+          </p:cNvSpPr>
+          <p:nvPr>
+            <p:ph idx="1"/>
+          </p:nvPr>
+        </p:nvSpPr>
+        <p:spPr/>
+        <p:txBody>
+          <a:bodyPr/>
+          <a:lstStyle/>
+          <a:p>
+            <a:r>
+              <a:rPr lang="en-US" dirty="0" smtClean="0"/>
+              <a:t>Describe autopilot functionality</a:t>
+            </a:r>
+          </a:p>
+          <a:p>
+            <a:pPr lvl="1"/>
+            <a:r>
+              <a:rPr lang="en-US" dirty="0" smtClean="0"/>
+              <a:t>Button for hold position</a:t>
+            </a:r>
+          </a:p>
+          <a:p>
+            <a:pPr lvl="1"/>
+            <a:r>
+              <a:rPr lang="en-US" dirty="0" smtClean="0"/>
+              <a:t>Holding route indication</a:t>
+            </a:r>
+            <a:endParaRPr lang="en-US" dirty="0"/>
+          </a:p>
+        </p:txBody>
+      </p:sp>
+    </p:spTree>
+    <p:extLst>
+      <p:ext uri="{BB962C8B-B14F-4D97-AF65-F5344CB8AC3E}">
+        <p14:creationId xmlns:p14="http://schemas.microsoft.com/office/powerpoint/2010/main" val="2815089967"/>
+      </p:ext>
+    </p:extLst>
+  </p:cSld>
+  <p:clrMapOvr>
+    <a:masterClrMapping/>
+  </p:clrMapOvr>
+</p:sld>
+</file>
+
+<file path=ppt/slides/slide8.xml><?xml version="1.0" encoding="utf-8"?>
+<p:sld xmlns:a="http://schemas.openxmlformats.org/drawingml/2006/main" xmlns:r="http://schemas.openxmlformats.org/officeDocument/2006/relationships" xmlns:p="http://schemas.openxmlformats.org/presentationml/2006/main">
+  <p:cSld>
+    <p:spTree>
+      <p:nvGrpSpPr>
+        <p:cNvPr id="1" name=""/>
+        <p:cNvGrpSpPr/>
+        <p:nvPr/>
+      </p:nvGrpSpPr>
+      <p:grpSpPr>
+        <a:xfrm>
+          <a:off x="0" y="0"/>
+          <a:ext cx="0" cy="0"/>
+          <a:chOff x="0" y="0"/>
+          <a:chExt cx="0" cy="0"/>
+        </a:xfrm>
+      </p:grpSpPr>
+      <p:sp>
+        <p:nvSpPr>
+          <p:cNvPr id="2" name="Title 1"/>
+          <p:cNvSpPr>
+            <a:spLocks noGrp="1"/>
+          </p:cNvSpPr>
+          <p:nvPr>
+            <p:ph type="title"/>
+          </p:nvPr>
+        </p:nvSpPr>
+        <p:spPr/>
+        <p:txBody>
+          <a:bodyPr/>
+          <a:lstStyle/>
+          <a:p>
+            <a:r>
+              <a:rPr lang="en-US" dirty="0" smtClean="0"/>
+              <a:t>Route Planner</a:t>
+            </a:r>
+            <a:endParaRPr lang="en-US" dirty="0"/>
+          </a:p>
+        </p:txBody>
+      </p:sp>
+      <p:sp>
+        <p:nvSpPr>
+          <p:cNvPr id="3" name="Content Placeholder 2"/>
+          <p:cNvSpPr>
+            <a:spLocks noGrp="1"/>
+          </p:cNvSpPr>
+          <p:nvPr>
+            <p:ph idx="1"/>
+          </p:nvPr>
+        </p:nvSpPr>
+        <p:spPr/>
+        <p:txBody>
+          <a:bodyPr/>
+          <a:lstStyle/>
+          <a:p>
+            <a:r>
+              <a:rPr lang="en-US" dirty="0" smtClean="0"/>
+              <a:t>Show right clicking on map allows you to add waypoints</a:t>
+            </a:r>
+          </a:p>
+          <a:p>
+            <a:r>
+              <a:rPr lang="en-US" dirty="0" smtClean="0"/>
+              <a:t>Show simple waypoint list</a:t>
+            </a:r>
+            <a:endParaRPr lang="en-US" dirty="0"/>
+          </a:p>
+        </p:txBody>
+      </p:sp>
+    </p:spTree>
+    <p:extLst>
+      <p:ext uri="{BB962C8B-B14F-4D97-AF65-F5344CB8AC3E}">
+        <p14:creationId xmlns:p14="http://schemas.microsoft.com/office/powerpoint/2010/main" val="1357678075"/>
+      </p:ext>
+    </p:extLst>
+  </p:cSld>
+  <p:clrMapOvr>
+    <a:masterClrMapping/>
+  </p:clrMapOvr>
+</p:sld>
+</file>
+
+<file path=ppt/slides/slide9.xml><?xml version="1.0" encoding="utf-8"?>
+<p:sld xmlns:a="http://schemas.openxmlformats.org/drawingml/2006/main" xmlns:r="http://schemas.openxmlformats.org/officeDocument/2006/relationships" xmlns:p="http://schemas.openxmlformats.org/presentationml/2006/main">
+  <p:cSld>
+    <p:spTree>
+      <p:nvGrpSpPr>
+        <p:cNvPr id="1" name=""/>
+        <p:cNvGrpSpPr/>
+        <p:nvPr/>
+      </p:nvGrpSpPr>
+      <p:grpSpPr>
+        <a:xfrm>
+          <a:off x="0" y="0"/>
+          <a:ext cx="0" cy="0"/>
+          <a:chOff x="0" y="0"/>
+          <a:chExt cx="0" cy="0"/>
+        </a:xfrm>
+      </p:grpSpPr>
+      <p:sp>
+        <p:nvSpPr>
+          <p:cNvPr id="2" name="Title 1"/>
+          <p:cNvSpPr>
+            <a:spLocks noGrp="1"/>
+          </p:cNvSpPr>
+          <p:nvPr>
+            <p:ph type="title"/>
+          </p:nvPr>
+        </p:nvSpPr>
+        <p:spPr/>
+        <p:txBody>
+          <a:bodyPr/>
+          <a:lstStyle/>
+          <a:p>
+            <a:r>
+              <a:rPr lang="en-US" dirty="0" smtClean="0"/>
+              <a:t>System Status Page</a:t>
+            </a:r>
+            <a:endParaRPr lang="en-US" dirty="0"/>
+          </a:p>
+        </p:txBody>
+      </p:sp>
+      <p:sp>
+        <p:nvSpPr>
+          <p:cNvPr id="3" name="Content Placeholder 2"/>
+          <p:cNvSpPr>
+            <a:spLocks noGrp="1"/>
+          </p:cNvSpPr>
+          <p:nvPr>
+            <p:ph idx="1"/>
+          </p:nvPr>
+        </p:nvSpPr>
+        <p:spPr/>
+        <p:txBody>
+          <a:bodyPr/>
+          <a:lstStyle/>
+          <a:p>
+            <a:r>
+              <a:rPr lang="en-US" dirty="0" smtClean="0"/>
+              <a:t>Show how the system shows status of each payload</a:t>
+            </a:r>
+          </a:p>
+          <a:p>
+            <a:pPr lvl="1"/>
+            <a:r>
+              <a:rPr lang="en-US" dirty="0" smtClean="0"/>
+              <a:t>Command BIT</a:t>
+            </a:r>
+          </a:p>
+          <a:p>
+            <a:pPr lvl="1"/>
+            <a:r>
+              <a:rPr lang="en-US" dirty="0" smtClean="0"/>
+              <a:t>Recycle power</a:t>
+            </a:r>
+          </a:p>
+          <a:p>
+            <a:pPr lvl="1"/>
+            <a:r>
+              <a:rPr lang="en-US" dirty="0" smtClean="0"/>
+              <a:t>Set to ‘off’</a:t>
+            </a:r>
+            <a:endParaRPr lang="en-US" dirty="0"/>
+          </a:p>
+        </p:txBody>
+      </p:sp>
+    </p:spTree>
+    <p:extLst>
+      <p:ext uri="{BB962C8B-B14F-4D97-AF65-F5344CB8AC3E}">
+        <p14:creationId xmlns:p14="http://schemas.microsoft.com/office/powerpoint/2010/main" val="1438903739"/>
       </p:ext>
     </p:extLst>
   </p:cSld>

--- a/Documents/Control Software Summary.pptx
+++ b/Documents/Control Software Summary.pptx
@@ -11,12 +11,9 @@
     <p:sldId id="259" r:id="rId5"/>
     <p:sldId id="260" r:id="rId6"/>
     <p:sldId id="261" r:id="rId7"/>
-    <p:sldId id="262" r:id="rId8"/>
-    <p:sldId id="263" r:id="rId9"/>
-    <p:sldId id="264" r:id="rId10"/>
-    <p:sldId id="265" r:id="rId11"/>
-    <p:sldId id="266" r:id="rId12"/>
-    <p:sldId id="267" r:id="rId13"/>
+    <p:sldId id="268" r:id="rId8"/>
+    <p:sldId id="264" r:id="rId9"/>
+    <p:sldId id="265" r:id="rId10"/>
   </p:sldIdLst>
   <p:sldSz cx="12192000" cy="6858000"/>
   <p:notesSz cx="6858000" cy="9144000"/>
@@ -302,7 +299,7 @@
           <a:p>
             <a:fld id="{7641C023-4088-4D75-BBD8-CE482B98921B}" type="datetimeFigureOut">
               <a:rPr lang="en-US" smtClean="0"/>
-              <a:t>10/13/2019</a:t>
+              <a:t>12/5/2019</a:t>
             </a:fld>
             <a:endParaRPr lang="en-US"/>
           </a:p>
@@ -528,7 +525,7 @@
           <a:p>
             <a:fld id="{7641C023-4088-4D75-BBD8-CE482B98921B}" type="datetimeFigureOut">
               <a:rPr lang="en-US" smtClean="0"/>
-              <a:t>10/13/2019</a:t>
+              <a:t>12/5/2019</a:t>
             </a:fld>
             <a:endParaRPr lang="en-US"/>
           </a:p>
@@ -716,7 +713,7 @@
           <a:p>
             <a:fld id="{7641C023-4088-4D75-BBD8-CE482B98921B}" type="datetimeFigureOut">
               <a:rPr lang="en-US" smtClean="0"/>
-              <a:t>10/13/2019</a:t>
+              <a:t>12/5/2019</a:t>
             </a:fld>
             <a:endParaRPr lang="en-US"/>
           </a:p>
@@ -950,7 +947,7 @@
           <a:p>
             <a:fld id="{7641C023-4088-4D75-BBD8-CE482B98921B}" type="datetimeFigureOut">
               <a:rPr lang="en-US" smtClean="0"/>
-              <a:t>10/13/2019</a:t>
+              <a:t>12/5/2019</a:t>
             </a:fld>
             <a:endParaRPr lang="en-US"/>
           </a:p>
@@ -1252,7 +1249,7 @@
           <a:p>
             <a:fld id="{7641C023-4088-4D75-BBD8-CE482B98921B}" type="datetimeFigureOut">
               <a:rPr lang="en-US" smtClean="0"/>
-              <a:t>10/13/2019</a:t>
+              <a:t>12/5/2019</a:t>
             </a:fld>
             <a:endParaRPr lang="en-US"/>
           </a:p>
@@ -1517,7 +1514,7 @@
           <a:p>
             <a:fld id="{7641C023-4088-4D75-BBD8-CE482B98921B}" type="datetimeFigureOut">
               <a:rPr lang="en-US" smtClean="0"/>
-              <a:t>10/13/2019</a:t>
+              <a:t>12/5/2019</a:t>
             </a:fld>
             <a:endParaRPr lang="en-US"/>
           </a:p>
@@ -1986,7 +1983,7 @@
           <a:p>
             <a:fld id="{7641C023-4088-4D75-BBD8-CE482B98921B}" type="datetimeFigureOut">
               <a:rPr lang="en-US" smtClean="0"/>
-              <a:t>10/13/2019</a:t>
+              <a:t>12/5/2019</a:t>
             </a:fld>
             <a:endParaRPr lang="en-US"/>
           </a:p>
@@ -2211,7 +2208,7 @@
           <a:p>
             <a:fld id="{7641C023-4088-4D75-BBD8-CE482B98921B}" type="datetimeFigureOut">
               <a:rPr lang="en-US" smtClean="0"/>
-              <a:t>10/13/2019</a:t>
+              <a:t>12/5/2019</a:t>
             </a:fld>
             <a:endParaRPr lang="en-US"/>
           </a:p>
@@ -2436,7 +2433,7 @@
           <a:p>
             <a:fld id="{7641C023-4088-4D75-BBD8-CE482B98921B}" type="datetimeFigureOut">
               <a:rPr lang="en-US" smtClean="0"/>
-              <a:t>10/13/2019</a:t>
+              <a:t>12/5/2019</a:t>
             </a:fld>
             <a:endParaRPr lang="en-US"/>
           </a:p>
@@ -2721,7 +2718,7 @@
           <a:p>
             <a:fld id="{7641C023-4088-4D75-BBD8-CE482B98921B}" type="datetimeFigureOut">
               <a:rPr lang="en-US" smtClean="0"/>
-              <a:t>10/13/2019</a:t>
+              <a:t>12/5/2019</a:t>
             </a:fld>
             <a:endParaRPr lang="en-US"/>
           </a:p>
@@ -2982,7 +2979,7 @@
           <a:p>
             <a:fld id="{7641C023-4088-4D75-BBD8-CE482B98921B}" type="datetimeFigureOut">
               <a:rPr lang="en-US" smtClean="0"/>
-              <a:t>10/13/2019</a:t>
+              <a:t>12/5/2019</a:t>
             </a:fld>
             <a:endParaRPr lang="en-US"/>
           </a:p>
@@ -3203,7 +3200,7 @@
           <a:p>
             <a:fld id="{7641C023-4088-4D75-BBD8-CE482B98921B}" type="datetimeFigureOut">
               <a:rPr lang="en-US" smtClean="0"/>
-              <a:t>10/13/2019</a:t>
+              <a:t>12/5/2019</a:t>
             </a:fld>
             <a:endParaRPr lang="en-US"/>
           </a:p>
@@ -3656,259 +3653,6 @@
 </p:sld>
 </file>
 
-<file path=ppt/slides/slide10.xml><?xml version="1.0" encoding="utf-8"?>
-<p:sld xmlns:a="http://schemas.openxmlformats.org/drawingml/2006/main" xmlns:r="http://schemas.openxmlformats.org/officeDocument/2006/relationships" xmlns:p="http://schemas.openxmlformats.org/presentationml/2006/main">
-  <p:cSld>
-    <p:spTree>
-      <p:nvGrpSpPr>
-        <p:cNvPr id="1" name=""/>
-        <p:cNvGrpSpPr/>
-        <p:nvPr/>
-      </p:nvGrpSpPr>
-      <p:grpSpPr>
-        <a:xfrm>
-          <a:off x="0" y="0"/>
-          <a:ext cx="0" cy="0"/>
-          <a:chOff x="0" y="0"/>
-          <a:chExt cx="0" cy="0"/>
-        </a:xfrm>
-      </p:grpSpPr>
-      <p:sp>
-        <p:nvSpPr>
-          <p:cNvPr id="2" name="Title 1"/>
-          <p:cNvSpPr>
-            <a:spLocks noGrp="1"/>
-          </p:cNvSpPr>
-          <p:nvPr>
-            <p:ph type="title"/>
-          </p:nvPr>
-        </p:nvSpPr>
-        <p:spPr/>
-        <p:txBody>
-          <a:bodyPr/>
-          <a:lstStyle/>
-          <a:p>
-            <a:r>
-              <a:rPr lang="en-US" dirty="0" smtClean="0"/>
-              <a:t>FMV Controls</a:t>
-            </a:r>
-            <a:endParaRPr lang="en-US" dirty="0"/>
-          </a:p>
-        </p:txBody>
-      </p:sp>
-      <p:sp>
-        <p:nvSpPr>
-          <p:cNvPr id="3" name="Content Placeholder 2"/>
-          <p:cNvSpPr>
-            <a:spLocks noGrp="1"/>
-          </p:cNvSpPr>
-          <p:nvPr>
-            <p:ph idx="1"/>
-          </p:nvPr>
-        </p:nvSpPr>
-        <p:spPr/>
-        <p:txBody>
-          <a:bodyPr/>
-          <a:lstStyle/>
-          <a:p>
-            <a:r>
-              <a:rPr lang="en-US" dirty="0" smtClean="0"/>
-              <a:t>Show sensor PTZ using </a:t>
-            </a:r>
-            <a:r>
-              <a:rPr lang="en-US" dirty="0" err="1" smtClean="0"/>
-              <a:t>xbox</a:t>
-            </a:r>
-            <a:r>
-              <a:rPr lang="en-US" dirty="0" smtClean="0"/>
-              <a:t> controller – engage button first</a:t>
-            </a:r>
-            <a:endParaRPr lang="en-US" dirty="0"/>
-          </a:p>
-        </p:txBody>
-      </p:sp>
-    </p:spTree>
-    <p:extLst>
-      <p:ext uri="{BB962C8B-B14F-4D97-AF65-F5344CB8AC3E}">
-        <p14:creationId xmlns:p14="http://schemas.microsoft.com/office/powerpoint/2010/main" val="1484554142"/>
-      </p:ext>
-    </p:extLst>
-  </p:cSld>
-  <p:clrMapOvr>
-    <a:masterClrMapping/>
-  </p:clrMapOvr>
-</p:sld>
-</file>
-
-<file path=ppt/slides/slide11.xml><?xml version="1.0" encoding="utf-8"?>
-<p:sld xmlns:a="http://schemas.openxmlformats.org/drawingml/2006/main" xmlns:r="http://schemas.openxmlformats.org/officeDocument/2006/relationships" xmlns:p="http://schemas.openxmlformats.org/presentationml/2006/main">
-  <p:cSld>
-    <p:spTree>
-      <p:nvGrpSpPr>
-        <p:cNvPr id="1" name=""/>
-        <p:cNvGrpSpPr/>
-        <p:nvPr/>
-      </p:nvGrpSpPr>
-      <p:grpSpPr>
-        <a:xfrm>
-          <a:off x="0" y="0"/>
-          <a:ext cx="0" cy="0"/>
-          <a:chOff x="0" y="0"/>
-          <a:chExt cx="0" cy="0"/>
-        </a:xfrm>
-      </p:grpSpPr>
-      <p:sp>
-        <p:nvSpPr>
-          <p:cNvPr id="2" name="Title 1"/>
-          <p:cNvSpPr>
-            <a:spLocks noGrp="1"/>
-          </p:cNvSpPr>
-          <p:nvPr>
-            <p:ph type="title"/>
-          </p:nvPr>
-        </p:nvSpPr>
-        <p:spPr/>
-        <p:txBody>
-          <a:bodyPr/>
-          <a:lstStyle/>
-          <a:p>
-            <a:r>
-              <a:rPr lang="en-US" dirty="0" smtClean="0"/>
-              <a:t>Wide Area Sensor Control</a:t>
-            </a:r>
-            <a:endParaRPr lang="en-US" dirty="0"/>
-          </a:p>
-        </p:txBody>
-      </p:sp>
-      <p:sp>
-        <p:nvSpPr>
-          <p:cNvPr id="3" name="Content Placeholder 2"/>
-          <p:cNvSpPr>
-            <a:spLocks noGrp="1"/>
-          </p:cNvSpPr>
-          <p:nvPr>
-            <p:ph idx="1"/>
-          </p:nvPr>
-        </p:nvSpPr>
-        <p:spPr/>
-        <p:txBody>
-          <a:bodyPr/>
-          <a:lstStyle/>
-          <a:p>
-            <a:r>
-              <a:rPr lang="en-US" dirty="0" smtClean="0"/>
-              <a:t>Show manual collection button</a:t>
-            </a:r>
-          </a:p>
-          <a:p>
-            <a:r>
-              <a:rPr lang="en-US" dirty="0" smtClean="0"/>
-              <a:t>Show how you can turn on automatic collection</a:t>
-            </a:r>
-          </a:p>
-          <a:p>
-            <a:pPr lvl="1"/>
-            <a:r>
-              <a:rPr lang="en-US" dirty="0" smtClean="0"/>
-              <a:t>Needs user to plan route to be effective… otherwise it will just take pictures underneath</a:t>
-            </a:r>
-            <a:endParaRPr lang="en-US" dirty="0"/>
-          </a:p>
-        </p:txBody>
-      </p:sp>
-    </p:spTree>
-    <p:extLst>
-      <p:ext uri="{BB962C8B-B14F-4D97-AF65-F5344CB8AC3E}">
-        <p14:creationId xmlns:p14="http://schemas.microsoft.com/office/powerpoint/2010/main" val="96831351"/>
-      </p:ext>
-    </p:extLst>
-  </p:cSld>
-  <p:clrMapOvr>
-    <a:masterClrMapping/>
-  </p:clrMapOvr>
-</p:sld>
-</file>
-
-<file path=ppt/slides/slide12.xml><?xml version="1.0" encoding="utf-8"?>
-<p:sld xmlns:a="http://schemas.openxmlformats.org/drawingml/2006/main" xmlns:r="http://schemas.openxmlformats.org/officeDocument/2006/relationships" xmlns:p="http://schemas.openxmlformats.org/presentationml/2006/main">
-  <p:cSld>
-    <p:spTree>
-      <p:nvGrpSpPr>
-        <p:cNvPr id="1" name=""/>
-        <p:cNvGrpSpPr/>
-        <p:nvPr/>
-      </p:nvGrpSpPr>
-      <p:grpSpPr>
-        <a:xfrm>
-          <a:off x="0" y="0"/>
-          <a:ext cx="0" cy="0"/>
-          <a:chOff x="0" y="0"/>
-          <a:chExt cx="0" cy="0"/>
-        </a:xfrm>
-      </p:grpSpPr>
-      <p:sp>
-        <p:nvSpPr>
-          <p:cNvPr id="2" name="Title 1"/>
-          <p:cNvSpPr>
-            <a:spLocks noGrp="1"/>
-          </p:cNvSpPr>
-          <p:nvPr>
-            <p:ph type="title"/>
-          </p:nvPr>
-        </p:nvSpPr>
-        <p:spPr/>
-        <p:txBody>
-          <a:bodyPr/>
-          <a:lstStyle/>
-          <a:p>
-            <a:r>
-              <a:rPr lang="en-US" dirty="0" smtClean="0"/>
-              <a:t>Communications Control</a:t>
-            </a:r>
-            <a:endParaRPr lang="en-US" dirty="0"/>
-          </a:p>
-        </p:txBody>
-      </p:sp>
-      <p:sp>
-        <p:nvSpPr>
-          <p:cNvPr id="3" name="Content Placeholder 2"/>
-          <p:cNvSpPr>
-            <a:spLocks noGrp="1"/>
-          </p:cNvSpPr>
-          <p:nvPr>
-            <p:ph idx="1"/>
-          </p:nvPr>
-        </p:nvSpPr>
-        <p:spPr/>
-        <p:txBody>
-          <a:bodyPr/>
-          <a:lstStyle/>
-          <a:p>
-            <a:r>
-              <a:rPr lang="en-US" dirty="0" smtClean="0"/>
-              <a:t>Show user selection </a:t>
-            </a:r>
-            <a:r>
-              <a:rPr lang="en-US" smtClean="0"/>
-              <a:t>of network</a:t>
-            </a:r>
-            <a:endParaRPr lang="en-US"/>
-          </a:p>
-        </p:txBody>
-      </p:sp>
-    </p:spTree>
-    <p:extLst>
-      <p:ext uri="{BB962C8B-B14F-4D97-AF65-F5344CB8AC3E}">
-        <p14:creationId xmlns:p14="http://schemas.microsoft.com/office/powerpoint/2010/main" val="1132078398"/>
-      </p:ext>
-    </p:extLst>
-  </p:cSld>
-  <p:clrMapOvr>
-    <a:masterClrMapping/>
-  </p:clrMapOvr>
-</p:sld>
-</file>
-
 <file path=ppt/slides/slide2.xml><?xml version="1.0" encoding="utf-8"?>
 <p:sld xmlns:a="http://schemas.openxmlformats.org/drawingml/2006/main" xmlns:r="http://schemas.openxmlformats.org/officeDocument/2006/relationships" xmlns:p="http://schemas.openxmlformats.org/presentationml/2006/main">
   <p:cSld>
@@ -3975,6 +3719,13 @@
               <a:rPr lang="en-US" dirty="0" smtClean="0"/>
               <a:t>Overview</a:t>
             </a:r>
+          </a:p>
+          <a:p>
+            <a:pPr lvl="1"/>
+            <a:r>
+              <a:rPr lang="en-US" dirty="0" smtClean="0"/>
+              <a:t>Interface Overview</a:t>
+            </a:r>
             <a:endParaRPr lang="en-US" dirty="0" smtClean="0"/>
           </a:p>
           <a:p>
@@ -3987,29 +3738,31 @@
           <a:p>
             <a:pPr lvl="1"/>
             <a:r>
+              <a:rPr lang="en-US" smtClean="0"/>
+              <a:t>Hand </a:t>
+            </a:r>
+            <a:r>
+              <a:rPr lang="en-US" smtClean="0"/>
+              <a:t>Controls</a:t>
+            </a:r>
+          </a:p>
+          <a:p>
+            <a:r>
+              <a:rPr lang="en-US" smtClean="0"/>
+              <a:t>Mission </a:t>
+            </a:r>
+            <a:r>
               <a:rPr lang="en-US" dirty="0" smtClean="0"/>
-              <a:t>Hand Controls</a:t>
+              <a:t>Control</a:t>
             </a:r>
           </a:p>
           <a:p>
             <a:pPr lvl="1"/>
             <a:r>
               <a:rPr lang="en-US" dirty="0" smtClean="0"/>
-              <a:t>Autopilot</a:t>
-            </a:r>
-          </a:p>
-          <a:p>
-            <a:r>
-              <a:rPr lang="en-US" dirty="0" smtClean="0"/>
-              <a:t>Mission Control</a:t>
-            </a:r>
-          </a:p>
-          <a:p>
-            <a:pPr lvl="1"/>
-            <a:r>
-              <a:rPr lang="en-US" dirty="0" smtClean="0"/>
-              <a:t>Route Planner</a:t>
-            </a:r>
+              <a:t>Common Operating Picture</a:t>
+            </a:r>
+            <a:endParaRPr lang="en-US" dirty="0" smtClean="0"/>
           </a:p>
           <a:p>
             <a:pPr lvl="1"/>
@@ -4022,14 +3775,11 @@
             <a:pPr lvl="1"/>
             <a:r>
               <a:rPr lang="en-US" dirty="0" smtClean="0"/>
-              <a:t>Sensor Control</a:t>
-            </a:r>
-          </a:p>
-          <a:p>
-            <a:pPr lvl="1"/>
+              <a:t>Sensor </a:t>
+            </a:r>
             <a:r>
               <a:rPr lang="en-US" dirty="0" smtClean="0"/>
-              <a:t>Communications Interface</a:t>
+              <a:t>Control</a:t>
             </a:r>
             <a:endParaRPr lang="en-US" dirty="0"/>
           </a:p>
@@ -4088,34 +3838,131 @@
           </a:p>
         </p:txBody>
       </p:sp>
-      <p:sp>
-        <p:nvSpPr>
-          <p:cNvPr id="3" name="Content Placeholder 2"/>
-          <p:cNvSpPr>
-            <a:spLocks noGrp="1"/>
-          </p:cNvSpPr>
-          <p:nvPr>
-            <p:ph idx="1"/>
-          </p:nvPr>
-        </p:nvSpPr>
-        <p:spPr/>
-        <p:txBody>
-          <a:bodyPr/>
-          <a:lstStyle/>
-          <a:p>
-            <a:r>
-              <a:rPr lang="en-US" dirty="0" smtClean="0"/>
-              <a:t>Show Laptop, controller (think </a:t>
-            </a:r>
-            <a:r>
-              <a:rPr lang="en-US" dirty="0" err="1" smtClean="0"/>
-              <a:t>xbox</a:t>
-            </a:r>
-            <a:r>
-              <a:rPr lang="en-US" dirty="0" smtClean="0"/>
-              <a:t>), </a:t>
-            </a:r>
-            <a:endParaRPr lang="en-US" dirty="0"/>
+      <p:pic>
+        <p:nvPicPr>
+          <p:cNvPr id="4" name="Picture 3"/>
+          <p:cNvPicPr>
+            <a:picLocks noChangeAspect="1"/>
+          </p:cNvPicPr>
+          <p:nvPr/>
+        </p:nvPicPr>
+        <p:blipFill>
+          <a:blip r:embed="rId2"/>
+          <a:stretch>
+            <a:fillRect/>
+          </a:stretch>
+        </p:blipFill>
+        <p:spPr>
+          <a:xfrm>
+            <a:off x="7228088" y="1744517"/>
+            <a:ext cx="2123665" cy="1981530"/>
+          </a:xfrm>
+          <a:prstGeom prst="rect">
+            <a:avLst/>
+          </a:prstGeom>
+        </p:spPr>
+      </p:pic>
+      <p:pic>
+        <p:nvPicPr>
+          <p:cNvPr id="5" name="Picture 4"/>
+          <p:cNvPicPr>
+            <a:picLocks noChangeAspect="1"/>
+          </p:cNvPicPr>
+          <p:nvPr/>
+        </p:nvPicPr>
+        <p:blipFill>
+          <a:blip r:embed="rId3"/>
+          <a:stretch>
+            <a:fillRect/>
+          </a:stretch>
+        </p:blipFill>
+        <p:spPr>
+          <a:xfrm>
+            <a:off x="5500687" y="4445708"/>
+            <a:ext cx="1628775" cy="1501562"/>
+          </a:xfrm>
+          <a:prstGeom prst="rect">
+            <a:avLst/>
+          </a:prstGeom>
+        </p:spPr>
+      </p:pic>
+      <p:sp>
+        <p:nvSpPr>
+          <p:cNvPr id="7" name="Rectangle 6"/>
+          <p:cNvSpPr/>
+          <p:nvPr/>
+        </p:nvSpPr>
+        <p:spPr>
+          <a:xfrm>
+            <a:off x="2486024" y="1668853"/>
+            <a:ext cx="3829050" cy="2389333"/>
+          </a:xfrm>
+          <a:prstGeom prst="rect">
+            <a:avLst/>
+          </a:prstGeom>
+        </p:spPr>
+        <p:style>
+          <a:lnRef idx="2">
+            <a:schemeClr val="accent1">
+              <a:shade val="50000"/>
+            </a:schemeClr>
+          </a:lnRef>
+          <a:fillRef idx="1">
+            <a:schemeClr val="accent1"/>
+          </a:fillRef>
+          <a:effectRef idx="0">
+            <a:schemeClr val="accent1"/>
+          </a:effectRef>
+          <a:fontRef idx="minor">
+            <a:schemeClr val="lt1"/>
+          </a:fontRef>
+        </p:style>
+        <p:txBody>
+          <a:bodyPr rtlCol="0" anchor="ctr"/>
+          <a:lstStyle/>
+          <a:p>
+            <a:pPr algn="ctr"/>
+            <a:endParaRPr lang="en-US"/>
+          </a:p>
+        </p:txBody>
+      </p:sp>
+      <p:sp>
+        <p:nvSpPr>
+          <p:cNvPr id="8" name="Right Arrow 7"/>
+          <p:cNvSpPr/>
+          <p:nvPr/>
+        </p:nvSpPr>
+        <p:spPr>
+          <a:xfrm>
+            <a:off x="6462712" y="2132447"/>
+            <a:ext cx="1333500" cy="487382"/>
+          </a:xfrm>
+          <a:prstGeom prst="rightArrow">
+            <a:avLst/>
+          </a:prstGeom>
+        </p:spPr>
+        <p:style>
+          <a:lnRef idx="2">
+            <a:schemeClr val="accent1">
+              <a:shade val="50000"/>
+            </a:schemeClr>
+          </a:lnRef>
+          <a:fillRef idx="1">
+            <a:schemeClr val="accent1"/>
+          </a:fillRef>
+          <a:effectRef idx="0">
+            <a:schemeClr val="accent1"/>
+          </a:effectRef>
+          <a:fontRef idx="minor">
+            <a:schemeClr val="lt1"/>
+          </a:fontRef>
+        </p:style>
+        <p:txBody>
+          <a:bodyPr rtlCol="0" anchor="ctr"/>
+          <a:lstStyle/>
+          <a:p>
+            <a:pPr algn="ctr"/>
+            <a:endParaRPr lang="en-US"/>
           </a:p>
         </p:txBody>
       </p:sp>
@@ -4174,27 +4021,370 @@
       </p:sp>
       <p:sp>
         <p:nvSpPr>
-          <p:cNvPr id="3" name="Content Placeholder 2"/>
-          <p:cNvSpPr>
-            <a:spLocks noGrp="1"/>
-          </p:cNvSpPr>
-          <p:nvPr>
-            <p:ph idx="1"/>
-          </p:nvPr>
-        </p:nvSpPr>
-        <p:spPr/>
-        <p:txBody>
-          <a:bodyPr/>
+          <p:cNvPr id="5" name="Rectangle 4"/>
+          <p:cNvSpPr/>
+          <p:nvPr/>
+        </p:nvSpPr>
+        <p:spPr>
+          <a:xfrm>
+            <a:off x="2480072" y="2088574"/>
+            <a:ext cx="7041356" cy="3810000"/>
+          </a:xfrm>
+          <a:prstGeom prst="rect">
+            <a:avLst/>
+          </a:prstGeom>
+          <a:solidFill>
+            <a:schemeClr val="bg2"/>
+          </a:solidFill>
+        </p:spPr>
+        <p:style>
+          <a:lnRef idx="2">
+            <a:schemeClr val="accent1">
+              <a:shade val="50000"/>
+            </a:schemeClr>
+          </a:lnRef>
+          <a:fillRef idx="1">
+            <a:schemeClr val="accent1"/>
+          </a:fillRef>
+          <a:effectRef idx="0">
+            <a:schemeClr val="accent1"/>
+          </a:effectRef>
+          <a:fontRef idx="minor">
+            <a:schemeClr val="lt1"/>
+          </a:fontRef>
+        </p:style>
+        <p:txBody>
+          <a:bodyPr rtlCol="0" anchor="ctr"/>
+          <a:lstStyle/>
+          <a:p>
+            <a:pPr algn="ctr"/>
+            <a:endParaRPr lang="en-US"/>
+          </a:p>
+        </p:txBody>
+      </p:sp>
+      <p:sp>
+        <p:nvSpPr>
+          <p:cNvPr id="6" name="TextBox 5"/>
+          <p:cNvSpPr txBox="1"/>
+          <p:nvPr/>
+        </p:nvSpPr>
+        <p:spPr>
+          <a:xfrm>
+            <a:off x="389474" y="3026658"/>
+            <a:ext cx="1454244" cy="369332"/>
+          </a:xfrm>
+          <a:prstGeom prst="rect">
+            <a:avLst/>
+          </a:prstGeom>
+          <a:noFill/>
+        </p:spPr>
+        <p:txBody>
+          <a:bodyPr wrap="none" rtlCol="0">
+            <a:spAutoFit/>
+          </a:bodyPr>
           <a:lstStyle/>
           <a:p>
             <a:r>
               <a:rPr lang="en-US" dirty="0" smtClean="0"/>
-              <a:t>Visual showing primary screen, pointing out PFD, map viewer, system status display, and imagery viewer</a:t>
+              <a:t>Map Display</a:t>
             </a:r>
             <a:endParaRPr lang="en-US" dirty="0"/>
           </a:p>
         </p:txBody>
       </p:sp>
+      <p:cxnSp>
+        <p:nvCxnSpPr>
+          <p:cNvPr id="7" name="Straight Arrow Connector 6"/>
+          <p:cNvCxnSpPr>
+            <a:stCxn id="6" idx="3"/>
+          </p:cNvCxnSpPr>
+          <p:nvPr/>
+        </p:nvCxnSpPr>
+        <p:spPr>
+          <a:xfrm>
+            <a:off x="1843718" y="3211324"/>
+            <a:ext cx="1909132" cy="184666"/>
+          </a:xfrm>
+          <a:prstGeom prst="straightConnector1">
+            <a:avLst/>
+          </a:prstGeom>
+          <a:ln w="25400">
+            <a:tailEnd type="triangle"/>
+          </a:ln>
+        </p:spPr>
+        <p:style>
+          <a:lnRef idx="1">
+            <a:schemeClr val="accent1"/>
+          </a:lnRef>
+          <a:fillRef idx="0">
+            <a:schemeClr val="accent1"/>
+          </a:fillRef>
+          <a:effectRef idx="0">
+            <a:schemeClr val="accent1"/>
+          </a:effectRef>
+          <a:fontRef idx="minor">
+            <a:schemeClr val="tx1"/>
+          </a:fontRef>
+        </p:style>
+      </p:cxnSp>
+      <p:sp>
+        <p:nvSpPr>
+          <p:cNvPr id="9" name="TextBox 8"/>
+          <p:cNvSpPr txBox="1"/>
+          <p:nvPr/>
+        </p:nvSpPr>
+        <p:spPr>
+          <a:xfrm>
+            <a:off x="3266024" y="1594565"/>
+            <a:ext cx="2428870" cy="369332"/>
+          </a:xfrm>
+          <a:prstGeom prst="rect">
+            <a:avLst/>
+          </a:prstGeom>
+          <a:noFill/>
+        </p:spPr>
+        <p:txBody>
+          <a:bodyPr wrap="none" rtlCol="0">
+            <a:spAutoFit/>
+          </a:bodyPr>
+          <a:lstStyle/>
+          <a:p>
+            <a:r>
+              <a:rPr lang="en-US" dirty="0" smtClean="0"/>
+              <a:t>Primary Flight Display</a:t>
+            </a:r>
+            <a:endParaRPr lang="en-US" dirty="0"/>
+          </a:p>
+        </p:txBody>
+      </p:sp>
+      <p:cxnSp>
+        <p:nvCxnSpPr>
+          <p:cNvPr id="10" name="Straight Arrow Connector 9"/>
+          <p:cNvCxnSpPr>
+            <a:stCxn id="9" idx="3"/>
+          </p:cNvCxnSpPr>
+          <p:nvPr/>
+        </p:nvCxnSpPr>
+        <p:spPr>
+          <a:xfrm>
+            <a:off x="5694894" y="1779231"/>
+            <a:ext cx="305856" cy="1716444"/>
+          </a:xfrm>
+          <a:prstGeom prst="straightConnector1">
+            <a:avLst/>
+          </a:prstGeom>
+          <a:ln w="25400">
+            <a:tailEnd type="triangle"/>
+          </a:ln>
+        </p:spPr>
+        <p:style>
+          <a:lnRef idx="1">
+            <a:schemeClr val="accent1"/>
+          </a:lnRef>
+          <a:fillRef idx="0">
+            <a:schemeClr val="accent1"/>
+          </a:fillRef>
+          <a:effectRef idx="0">
+            <a:schemeClr val="accent1"/>
+          </a:effectRef>
+          <a:fontRef idx="minor">
+            <a:schemeClr val="tx1"/>
+          </a:fontRef>
+        </p:style>
+      </p:cxnSp>
+      <p:sp>
+        <p:nvSpPr>
+          <p:cNvPr id="12" name="TextBox 11"/>
+          <p:cNvSpPr txBox="1"/>
+          <p:nvPr/>
+        </p:nvSpPr>
+        <p:spPr>
+          <a:xfrm>
+            <a:off x="8571449" y="1691859"/>
+            <a:ext cx="2518638" cy="369332"/>
+          </a:xfrm>
+          <a:prstGeom prst="rect">
+            <a:avLst/>
+          </a:prstGeom>
+          <a:noFill/>
+        </p:spPr>
+        <p:txBody>
+          <a:bodyPr wrap="none" rtlCol="0">
+            <a:spAutoFit/>
+          </a:bodyPr>
+          <a:lstStyle/>
+          <a:p>
+            <a:r>
+              <a:rPr lang="en-US" dirty="0" smtClean="0"/>
+              <a:t>FMV / Imagery Display</a:t>
+            </a:r>
+            <a:endParaRPr lang="en-US" dirty="0"/>
+          </a:p>
+        </p:txBody>
+      </p:sp>
+      <p:cxnSp>
+        <p:nvCxnSpPr>
+          <p:cNvPr id="13" name="Straight Arrow Connector 12"/>
+          <p:cNvCxnSpPr>
+            <a:stCxn id="12" idx="2"/>
+          </p:cNvCxnSpPr>
+          <p:nvPr/>
+        </p:nvCxnSpPr>
+        <p:spPr>
+          <a:xfrm flipH="1">
+            <a:off x="8571450" y="2061191"/>
+            <a:ext cx="1259318" cy="1334799"/>
+          </a:xfrm>
+          <a:prstGeom prst="straightConnector1">
+            <a:avLst/>
+          </a:prstGeom>
+          <a:ln w="25400">
+            <a:tailEnd type="triangle"/>
+          </a:ln>
+        </p:spPr>
+        <p:style>
+          <a:lnRef idx="1">
+            <a:schemeClr val="accent1"/>
+          </a:lnRef>
+          <a:fillRef idx="0">
+            <a:schemeClr val="accent1"/>
+          </a:fillRef>
+          <a:effectRef idx="0">
+            <a:schemeClr val="accent1"/>
+          </a:effectRef>
+          <a:fontRef idx="minor">
+            <a:schemeClr val="tx1"/>
+          </a:fontRef>
+        </p:style>
+      </p:cxnSp>
+      <p:sp>
+        <p:nvSpPr>
+          <p:cNvPr id="16" name="TextBox 15"/>
+          <p:cNvSpPr txBox="1"/>
+          <p:nvPr/>
+        </p:nvSpPr>
+        <p:spPr>
+          <a:xfrm>
+            <a:off x="393046" y="5141316"/>
+            <a:ext cx="1877437" cy="369332"/>
+          </a:xfrm>
+          <a:prstGeom prst="rect">
+            <a:avLst/>
+          </a:prstGeom>
+          <a:noFill/>
+        </p:spPr>
+        <p:txBody>
+          <a:bodyPr wrap="none" rtlCol="0">
+            <a:spAutoFit/>
+          </a:bodyPr>
+          <a:lstStyle/>
+          <a:p>
+            <a:r>
+              <a:rPr lang="en-US" dirty="0" smtClean="0"/>
+              <a:t>Message Center</a:t>
+            </a:r>
+            <a:endParaRPr lang="en-US" dirty="0"/>
+          </a:p>
+        </p:txBody>
+      </p:sp>
+      <p:cxnSp>
+        <p:nvCxnSpPr>
+          <p:cNvPr id="17" name="Straight Arrow Connector 16"/>
+          <p:cNvCxnSpPr>
+            <a:stCxn id="16" idx="3"/>
+          </p:cNvCxnSpPr>
+          <p:nvPr/>
+        </p:nvCxnSpPr>
+        <p:spPr>
+          <a:xfrm>
+            <a:off x="2270483" y="5325982"/>
+            <a:ext cx="1485939" cy="184666"/>
+          </a:xfrm>
+          <a:prstGeom prst="straightConnector1">
+            <a:avLst/>
+          </a:prstGeom>
+          <a:ln w="25400">
+            <a:tailEnd type="triangle"/>
+          </a:ln>
+        </p:spPr>
+        <p:style>
+          <a:lnRef idx="1">
+            <a:schemeClr val="accent1"/>
+          </a:lnRef>
+          <a:fillRef idx="0">
+            <a:schemeClr val="accent1"/>
+          </a:fillRef>
+          <a:effectRef idx="0">
+            <a:schemeClr val="accent1"/>
+          </a:effectRef>
+          <a:fontRef idx="minor">
+            <a:schemeClr val="tx1"/>
+          </a:fontRef>
+        </p:style>
+      </p:cxnSp>
+      <p:sp>
+        <p:nvSpPr>
+          <p:cNvPr id="18" name="TextBox 17"/>
+          <p:cNvSpPr txBox="1"/>
+          <p:nvPr/>
+        </p:nvSpPr>
+        <p:spPr>
+          <a:xfrm>
+            <a:off x="10247548" y="5892938"/>
+            <a:ext cx="1685077" cy="369332"/>
+          </a:xfrm>
+          <a:prstGeom prst="rect">
+            <a:avLst/>
+          </a:prstGeom>
+          <a:noFill/>
+        </p:spPr>
+        <p:txBody>
+          <a:bodyPr wrap="none" rtlCol="0">
+            <a:spAutoFit/>
+          </a:bodyPr>
+          <a:lstStyle/>
+          <a:p>
+            <a:r>
+              <a:rPr lang="en-US" dirty="0" smtClean="0"/>
+              <a:t>Health Monitor</a:t>
+            </a:r>
+            <a:endParaRPr lang="en-US" dirty="0"/>
+          </a:p>
+        </p:txBody>
+      </p:sp>
+      <p:cxnSp>
+        <p:nvCxnSpPr>
+          <p:cNvPr id="19" name="Straight Arrow Connector 18"/>
+          <p:cNvCxnSpPr/>
+          <p:nvPr/>
+        </p:nvCxnSpPr>
+        <p:spPr>
+          <a:xfrm flipH="1" flipV="1">
+            <a:off x="8420100" y="5762625"/>
+            <a:ext cx="1737682" cy="260626"/>
+          </a:xfrm>
+          <a:prstGeom prst="straightConnector1">
+            <a:avLst/>
+          </a:prstGeom>
+          <a:ln w="25400">
+            <a:tailEnd type="triangle"/>
+          </a:ln>
+        </p:spPr>
+        <p:style>
+          <a:lnRef idx="1">
+            <a:schemeClr val="accent1"/>
+          </a:lnRef>
+          <a:fillRef idx="0">
+            <a:schemeClr val="accent1"/>
+          </a:fillRef>
+          <a:effectRef idx="0">
+            <a:schemeClr val="accent1"/>
+          </a:effectRef>
+          <a:fontRef idx="minor">
+            <a:schemeClr val="tx1"/>
+          </a:fontRef>
+        </p:style>
+      </p:cxnSp>
     </p:spTree>
     <p:extLst>
       <p:ext uri="{BB962C8B-B14F-4D97-AF65-F5344CB8AC3E}">
@@ -4250,29 +4440,491 @@
       </p:sp>
       <p:sp>
         <p:nvSpPr>
-          <p:cNvPr id="3" name="Content Placeholder 2"/>
-          <p:cNvSpPr>
-            <a:spLocks noGrp="1"/>
-          </p:cNvSpPr>
-          <p:nvPr>
-            <p:ph idx="1"/>
-          </p:nvPr>
-        </p:nvSpPr>
-        <p:spPr/>
-        <p:txBody>
-          <a:bodyPr/>
+          <p:cNvPr id="5" name="Rectangle 4"/>
+          <p:cNvSpPr/>
+          <p:nvPr/>
+        </p:nvSpPr>
+        <p:spPr>
+          <a:xfrm>
+            <a:off x="3757612" y="1847850"/>
+            <a:ext cx="4676775" cy="4333875"/>
+          </a:xfrm>
+          <a:prstGeom prst="rect">
+            <a:avLst/>
+          </a:prstGeom>
+          <a:solidFill>
+            <a:schemeClr val="bg2"/>
+          </a:solidFill>
+        </p:spPr>
+        <p:style>
+          <a:lnRef idx="2">
+            <a:schemeClr val="accent1">
+              <a:shade val="50000"/>
+            </a:schemeClr>
+          </a:lnRef>
+          <a:fillRef idx="1">
+            <a:schemeClr val="accent1"/>
+          </a:fillRef>
+          <a:effectRef idx="0">
+            <a:schemeClr val="accent1"/>
+          </a:effectRef>
+          <a:fontRef idx="minor">
+            <a:schemeClr val="lt1"/>
+          </a:fontRef>
+        </p:style>
+        <p:txBody>
+          <a:bodyPr rtlCol="0" anchor="ctr"/>
+          <a:lstStyle/>
+          <a:p>
+            <a:pPr algn="ctr"/>
+            <a:endParaRPr lang="en-US"/>
+          </a:p>
+        </p:txBody>
+      </p:sp>
+      <p:sp>
+        <p:nvSpPr>
+          <p:cNvPr id="6" name="TextBox 5"/>
+          <p:cNvSpPr txBox="1"/>
+          <p:nvPr/>
+        </p:nvSpPr>
+        <p:spPr>
+          <a:xfrm>
+            <a:off x="389474" y="3026658"/>
+            <a:ext cx="1095172" cy="369332"/>
+          </a:xfrm>
+          <a:prstGeom prst="rect">
+            <a:avLst/>
+          </a:prstGeom>
+          <a:noFill/>
+        </p:spPr>
+        <p:txBody>
+          <a:bodyPr wrap="none" rtlCol="0">
+            <a:spAutoFit/>
+          </a:bodyPr>
           <a:lstStyle/>
           <a:p>
             <a:r>
               <a:rPr lang="en-US" dirty="0" smtClean="0"/>
-              <a:t>Zoom in on PFD</a:t>
-            </a:r>
-          </a:p>
-          <a:p>
-            <a:pPr lvl="1"/>
+              <a:t>Airspeed</a:t>
+            </a:r>
+            <a:endParaRPr lang="en-US" dirty="0"/>
+          </a:p>
+        </p:txBody>
+      </p:sp>
+      <p:cxnSp>
+        <p:nvCxnSpPr>
+          <p:cNvPr id="7" name="Straight Arrow Connector 6"/>
+          <p:cNvCxnSpPr>
+            <a:stCxn id="6" idx="3"/>
+          </p:cNvCxnSpPr>
+          <p:nvPr/>
+        </p:nvCxnSpPr>
+        <p:spPr>
+          <a:xfrm>
+            <a:off x="1484646" y="3211324"/>
+            <a:ext cx="2401554" cy="331976"/>
+          </a:xfrm>
+          <a:prstGeom prst="straightConnector1">
+            <a:avLst/>
+          </a:prstGeom>
+          <a:ln w="25400">
+            <a:tailEnd type="triangle"/>
+          </a:ln>
+        </p:spPr>
+        <p:style>
+          <a:lnRef idx="1">
+            <a:schemeClr val="accent1"/>
+          </a:lnRef>
+          <a:fillRef idx="0">
+            <a:schemeClr val="accent1"/>
+          </a:fillRef>
+          <a:effectRef idx="0">
+            <a:schemeClr val="accent1"/>
+          </a:effectRef>
+          <a:fontRef idx="minor">
+            <a:schemeClr val="tx1"/>
+          </a:fontRef>
+        </p:style>
+      </p:cxnSp>
+      <p:sp>
+        <p:nvSpPr>
+          <p:cNvPr id="9" name="TextBox 8"/>
+          <p:cNvSpPr txBox="1"/>
+          <p:nvPr/>
+        </p:nvSpPr>
+        <p:spPr>
+          <a:xfrm>
+            <a:off x="9193000" y="3226311"/>
+            <a:ext cx="954107" cy="369332"/>
+          </a:xfrm>
+          <a:prstGeom prst="rect">
+            <a:avLst/>
+          </a:prstGeom>
+          <a:noFill/>
+        </p:spPr>
+        <p:txBody>
+          <a:bodyPr wrap="none" rtlCol="0">
+            <a:spAutoFit/>
+          </a:bodyPr>
+          <a:lstStyle/>
+          <a:p>
             <a:r>
               <a:rPr lang="en-US" dirty="0" smtClean="0"/>
-              <a:t>Missing current waypoint indication</a:t>
+              <a:t>Altitude</a:t>
+            </a:r>
+            <a:endParaRPr lang="en-US" dirty="0"/>
+          </a:p>
+        </p:txBody>
+      </p:sp>
+      <p:cxnSp>
+        <p:nvCxnSpPr>
+          <p:cNvPr id="10" name="Straight Arrow Connector 9"/>
+          <p:cNvCxnSpPr/>
+          <p:nvPr/>
+        </p:nvCxnSpPr>
+        <p:spPr>
+          <a:xfrm flipH="1">
+            <a:off x="7399874" y="3543300"/>
+            <a:ext cx="1791751" cy="571500"/>
+          </a:xfrm>
+          <a:prstGeom prst="straightConnector1">
+            <a:avLst/>
+          </a:prstGeom>
+          <a:ln w="25400">
+            <a:tailEnd type="triangle"/>
+          </a:ln>
+        </p:spPr>
+        <p:style>
+          <a:lnRef idx="1">
+            <a:schemeClr val="accent1"/>
+          </a:lnRef>
+          <a:fillRef idx="0">
+            <a:schemeClr val="accent1"/>
+          </a:fillRef>
+          <a:effectRef idx="0">
+            <a:schemeClr val="accent1"/>
+          </a:effectRef>
+          <a:fontRef idx="minor">
+            <a:schemeClr val="tx1"/>
+          </a:fontRef>
+        </p:style>
+      </p:cxnSp>
+      <p:cxnSp>
+        <p:nvCxnSpPr>
+          <p:cNvPr id="13" name="Straight Arrow Connector 12"/>
+          <p:cNvCxnSpPr/>
+          <p:nvPr/>
+        </p:nvCxnSpPr>
+        <p:spPr>
+          <a:xfrm flipH="1">
+            <a:off x="6323550" y="5915025"/>
+            <a:ext cx="2991900" cy="0"/>
+          </a:xfrm>
+          <a:prstGeom prst="straightConnector1">
+            <a:avLst/>
+          </a:prstGeom>
+          <a:ln w="25400">
+            <a:tailEnd type="triangle"/>
+          </a:ln>
+        </p:spPr>
+        <p:style>
+          <a:lnRef idx="1">
+            <a:schemeClr val="accent1"/>
+          </a:lnRef>
+          <a:fillRef idx="0">
+            <a:schemeClr val="accent1"/>
+          </a:fillRef>
+          <a:effectRef idx="0">
+            <a:schemeClr val="accent1"/>
+          </a:effectRef>
+          <a:fontRef idx="minor">
+            <a:schemeClr val="tx1"/>
+          </a:fontRef>
+        </p:style>
+      </p:cxnSp>
+      <p:sp>
+        <p:nvSpPr>
+          <p:cNvPr id="15" name="TextBox 14"/>
+          <p:cNvSpPr txBox="1"/>
+          <p:nvPr/>
+        </p:nvSpPr>
+        <p:spPr>
+          <a:xfrm>
+            <a:off x="9315450" y="5749148"/>
+            <a:ext cx="1043876" cy="369332"/>
+          </a:xfrm>
+          <a:prstGeom prst="rect">
+            <a:avLst/>
+          </a:prstGeom>
+          <a:noFill/>
+        </p:spPr>
+        <p:txBody>
+          <a:bodyPr wrap="none" rtlCol="0">
+            <a:spAutoFit/>
+          </a:bodyPr>
+          <a:lstStyle/>
+          <a:p>
+            <a:r>
+              <a:rPr lang="en-US" dirty="0" smtClean="0"/>
+              <a:t>Heading</a:t>
+            </a:r>
+            <a:endParaRPr lang="en-US" dirty="0"/>
+          </a:p>
+        </p:txBody>
+      </p:sp>
+      <p:cxnSp>
+        <p:nvCxnSpPr>
+          <p:cNvPr id="16" name="Straight Arrow Connector 15"/>
+          <p:cNvCxnSpPr/>
+          <p:nvPr/>
+        </p:nvCxnSpPr>
+        <p:spPr>
+          <a:xfrm flipH="1">
+            <a:off x="7009350" y="2638425"/>
+            <a:ext cx="3001425" cy="466725"/>
+          </a:xfrm>
+          <a:prstGeom prst="straightConnector1">
+            <a:avLst/>
+          </a:prstGeom>
+          <a:ln w="25400">
+            <a:tailEnd type="triangle"/>
+          </a:ln>
+        </p:spPr>
+        <p:style>
+          <a:lnRef idx="1">
+            <a:schemeClr val="accent1"/>
+          </a:lnRef>
+          <a:fillRef idx="0">
+            <a:schemeClr val="accent1"/>
+          </a:fillRef>
+          <a:effectRef idx="0">
+            <a:schemeClr val="accent1"/>
+          </a:effectRef>
+          <a:fontRef idx="minor">
+            <a:schemeClr val="tx1"/>
+          </a:fontRef>
+        </p:style>
+      </p:cxnSp>
+      <p:sp>
+        <p:nvSpPr>
+          <p:cNvPr id="18" name="TextBox 17"/>
+          <p:cNvSpPr txBox="1"/>
+          <p:nvPr/>
+        </p:nvSpPr>
+        <p:spPr>
+          <a:xfrm>
+            <a:off x="10010775" y="2349401"/>
+            <a:ext cx="1223476" cy="369332"/>
+          </a:xfrm>
+          <a:prstGeom prst="rect">
+            <a:avLst/>
+          </a:prstGeom>
+          <a:noFill/>
+        </p:spPr>
+        <p:txBody>
+          <a:bodyPr wrap="none" rtlCol="0">
+            <a:spAutoFit/>
+          </a:bodyPr>
+          <a:lstStyle/>
+          <a:p>
+            <a:r>
+              <a:rPr lang="en-US" dirty="0" smtClean="0"/>
+              <a:t>Roll Angle</a:t>
+            </a:r>
+            <a:endParaRPr lang="en-US" dirty="0"/>
+          </a:p>
+        </p:txBody>
+      </p:sp>
+      <p:cxnSp>
+        <p:nvCxnSpPr>
+          <p:cNvPr id="19" name="Straight Arrow Connector 18"/>
+          <p:cNvCxnSpPr/>
+          <p:nvPr/>
+        </p:nvCxnSpPr>
+        <p:spPr>
+          <a:xfrm flipH="1" flipV="1">
+            <a:off x="6314026" y="4010025"/>
+            <a:ext cx="3191924" cy="671293"/>
+          </a:xfrm>
+          <a:prstGeom prst="straightConnector1">
+            <a:avLst/>
+          </a:prstGeom>
+          <a:ln w="25400">
+            <a:tailEnd type="triangle"/>
+          </a:ln>
+        </p:spPr>
+        <p:style>
+          <a:lnRef idx="1">
+            <a:schemeClr val="accent1"/>
+          </a:lnRef>
+          <a:fillRef idx="0">
+            <a:schemeClr val="accent1"/>
+          </a:fillRef>
+          <a:effectRef idx="0">
+            <a:schemeClr val="accent1"/>
+          </a:effectRef>
+          <a:fontRef idx="minor">
+            <a:schemeClr val="tx1"/>
+          </a:fontRef>
+        </p:style>
+      </p:cxnSp>
+      <p:sp>
+        <p:nvSpPr>
+          <p:cNvPr id="21" name="TextBox 20"/>
+          <p:cNvSpPr txBox="1"/>
+          <p:nvPr/>
+        </p:nvSpPr>
+        <p:spPr>
+          <a:xfrm>
+            <a:off x="9535369" y="4478807"/>
+            <a:ext cx="1338893" cy="369332"/>
+          </a:xfrm>
+          <a:prstGeom prst="rect">
+            <a:avLst/>
+          </a:prstGeom>
+          <a:noFill/>
+        </p:spPr>
+        <p:txBody>
+          <a:bodyPr wrap="none" rtlCol="0">
+            <a:spAutoFit/>
+          </a:bodyPr>
+          <a:lstStyle/>
+          <a:p>
+            <a:r>
+              <a:rPr lang="en-US" dirty="0" smtClean="0"/>
+              <a:t>Pitch Angle</a:t>
+            </a:r>
+            <a:endParaRPr lang="en-US" dirty="0"/>
+          </a:p>
+        </p:txBody>
+      </p:sp>
+      <p:cxnSp>
+        <p:nvCxnSpPr>
+          <p:cNvPr id="22" name="Straight Arrow Connector 21"/>
+          <p:cNvCxnSpPr/>
+          <p:nvPr/>
+        </p:nvCxnSpPr>
+        <p:spPr>
+          <a:xfrm flipV="1">
+            <a:off x="2076450" y="4879587"/>
+            <a:ext cx="3837527" cy="39145"/>
+          </a:xfrm>
+          <a:prstGeom prst="straightConnector1">
+            <a:avLst/>
+          </a:prstGeom>
+          <a:ln w="25400">
+            <a:tailEnd type="triangle"/>
+          </a:ln>
+        </p:spPr>
+        <p:style>
+          <a:lnRef idx="1">
+            <a:schemeClr val="accent1"/>
+          </a:lnRef>
+          <a:fillRef idx="0">
+            <a:schemeClr val="accent1"/>
+          </a:fillRef>
+          <a:effectRef idx="0">
+            <a:schemeClr val="accent1"/>
+          </a:effectRef>
+          <a:fontRef idx="minor">
+            <a:schemeClr val="tx1"/>
+          </a:fontRef>
+        </p:style>
+      </p:cxnSp>
+      <p:sp>
+        <p:nvSpPr>
+          <p:cNvPr id="24" name="TextBox 23"/>
+          <p:cNvSpPr txBox="1"/>
+          <p:nvPr/>
+        </p:nvSpPr>
+        <p:spPr>
+          <a:xfrm>
+            <a:off x="659629" y="4734066"/>
+            <a:ext cx="1257652" cy="369332"/>
+          </a:xfrm>
+          <a:prstGeom prst="rect">
+            <a:avLst/>
+          </a:prstGeom>
+          <a:noFill/>
+        </p:spPr>
+        <p:txBody>
+          <a:bodyPr wrap="none" rtlCol="0">
+            <a:spAutoFit/>
+          </a:bodyPr>
+          <a:lstStyle/>
+          <a:p>
+            <a:r>
+              <a:rPr lang="en-US" dirty="0" smtClean="0"/>
+              <a:t>Yaw Angle</a:t>
+            </a:r>
+            <a:endParaRPr lang="en-US" dirty="0"/>
+          </a:p>
+        </p:txBody>
+      </p:sp>
+      <p:cxnSp>
+        <p:nvCxnSpPr>
+          <p:cNvPr id="26" name="Straight Arrow Connector 25"/>
+          <p:cNvCxnSpPr/>
+          <p:nvPr/>
+        </p:nvCxnSpPr>
+        <p:spPr>
+          <a:xfrm>
+            <a:off x="1601808" y="3899040"/>
+            <a:ext cx="2401554" cy="331976"/>
+          </a:xfrm>
+          <a:prstGeom prst="straightConnector1">
+            <a:avLst/>
+          </a:prstGeom>
+          <a:ln w="25400">
+            <a:tailEnd type="triangle"/>
+          </a:ln>
+        </p:spPr>
+        <p:style>
+          <a:lnRef idx="1">
+            <a:schemeClr val="accent1"/>
+          </a:lnRef>
+          <a:fillRef idx="0">
+            <a:schemeClr val="accent1"/>
+          </a:fillRef>
+          <a:effectRef idx="0">
+            <a:schemeClr val="accent1"/>
+          </a:effectRef>
+          <a:fontRef idx="minor">
+            <a:schemeClr val="tx1"/>
+          </a:fontRef>
+        </p:style>
+      </p:cxnSp>
+      <p:sp>
+        <p:nvSpPr>
+          <p:cNvPr id="27" name="TextBox 26"/>
+          <p:cNvSpPr txBox="1"/>
+          <p:nvPr/>
+        </p:nvSpPr>
+        <p:spPr>
+          <a:xfrm>
+            <a:off x="0" y="3607084"/>
+            <a:ext cx="1672317" cy="646331"/>
+          </a:xfrm>
+          <a:prstGeom prst="rect">
+            <a:avLst/>
+          </a:prstGeom>
+          <a:noFill/>
+        </p:spPr>
+        <p:txBody>
+          <a:bodyPr wrap="none" rtlCol="0">
+            <a:spAutoFit/>
+          </a:bodyPr>
+          <a:lstStyle/>
+          <a:p>
+            <a:r>
+              <a:rPr lang="en-US" dirty="0" smtClean="0"/>
+              <a:t>Lateral Speed</a:t>
+            </a:r>
+          </a:p>
+          <a:p>
+            <a:r>
+              <a:rPr lang="en-US" dirty="0" smtClean="0"/>
+              <a:t>Vertical Speed</a:t>
             </a:r>
             <a:endParaRPr lang="en-US" dirty="0"/>
           </a:p>
@@ -4331,24 +4983,677 @@
           </a:p>
         </p:txBody>
       </p:sp>
-      <p:sp>
-        <p:nvSpPr>
-          <p:cNvPr id="3" name="Content Placeholder 2"/>
-          <p:cNvSpPr>
-            <a:spLocks noGrp="1"/>
-          </p:cNvSpPr>
-          <p:nvPr>
-            <p:ph idx="1"/>
-          </p:nvPr>
-        </p:nvSpPr>
-        <p:spPr/>
-        <p:txBody>
-          <a:bodyPr/>
+      <p:pic>
+        <p:nvPicPr>
+          <p:cNvPr id="5" name="Picture 4"/>
+          <p:cNvPicPr>
+            <a:picLocks noChangeAspect="1"/>
+          </p:cNvPicPr>
+          <p:nvPr/>
+        </p:nvPicPr>
+        <p:blipFill>
+          <a:blip r:embed="rId2"/>
+          <a:stretch>
+            <a:fillRect/>
+          </a:stretch>
+        </p:blipFill>
+        <p:spPr>
+          <a:xfrm>
+            <a:off x="3502324" y="2297246"/>
+            <a:ext cx="4688545" cy="3228332"/>
+          </a:xfrm>
+          <a:prstGeom prst="rect">
+            <a:avLst/>
+          </a:prstGeom>
+        </p:spPr>
+      </p:pic>
+      <p:cxnSp>
+        <p:nvCxnSpPr>
+          <p:cNvPr id="8" name="Straight Arrow Connector 7"/>
+          <p:cNvCxnSpPr/>
+          <p:nvPr/>
+        </p:nvCxnSpPr>
+        <p:spPr>
+          <a:xfrm flipV="1">
+            <a:off x="2018581" y="3911412"/>
+            <a:ext cx="2941608" cy="1195426"/>
+          </a:xfrm>
+          <a:prstGeom prst="straightConnector1">
+            <a:avLst/>
+          </a:prstGeom>
+          <a:ln w="25400">
+            <a:tailEnd type="triangle"/>
+          </a:ln>
+        </p:spPr>
+        <p:style>
+          <a:lnRef idx="1">
+            <a:schemeClr val="accent1"/>
+          </a:lnRef>
+          <a:fillRef idx="0">
+            <a:schemeClr val="accent1"/>
+          </a:fillRef>
+          <a:effectRef idx="0">
+            <a:schemeClr val="accent1"/>
+          </a:effectRef>
+          <a:fontRef idx="minor">
+            <a:schemeClr val="tx1"/>
+          </a:fontRef>
+        </p:style>
+      </p:cxnSp>
+      <p:sp>
+        <p:nvSpPr>
+          <p:cNvPr id="9" name="TextBox 8"/>
+          <p:cNvSpPr txBox="1"/>
+          <p:nvPr/>
+        </p:nvSpPr>
+        <p:spPr>
+          <a:xfrm>
+            <a:off x="590550" y="5106838"/>
+            <a:ext cx="2416046" cy="369332"/>
+          </a:xfrm>
+          <a:prstGeom prst="rect">
+            <a:avLst/>
+          </a:prstGeom>
+          <a:noFill/>
+        </p:spPr>
+        <p:txBody>
+          <a:bodyPr wrap="none" rtlCol="0">
+            <a:spAutoFit/>
+          </a:bodyPr>
           <a:lstStyle/>
           <a:p>
             <a:r>
               <a:rPr lang="en-US" dirty="0" smtClean="0"/>
-              <a:t>Zoom in on Xbox Controller</a:t>
+              <a:t>Menu Control Buttons</a:t>
+            </a:r>
+            <a:endParaRPr lang="en-US" dirty="0"/>
+          </a:p>
+        </p:txBody>
+      </p:sp>
+      <p:cxnSp>
+        <p:nvCxnSpPr>
+          <p:cNvPr id="10" name="Straight Arrow Connector 9"/>
+          <p:cNvCxnSpPr/>
+          <p:nvPr/>
+        </p:nvCxnSpPr>
+        <p:spPr>
+          <a:xfrm>
+            <a:off x="6210300" y="1918281"/>
+            <a:ext cx="337088" cy="1078029"/>
+          </a:xfrm>
+          <a:prstGeom prst="straightConnector1">
+            <a:avLst/>
+          </a:prstGeom>
+          <a:ln w="25400">
+            <a:tailEnd type="triangle"/>
+          </a:ln>
+        </p:spPr>
+        <p:style>
+          <a:lnRef idx="1">
+            <a:schemeClr val="accent1"/>
+          </a:lnRef>
+          <a:fillRef idx="0">
+            <a:schemeClr val="accent1"/>
+          </a:fillRef>
+          <a:effectRef idx="0">
+            <a:schemeClr val="accent1"/>
+          </a:effectRef>
+          <a:fontRef idx="minor">
+            <a:schemeClr val="tx1"/>
+          </a:fontRef>
+        </p:style>
+      </p:cxnSp>
+      <p:sp>
+        <p:nvSpPr>
+          <p:cNvPr id="13" name="TextBox 12"/>
+          <p:cNvSpPr txBox="1"/>
+          <p:nvPr/>
+        </p:nvSpPr>
+        <p:spPr>
+          <a:xfrm>
+            <a:off x="5721521" y="1489975"/>
+            <a:ext cx="825867" cy="369332"/>
+          </a:xfrm>
+          <a:prstGeom prst="rect">
+            <a:avLst/>
+          </a:prstGeom>
+          <a:noFill/>
+        </p:spPr>
+        <p:txBody>
+          <a:bodyPr wrap="none" rtlCol="0">
+            <a:spAutoFit/>
+          </a:bodyPr>
+          <a:lstStyle/>
+          <a:p>
+            <a:r>
+              <a:rPr lang="en-US" dirty="0" smtClean="0"/>
+              <a:t>Select</a:t>
+            </a:r>
+            <a:endParaRPr lang="en-US" dirty="0"/>
+          </a:p>
+        </p:txBody>
+      </p:sp>
+      <p:sp>
+        <p:nvSpPr>
+          <p:cNvPr id="14" name="TextBox 13"/>
+          <p:cNvSpPr txBox="1"/>
+          <p:nvPr/>
+        </p:nvSpPr>
+        <p:spPr>
+          <a:xfrm>
+            <a:off x="9362172" y="2622072"/>
+            <a:ext cx="697627" cy="369332"/>
+          </a:xfrm>
+          <a:prstGeom prst="rect">
+            <a:avLst/>
+          </a:prstGeom>
+          <a:noFill/>
+        </p:spPr>
+        <p:txBody>
+          <a:bodyPr wrap="none" rtlCol="0">
+            <a:spAutoFit/>
+          </a:bodyPr>
+          <a:lstStyle/>
+          <a:p>
+            <a:r>
+              <a:rPr lang="en-US" dirty="0" smtClean="0"/>
+              <a:t>Back</a:t>
+            </a:r>
+            <a:endParaRPr lang="en-US" dirty="0"/>
+          </a:p>
+        </p:txBody>
+      </p:sp>
+      <p:cxnSp>
+        <p:nvCxnSpPr>
+          <p:cNvPr id="15" name="Straight Arrow Connector 14"/>
+          <p:cNvCxnSpPr/>
+          <p:nvPr/>
+        </p:nvCxnSpPr>
+        <p:spPr>
+          <a:xfrm flipH="1">
+            <a:off x="7033582" y="2806738"/>
+            <a:ext cx="2319968" cy="1"/>
+          </a:xfrm>
+          <a:prstGeom prst="straightConnector1">
+            <a:avLst/>
+          </a:prstGeom>
+          <a:ln w="25400">
+            <a:tailEnd type="triangle"/>
+          </a:ln>
+        </p:spPr>
+        <p:style>
+          <a:lnRef idx="1">
+            <a:schemeClr val="accent1"/>
+          </a:lnRef>
+          <a:fillRef idx="0">
+            <a:schemeClr val="accent1"/>
+          </a:fillRef>
+          <a:effectRef idx="0">
+            <a:schemeClr val="accent1"/>
+          </a:effectRef>
+          <a:fontRef idx="minor">
+            <a:schemeClr val="tx1"/>
+          </a:fontRef>
+        </p:style>
+      </p:cxnSp>
+      <p:cxnSp>
+        <p:nvCxnSpPr>
+          <p:cNvPr id="16" name="Straight Arrow Connector 15"/>
+          <p:cNvCxnSpPr/>
+          <p:nvPr/>
+        </p:nvCxnSpPr>
+        <p:spPr>
+          <a:xfrm flipH="1">
+            <a:off x="7115175" y="1790700"/>
+            <a:ext cx="952500" cy="637073"/>
+          </a:xfrm>
+          <a:prstGeom prst="straightConnector1">
+            <a:avLst/>
+          </a:prstGeom>
+          <a:ln w="25400">
+            <a:tailEnd type="triangle"/>
+          </a:ln>
+        </p:spPr>
+        <p:style>
+          <a:lnRef idx="1">
+            <a:schemeClr val="accent1"/>
+          </a:lnRef>
+          <a:fillRef idx="0">
+            <a:schemeClr val="accent1"/>
+          </a:fillRef>
+          <a:effectRef idx="0">
+            <a:schemeClr val="accent1"/>
+          </a:effectRef>
+          <a:fontRef idx="minor">
+            <a:schemeClr val="tx1"/>
+          </a:fontRef>
+        </p:style>
+      </p:cxnSp>
+      <p:sp>
+        <p:nvSpPr>
+          <p:cNvPr id="20" name="TextBox 19"/>
+          <p:cNvSpPr txBox="1"/>
+          <p:nvPr/>
+        </p:nvSpPr>
+        <p:spPr>
+          <a:xfrm>
+            <a:off x="8240038" y="1585378"/>
+            <a:ext cx="3728585" cy="646331"/>
+          </a:xfrm>
+          <a:prstGeom prst="rect">
+            <a:avLst/>
+          </a:prstGeom>
+          <a:noFill/>
+        </p:spPr>
+        <p:txBody>
+          <a:bodyPr wrap="none" rtlCol="0">
+            <a:spAutoFit/>
+          </a:bodyPr>
+          <a:lstStyle/>
+          <a:p>
+            <a:r>
+              <a:rPr lang="en-US" dirty="0" smtClean="0"/>
+              <a:t>Shoulder: Increase Altitude</a:t>
+            </a:r>
+          </a:p>
+          <a:p>
+            <a:r>
+              <a:rPr lang="en-US" dirty="0" smtClean="0"/>
+              <a:t>Trigger: Yaw Right or Take Picture</a:t>
+            </a:r>
+            <a:endParaRPr lang="en-US" dirty="0"/>
+          </a:p>
+        </p:txBody>
+      </p:sp>
+      <p:sp>
+        <p:nvSpPr>
+          <p:cNvPr id="21" name="TextBox 20"/>
+          <p:cNvSpPr txBox="1"/>
+          <p:nvPr/>
+        </p:nvSpPr>
+        <p:spPr>
+          <a:xfrm>
+            <a:off x="1616723" y="1595116"/>
+            <a:ext cx="3044488" cy="646331"/>
+          </a:xfrm>
+          <a:prstGeom prst="rect">
+            <a:avLst/>
+          </a:prstGeom>
+          <a:noFill/>
+        </p:spPr>
+        <p:txBody>
+          <a:bodyPr wrap="none" rtlCol="0">
+            <a:spAutoFit/>
+          </a:bodyPr>
+          <a:lstStyle/>
+          <a:p>
+            <a:r>
+              <a:rPr lang="en-US" dirty="0" smtClean="0"/>
+              <a:t>Shoulder: Decrease Altitude</a:t>
+            </a:r>
+          </a:p>
+          <a:p>
+            <a:r>
+              <a:rPr lang="en-US" dirty="0" smtClean="0"/>
+              <a:t>Trigger: Yaw Left</a:t>
+            </a:r>
+            <a:endParaRPr lang="en-US" dirty="0"/>
+          </a:p>
+        </p:txBody>
+      </p:sp>
+      <p:cxnSp>
+        <p:nvCxnSpPr>
+          <p:cNvPr id="22" name="Straight Arrow Connector 21"/>
+          <p:cNvCxnSpPr/>
+          <p:nvPr/>
+        </p:nvCxnSpPr>
+        <p:spPr>
+          <a:xfrm>
+            <a:off x="4661211" y="1964448"/>
+            <a:ext cx="171746" cy="318536"/>
+          </a:xfrm>
+          <a:prstGeom prst="straightConnector1">
+            <a:avLst/>
+          </a:prstGeom>
+          <a:ln w="25400">
+            <a:tailEnd type="triangle"/>
+          </a:ln>
+        </p:spPr>
+        <p:style>
+          <a:lnRef idx="1">
+            <a:schemeClr val="accent1"/>
+          </a:lnRef>
+          <a:fillRef idx="0">
+            <a:schemeClr val="accent1"/>
+          </a:fillRef>
+          <a:effectRef idx="0">
+            <a:schemeClr val="accent1"/>
+          </a:effectRef>
+          <a:fontRef idx="minor">
+            <a:schemeClr val="tx1"/>
+          </a:fontRef>
+        </p:style>
+      </p:cxnSp>
+      <p:sp>
+        <p:nvSpPr>
+          <p:cNvPr id="24" name="TextBox 23"/>
+          <p:cNvSpPr txBox="1"/>
+          <p:nvPr/>
+        </p:nvSpPr>
+        <p:spPr>
+          <a:xfrm>
+            <a:off x="389474" y="3026658"/>
+            <a:ext cx="2672591" cy="369332"/>
+          </a:xfrm>
+          <a:prstGeom prst="rect">
+            <a:avLst/>
+          </a:prstGeom>
+          <a:noFill/>
+        </p:spPr>
+        <p:txBody>
+          <a:bodyPr wrap="none" rtlCol="0">
+            <a:spAutoFit/>
+          </a:bodyPr>
+          <a:lstStyle/>
+          <a:p>
+            <a:r>
+              <a:rPr lang="en-US" dirty="0" smtClean="0"/>
+              <a:t>Lateral Velocity Controls</a:t>
+            </a:r>
+            <a:endParaRPr lang="en-US" dirty="0"/>
+          </a:p>
+        </p:txBody>
+      </p:sp>
+      <p:cxnSp>
+        <p:nvCxnSpPr>
+          <p:cNvPr id="25" name="Straight Arrow Connector 24"/>
+          <p:cNvCxnSpPr>
+            <a:stCxn id="24" idx="3"/>
+          </p:cNvCxnSpPr>
+          <p:nvPr/>
+        </p:nvCxnSpPr>
+        <p:spPr>
+          <a:xfrm flipV="1">
+            <a:off x="3062065" y="3108052"/>
+            <a:ext cx="1496266" cy="103272"/>
+          </a:xfrm>
+          <a:prstGeom prst="straightConnector1">
+            <a:avLst/>
+          </a:prstGeom>
+          <a:ln w="25400">
+            <a:tailEnd type="triangle"/>
+          </a:ln>
+        </p:spPr>
+        <p:style>
+          <a:lnRef idx="1">
+            <a:schemeClr val="accent1"/>
+          </a:lnRef>
+          <a:fillRef idx="0">
+            <a:schemeClr val="accent1"/>
+          </a:fillRef>
+          <a:effectRef idx="0">
+            <a:schemeClr val="accent1"/>
+          </a:effectRef>
+          <a:fontRef idx="minor">
+            <a:schemeClr val="tx1"/>
+          </a:fontRef>
+        </p:style>
+      </p:cxnSp>
+      <p:sp>
+        <p:nvSpPr>
+          <p:cNvPr id="27" name="TextBox 26"/>
+          <p:cNvSpPr txBox="1"/>
+          <p:nvPr/>
+        </p:nvSpPr>
+        <p:spPr>
+          <a:xfrm>
+            <a:off x="3744179" y="5539840"/>
+            <a:ext cx="4609019" cy="646331"/>
+          </a:xfrm>
+          <a:prstGeom prst="rect">
+            <a:avLst/>
+          </a:prstGeom>
+          <a:noFill/>
+        </p:spPr>
+        <p:txBody>
+          <a:bodyPr wrap="none" rtlCol="0">
+            <a:spAutoFit/>
+          </a:bodyPr>
+          <a:lstStyle/>
+          <a:p>
+            <a:r>
+              <a:rPr lang="en-US" dirty="0" smtClean="0"/>
+              <a:t>Roll / Pitch Angle Control</a:t>
+            </a:r>
+          </a:p>
+          <a:p>
+            <a:r>
+              <a:rPr lang="en-US" dirty="0" smtClean="0"/>
+              <a:t>FMV Pan / Tilt (when FMV control is active)</a:t>
+            </a:r>
+            <a:endParaRPr lang="en-US" dirty="0"/>
+          </a:p>
+        </p:txBody>
+      </p:sp>
+      <p:cxnSp>
+        <p:nvCxnSpPr>
+          <p:cNvPr id="28" name="Straight Arrow Connector 27"/>
+          <p:cNvCxnSpPr>
+            <a:stCxn id="5" idx="2"/>
+          </p:cNvCxnSpPr>
+          <p:nvPr/>
+        </p:nvCxnSpPr>
+        <p:spPr>
+          <a:xfrm flipV="1">
+            <a:off x="5846597" y="3888973"/>
+            <a:ext cx="492247" cy="1636605"/>
+          </a:xfrm>
+          <a:prstGeom prst="straightConnector1">
+            <a:avLst/>
+          </a:prstGeom>
+          <a:ln w="25400">
+            <a:tailEnd type="triangle"/>
+          </a:ln>
+        </p:spPr>
+        <p:style>
+          <a:lnRef idx="1">
+            <a:schemeClr val="accent1"/>
+          </a:lnRef>
+          <a:fillRef idx="0">
+            <a:schemeClr val="accent1"/>
+          </a:fillRef>
+          <a:effectRef idx="0">
+            <a:schemeClr val="accent1"/>
+          </a:effectRef>
+          <a:fontRef idx="minor">
+            <a:schemeClr val="tx1"/>
+          </a:fontRef>
+        </p:style>
+      </p:cxnSp>
+      <p:cxnSp>
+        <p:nvCxnSpPr>
+          <p:cNvPr id="34" name="Straight Arrow Connector 33"/>
+          <p:cNvCxnSpPr/>
+          <p:nvPr/>
+        </p:nvCxnSpPr>
+        <p:spPr>
+          <a:xfrm flipH="1" flipV="1">
+            <a:off x="7395043" y="3159688"/>
+            <a:ext cx="2315942" cy="662965"/>
+          </a:xfrm>
+          <a:prstGeom prst="straightConnector1">
+            <a:avLst/>
+          </a:prstGeom>
+          <a:ln w="25400">
+            <a:tailEnd type="triangle"/>
+          </a:ln>
+        </p:spPr>
+        <p:style>
+          <a:lnRef idx="1">
+            <a:schemeClr val="accent1"/>
+          </a:lnRef>
+          <a:fillRef idx="0">
+            <a:schemeClr val="accent1"/>
+          </a:fillRef>
+          <a:effectRef idx="0">
+            <a:schemeClr val="accent1"/>
+          </a:effectRef>
+          <a:fontRef idx="minor">
+            <a:schemeClr val="tx1"/>
+          </a:fontRef>
+        </p:style>
+      </p:cxnSp>
+      <p:cxnSp>
+        <p:nvCxnSpPr>
+          <p:cNvPr id="36" name="Straight Arrow Connector 35"/>
+          <p:cNvCxnSpPr/>
+          <p:nvPr/>
+        </p:nvCxnSpPr>
+        <p:spPr>
+          <a:xfrm flipH="1" flipV="1">
+            <a:off x="7135138" y="3491171"/>
+            <a:ext cx="2113637" cy="1099879"/>
+          </a:xfrm>
+          <a:prstGeom prst="straightConnector1">
+            <a:avLst/>
+          </a:prstGeom>
+          <a:ln w="25400">
+            <a:tailEnd type="triangle"/>
+          </a:ln>
+        </p:spPr>
+        <p:style>
+          <a:lnRef idx="1">
+            <a:schemeClr val="accent1"/>
+          </a:lnRef>
+          <a:fillRef idx="0">
+            <a:schemeClr val="accent1"/>
+          </a:fillRef>
+          <a:effectRef idx="0">
+            <a:schemeClr val="accent1"/>
+          </a:effectRef>
+          <a:fontRef idx="minor">
+            <a:schemeClr val="tx1"/>
+          </a:fontRef>
+        </p:style>
+      </p:cxnSp>
+      <p:sp>
+        <p:nvSpPr>
+          <p:cNvPr id="38" name="TextBox 37"/>
+          <p:cNvSpPr txBox="1"/>
+          <p:nvPr/>
+        </p:nvSpPr>
+        <p:spPr>
+          <a:xfrm>
+            <a:off x="9710985" y="3621605"/>
+            <a:ext cx="1762021" cy="369332"/>
+          </a:xfrm>
+          <a:prstGeom prst="rect">
+            <a:avLst/>
+          </a:prstGeom>
+          <a:noFill/>
+        </p:spPr>
+        <p:txBody>
+          <a:bodyPr wrap="none" rtlCol="0">
+            <a:spAutoFit/>
+          </a:bodyPr>
+          <a:lstStyle/>
+          <a:p>
+            <a:r>
+              <a:rPr lang="en-US" dirty="0" smtClean="0"/>
+              <a:t>FMV Zoom Out</a:t>
+            </a:r>
+            <a:endParaRPr lang="en-US" dirty="0"/>
+          </a:p>
+        </p:txBody>
+      </p:sp>
+      <p:sp>
+        <p:nvSpPr>
+          <p:cNvPr id="39" name="TextBox 38"/>
+          <p:cNvSpPr txBox="1"/>
+          <p:nvPr/>
+        </p:nvSpPr>
+        <p:spPr>
+          <a:xfrm>
+            <a:off x="9248775" y="4436472"/>
+            <a:ext cx="1582484" cy="369332"/>
+          </a:xfrm>
+          <a:prstGeom prst="rect">
+            <a:avLst/>
+          </a:prstGeom>
+          <a:noFill/>
+        </p:spPr>
+        <p:txBody>
+          <a:bodyPr wrap="none" rtlCol="0">
+            <a:spAutoFit/>
+          </a:bodyPr>
+          <a:lstStyle/>
+          <a:p>
+            <a:r>
+              <a:rPr lang="en-US" dirty="0" smtClean="0"/>
+              <a:t>FMV Zoom In</a:t>
+            </a:r>
+            <a:endParaRPr lang="en-US" dirty="0"/>
+          </a:p>
+        </p:txBody>
+      </p:sp>
+      <p:cxnSp>
+        <p:nvCxnSpPr>
+          <p:cNvPr id="40" name="Straight Arrow Connector 39"/>
+          <p:cNvCxnSpPr/>
+          <p:nvPr/>
+        </p:nvCxnSpPr>
+        <p:spPr>
+          <a:xfrm flipV="1">
+            <a:off x="2830215" y="3190237"/>
+            <a:ext cx="2592184" cy="792531"/>
+          </a:xfrm>
+          <a:prstGeom prst="straightConnector1">
+            <a:avLst/>
+          </a:prstGeom>
+          <a:ln w="25400">
+            <a:tailEnd type="triangle"/>
+          </a:ln>
+        </p:spPr>
+        <p:style>
+          <a:lnRef idx="1">
+            <a:schemeClr val="accent1"/>
+          </a:lnRef>
+          <a:fillRef idx="0">
+            <a:schemeClr val="accent1"/>
+          </a:fillRef>
+          <a:effectRef idx="0">
+            <a:schemeClr val="accent1"/>
+          </a:effectRef>
+          <a:fontRef idx="minor">
+            <a:schemeClr val="tx1"/>
+          </a:fontRef>
+        </p:style>
+      </p:cxnSp>
+      <p:sp>
+        <p:nvSpPr>
+          <p:cNvPr id="42" name="TextBox 41"/>
+          <p:cNvSpPr txBox="1"/>
+          <p:nvPr/>
+        </p:nvSpPr>
+        <p:spPr>
+          <a:xfrm>
+            <a:off x="763231" y="3811869"/>
+            <a:ext cx="2044149" cy="369332"/>
+          </a:xfrm>
+          <a:prstGeom prst="rect">
+            <a:avLst/>
+          </a:prstGeom>
+          <a:noFill/>
+        </p:spPr>
+        <p:txBody>
+          <a:bodyPr wrap="none" rtlCol="0">
+            <a:spAutoFit/>
+          </a:bodyPr>
+          <a:lstStyle/>
+          <a:p>
+            <a:r>
+              <a:rPr lang="en-US" dirty="0" smtClean="0"/>
+              <a:t>Open/Close Menu</a:t>
             </a:r>
             <a:endParaRPr lang="en-US" dirty="0"/>
           </a:p>
@@ -4401,7 +5706,7 @@
           <a:p>
             <a:r>
               <a:rPr lang="en-US" dirty="0" smtClean="0"/>
-              <a:t>Autopilot</a:t>
+              <a:t>Common Operating Picture</a:t>
             </a:r>
             <a:endParaRPr lang="en-US" dirty="0"/>
           </a:p>
@@ -4409,36 +5714,217 @@
       </p:sp>
       <p:sp>
         <p:nvSpPr>
-          <p:cNvPr id="3" name="Content Placeholder 2"/>
-          <p:cNvSpPr>
-            <a:spLocks noGrp="1"/>
-          </p:cNvSpPr>
-          <p:nvPr>
-            <p:ph idx="1"/>
-          </p:nvPr>
-        </p:nvSpPr>
-        <p:spPr/>
-        <p:txBody>
-          <a:bodyPr/>
-          <a:lstStyle/>
-          <a:p>
+          <p:cNvPr id="4" name="Rectangle 3"/>
+          <p:cNvSpPr/>
+          <p:nvPr/>
+        </p:nvSpPr>
+        <p:spPr>
+          <a:xfrm>
+            <a:off x="5638800" y="2360057"/>
+            <a:ext cx="4533900" cy="3221593"/>
+          </a:xfrm>
+          <a:prstGeom prst="rect">
+            <a:avLst/>
+          </a:prstGeom>
+        </p:spPr>
+        <p:style>
+          <a:lnRef idx="2">
+            <a:schemeClr val="accent1">
+              <a:shade val="50000"/>
+            </a:schemeClr>
+          </a:lnRef>
+          <a:fillRef idx="1">
+            <a:schemeClr val="accent1"/>
+          </a:fillRef>
+          <a:effectRef idx="0">
+            <a:schemeClr val="accent1"/>
+          </a:effectRef>
+          <a:fontRef idx="minor">
+            <a:schemeClr val="lt1"/>
+          </a:fontRef>
+        </p:style>
+        <p:txBody>
+          <a:bodyPr rtlCol="0" anchor="ctr"/>
+          <a:lstStyle/>
+          <a:p>
+            <a:pPr algn="ctr"/>
+            <a:endParaRPr lang="en-US"/>
+          </a:p>
+        </p:txBody>
+      </p:sp>
+      <p:sp>
+        <p:nvSpPr>
+          <p:cNvPr id="5" name="TextBox 4"/>
+          <p:cNvSpPr txBox="1"/>
+          <p:nvPr/>
+        </p:nvSpPr>
+        <p:spPr>
+          <a:xfrm>
+            <a:off x="247650" y="2085975"/>
+            <a:ext cx="5210175" cy="3693319"/>
+          </a:xfrm>
+          <a:prstGeom prst="rect">
+            <a:avLst/>
+          </a:prstGeom>
+          <a:noFill/>
+        </p:spPr>
+        <p:txBody>
+          <a:bodyPr wrap="square" rtlCol="0">
+            <a:spAutoFit/>
+          </a:bodyPr>
+          <a:lstStyle/>
+          <a:p>
+            <a:pPr marL="285750" indent="-285750">
+              <a:buFont typeface="Arial" panose="020B0604020202020204" pitchFamily="34" charset="0"/>
+              <a:buChar char="•"/>
+            </a:pPr>
             <a:r>
               <a:rPr lang="en-US" dirty="0" smtClean="0"/>
-              <a:t>Describe autopilot functionality</a:t>
-            </a:r>
-          </a:p>
-          <a:p>
-            <a:pPr lvl="1"/>
+              <a:t>Integrated map display and route planner</a:t>
+            </a:r>
+          </a:p>
+          <a:p>
+            <a:pPr marL="285750" indent="-285750">
+              <a:buFont typeface="Arial" panose="020B0604020202020204" pitchFamily="34" charset="0"/>
+              <a:buChar char="•"/>
+            </a:pPr>
             <a:r>
               <a:rPr lang="en-US" dirty="0" smtClean="0"/>
-              <a:t>Button for hold position</a:t>
-            </a:r>
-          </a:p>
-          <a:p>
-            <a:pPr lvl="1"/>
+              <a:t>Map</a:t>
+            </a:r>
+          </a:p>
+          <a:p>
+            <a:pPr marL="742950" lvl="1" indent="-285750">
+              <a:buFont typeface="Arial" panose="020B0604020202020204" pitchFamily="34" charset="0"/>
+              <a:buChar char="•"/>
+            </a:pPr>
             <a:r>
               <a:rPr lang="en-US" dirty="0" smtClean="0"/>
-              <a:t>Holding route indication</a:t>
+              <a:t>Weather data</a:t>
+            </a:r>
+          </a:p>
+          <a:p>
+            <a:pPr marL="742950" lvl="1" indent="-285750">
+              <a:buFont typeface="Arial" panose="020B0604020202020204" pitchFamily="34" charset="0"/>
+              <a:buChar char="•"/>
+            </a:pPr>
+            <a:r>
+              <a:rPr lang="en-US" dirty="0" smtClean="0"/>
+              <a:t>Threat data</a:t>
+            </a:r>
+          </a:p>
+          <a:p>
+            <a:pPr marL="742950" lvl="1" indent="-285750">
+              <a:buFont typeface="Arial" panose="020B0604020202020204" pitchFamily="34" charset="0"/>
+              <a:buChar char="•"/>
+            </a:pPr>
+            <a:r>
+              <a:rPr lang="en-US" dirty="0" smtClean="0"/>
+              <a:t>Blue Force data</a:t>
+            </a:r>
+          </a:p>
+          <a:p>
+            <a:pPr marL="742950" lvl="1" indent="-285750">
+              <a:buFont typeface="Arial" panose="020B0604020202020204" pitchFamily="34" charset="0"/>
+              <a:buChar char="•"/>
+            </a:pPr>
+            <a:r>
+              <a:rPr lang="en-US" dirty="0" smtClean="0"/>
+              <a:t>Available data will depend on external connections or organic sensors</a:t>
+            </a:r>
+          </a:p>
+          <a:p>
+            <a:pPr marL="285750" indent="-285750">
+              <a:buFont typeface="Arial" panose="020B0604020202020204" pitchFamily="34" charset="0"/>
+              <a:buChar char="•"/>
+            </a:pPr>
+            <a:r>
+              <a:rPr lang="en-US" dirty="0" smtClean="0"/>
+              <a:t>Route Planner enables creation / management of autopilot routes</a:t>
+            </a:r>
+          </a:p>
+          <a:p>
+            <a:pPr marL="742950" lvl="1" indent="-285750">
+              <a:buFont typeface="Arial" panose="020B0604020202020204" pitchFamily="34" charset="0"/>
+              <a:buChar char="•"/>
+            </a:pPr>
+            <a:r>
+              <a:rPr lang="en-US" dirty="0" smtClean="0"/>
+              <a:t>Can be externally built or locally built</a:t>
+            </a:r>
+          </a:p>
+          <a:p>
+            <a:pPr marL="742950" lvl="1" indent="-285750">
+              <a:buFont typeface="Arial" panose="020B0604020202020204" pitchFamily="34" charset="0"/>
+              <a:buChar char="•"/>
+            </a:pPr>
+            <a:r>
+              <a:rPr lang="en-US" dirty="0" smtClean="0"/>
+              <a:t>Intuitive interface </a:t>
+            </a:r>
+          </a:p>
+          <a:p>
+            <a:pPr marL="1200150" lvl="2" indent="-285750">
+              <a:buFont typeface="Arial" panose="020B0604020202020204" pitchFamily="34" charset="0"/>
+              <a:buChar char="•"/>
+            </a:pPr>
+            <a:r>
+              <a:rPr lang="en-US" dirty="0" smtClean="0"/>
+              <a:t>Right click to add waypoint on cursor</a:t>
+            </a:r>
+          </a:p>
+          <a:p>
+            <a:pPr marL="1200150" lvl="2" indent="-285750">
+              <a:buFont typeface="Arial" panose="020B0604020202020204" pitchFamily="34" charset="0"/>
+              <a:buChar char="•"/>
+            </a:pPr>
+            <a:r>
+              <a:rPr lang="en-US" dirty="0" smtClean="0"/>
+              <a:t>Select a waypoint to edit</a:t>
+            </a:r>
+            <a:endParaRPr lang="en-US" dirty="0"/>
+          </a:p>
+        </p:txBody>
+      </p:sp>
+      <p:sp>
+        <p:nvSpPr>
+          <p:cNvPr id="6" name="Rectangle 5"/>
+          <p:cNvSpPr/>
+          <p:nvPr/>
+        </p:nvSpPr>
+        <p:spPr>
+          <a:xfrm>
+            <a:off x="9763125" y="1809750"/>
+            <a:ext cx="1933575" cy="1476375"/>
+          </a:xfrm>
+          <a:prstGeom prst="rect">
+            <a:avLst/>
+          </a:prstGeom>
+        </p:spPr>
+        <p:style>
+          <a:lnRef idx="2">
+            <a:schemeClr val="accent1">
+              <a:shade val="50000"/>
+            </a:schemeClr>
+          </a:lnRef>
+          <a:fillRef idx="1">
+            <a:schemeClr val="accent1"/>
+          </a:fillRef>
+          <a:effectRef idx="0">
+            <a:schemeClr val="accent1"/>
+          </a:effectRef>
+          <a:fontRef idx="minor">
+            <a:schemeClr val="lt1"/>
+          </a:fontRef>
+        </p:style>
+        <p:txBody>
+          <a:bodyPr rtlCol="0" anchor="ctr"/>
+          <a:lstStyle/>
+          <a:p>
+            <a:pPr algn="ctr"/>
+            <a:r>
+              <a:rPr lang="en-US" dirty="0" smtClean="0"/>
+              <a:t>Popup for route planning</a:t>
             </a:r>
             <a:endParaRPr lang="en-US" dirty="0"/>
           </a:p>
@@ -4447,7 +5933,7 @@
     </p:spTree>
     <p:extLst>
       <p:ext uri="{BB962C8B-B14F-4D97-AF65-F5344CB8AC3E}">
-        <p14:creationId xmlns:p14="http://schemas.microsoft.com/office/powerpoint/2010/main" val="2815089967"/>
+        <p14:creationId xmlns:p14="http://schemas.microsoft.com/office/powerpoint/2010/main" val="639796802"/>
       </p:ext>
     </p:extLst>
   </p:cSld>
@@ -4491,7 +5977,7 @@
           <a:p>
             <a:r>
               <a:rPr lang="en-US" dirty="0" smtClean="0"/>
-              <a:t>Route Planner</a:t>
+              <a:t>System Status Page</a:t>
             </a:r>
             <a:endParaRPr lang="en-US" dirty="0"/>
           </a:p>
@@ -4514,13 +6000,115 @@
           <a:p>
             <a:r>
               <a:rPr lang="en-US" dirty="0" smtClean="0"/>
-              <a:t>Show right clicking on map allows you to add waypoints</a:t>
-            </a:r>
-          </a:p>
-          <a:p>
+              <a:t>Health status shows the status of all system components</a:t>
+            </a:r>
+          </a:p>
+          <a:p>
+            <a:pPr lvl="1"/>
             <a:r>
               <a:rPr lang="en-US" dirty="0" smtClean="0"/>
-              <a:t>Show simple waypoint list</a:t>
+              <a:t>Each component can be turned on or off</a:t>
+            </a:r>
+          </a:p>
+          <a:p>
+            <a:pPr lvl="1"/>
+            <a:r>
+              <a:rPr lang="en-US" dirty="0" smtClean="0"/>
+              <a:t>Some can be reset or commanded to execute built-in-test</a:t>
+            </a:r>
+          </a:p>
+          <a:p>
+            <a:r>
+              <a:rPr lang="en-US" dirty="0" smtClean="0"/>
+              <a:t>Page can also be used to adjust communications settings</a:t>
+            </a:r>
+            <a:endParaRPr lang="en-US" dirty="0"/>
+          </a:p>
+        </p:txBody>
+      </p:sp>
+      <p:sp>
+        <p:nvSpPr>
+          <p:cNvPr id="4" name="Rectangle 3"/>
+          <p:cNvSpPr/>
+          <p:nvPr/>
+        </p:nvSpPr>
+        <p:spPr>
+          <a:xfrm>
+            <a:off x="638175" y="3743324"/>
+            <a:ext cx="6743700" cy="2047875"/>
+          </a:xfrm>
+          <a:prstGeom prst="rect">
+            <a:avLst/>
+          </a:prstGeom>
+        </p:spPr>
+        <p:style>
+          <a:lnRef idx="2">
+            <a:schemeClr val="accent1">
+              <a:shade val="50000"/>
+            </a:schemeClr>
+          </a:lnRef>
+          <a:fillRef idx="1">
+            <a:schemeClr val="accent1"/>
+          </a:fillRef>
+          <a:effectRef idx="0">
+            <a:schemeClr val="accent1"/>
+          </a:effectRef>
+          <a:fontRef idx="minor">
+            <a:schemeClr val="lt1"/>
+          </a:fontRef>
+        </p:style>
+        <p:txBody>
+          <a:bodyPr rtlCol="0" anchor="ctr"/>
+          <a:lstStyle/>
+          <a:p>
+            <a:pPr algn="ctr"/>
+            <a:endParaRPr lang="en-US"/>
+          </a:p>
+        </p:txBody>
+      </p:sp>
+      <p:sp>
+        <p:nvSpPr>
+          <p:cNvPr id="5" name="Rectangle 4"/>
+          <p:cNvSpPr/>
+          <p:nvPr/>
+        </p:nvSpPr>
+        <p:spPr>
+          <a:xfrm>
+            <a:off x="8191500" y="3914775"/>
+            <a:ext cx="3524250" cy="2133599"/>
+          </a:xfrm>
+          <a:prstGeom prst="rect">
+            <a:avLst/>
+          </a:prstGeom>
+        </p:spPr>
+        <p:style>
+          <a:lnRef idx="2">
+            <a:schemeClr val="accent1">
+              <a:shade val="50000"/>
+            </a:schemeClr>
+          </a:lnRef>
+          <a:fillRef idx="1">
+            <a:schemeClr val="accent1"/>
+          </a:fillRef>
+          <a:effectRef idx="0">
+            <a:schemeClr val="accent1"/>
+          </a:effectRef>
+          <a:fontRef idx="minor">
+            <a:schemeClr val="lt1"/>
+          </a:fontRef>
+        </p:style>
+        <p:txBody>
+          <a:bodyPr rtlCol="0" anchor="ctr"/>
+          <a:lstStyle/>
+          <a:p>
+            <a:pPr algn="ctr"/>
+            <a:r>
+              <a:rPr lang="en-US" dirty="0" err="1" smtClean="0"/>
+              <a:t>Comms</a:t>
+            </a:r>
+            <a:r>
+              <a:rPr lang="en-US" dirty="0" smtClean="0"/>
+              <a:t> settings</a:t>
             </a:r>
             <a:endParaRPr lang="en-US" dirty="0"/>
           </a:p>
@@ -4529,7 +6117,7 @@
     </p:spTree>
     <p:extLst>
       <p:ext uri="{BB962C8B-B14F-4D97-AF65-F5344CB8AC3E}">
-        <p14:creationId xmlns:p14="http://schemas.microsoft.com/office/powerpoint/2010/main" val="1357678075"/>
+        <p14:creationId xmlns:p14="http://schemas.microsoft.com/office/powerpoint/2010/main" val="1438903739"/>
       </p:ext>
     </p:extLst>
   </p:cSld>
@@ -4573,7 +6161,11 @@
           <a:p>
             <a:r>
               <a:rPr lang="en-US" dirty="0" smtClean="0"/>
-              <a:t>System Status Page</a:t>
+              <a:t>Sensor </a:t>
+            </a:r>
+            <a:r>
+              <a:rPr lang="en-US" dirty="0" smtClean="0"/>
+              <a:t>Controls</a:t>
             </a:r>
             <a:endParaRPr lang="en-US" dirty="0"/>
           </a:p>
@@ -4591,33 +6183,106 @@
         </p:nvSpPr>
         <p:spPr/>
         <p:txBody>
-          <a:bodyPr/>
-          <a:lstStyle/>
-          <a:p>
+          <a:bodyPr>
+            <a:normAutofit/>
+          </a:bodyPr>
+          <a:lstStyle/>
+          <a:p>
+            <a:r>
+              <a:rPr lang="en-US" sz="2000" dirty="0" smtClean="0"/>
+              <a:t>FMV</a:t>
+            </a:r>
+          </a:p>
+          <a:p>
+            <a:pPr lvl="1"/>
+            <a:r>
+              <a:rPr lang="en-US" sz="1800" dirty="0" smtClean="0"/>
+              <a:t>Controlled via primary controller</a:t>
+            </a:r>
+          </a:p>
+          <a:p>
+            <a:pPr lvl="1"/>
+            <a:r>
+              <a:rPr lang="en-US" sz="1800" dirty="0" smtClean="0"/>
+              <a:t>Simply push in Button 3 to enable control, then right stick pans and tilts camera</a:t>
+            </a:r>
+          </a:p>
+          <a:p>
+            <a:pPr lvl="1"/>
+            <a:r>
+              <a:rPr lang="en-US" sz="1800" dirty="0" smtClean="0"/>
+              <a:t>Zoom is executed via A and B buttons</a:t>
+            </a:r>
+          </a:p>
+          <a:p>
+            <a:pPr lvl="1"/>
+            <a:r>
+              <a:rPr lang="en-US" sz="1800" dirty="0" smtClean="0"/>
+              <a:t>The right trigger can be used to take a still image when the FMV control is enabled</a:t>
+            </a:r>
+          </a:p>
+          <a:p>
+            <a:r>
+              <a:rPr lang="en-US" sz="2200" dirty="0" smtClean="0"/>
+              <a:t>Wide Area</a:t>
+            </a:r>
+          </a:p>
+          <a:p>
+            <a:pPr lvl="1"/>
+            <a:r>
+              <a:rPr lang="en-US" sz="1800" dirty="0" smtClean="0"/>
+              <a:t>Wide Area images are commanded via the menu</a:t>
+            </a:r>
+          </a:p>
+          <a:p>
+            <a:pPr lvl="1"/>
+            <a:r>
+              <a:rPr lang="en-US" sz="1800" dirty="0" smtClean="0"/>
+              <a:t>Pictures can be taken manually or automatically</a:t>
+            </a:r>
+            <a:endParaRPr lang="en-US" sz="1800" dirty="0"/>
+          </a:p>
+        </p:txBody>
+      </p:sp>
+      <p:sp>
+        <p:nvSpPr>
+          <p:cNvPr id="4" name="Rectangle 3"/>
+          <p:cNvSpPr/>
+          <p:nvPr/>
+        </p:nvSpPr>
+        <p:spPr>
+          <a:xfrm>
+            <a:off x="7229475" y="3752850"/>
+            <a:ext cx="3600450" cy="2352675"/>
+          </a:xfrm>
+          <a:prstGeom prst="rect">
+            <a:avLst/>
+          </a:prstGeom>
+        </p:spPr>
+        <p:style>
+          <a:lnRef idx="2">
+            <a:schemeClr val="accent1">
+              <a:shade val="50000"/>
+            </a:schemeClr>
+          </a:lnRef>
+          <a:fillRef idx="1">
+            <a:schemeClr val="accent1"/>
+          </a:fillRef>
+          <a:effectRef idx="0">
+            <a:schemeClr val="accent1"/>
+          </a:effectRef>
+          <a:fontRef idx="minor">
+            <a:schemeClr val="lt1"/>
+          </a:fontRef>
+        </p:style>
+        <p:txBody>
+          <a:bodyPr rtlCol="0" anchor="ctr"/>
+          <a:lstStyle/>
+          <a:p>
+            <a:pPr algn="ctr"/>
             <a:r>
               <a:rPr lang="en-US" dirty="0" smtClean="0"/>
-              <a:t>Show how the system shows status of each payload</a:t>
-            </a:r>
-          </a:p>
-          <a:p>
-            <a:pPr lvl="1"/>
-            <a:r>
-              <a:rPr lang="en-US" dirty="0" smtClean="0"/>
-              <a:t>Command BIT</a:t>
-            </a:r>
-          </a:p>
-          <a:p>
-            <a:pPr lvl="1"/>
-            <a:r>
-              <a:rPr lang="en-US" dirty="0" smtClean="0"/>
-              <a:t>Recycle power</a:t>
-            </a:r>
-          </a:p>
-          <a:p>
-            <a:pPr lvl="1"/>
-            <a:r>
-              <a:rPr lang="en-US" dirty="0" smtClean="0"/>
-              <a:t>Set to ‘off’</a:t>
+              <a:t>Wide area camera menu control</a:t>
             </a:r>
             <a:endParaRPr lang="en-US" dirty="0"/>
           </a:p>
@@ -4626,7 +6291,7 @@
     </p:spTree>
     <p:extLst>
       <p:ext uri="{BB962C8B-B14F-4D97-AF65-F5344CB8AC3E}">
-        <p14:creationId xmlns:p14="http://schemas.microsoft.com/office/powerpoint/2010/main" val="1438903739"/>
+        <p14:creationId xmlns:p14="http://schemas.microsoft.com/office/powerpoint/2010/main" val="1484554142"/>
       </p:ext>
     </p:extLst>
   </p:cSld>

--- a/Documents/Control Software Summary.pptx
+++ b/Documents/Control Software Summary.pptx
@@ -120,6 +120,32 @@
 </p:presentation>
 </file>
 
+<file path=ppt/commentAuthors.xml><?xml version="1.0" encoding="utf-8"?>
+<p:cmAuthorLst xmlns:a="http://schemas.openxmlformats.org/drawingml/2006/main" xmlns:r="http://schemas.openxmlformats.org/officeDocument/2006/relationships" xmlns:p="http://schemas.openxmlformats.org/presentationml/2006/main">
+  <p:cmAuthor id="1" name="Donald Barrett" initials="DB" lastIdx="1" clrIdx="0">
+    <p:extLst>
+      <p:ext uri="{19B8F6BF-5375-455C-9EA6-DF929625EA0E}">
+        <p15:presenceInfo xmlns:p15="http://schemas.microsoft.com/office/powerpoint/2012/main" userId="35a948d9effe80b3" providerId="Windows Live"/>
+      </p:ext>
+    </p:extLst>
+  </p:cmAuthor>
+</p:cmAuthorLst>
+</file>
+
+<file path=ppt/comments/comment1.xml><?xml version="1.0" encoding="utf-8"?>
+<p:cmLst xmlns:a="http://schemas.openxmlformats.org/drawingml/2006/main" xmlns:r="http://schemas.openxmlformats.org/officeDocument/2006/relationships" xmlns:p="http://schemas.openxmlformats.org/presentationml/2006/main">
+  <p:cm authorId="1" dt="2020-01-04T13:33:26.928" idx="1">
+    <p:pos x="10" y="10"/>
+    <p:text/>
+    <p:extLst>
+      <p:ext uri="{C676402C-5697-4E1C-873F-D02D1690AC5C}">
+        <p15:threadingInfo xmlns:p15="http://schemas.microsoft.com/office/powerpoint/2012/main" timeZoneBias="300"/>
+      </p:ext>
+    </p:extLst>
+  </p:cm>
+</p:cmLst>
+</file>
+
 <file path=ppt/slideLayouts/slideLayout1.xml><?xml version="1.0" encoding="utf-8"?>
 <p:sldLayout xmlns:a="http://schemas.openxmlformats.org/drawingml/2006/main" xmlns:r="http://schemas.openxmlformats.org/officeDocument/2006/relationships" xmlns:p="http://schemas.openxmlformats.org/presentationml/2006/main" type="title" preserve="1">
   <p:cSld name="Title Slide">
@@ -299,7 +325,7 @@
           <a:p>
             <a:fld id="{7641C023-4088-4D75-BBD8-CE482B98921B}" type="datetimeFigureOut">
               <a:rPr lang="en-US" smtClean="0"/>
-              <a:t>12/5/2019</a:t>
+              <a:t>1/4/2020</a:t>
             </a:fld>
             <a:endParaRPr lang="en-US"/>
           </a:p>
@@ -525,7 +551,7 @@
           <a:p>
             <a:fld id="{7641C023-4088-4D75-BBD8-CE482B98921B}" type="datetimeFigureOut">
               <a:rPr lang="en-US" smtClean="0"/>
-              <a:t>12/5/2019</a:t>
+              <a:t>1/4/2020</a:t>
             </a:fld>
             <a:endParaRPr lang="en-US"/>
           </a:p>
@@ -713,7 +739,7 @@
           <a:p>
             <a:fld id="{7641C023-4088-4D75-BBD8-CE482B98921B}" type="datetimeFigureOut">
               <a:rPr lang="en-US" smtClean="0"/>
-              <a:t>12/5/2019</a:t>
+              <a:t>1/4/2020</a:t>
             </a:fld>
             <a:endParaRPr lang="en-US"/>
           </a:p>
@@ -947,7 +973,7 @@
           <a:p>
             <a:fld id="{7641C023-4088-4D75-BBD8-CE482B98921B}" type="datetimeFigureOut">
               <a:rPr lang="en-US" smtClean="0"/>
-              <a:t>12/5/2019</a:t>
+              <a:t>1/4/2020</a:t>
             </a:fld>
             <a:endParaRPr lang="en-US"/>
           </a:p>
@@ -1249,7 +1275,7 @@
           <a:p>
             <a:fld id="{7641C023-4088-4D75-BBD8-CE482B98921B}" type="datetimeFigureOut">
               <a:rPr lang="en-US" smtClean="0"/>
-              <a:t>12/5/2019</a:t>
+              <a:t>1/4/2020</a:t>
             </a:fld>
             <a:endParaRPr lang="en-US"/>
           </a:p>
@@ -1514,7 +1540,7 @@
           <a:p>
             <a:fld id="{7641C023-4088-4D75-BBD8-CE482B98921B}" type="datetimeFigureOut">
               <a:rPr lang="en-US" smtClean="0"/>
-              <a:t>12/5/2019</a:t>
+              <a:t>1/4/2020</a:t>
             </a:fld>
             <a:endParaRPr lang="en-US"/>
           </a:p>
@@ -1983,7 +2009,7 @@
           <a:p>
             <a:fld id="{7641C023-4088-4D75-BBD8-CE482B98921B}" type="datetimeFigureOut">
               <a:rPr lang="en-US" smtClean="0"/>
-              <a:t>12/5/2019</a:t>
+              <a:t>1/4/2020</a:t>
             </a:fld>
             <a:endParaRPr lang="en-US"/>
           </a:p>
@@ -2208,7 +2234,7 @@
           <a:p>
             <a:fld id="{7641C023-4088-4D75-BBD8-CE482B98921B}" type="datetimeFigureOut">
               <a:rPr lang="en-US" smtClean="0"/>
-              <a:t>12/5/2019</a:t>
+              <a:t>1/4/2020</a:t>
             </a:fld>
             <a:endParaRPr lang="en-US"/>
           </a:p>
@@ -2433,7 +2459,7 @@
           <a:p>
             <a:fld id="{7641C023-4088-4D75-BBD8-CE482B98921B}" type="datetimeFigureOut">
               <a:rPr lang="en-US" smtClean="0"/>
-              <a:t>12/5/2019</a:t>
+              <a:t>1/4/2020</a:t>
             </a:fld>
             <a:endParaRPr lang="en-US"/>
           </a:p>
@@ -2718,7 +2744,7 @@
           <a:p>
             <a:fld id="{7641C023-4088-4D75-BBD8-CE482B98921B}" type="datetimeFigureOut">
               <a:rPr lang="en-US" smtClean="0"/>
-              <a:t>12/5/2019</a:t>
+              <a:t>1/4/2020</a:t>
             </a:fld>
             <a:endParaRPr lang="en-US"/>
           </a:p>
@@ -2979,7 +3005,7 @@
           <a:p>
             <a:fld id="{7641C023-4088-4D75-BBD8-CE482B98921B}" type="datetimeFigureOut">
               <a:rPr lang="en-US" smtClean="0"/>
-              <a:t>12/5/2019</a:t>
+              <a:t>1/4/2020</a:t>
             </a:fld>
             <a:endParaRPr lang="en-US"/>
           </a:p>
@@ -3200,7 +3226,7 @@
           <a:p>
             <a:fld id="{7641C023-4088-4D75-BBD8-CE482B98921B}" type="datetimeFigureOut">
               <a:rPr lang="en-US" smtClean="0"/>
-              <a:t>12/5/2019</a:t>
+              <a:t>1/4/2020</a:t>
             </a:fld>
             <a:endParaRPr lang="en-US"/>
           </a:p>
@@ -3726,7 +3752,6 @@
               <a:rPr lang="en-US" dirty="0" smtClean="0"/>
               <a:t>Interface Overview</a:t>
             </a:r>
-            <a:endParaRPr lang="en-US" dirty="0" smtClean="0"/>
           </a:p>
           <a:p>
             <a:pPr lvl="1"/>
@@ -3739,11 +3764,7 @@
             <a:pPr lvl="1"/>
             <a:r>
               <a:rPr lang="en-US" smtClean="0"/>
-              <a:t>Hand </a:t>
-            </a:r>
-            <a:r>
-              <a:rPr lang="en-US" smtClean="0"/>
-              <a:t>Controls</a:t>
+              <a:t>Hand Controls</a:t>
             </a:r>
           </a:p>
           <a:p>
@@ -3762,7 +3783,6 @@
               <a:rPr lang="en-US" dirty="0" smtClean="0"/>
               <a:t>Common Operating Picture</a:t>
             </a:r>
-            <a:endParaRPr lang="en-US" dirty="0" smtClean="0"/>
           </a:p>
           <a:p>
             <a:pPr lvl="1"/>
@@ -3775,11 +3795,7 @@
             <a:pPr lvl="1"/>
             <a:r>
               <a:rPr lang="en-US" dirty="0" smtClean="0"/>
-              <a:t>Sensor </a:t>
-            </a:r>
-            <a:r>
-              <a:rPr lang="en-US" dirty="0" smtClean="0"/>
-              <a:t>Control</a:t>
+              <a:t>Sensor Control</a:t>
             </a:r>
             <a:endParaRPr lang="en-US" dirty="0"/>
           </a:p>
@@ -3878,7 +3894,7 @@
         </p:blipFill>
         <p:spPr>
           <a:xfrm>
-            <a:off x="5500687" y="4445708"/>
+            <a:off x="5281612" y="4546042"/>
             <a:ext cx="1628775" cy="1501562"/>
           </a:xfrm>
           <a:prstGeom prst="rect">
@@ -3888,16 +3904,16 @@
       </p:pic>
       <p:sp>
         <p:nvSpPr>
-          <p:cNvPr id="7" name="Rectangle 6"/>
+          <p:cNvPr id="8" name="Right Arrow 7"/>
           <p:cNvSpPr/>
           <p:nvPr/>
         </p:nvSpPr>
         <p:spPr>
           <a:xfrm>
-            <a:off x="2486024" y="1668853"/>
-            <a:ext cx="3829050" cy="2389333"/>
-          </a:xfrm>
-          <a:prstGeom prst="rect">
+            <a:off x="6462712" y="2132447"/>
+            <a:ext cx="1333500" cy="487382"/>
+          </a:xfrm>
+          <a:prstGeom prst="rightArrow">
             <a:avLst/>
           </a:prstGeom>
         </p:spPr>
@@ -3926,43 +3942,105 @@
           </a:p>
         </p:txBody>
       </p:sp>
-      <p:sp>
-        <p:nvSpPr>
-          <p:cNvPr id="8" name="Right Arrow 7"/>
-          <p:cNvSpPr/>
+      <p:pic>
+        <p:nvPicPr>
+          <p:cNvPr id="3" name="Picture 2"/>
+          <p:cNvPicPr>
+            <a:picLocks noChangeAspect="1"/>
+          </p:cNvPicPr>
           <p:nvPr/>
-        </p:nvSpPr>
-        <p:spPr>
-          <a:xfrm>
-            <a:off x="6462712" y="2132447"/>
-            <a:ext cx="1333500" cy="487382"/>
-          </a:xfrm>
-          <a:prstGeom prst="rightArrow">
+        </p:nvPicPr>
+        <p:blipFill>
+          <a:blip r:embed="rId4"/>
+          <a:stretch>
+            <a:fillRect/>
+          </a:stretch>
+        </p:blipFill>
+        <p:spPr>
+          <a:xfrm>
+            <a:off x="682580" y="1608663"/>
+            <a:ext cx="5043635" cy="2837045"/>
+          </a:xfrm>
+          <a:prstGeom prst="rect">
             <a:avLst/>
           </a:prstGeom>
         </p:spPr>
-        <p:style>
-          <a:lnRef idx="2">
-            <a:schemeClr val="accent1">
-              <a:shade val="50000"/>
-            </a:schemeClr>
-          </a:lnRef>
-          <a:fillRef idx="1">
-            <a:schemeClr val="accent1"/>
-          </a:fillRef>
-          <a:effectRef idx="0">
-            <a:schemeClr val="accent1"/>
-          </a:effectRef>
-          <a:fontRef idx="minor">
-            <a:schemeClr val="lt1"/>
-          </a:fontRef>
-        </p:style>
-        <p:txBody>
-          <a:bodyPr rtlCol="0" anchor="ctr"/>
+      </p:pic>
+      <p:sp>
+        <p:nvSpPr>
+          <p:cNvPr id="6" name="TextBox 5"/>
+          <p:cNvSpPr txBox="1"/>
+          <p:nvPr/>
+        </p:nvSpPr>
+        <p:spPr>
+          <a:xfrm>
+            <a:off x="6768720" y="3726047"/>
+            <a:ext cx="5423280" cy="646331"/>
+          </a:xfrm>
+          <a:prstGeom prst="rect">
+            <a:avLst/>
+          </a:prstGeom>
+          <a:noFill/>
+        </p:spPr>
+        <p:txBody>
+          <a:bodyPr wrap="none" rtlCol="0">
+            <a:spAutoFit/>
+          </a:bodyPr>
           <a:lstStyle/>
           <a:p>
-            <a:pPr algn="ctr"/>
-            <a:endParaRPr lang="en-US"/>
+            <a:pPr marL="285750" indent="-285750">
+              <a:buFont typeface="Arial" panose="020B0604020202020204" pitchFamily="34" charset="0"/>
+              <a:buChar char="•"/>
+            </a:pPr>
+            <a:r>
+              <a:rPr lang="en-US" dirty="0" smtClean="0"/>
+              <a:t>Pilot interface executed from laptop</a:t>
+            </a:r>
+          </a:p>
+          <a:p>
+            <a:pPr marL="285750" indent="-285750">
+              <a:buFont typeface="Arial" panose="020B0604020202020204" pitchFamily="34" charset="0"/>
+              <a:buChar char="•"/>
+            </a:pPr>
+            <a:r>
+              <a:rPr lang="en-US" dirty="0" smtClean="0"/>
+              <a:t>Controls all vehicle functions, including payloads</a:t>
+            </a:r>
+            <a:endParaRPr lang="en-US" dirty="0"/>
+          </a:p>
+        </p:txBody>
+      </p:sp>
+      <p:sp>
+        <p:nvSpPr>
+          <p:cNvPr id="9" name="TextBox 8"/>
+          <p:cNvSpPr txBox="1"/>
+          <p:nvPr/>
+        </p:nvSpPr>
+        <p:spPr>
+          <a:xfrm>
+            <a:off x="7112688" y="5293930"/>
+            <a:ext cx="4705134" cy="369332"/>
+          </a:xfrm>
+          <a:prstGeom prst="rect">
+            <a:avLst/>
+          </a:prstGeom>
+          <a:noFill/>
+        </p:spPr>
+        <p:txBody>
+          <a:bodyPr wrap="none" rtlCol="0">
+            <a:spAutoFit/>
+          </a:bodyPr>
+          <a:lstStyle/>
+          <a:p>
+            <a:pPr marL="285750" indent="-285750">
+              <a:buFont typeface="Arial" panose="020B0604020202020204" pitchFamily="34" charset="0"/>
+              <a:buChar char="•"/>
+            </a:pPr>
+            <a:r>
+              <a:rPr lang="en-US" dirty="0" smtClean="0"/>
+              <a:t>Primary pilot controls via COTS controller</a:t>
+            </a:r>
+            <a:endParaRPr lang="en-US" dirty="0"/>
           </a:p>
         </p:txBody>
       </p:sp>
@@ -3996,6 +4074,30 @@
           <a:chExt cx="0" cy="0"/>
         </a:xfrm>
       </p:grpSpPr>
+      <p:pic>
+        <p:nvPicPr>
+          <p:cNvPr id="3" name="Picture 2"/>
+          <p:cNvPicPr>
+            <a:picLocks noChangeAspect="1"/>
+          </p:cNvPicPr>
+          <p:nvPr/>
+        </p:nvPicPr>
+        <p:blipFill>
+          <a:blip r:embed="rId2"/>
+          <a:stretch>
+            <a:fillRect/>
+          </a:stretch>
+        </p:blipFill>
+        <p:spPr>
+          <a:xfrm>
+            <a:off x="2849293" y="1980938"/>
+            <a:ext cx="6758346" cy="3801570"/>
+          </a:xfrm>
+          <a:prstGeom prst="rect">
+            <a:avLst/>
+          </a:prstGeom>
+        </p:spPr>
+      </p:pic>
       <p:sp>
         <p:nvSpPr>
           <p:cNvPr id="2" name="Title 1"/>
@@ -4021,56 +4123,13 @@
       </p:sp>
       <p:sp>
         <p:nvSpPr>
-          <p:cNvPr id="5" name="Rectangle 4"/>
-          <p:cNvSpPr/>
-          <p:nvPr/>
-        </p:nvSpPr>
-        <p:spPr>
-          <a:xfrm>
-            <a:off x="2480072" y="2088574"/>
-            <a:ext cx="7041356" cy="3810000"/>
-          </a:xfrm>
-          <a:prstGeom prst="rect">
-            <a:avLst/>
-          </a:prstGeom>
-          <a:solidFill>
-            <a:schemeClr val="bg2"/>
-          </a:solidFill>
-        </p:spPr>
-        <p:style>
-          <a:lnRef idx="2">
-            <a:schemeClr val="accent1">
-              <a:shade val="50000"/>
-            </a:schemeClr>
-          </a:lnRef>
-          <a:fillRef idx="1">
-            <a:schemeClr val="accent1"/>
-          </a:fillRef>
-          <a:effectRef idx="0">
-            <a:schemeClr val="accent1"/>
-          </a:effectRef>
-          <a:fontRef idx="minor">
-            <a:schemeClr val="lt1"/>
-          </a:fontRef>
-        </p:style>
-        <p:txBody>
-          <a:bodyPr rtlCol="0" anchor="ctr"/>
-          <a:lstStyle/>
-          <a:p>
-            <a:pPr algn="ctr"/>
-            <a:endParaRPr lang="en-US"/>
-          </a:p>
-        </p:txBody>
-      </p:sp>
-      <p:sp>
-        <p:nvSpPr>
           <p:cNvPr id="6" name="TextBox 5"/>
           <p:cNvSpPr txBox="1"/>
           <p:nvPr/>
         </p:nvSpPr>
         <p:spPr>
           <a:xfrm>
-            <a:off x="389474" y="3026658"/>
+            <a:off x="286443" y="2820596"/>
             <a:ext cx="1454244" cy="369332"/>
           </a:xfrm>
           <a:prstGeom prst="rect">
@@ -4102,7 +4161,7 @@
         </p:nvCxnSpPr>
         <p:spPr>
           <a:xfrm>
-            <a:off x="1843718" y="3211324"/>
+            <a:off x="1740687" y="3005262"/>
             <a:ext cx="1909132" cy="184666"/>
           </a:xfrm>
           <a:prstGeom prst="straightConnector1">
@@ -4135,7 +4194,7 @@
         </p:nvSpPr>
         <p:spPr>
           <a:xfrm>
-            <a:off x="3266024" y="1594565"/>
+            <a:off x="6507851" y="5908317"/>
             <a:ext cx="2428870" cy="369332"/>
           </a:xfrm>
           <a:prstGeom prst="rect">
@@ -4161,14 +4220,14 @@
         <p:nvCxnSpPr>
           <p:cNvPr id="10" name="Straight Arrow Connector 9"/>
           <p:cNvCxnSpPr>
-            <a:stCxn id="9" idx="3"/>
+            <a:stCxn id="16" idx="1"/>
           </p:cNvCxnSpPr>
           <p:nvPr/>
         </p:nvCxnSpPr>
         <p:spPr>
-          <a:xfrm>
-            <a:off x="5694894" y="1779231"/>
-            <a:ext cx="305856" cy="1716444"/>
+          <a:xfrm flipH="1" flipV="1">
+            <a:off x="8936721" y="5052675"/>
+            <a:ext cx="1111616" cy="184666"/>
           </a:xfrm>
           <a:prstGeom prst="straightConnector1">
             <a:avLst/>
@@ -4200,7 +4259,7 @@
         </p:nvSpPr>
         <p:spPr>
           <a:xfrm>
-            <a:off x="8571449" y="1691859"/>
+            <a:off x="8468418" y="1485797"/>
             <a:ext cx="2518638" cy="369332"/>
           </a:xfrm>
           <a:prstGeom prst="rect">
@@ -4232,7 +4291,7 @@
         </p:nvCxnSpPr>
         <p:spPr>
           <a:xfrm flipH="1">
-            <a:off x="8571450" y="2061191"/>
+            <a:off x="8468419" y="1855129"/>
             <a:ext cx="1259318" cy="1334799"/>
           </a:xfrm>
           <a:prstGeom prst="straightConnector1">
@@ -4265,7 +4324,7 @@
         </p:nvSpPr>
         <p:spPr>
           <a:xfrm>
-            <a:off x="393046" y="5141316"/>
+            <a:off x="10048337" y="5052675"/>
             <a:ext cx="1877437" cy="369332"/>
           </a:xfrm>
           <a:prstGeom prst="rect">
@@ -4290,14 +4349,12 @@
       <p:cxnSp>
         <p:nvCxnSpPr>
           <p:cNvPr id="17" name="Straight Arrow Connector 16"/>
-          <p:cNvCxnSpPr>
-            <a:stCxn id="16" idx="3"/>
-          </p:cNvCxnSpPr>
+          <p:cNvCxnSpPr/>
           <p:nvPr/>
         </p:nvCxnSpPr>
         <p:spPr>
           <a:xfrm>
-            <a:off x="2270483" y="5325982"/>
+            <a:off x="1363354" y="4868009"/>
             <a:ext cx="1485939" cy="184666"/>
           </a:xfrm>
           <a:prstGeom prst="straightConnector1">
@@ -4330,7 +4387,7 @@
         </p:nvSpPr>
         <p:spPr>
           <a:xfrm>
-            <a:off x="10247548" y="5892938"/>
+            <a:off x="115720" y="4524329"/>
             <a:ext cx="1685077" cy="369332"/>
           </a:xfrm>
           <a:prstGeom prst="rect">
@@ -4355,13 +4412,78 @@
       <p:cxnSp>
         <p:nvCxnSpPr>
           <p:cNvPr id="19" name="Straight Arrow Connector 18"/>
+          <p:cNvCxnSpPr>
+            <a:stCxn id="9" idx="0"/>
+          </p:cNvCxnSpPr>
+          <p:nvPr/>
+        </p:nvCxnSpPr>
+        <p:spPr>
+          <a:xfrm flipH="1" flipV="1">
+            <a:off x="7424895" y="5280338"/>
+            <a:ext cx="297391" cy="627979"/>
+          </a:xfrm>
+          <a:prstGeom prst="straightConnector1">
+            <a:avLst/>
+          </a:prstGeom>
+          <a:ln w="25400">
+            <a:tailEnd type="triangle"/>
+          </a:ln>
+        </p:spPr>
+        <p:style>
+          <a:lnRef idx="1">
+            <a:schemeClr val="accent1"/>
+          </a:lnRef>
+          <a:fillRef idx="0">
+            <a:schemeClr val="accent1"/>
+          </a:fillRef>
+          <a:effectRef idx="0">
+            <a:schemeClr val="accent1"/>
+          </a:effectRef>
+          <a:fontRef idx="minor">
+            <a:schemeClr val="tx1"/>
+          </a:fontRef>
+        </p:style>
+      </p:cxnSp>
+      <p:sp>
+        <p:nvSpPr>
+          <p:cNvPr id="21" name="TextBox 20"/>
+          <p:cNvSpPr txBox="1"/>
+          <p:nvPr/>
+        </p:nvSpPr>
+        <p:spPr>
+          <a:xfrm>
+            <a:off x="3556443" y="5931195"/>
+            <a:ext cx="2574166" cy="369332"/>
+          </a:xfrm>
+          <a:prstGeom prst="rect">
+            <a:avLst/>
+          </a:prstGeom>
+          <a:noFill/>
+        </p:spPr>
+        <p:txBody>
+          <a:bodyPr wrap="none" rtlCol="0">
+            <a:spAutoFit/>
+          </a:bodyPr>
+          <a:lstStyle/>
+          <a:p>
+            <a:r>
+              <a:rPr lang="en-US" dirty="0" smtClean="0"/>
+              <a:t>Cautions and Warnings</a:t>
+            </a:r>
+            <a:endParaRPr lang="en-US" dirty="0"/>
+          </a:p>
+        </p:txBody>
+      </p:sp>
+      <p:cxnSp>
+        <p:nvCxnSpPr>
+          <p:cNvPr id="22" name="Straight Arrow Connector 21"/>
           <p:cNvCxnSpPr/>
           <p:nvPr/>
         </p:nvCxnSpPr>
         <p:spPr>
-          <a:xfrm flipH="1" flipV="1">
-            <a:off x="8420100" y="5762625"/>
-            <a:ext cx="1737682" cy="260626"/>
+          <a:xfrm flipV="1">
+            <a:off x="5539542" y="5594327"/>
+            <a:ext cx="514867" cy="336868"/>
           </a:xfrm>
           <a:prstGeom prst="straightConnector1">
             <a:avLst/>
@@ -4415,6 +4537,30 @@
           <a:chExt cx="0" cy="0"/>
         </a:xfrm>
       </p:grpSpPr>
+      <p:pic>
+        <p:nvPicPr>
+          <p:cNvPr id="3" name="Picture 2"/>
+          <p:cNvPicPr>
+            <a:picLocks noChangeAspect="1"/>
+          </p:cNvPicPr>
+          <p:nvPr/>
+        </p:nvPicPr>
+        <p:blipFill>
+          <a:blip r:embed="rId2"/>
+          <a:stretch>
+            <a:fillRect/>
+          </a:stretch>
+        </p:blipFill>
+        <p:spPr>
+          <a:xfrm>
+            <a:off x="3573617" y="2015630"/>
+            <a:ext cx="4474539" cy="3862636"/>
+          </a:xfrm>
+          <a:prstGeom prst="rect">
+            <a:avLst/>
+          </a:prstGeom>
+        </p:spPr>
+      </p:pic>
       <p:sp>
         <p:nvSpPr>
           <p:cNvPr id="2" name="Title 1"/>
@@ -4435,49 +4581,6 @@
               <a:t>Primary Flight Display</a:t>
             </a:r>
             <a:endParaRPr lang="en-US" dirty="0"/>
-          </a:p>
-        </p:txBody>
-      </p:sp>
-      <p:sp>
-        <p:nvSpPr>
-          <p:cNvPr id="5" name="Rectangle 4"/>
-          <p:cNvSpPr/>
-          <p:nvPr/>
-        </p:nvSpPr>
-        <p:spPr>
-          <a:xfrm>
-            <a:off x="3757612" y="1847850"/>
-            <a:ext cx="4676775" cy="4333875"/>
-          </a:xfrm>
-          <a:prstGeom prst="rect">
-            <a:avLst/>
-          </a:prstGeom>
-          <a:solidFill>
-            <a:schemeClr val="bg2"/>
-          </a:solidFill>
-        </p:spPr>
-        <p:style>
-          <a:lnRef idx="2">
-            <a:schemeClr val="accent1">
-              <a:shade val="50000"/>
-            </a:schemeClr>
-          </a:lnRef>
-          <a:fillRef idx="1">
-            <a:schemeClr val="accent1"/>
-          </a:fillRef>
-          <a:effectRef idx="0">
-            <a:schemeClr val="accent1"/>
-          </a:effectRef>
-          <a:fontRef idx="minor">
-            <a:schemeClr val="lt1"/>
-          </a:fontRef>
-        </p:style>
-        <p:txBody>
-          <a:bodyPr rtlCol="0" anchor="ctr"/>
-          <a:lstStyle/>
-          <a:p>
-            <a:pPr algn="ctr"/>
-            <a:endParaRPr lang="en-US"/>
           </a:p>
         </p:txBody>
       </p:sp>
@@ -4612,13 +4715,15 @@
       <p:cxnSp>
         <p:nvCxnSpPr>
           <p:cNvPr id="13" name="Straight Arrow Connector 12"/>
-          <p:cNvCxnSpPr/>
+          <p:cNvCxnSpPr>
+            <a:stCxn id="15" idx="0"/>
+          </p:cNvCxnSpPr>
           <p:nvPr/>
         </p:nvCxnSpPr>
         <p:spPr>
-          <a:xfrm flipH="1">
-            <a:off x="6323550" y="5915025"/>
-            <a:ext cx="2991900" cy="0"/>
+          <a:xfrm flipV="1">
+            <a:off x="5986605" y="5915025"/>
+            <a:ext cx="336945" cy="141726"/>
           </a:xfrm>
           <a:prstGeom prst="straightConnector1">
             <a:avLst/>
@@ -4650,7 +4755,7 @@
         </p:nvSpPr>
         <p:spPr>
           <a:xfrm>
-            <a:off x="9315450" y="5749148"/>
+            <a:off x="5464667" y="6056751"/>
             <a:ext cx="1043876" cy="369332"/>
           </a:xfrm>
           <a:prstGeom prst="rect">
@@ -4680,8 +4785,8 @@
         </p:nvCxnSpPr>
         <p:spPr>
           <a:xfrm flipH="1">
-            <a:off x="7009350" y="2638425"/>
-            <a:ext cx="3001425" cy="466725"/>
+            <a:off x="5810886" y="1748057"/>
+            <a:ext cx="1839165" cy="595090"/>
           </a:xfrm>
           <a:prstGeom prst="straightConnector1">
             <a:avLst/>
@@ -4713,7 +4818,7 @@
         </p:nvSpPr>
         <p:spPr>
           <a:xfrm>
-            <a:off x="10010775" y="2349401"/>
+            <a:off x="7650051" y="1544603"/>
             <a:ext cx="1223476" cy="369332"/>
           </a:xfrm>
           <a:prstGeom prst="rect">
@@ -4805,9 +4910,9 @@
           <p:nvPr/>
         </p:nvCxnSpPr>
         <p:spPr>
-          <a:xfrm flipV="1">
-            <a:off x="2076450" y="4879587"/>
-            <a:ext cx="3837527" cy="39145"/>
+          <a:xfrm>
+            <a:off x="2076450" y="4918733"/>
+            <a:ext cx="4654018" cy="79231"/>
           </a:xfrm>
           <a:prstGeom prst="straightConnector1">
             <a:avLst/>
@@ -4864,13 +4969,15 @@
       <p:cxnSp>
         <p:nvCxnSpPr>
           <p:cNvPr id="26" name="Straight Arrow Connector 25"/>
-          <p:cNvCxnSpPr/>
+          <p:cNvCxnSpPr>
+            <a:stCxn id="27" idx="1"/>
+          </p:cNvCxnSpPr>
           <p:nvPr/>
         </p:nvCxnSpPr>
         <p:spPr>
-          <a:xfrm>
-            <a:off x="1601808" y="3899040"/>
-            <a:ext cx="2401554" cy="331976"/>
+          <a:xfrm flipH="1">
+            <a:off x="7819500" y="5321130"/>
+            <a:ext cx="638833" cy="94486"/>
           </a:xfrm>
           <a:prstGeom prst="straightConnector1">
             <a:avLst/>
@@ -4902,7 +5009,7 @@
         </p:nvSpPr>
         <p:spPr>
           <a:xfrm>
-            <a:off x="0" y="3607084"/>
+            <a:off x="8458333" y="4997964"/>
             <a:ext cx="1672317" cy="646331"/>
           </a:xfrm>
           <a:prstGeom prst="rect">
@@ -5714,46 +5821,6 @@
       </p:sp>
       <p:sp>
         <p:nvSpPr>
-          <p:cNvPr id="4" name="Rectangle 3"/>
-          <p:cNvSpPr/>
-          <p:nvPr/>
-        </p:nvSpPr>
-        <p:spPr>
-          <a:xfrm>
-            <a:off x="5638800" y="2360057"/>
-            <a:ext cx="4533900" cy="3221593"/>
-          </a:xfrm>
-          <a:prstGeom prst="rect">
-            <a:avLst/>
-          </a:prstGeom>
-        </p:spPr>
-        <p:style>
-          <a:lnRef idx="2">
-            <a:schemeClr val="accent1">
-              <a:shade val="50000"/>
-            </a:schemeClr>
-          </a:lnRef>
-          <a:fillRef idx="1">
-            <a:schemeClr val="accent1"/>
-          </a:fillRef>
-          <a:effectRef idx="0">
-            <a:schemeClr val="accent1"/>
-          </a:effectRef>
-          <a:fontRef idx="minor">
-            <a:schemeClr val="lt1"/>
-          </a:fontRef>
-        </p:style>
-        <p:txBody>
-          <a:bodyPr rtlCol="0" anchor="ctr"/>
-          <a:lstStyle/>
-          <a:p>
-            <a:pPr algn="ctr"/>
-            <a:endParaRPr lang="en-US"/>
-          </a:p>
-        </p:txBody>
-      </p:sp>
-      <p:sp>
-        <p:nvSpPr>
           <p:cNvPr id="5" name="TextBox 4"/>
           <p:cNvSpPr txBox="1"/>
           <p:nvPr/>
@@ -5886,50 +5953,29 @@
           </a:p>
         </p:txBody>
       </p:sp>
-      <p:sp>
-        <p:nvSpPr>
-          <p:cNvPr id="6" name="Rectangle 5"/>
-          <p:cNvSpPr/>
+      <p:pic>
+        <p:nvPicPr>
+          <p:cNvPr id="3" name="Picture 2"/>
+          <p:cNvPicPr>
+            <a:picLocks noChangeAspect="1"/>
+          </p:cNvPicPr>
           <p:nvPr/>
-        </p:nvSpPr>
-        <p:spPr>
-          <a:xfrm>
-            <a:off x="9763125" y="1809750"/>
-            <a:ext cx="1933575" cy="1476375"/>
+        </p:nvPicPr>
+        <p:blipFill rotWithShape="1">
+          <a:blip r:embed="rId2"/>
+          <a:srcRect r="24300"/>
+          <a:stretch/>
+        </p:blipFill>
+        <p:spPr>
+          <a:xfrm>
+            <a:off x="5457825" y="1515817"/>
+            <a:ext cx="6004372" cy="4461599"/>
           </a:xfrm>
           <a:prstGeom prst="rect">
             <a:avLst/>
           </a:prstGeom>
         </p:spPr>
-        <p:style>
-          <a:lnRef idx="2">
-            <a:schemeClr val="accent1">
-              <a:shade val="50000"/>
-            </a:schemeClr>
-          </a:lnRef>
-          <a:fillRef idx="1">
-            <a:schemeClr val="accent1"/>
-          </a:fillRef>
-          <a:effectRef idx="0">
-            <a:schemeClr val="accent1"/>
-          </a:effectRef>
-          <a:fontRef idx="minor">
-            <a:schemeClr val="lt1"/>
-          </a:fontRef>
-        </p:style>
-        <p:txBody>
-          <a:bodyPr rtlCol="0" anchor="ctr"/>
-          <a:lstStyle/>
-          <a:p>
-            <a:pPr algn="ctr"/>
-            <a:r>
-              <a:rPr lang="en-US" dirty="0" smtClean="0"/>
-              <a:t>Popup for route planning</a:t>
-            </a:r>
-            <a:endParaRPr lang="en-US" dirty="0"/>
-          </a:p>
-        </p:txBody>
-      </p:sp>
+      </p:pic>
     </p:spTree>
     <p:extLst>
       <p:ext uri="{BB962C8B-B14F-4D97-AF65-F5344CB8AC3E}">
@@ -6026,20 +6072,1608 @@
           </a:p>
         </p:txBody>
       </p:sp>
-      <p:sp>
-        <p:nvSpPr>
-          <p:cNvPr id="4" name="Rectangle 3"/>
+      <p:graphicFrame>
+        <p:nvGraphicFramePr>
+          <p:cNvPr id="6" name="Table 5"/>
+          <p:cNvGraphicFramePr>
+            <a:graphicFrameLocks noGrp="1"/>
+          </p:cNvGraphicFramePr>
+          <p:nvPr>
+            <p:extLst>
+              <p:ext uri="{D42A27DB-BD31-4B8C-83A1-F6EECF244321}">
+                <p14:modId xmlns:p14="http://schemas.microsoft.com/office/powerpoint/2010/main" val="800310878"/>
+              </p:ext>
+            </p:extLst>
+          </p:nvPr>
+        </p:nvGraphicFramePr>
+        <p:xfrm>
+          <a:off x="7647335" y="3750724"/>
+          <a:ext cx="1323784" cy="2426239"/>
+        </p:xfrm>
+        <a:graphic>
+          <a:graphicData uri="http://schemas.openxmlformats.org/drawingml/2006/table">
+            <a:tbl>
+              <a:tblPr firstRow="1" bandRow="1">
+                <a:tableStyleId>{5C22544A-7EE6-4342-B048-85BDC9FD1C3A}</a:tableStyleId>
+              </a:tblPr>
+              <a:tblGrid>
+                <a:gridCol w="661892"/>
+                <a:gridCol w="661892"/>
+              </a:tblGrid>
+              <a:tr h="503169">
+                <a:tc>
+                  <a:txBody>
+                    <a:bodyPr/>
+                    <a:lstStyle/>
+                    <a:p>
+                      <a:pPr algn="ctr"/>
+                      <a:endParaRPr lang="en-US" sz="1050" b="1" dirty="0"/>
+                    </a:p>
+                  </a:txBody>
+                  <a:tcPr anchor="ctr">
+                    <a:lnL w="12700" cap="flat" cmpd="sng" algn="ctr">
+                      <a:solidFill>
+                        <a:schemeClr val="tx1"/>
+                      </a:solidFill>
+                      <a:prstDash val="solid"/>
+                      <a:round/>
+                      <a:headEnd type="none" w="med" len="med"/>
+                      <a:tailEnd type="none" w="med" len="med"/>
+                    </a:lnL>
+                    <a:lnR w="12700" cap="flat" cmpd="sng" algn="ctr">
+                      <a:solidFill>
+                        <a:schemeClr val="tx1"/>
+                      </a:solidFill>
+                      <a:prstDash val="solid"/>
+                      <a:round/>
+                      <a:headEnd type="none" w="med" len="med"/>
+                      <a:tailEnd type="none" w="med" len="med"/>
+                    </a:lnR>
+                    <a:lnT w="12700" cap="flat" cmpd="sng" algn="ctr">
+                      <a:solidFill>
+                        <a:schemeClr val="tx1"/>
+                      </a:solidFill>
+                      <a:prstDash val="solid"/>
+                      <a:round/>
+                      <a:headEnd type="none" w="med" len="med"/>
+                      <a:tailEnd type="none" w="med" len="med"/>
+                    </a:lnT>
+                    <a:lnB w="12700" cap="flat" cmpd="sng" algn="ctr">
+                      <a:solidFill>
+                        <a:schemeClr val="tx1"/>
+                      </a:solidFill>
+                      <a:prstDash val="solid"/>
+                      <a:round/>
+                      <a:headEnd type="none" w="med" len="med"/>
+                      <a:tailEnd type="none" w="med" len="med"/>
+                    </a:lnB>
+                    <a:lnTlToBr w="12700" cmpd="sng">
+                      <a:noFill/>
+                      <a:prstDash val="solid"/>
+                    </a:lnTlToBr>
+                    <a:lnBlToTr w="12700" cmpd="sng">
+                      <a:noFill/>
+                      <a:prstDash val="solid"/>
+                    </a:lnBlToTr>
+                    <a:solidFill>
+                      <a:schemeClr val="bg2"/>
+                    </a:solidFill>
+                  </a:tcPr>
+                </a:tc>
+                <a:tc>
+                  <a:txBody>
+                    <a:bodyPr/>
+                    <a:lstStyle/>
+                    <a:p>
+                      <a:pPr algn="ctr"/>
+                      <a:endParaRPr lang="en-US" sz="1050" b="1"/>
+                    </a:p>
+                  </a:txBody>
+                  <a:tcPr anchor="ctr">
+                    <a:lnL w="12700" cap="flat" cmpd="sng" algn="ctr">
+                      <a:solidFill>
+                        <a:schemeClr val="tx1"/>
+                      </a:solidFill>
+                      <a:prstDash val="solid"/>
+                      <a:round/>
+                      <a:headEnd type="none" w="med" len="med"/>
+                      <a:tailEnd type="none" w="med" len="med"/>
+                    </a:lnL>
+                    <a:lnR w="12700" cap="flat" cmpd="sng" algn="ctr">
+                      <a:solidFill>
+                        <a:schemeClr val="tx1"/>
+                      </a:solidFill>
+                      <a:prstDash val="solid"/>
+                      <a:round/>
+                      <a:headEnd type="none" w="med" len="med"/>
+                      <a:tailEnd type="none" w="med" len="med"/>
+                    </a:lnR>
+                    <a:lnT w="12700" cap="flat" cmpd="sng" algn="ctr">
+                      <a:solidFill>
+                        <a:schemeClr val="tx1"/>
+                      </a:solidFill>
+                      <a:prstDash val="solid"/>
+                      <a:round/>
+                      <a:headEnd type="none" w="med" len="med"/>
+                      <a:tailEnd type="none" w="med" len="med"/>
+                    </a:lnT>
+                    <a:lnB w="12700" cap="flat" cmpd="sng" algn="ctr">
+                      <a:solidFill>
+                        <a:schemeClr val="tx1"/>
+                      </a:solidFill>
+                      <a:prstDash val="solid"/>
+                      <a:round/>
+                      <a:headEnd type="none" w="med" len="med"/>
+                      <a:tailEnd type="none" w="med" len="med"/>
+                    </a:lnB>
+                    <a:lnTlToBr w="12700" cmpd="sng">
+                      <a:noFill/>
+                      <a:prstDash val="solid"/>
+                    </a:lnTlToBr>
+                    <a:lnBlToTr w="12700" cmpd="sng">
+                      <a:noFill/>
+                      <a:prstDash val="solid"/>
+                    </a:lnBlToTr>
+                    <a:solidFill>
+                      <a:schemeClr val="bg2"/>
+                    </a:solidFill>
+                  </a:tcPr>
+                </a:tc>
+              </a:tr>
+              <a:tr h="503169">
+                <a:tc>
+                  <a:txBody>
+                    <a:bodyPr/>
+                    <a:lstStyle/>
+                    <a:p>
+                      <a:pPr algn="ctr"/>
+                      <a:r>
+                        <a:rPr lang="en-US" sz="1050" b="1" dirty="0" smtClean="0"/>
+                        <a:t>ENG</a:t>
+                      </a:r>
+                    </a:p>
+                    <a:p>
+                      <a:pPr algn="ctr"/>
+                      <a:r>
+                        <a:rPr lang="en-US" sz="1050" b="1" dirty="0" smtClean="0"/>
+                        <a:t>VOLT</a:t>
+                      </a:r>
+                      <a:endParaRPr lang="en-US" sz="1050" b="1" dirty="0"/>
+                    </a:p>
+                  </a:txBody>
+                  <a:tcPr anchor="ctr">
+                    <a:lnL w="12700" cap="flat" cmpd="sng" algn="ctr">
+                      <a:solidFill>
+                        <a:schemeClr val="tx1"/>
+                      </a:solidFill>
+                      <a:prstDash val="solid"/>
+                      <a:round/>
+                      <a:headEnd type="none" w="med" len="med"/>
+                      <a:tailEnd type="none" w="med" len="med"/>
+                    </a:lnL>
+                    <a:lnR w="12700" cap="flat" cmpd="sng" algn="ctr">
+                      <a:solidFill>
+                        <a:schemeClr val="tx1"/>
+                      </a:solidFill>
+                      <a:prstDash val="solid"/>
+                      <a:round/>
+                      <a:headEnd type="none" w="med" len="med"/>
+                      <a:tailEnd type="none" w="med" len="med"/>
+                    </a:lnR>
+                    <a:lnT w="12700" cap="flat" cmpd="sng" algn="ctr">
+                      <a:solidFill>
+                        <a:schemeClr val="tx1"/>
+                      </a:solidFill>
+                      <a:prstDash val="solid"/>
+                      <a:round/>
+                      <a:headEnd type="none" w="med" len="med"/>
+                      <a:tailEnd type="none" w="med" len="med"/>
+                    </a:lnT>
+                    <a:lnB w="12700" cap="flat" cmpd="sng" algn="ctr">
+                      <a:solidFill>
+                        <a:schemeClr val="tx1"/>
+                      </a:solidFill>
+                      <a:prstDash val="solid"/>
+                      <a:round/>
+                      <a:headEnd type="none" w="med" len="med"/>
+                      <a:tailEnd type="none" w="med" len="med"/>
+                    </a:lnB>
+                    <a:lnTlToBr w="12700" cmpd="sng">
+                      <a:noFill/>
+                      <a:prstDash val="solid"/>
+                    </a:lnTlToBr>
+                    <a:lnBlToTr w="12700" cmpd="sng">
+                      <a:noFill/>
+                      <a:prstDash val="solid"/>
+                    </a:lnBlToTr>
+                    <a:solidFill>
+                      <a:srgbClr val="FFFF00"/>
+                    </a:solidFill>
+                  </a:tcPr>
+                </a:tc>
+                <a:tc>
+                  <a:txBody>
+                    <a:bodyPr/>
+                    <a:lstStyle/>
+                    <a:p>
+                      <a:pPr algn="ctr"/>
+                      <a:endParaRPr lang="en-US" sz="1050" b="1" dirty="0"/>
+                    </a:p>
+                  </a:txBody>
+                  <a:tcPr anchor="ctr">
+                    <a:lnL w="12700" cap="flat" cmpd="sng" algn="ctr">
+                      <a:solidFill>
+                        <a:schemeClr val="tx1"/>
+                      </a:solidFill>
+                      <a:prstDash val="solid"/>
+                      <a:round/>
+                      <a:headEnd type="none" w="med" len="med"/>
+                      <a:tailEnd type="none" w="med" len="med"/>
+                    </a:lnL>
+                    <a:lnR w="12700" cap="flat" cmpd="sng" algn="ctr">
+                      <a:solidFill>
+                        <a:schemeClr val="tx1"/>
+                      </a:solidFill>
+                      <a:prstDash val="solid"/>
+                      <a:round/>
+                      <a:headEnd type="none" w="med" len="med"/>
+                      <a:tailEnd type="none" w="med" len="med"/>
+                    </a:lnR>
+                    <a:lnT w="12700" cap="flat" cmpd="sng" algn="ctr">
+                      <a:solidFill>
+                        <a:schemeClr val="tx1"/>
+                      </a:solidFill>
+                      <a:prstDash val="solid"/>
+                      <a:round/>
+                      <a:headEnd type="none" w="med" len="med"/>
+                      <a:tailEnd type="none" w="med" len="med"/>
+                    </a:lnT>
+                    <a:lnB w="12700" cap="flat" cmpd="sng" algn="ctr">
+                      <a:solidFill>
+                        <a:schemeClr val="tx1"/>
+                      </a:solidFill>
+                      <a:prstDash val="solid"/>
+                      <a:round/>
+                      <a:headEnd type="none" w="med" len="med"/>
+                      <a:tailEnd type="none" w="med" len="med"/>
+                    </a:lnB>
+                    <a:lnTlToBr w="12700" cmpd="sng">
+                      <a:noFill/>
+                      <a:prstDash val="solid"/>
+                    </a:lnTlToBr>
+                    <a:lnBlToTr w="12700" cmpd="sng">
+                      <a:noFill/>
+                      <a:prstDash val="solid"/>
+                    </a:lnBlToTr>
+                    <a:solidFill>
+                      <a:schemeClr val="bg2"/>
+                    </a:solidFill>
+                  </a:tcPr>
+                </a:tc>
+              </a:tr>
+              <a:tr h="503169">
+                <a:tc>
+                  <a:txBody>
+                    <a:bodyPr/>
+                    <a:lstStyle/>
+                    <a:p>
+                      <a:pPr algn="ctr"/>
+                      <a:endParaRPr lang="en-US" sz="1050" b="1"/>
+                    </a:p>
+                  </a:txBody>
+                  <a:tcPr anchor="ctr">
+                    <a:lnL w="12700" cap="flat" cmpd="sng" algn="ctr">
+                      <a:solidFill>
+                        <a:schemeClr val="tx1"/>
+                      </a:solidFill>
+                      <a:prstDash val="solid"/>
+                      <a:round/>
+                      <a:headEnd type="none" w="med" len="med"/>
+                      <a:tailEnd type="none" w="med" len="med"/>
+                    </a:lnL>
+                    <a:lnR w="12700" cap="flat" cmpd="sng" algn="ctr">
+                      <a:solidFill>
+                        <a:schemeClr val="tx1"/>
+                      </a:solidFill>
+                      <a:prstDash val="solid"/>
+                      <a:round/>
+                      <a:headEnd type="none" w="med" len="med"/>
+                      <a:tailEnd type="none" w="med" len="med"/>
+                    </a:lnR>
+                    <a:lnT w="12700" cap="flat" cmpd="sng" algn="ctr">
+                      <a:solidFill>
+                        <a:schemeClr val="tx1"/>
+                      </a:solidFill>
+                      <a:prstDash val="solid"/>
+                      <a:round/>
+                      <a:headEnd type="none" w="med" len="med"/>
+                      <a:tailEnd type="none" w="med" len="med"/>
+                    </a:lnT>
+                    <a:lnB w="12700" cap="flat" cmpd="sng" algn="ctr">
+                      <a:solidFill>
+                        <a:schemeClr val="tx1"/>
+                      </a:solidFill>
+                      <a:prstDash val="solid"/>
+                      <a:round/>
+                      <a:headEnd type="none" w="med" len="med"/>
+                      <a:tailEnd type="none" w="med" len="med"/>
+                    </a:lnB>
+                    <a:lnTlToBr w="12700" cmpd="sng">
+                      <a:noFill/>
+                      <a:prstDash val="solid"/>
+                    </a:lnTlToBr>
+                    <a:lnBlToTr w="12700" cmpd="sng">
+                      <a:noFill/>
+                      <a:prstDash val="solid"/>
+                    </a:lnBlToTr>
+                    <a:solidFill>
+                      <a:schemeClr val="bg2"/>
+                    </a:solidFill>
+                  </a:tcPr>
+                </a:tc>
+                <a:tc>
+                  <a:txBody>
+                    <a:bodyPr/>
+                    <a:lstStyle/>
+                    <a:p>
+                      <a:pPr algn="ctr"/>
+                      <a:r>
+                        <a:rPr lang="en-US" sz="1050" b="1" dirty="0" smtClean="0"/>
+                        <a:t>THREAT</a:t>
+                      </a:r>
+                      <a:endParaRPr lang="en-US" sz="1050" b="1" dirty="0"/>
+                    </a:p>
+                  </a:txBody>
+                  <a:tcPr anchor="ctr">
+                    <a:lnL w="12700" cap="flat" cmpd="sng" algn="ctr">
+                      <a:solidFill>
+                        <a:schemeClr val="tx1"/>
+                      </a:solidFill>
+                      <a:prstDash val="solid"/>
+                      <a:round/>
+                      <a:headEnd type="none" w="med" len="med"/>
+                      <a:tailEnd type="none" w="med" len="med"/>
+                    </a:lnL>
+                    <a:lnR w="12700" cap="flat" cmpd="sng" algn="ctr">
+                      <a:solidFill>
+                        <a:schemeClr val="tx1"/>
+                      </a:solidFill>
+                      <a:prstDash val="solid"/>
+                      <a:round/>
+                      <a:headEnd type="none" w="med" len="med"/>
+                      <a:tailEnd type="none" w="med" len="med"/>
+                    </a:lnR>
+                    <a:lnT w="12700" cap="flat" cmpd="sng" algn="ctr">
+                      <a:solidFill>
+                        <a:schemeClr val="tx1"/>
+                      </a:solidFill>
+                      <a:prstDash val="solid"/>
+                      <a:round/>
+                      <a:headEnd type="none" w="med" len="med"/>
+                      <a:tailEnd type="none" w="med" len="med"/>
+                    </a:lnT>
+                    <a:lnB w="12700" cap="flat" cmpd="sng" algn="ctr">
+                      <a:solidFill>
+                        <a:schemeClr val="tx1"/>
+                      </a:solidFill>
+                      <a:prstDash val="solid"/>
+                      <a:round/>
+                      <a:headEnd type="none" w="med" len="med"/>
+                      <a:tailEnd type="none" w="med" len="med"/>
+                    </a:lnB>
+                    <a:lnTlToBr w="12700" cmpd="sng">
+                      <a:noFill/>
+                      <a:prstDash val="solid"/>
+                    </a:lnTlToBr>
+                    <a:lnBlToTr w="12700" cmpd="sng">
+                      <a:noFill/>
+                      <a:prstDash val="solid"/>
+                    </a:lnBlToTr>
+                    <a:solidFill>
+                      <a:srgbClr val="FF0000"/>
+                    </a:solidFill>
+                  </a:tcPr>
+                </a:tc>
+              </a:tr>
+              <a:tr h="413563">
+                <a:tc>
+                  <a:txBody>
+                    <a:bodyPr/>
+                    <a:lstStyle/>
+                    <a:p>
+                      <a:pPr algn="ctr"/>
+                      <a:endParaRPr lang="en-US" sz="1050" b="1" dirty="0"/>
+                    </a:p>
+                  </a:txBody>
+                  <a:tcPr anchor="ctr">
+                    <a:lnL w="12700" cap="flat" cmpd="sng" algn="ctr">
+                      <a:solidFill>
+                        <a:schemeClr val="tx1"/>
+                      </a:solidFill>
+                      <a:prstDash val="solid"/>
+                      <a:round/>
+                      <a:headEnd type="none" w="med" len="med"/>
+                      <a:tailEnd type="none" w="med" len="med"/>
+                    </a:lnL>
+                    <a:lnR w="12700" cap="flat" cmpd="sng" algn="ctr">
+                      <a:solidFill>
+                        <a:schemeClr val="tx1"/>
+                      </a:solidFill>
+                      <a:prstDash val="solid"/>
+                      <a:round/>
+                      <a:headEnd type="none" w="med" len="med"/>
+                      <a:tailEnd type="none" w="med" len="med"/>
+                    </a:lnR>
+                    <a:lnT w="12700" cap="flat" cmpd="sng" algn="ctr">
+                      <a:solidFill>
+                        <a:schemeClr val="tx1"/>
+                      </a:solidFill>
+                      <a:prstDash val="solid"/>
+                      <a:round/>
+                      <a:headEnd type="none" w="med" len="med"/>
+                      <a:tailEnd type="none" w="med" len="med"/>
+                    </a:lnT>
+                    <a:lnB w="12700" cap="flat" cmpd="sng" algn="ctr">
+                      <a:solidFill>
+                        <a:schemeClr val="tx1"/>
+                      </a:solidFill>
+                      <a:prstDash val="solid"/>
+                      <a:round/>
+                      <a:headEnd type="none" w="med" len="med"/>
+                      <a:tailEnd type="none" w="med" len="med"/>
+                    </a:lnB>
+                    <a:lnTlToBr w="12700" cmpd="sng">
+                      <a:noFill/>
+                      <a:prstDash val="solid"/>
+                    </a:lnTlToBr>
+                    <a:lnBlToTr w="12700" cmpd="sng">
+                      <a:noFill/>
+                      <a:prstDash val="solid"/>
+                    </a:lnBlToTr>
+                    <a:solidFill>
+                      <a:schemeClr val="bg2"/>
+                    </a:solidFill>
+                  </a:tcPr>
+                </a:tc>
+                <a:tc>
+                  <a:txBody>
+                    <a:bodyPr/>
+                    <a:lstStyle/>
+                    <a:p>
+                      <a:pPr algn="ctr"/>
+                      <a:endParaRPr lang="en-US" sz="1050" b="1" dirty="0"/>
+                    </a:p>
+                  </a:txBody>
+                  <a:tcPr anchor="ctr">
+                    <a:lnL w="12700" cap="flat" cmpd="sng" algn="ctr">
+                      <a:solidFill>
+                        <a:schemeClr val="tx1"/>
+                      </a:solidFill>
+                      <a:prstDash val="solid"/>
+                      <a:round/>
+                      <a:headEnd type="none" w="med" len="med"/>
+                      <a:tailEnd type="none" w="med" len="med"/>
+                    </a:lnL>
+                    <a:lnR w="12700" cap="flat" cmpd="sng" algn="ctr">
+                      <a:solidFill>
+                        <a:schemeClr val="tx1"/>
+                      </a:solidFill>
+                      <a:prstDash val="solid"/>
+                      <a:round/>
+                      <a:headEnd type="none" w="med" len="med"/>
+                      <a:tailEnd type="none" w="med" len="med"/>
+                    </a:lnR>
+                    <a:lnT w="12700" cap="flat" cmpd="sng" algn="ctr">
+                      <a:solidFill>
+                        <a:schemeClr val="tx1"/>
+                      </a:solidFill>
+                      <a:prstDash val="solid"/>
+                      <a:round/>
+                      <a:headEnd type="none" w="med" len="med"/>
+                      <a:tailEnd type="none" w="med" len="med"/>
+                    </a:lnT>
+                    <a:lnB w="12700" cap="flat" cmpd="sng" algn="ctr">
+                      <a:solidFill>
+                        <a:schemeClr val="tx1"/>
+                      </a:solidFill>
+                      <a:prstDash val="solid"/>
+                      <a:round/>
+                      <a:headEnd type="none" w="med" len="med"/>
+                      <a:tailEnd type="none" w="med" len="med"/>
+                    </a:lnB>
+                    <a:lnTlToBr w="12700" cmpd="sng">
+                      <a:noFill/>
+                      <a:prstDash val="solid"/>
+                    </a:lnTlToBr>
+                    <a:lnBlToTr w="12700" cmpd="sng">
+                      <a:noFill/>
+                      <a:prstDash val="solid"/>
+                    </a:lnBlToTr>
+                    <a:solidFill>
+                      <a:schemeClr val="bg2"/>
+                    </a:solidFill>
+                  </a:tcPr>
+                </a:tc>
+              </a:tr>
+              <a:tr h="503169">
+                <a:tc>
+                  <a:txBody>
+                    <a:bodyPr/>
+                    <a:lstStyle/>
+                    <a:p>
+                      <a:pPr algn="ctr"/>
+                      <a:endParaRPr lang="en-US" sz="1050" b="1" dirty="0"/>
+                    </a:p>
+                  </a:txBody>
+                  <a:tcPr anchor="ctr">
+                    <a:lnL w="12700" cap="flat" cmpd="sng" algn="ctr">
+                      <a:solidFill>
+                        <a:schemeClr val="tx1"/>
+                      </a:solidFill>
+                      <a:prstDash val="solid"/>
+                      <a:round/>
+                      <a:headEnd type="none" w="med" len="med"/>
+                      <a:tailEnd type="none" w="med" len="med"/>
+                    </a:lnL>
+                    <a:lnR w="12700" cap="flat" cmpd="sng" algn="ctr">
+                      <a:solidFill>
+                        <a:schemeClr val="tx1"/>
+                      </a:solidFill>
+                      <a:prstDash val="solid"/>
+                      <a:round/>
+                      <a:headEnd type="none" w="med" len="med"/>
+                      <a:tailEnd type="none" w="med" len="med"/>
+                    </a:lnR>
+                    <a:lnT w="12700" cap="flat" cmpd="sng" algn="ctr">
+                      <a:solidFill>
+                        <a:schemeClr val="tx1"/>
+                      </a:solidFill>
+                      <a:prstDash val="solid"/>
+                      <a:round/>
+                      <a:headEnd type="none" w="med" len="med"/>
+                      <a:tailEnd type="none" w="med" len="med"/>
+                    </a:lnT>
+                    <a:lnB w="12700" cap="flat" cmpd="sng" algn="ctr">
+                      <a:solidFill>
+                        <a:schemeClr val="tx1"/>
+                      </a:solidFill>
+                      <a:prstDash val="solid"/>
+                      <a:round/>
+                      <a:headEnd type="none" w="med" len="med"/>
+                      <a:tailEnd type="none" w="med" len="med"/>
+                    </a:lnB>
+                    <a:lnTlToBr w="12700" cmpd="sng">
+                      <a:noFill/>
+                      <a:prstDash val="solid"/>
+                    </a:lnTlToBr>
+                    <a:lnBlToTr w="12700" cmpd="sng">
+                      <a:noFill/>
+                      <a:prstDash val="solid"/>
+                    </a:lnBlToTr>
+                    <a:solidFill>
+                      <a:schemeClr val="bg2"/>
+                    </a:solidFill>
+                  </a:tcPr>
+                </a:tc>
+                <a:tc>
+                  <a:txBody>
+                    <a:bodyPr/>
+                    <a:lstStyle/>
+                    <a:p>
+                      <a:pPr algn="ctr"/>
+                      <a:endParaRPr lang="en-US" sz="1050" b="1" dirty="0"/>
+                    </a:p>
+                  </a:txBody>
+                  <a:tcPr anchor="ctr">
+                    <a:lnL w="12700" cap="flat" cmpd="sng" algn="ctr">
+                      <a:solidFill>
+                        <a:schemeClr val="tx1"/>
+                      </a:solidFill>
+                      <a:prstDash val="solid"/>
+                      <a:round/>
+                      <a:headEnd type="none" w="med" len="med"/>
+                      <a:tailEnd type="none" w="med" len="med"/>
+                    </a:lnL>
+                    <a:lnR w="12700" cap="flat" cmpd="sng" algn="ctr">
+                      <a:solidFill>
+                        <a:schemeClr val="tx1"/>
+                      </a:solidFill>
+                      <a:prstDash val="solid"/>
+                      <a:round/>
+                      <a:headEnd type="none" w="med" len="med"/>
+                      <a:tailEnd type="none" w="med" len="med"/>
+                    </a:lnR>
+                    <a:lnT w="12700" cap="flat" cmpd="sng" algn="ctr">
+                      <a:solidFill>
+                        <a:schemeClr val="tx1"/>
+                      </a:solidFill>
+                      <a:prstDash val="solid"/>
+                      <a:round/>
+                      <a:headEnd type="none" w="med" len="med"/>
+                      <a:tailEnd type="none" w="med" len="med"/>
+                    </a:lnT>
+                    <a:lnB w="12700" cap="flat" cmpd="sng" algn="ctr">
+                      <a:solidFill>
+                        <a:schemeClr val="tx1"/>
+                      </a:solidFill>
+                      <a:prstDash val="solid"/>
+                      <a:round/>
+                      <a:headEnd type="none" w="med" len="med"/>
+                      <a:tailEnd type="none" w="med" len="med"/>
+                    </a:lnB>
+                    <a:lnTlToBr w="12700" cmpd="sng">
+                      <a:noFill/>
+                      <a:prstDash val="solid"/>
+                    </a:lnTlToBr>
+                    <a:lnBlToTr w="12700" cmpd="sng">
+                      <a:noFill/>
+                      <a:prstDash val="solid"/>
+                    </a:lnBlToTr>
+                    <a:solidFill>
+                      <a:schemeClr val="bg2"/>
+                    </a:solidFill>
+                  </a:tcPr>
+                </a:tc>
+              </a:tr>
+            </a:tbl>
+          </a:graphicData>
+        </a:graphic>
+      </p:graphicFrame>
+      <p:graphicFrame>
+        <p:nvGraphicFramePr>
+          <p:cNvPr id="7" name="Table 6"/>
+          <p:cNvGraphicFramePr>
+            <a:graphicFrameLocks noGrp="1"/>
+          </p:cNvGraphicFramePr>
+          <p:nvPr>
+            <p:extLst>
+              <p:ext uri="{D42A27DB-BD31-4B8C-83A1-F6EECF244321}">
+                <p14:modId xmlns:p14="http://schemas.microsoft.com/office/powerpoint/2010/main" val="3929528823"/>
+              </p:ext>
+            </p:extLst>
+          </p:nvPr>
+        </p:nvGraphicFramePr>
+        <p:xfrm>
+          <a:off x="2395469" y="3750725"/>
+          <a:ext cx="1640162" cy="1371600"/>
+        </p:xfrm>
+        <a:graphic>
+          <a:graphicData uri="http://schemas.openxmlformats.org/drawingml/2006/table">
+            <a:tbl>
+              <a:tblPr firstRow="1" bandRow="1">
+                <a:tableStyleId>{5C22544A-7EE6-4342-B048-85BDC9FD1C3A}</a:tableStyleId>
+              </a:tblPr>
+              <a:tblGrid>
+                <a:gridCol w="775210"/>
+                <a:gridCol w="316312"/>
+                <a:gridCol w="548640"/>
+              </a:tblGrid>
+              <a:tr h="0">
+                <a:tc>
+                  <a:txBody>
+                    <a:bodyPr/>
+                    <a:lstStyle/>
+                    <a:p>
+                      <a:r>
+                        <a:rPr lang="en-US" sz="1000" b="1" dirty="0" smtClean="0">
+                          <a:solidFill>
+                            <a:schemeClr val="tx1"/>
+                          </a:solidFill>
+                        </a:rPr>
+                        <a:t>Propulsion</a:t>
+                      </a:r>
+                    </a:p>
+                  </a:txBody>
+                  <a:tcPr>
+                    <a:lnL w="12700" cap="flat" cmpd="sng" algn="ctr">
+                      <a:solidFill>
+                        <a:schemeClr val="tx1"/>
+                      </a:solidFill>
+                      <a:prstDash val="solid"/>
+                      <a:round/>
+                      <a:headEnd type="none" w="med" len="med"/>
+                      <a:tailEnd type="none" w="med" len="med"/>
+                    </a:lnL>
+                    <a:lnR w="12700" cap="flat" cmpd="sng" algn="ctr">
+                      <a:noFill/>
+                      <a:prstDash val="solid"/>
+                      <a:round/>
+                      <a:headEnd type="none" w="med" len="med"/>
+                      <a:tailEnd type="none" w="med" len="med"/>
+                    </a:lnR>
+                    <a:lnT w="12700" cap="flat" cmpd="sng" algn="ctr">
+                      <a:noFill/>
+                      <a:prstDash val="solid"/>
+                      <a:round/>
+                      <a:headEnd type="none" w="med" len="med"/>
+                      <a:tailEnd type="none" w="med" len="med"/>
+                    </a:lnT>
+                    <a:lnB w="12700" cap="flat" cmpd="sng" algn="ctr">
+                      <a:noFill/>
+                      <a:prstDash val="solid"/>
+                      <a:round/>
+                      <a:headEnd type="none" w="med" len="med"/>
+                      <a:tailEnd type="none" w="med" len="med"/>
+                    </a:lnB>
+                    <a:lnTlToBr w="12700" cmpd="sng">
+                      <a:noFill/>
+                      <a:prstDash val="solid"/>
+                    </a:lnTlToBr>
+                    <a:lnBlToTr w="12700" cmpd="sng">
+                      <a:noFill/>
+                      <a:prstDash val="solid"/>
+                    </a:lnBlToTr>
+                    <a:solidFill>
+                      <a:schemeClr val="bg2"/>
+                    </a:solidFill>
+                  </a:tcPr>
+                </a:tc>
+                <a:tc>
+                  <a:txBody>
+                    <a:bodyPr/>
+                    <a:lstStyle/>
+                    <a:p>
+                      <a:endParaRPr lang="en-US" sz="1000" dirty="0">
+                        <a:solidFill>
+                          <a:schemeClr val="tx1"/>
+                        </a:solidFill>
+                      </a:endParaRPr>
+                    </a:p>
+                  </a:txBody>
+                  <a:tcPr>
+                    <a:lnL w="12700" cap="flat" cmpd="sng" algn="ctr">
+                      <a:noFill/>
+                      <a:prstDash val="solid"/>
+                      <a:round/>
+                      <a:headEnd type="none" w="med" len="med"/>
+                      <a:tailEnd type="none" w="med" len="med"/>
+                    </a:lnL>
+                    <a:lnR w="12700" cap="flat" cmpd="sng" algn="ctr">
+                      <a:noFill/>
+                      <a:prstDash val="solid"/>
+                      <a:round/>
+                      <a:headEnd type="none" w="med" len="med"/>
+                      <a:tailEnd type="none" w="med" len="med"/>
+                    </a:lnR>
+                    <a:lnT w="12700" cap="flat" cmpd="sng" algn="ctr">
+                      <a:noFill/>
+                      <a:prstDash val="solid"/>
+                      <a:round/>
+                      <a:headEnd type="none" w="med" len="med"/>
+                      <a:tailEnd type="none" w="med" len="med"/>
+                    </a:lnT>
+                    <a:lnB w="12700" cap="flat" cmpd="sng" algn="ctr">
+                      <a:noFill/>
+                      <a:prstDash val="solid"/>
+                      <a:round/>
+                      <a:headEnd type="none" w="med" len="med"/>
+                      <a:tailEnd type="none" w="med" len="med"/>
+                    </a:lnB>
+                    <a:lnTlToBr w="12700" cmpd="sng">
+                      <a:noFill/>
+                      <a:prstDash val="solid"/>
+                    </a:lnTlToBr>
+                    <a:lnBlToTr w="12700" cmpd="sng">
+                      <a:noFill/>
+                      <a:prstDash val="solid"/>
+                    </a:lnBlToTr>
+                    <a:solidFill>
+                      <a:srgbClr val="FFFF00"/>
+                    </a:solidFill>
+                  </a:tcPr>
+                </a:tc>
+                <a:tc>
+                  <a:txBody>
+                    <a:bodyPr/>
+                    <a:lstStyle/>
+                    <a:p>
+                      <a:endParaRPr lang="en-US" sz="700" dirty="0">
+                        <a:solidFill>
+                          <a:schemeClr val="tx1"/>
+                        </a:solidFill>
+                      </a:endParaRPr>
+                    </a:p>
+                  </a:txBody>
+                  <a:tcPr>
+                    <a:lnL w="12700" cap="flat" cmpd="sng" algn="ctr">
+                      <a:noFill/>
+                      <a:prstDash val="solid"/>
+                      <a:round/>
+                      <a:headEnd type="none" w="med" len="med"/>
+                      <a:tailEnd type="none" w="med" len="med"/>
+                    </a:lnL>
+                    <a:lnR w="12700" cap="flat" cmpd="sng" algn="ctr">
+                      <a:solidFill>
+                        <a:schemeClr val="tx1"/>
+                      </a:solidFill>
+                      <a:prstDash val="solid"/>
+                      <a:round/>
+                      <a:headEnd type="none" w="med" len="med"/>
+                      <a:tailEnd type="none" w="med" len="med"/>
+                    </a:lnR>
+                    <a:lnT w="12700" cap="flat" cmpd="sng" algn="ctr">
+                      <a:noFill/>
+                      <a:prstDash val="solid"/>
+                      <a:round/>
+                      <a:headEnd type="none" w="med" len="med"/>
+                      <a:tailEnd type="none" w="med" len="med"/>
+                    </a:lnT>
+                    <a:lnB w="12700" cap="flat" cmpd="sng" algn="ctr">
+                      <a:noFill/>
+                      <a:prstDash val="solid"/>
+                      <a:round/>
+                      <a:headEnd type="none" w="med" len="med"/>
+                      <a:tailEnd type="none" w="med" len="med"/>
+                    </a:lnB>
+                    <a:lnTlToBr w="12700" cmpd="sng">
+                      <a:noFill/>
+                      <a:prstDash val="solid"/>
+                    </a:lnTlToBr>
+                    <a:lnBlToTr w="12700" cmpd="sng">
+                      <a:noFill/>
+                      <a:prstDash val="solid"/>
+                    </a:lnBlToTr>
+                    <a:solidFill>
+                      <a:schemeClr val="bg2"/>
+                    </a:solidFill>
+                  </a:tcPr>
+                </a:tc>
+              </a:tr>
+              <a:tr h="0">
+                <a:tc>
+                  <a:txBody>
+                    <a:bodyPr/>
+                    <a:lstStyle/>
+                    <a:p>
+                      <a:pPr algn="r"/>
+                      <a:r>
+                        <a:rPr lang="en-US" sz="1000" b="1" dirty="0" smtClean="0">
+                          <a:solidFill>
+                            <a:schemeClr val="tx1"/>
+                          </a:solidFill>
+                        </a:rPr>
+                        <a:t>Motor</a:t>
+                      </a:r>
+                      <a:r>
+                        <a:rPr lang="en-US" sz="1000" b="1" baseline="0" dirty="0" smtClean="0">
+                          <a:solidFill>
+                            <a:schemeClr val="tx1"/>
+                          </a:solidFill>
+                        </a:rPr>
+                        <a:t> 1</a:t>
+                      </a:r>
+                    </a:p>
+                  </a:txBody>
+                  <a:tcPr>
+                    <a:lnL w="12700" cap="flat" cmpd="sng" algn="ctr">
+                      <a:solidFill>
+                        <a:schemeClr val="tx1"/>
+                      </a:solidFill>
+                      <a:prstDash val="solid"/>
+                      <a:round/>
+                      <a:headEnd type="none" w="med" len="med"/>
+                      <a:tailEnd type="none" w="med" len="med"/>
+                    </a:lnL>
+                    <a:lnR w="12700" cap="flat" cmpd="sng" algn="ctr">
+                      <a:noFill/>
+                      <a:prstDash val="solid"/>
+                      <a:round/>
+                      <a:headEnd type="none" w="med" len="med"/>
+                      <a:tailEnd type="none" w="med" len="med"/>
+                    </a:lnR>
+                    <a:lnT w="12700" cap="flat" cmpd="sng" algn="ctr">
+                      <a:noFill/>
+                      <a:prstDash val="solid"/>
+                      <a:round/>
+                      <a:headEnd type="none" w="med" len="med"/>
+                      <a:tailEnd type="none" w="med" len="med"/>
+                    </a:lnT>
+                    <a:lnB w="12700" cap="flat" cmpd="sng" algn="ctr">
+                      <a:noFill/>
+                      <a:prstDash val="solid"/>
+                      <a:round/>
+                      <a:headEnd type="none" w="med" len="med"/>
+                      <a:tailEnd type="none" w="med" len="med"/>
+                    </a:lnB>
+                    <a:lnTlToBr w="12700" cmpd="sng">
+                      <a:noFill/>
+                      <a:prstDash val="solid"/>
+                    </a:lnTlToBr>
+                    <a:lnBlToTr w="12700" cmpd="sng">
+                      <a:noFill/>
+                      <a:prstDash val="solid"/>
+                    </a:lnBlToTr>
+                    <a:solidFill>
+                      <a:schemeClr val="bg2"/>
+                    </a:solidFill>
+                  </a:tcPr>
+                </a:tc>
+                <a:tc>
+                  <a:txBody>
+                    <a:bodyPr/>
+                    <a:lstStyle/>
+                    <a:p>
+                      <a:endParaRPr lang="en-US" sz="1000" dirty="0">
+                        <a:solidFill>
+                          <a:schemeClr val="tx1"/>
+                        </a:solidFill>
+                      </a:endParaRPr>
+                    </a:p>
+                  </a:txBody>
+                  <a:tcPr>
+                    <a:lnL w="12700" cap="flat" cmpd="sng" algn="ctr">
+                      <a:noFill/>
+                      <a:prstDash val="solid"/>
+                      <a:round/>
+                      <a:headEnd type="none" w="med" len="med"/>
+                      <a:tailEnd type="none" w="med" len="med"/>
+                    </a:lnL>
+                    <a:lnR w="12700" cap="flat" cmpd="sng" algn="ctr">
+                      <a:noFill/>
+                      <a:prstDash val="solid"/>
+                      <a:round/>
+                      <a:headEnd type="none" w="med" len="med"/>
+                      <a:tailEnd type="none" w="med" len="med"/>
+                    </a:lnR>
+                    <a:lnT w="12700" cap="flat" cmpd="sng" algn="ctr">
+                      <a:noFill/>
+                      <a:prstDash val="solid"/>
+                      <a:round/>
+                      <a:headEnd type="none" w="med" len="med"/>
+                      <a:tailEnd type="none" w="med" len="med"/>
+                    </a:lnT>
+                    <a:lnB w="12700" cap="flat" cmpd="sng" algn="ctr">
+                      <a:noFill/>
+                      <a:prstDash val="solid"/>
+                      <a:round/>
+                      <a:headEnd type="none" w="med" len="med"/>
+                      <a:tailEnd type="none" w="med" len="med"/>
+                    </a:lnB>
+                    <a:lnTlToBr w="12700" cmpd="sng">
+                      <a:noFill/>
+                      <a:prstDash val="solid"/>
+                    </a:lnTlToBr>
+                    <a:lnBlToTr w="12700" cmpd="sng">
+                      <a:noFill/>
+                      <a:prstDash val="solid"/>
+                    </a:lnBlToTr>
+                    <a:solidFill>
+                      <a:srgbClr val="00B050"/>
+                    </a:solidFill>
+                  </a:tcPr>
+                </a:tc>
+                <a:tc>
+                  <a:txBody>
+                    <a:bodyPr/>
+                    <a:lstStyle/>
+                    <a:p>
+                      <a:endParaRPr lang="en-US" sz="700" dirty="0">
+                        <a:solidFill>
+                          <a:schemeClr val="tx1"/>
+                        </a:solidFill>
+                      </a:endParaRPr>
+                    </a:p>
+                  </a:txBody>
+                  <a:tcPr>
+                    <a:lnL w="12700" cap="flat" cmpd="sng" algn="ctr">
+                      <a:noFill/>
+                      <a:prstDash val="solid"/>
+                      <a:round/>
+                      <a:headEnd type="none" w="med" len="med"/>
+                      <a:tailEnd type="none" w="med" len="med"/>
+                    </a:lnL>
+                    <a:lnR w="12700" cap="flat" cmpd="sng" algn="ctr">
+                      <a:solidFill>
+                        <a:schemeClr val="tx1"/>
+                      </a:solidFill>
+                      <a:prstDash val="solid"/>
+                      <a:round/>
+                      <a:headEnd type="none" w="med" len="med"/>
+                      <a:tailEnd type="none" w="med" len="med"/>
+                    </a:lnR>
+                    <a:lnT w="12700" cap="flat" cmpd="sng" algn="ctr">
+                      <a:noFill/>
+                      <a:prstDash val="solid"/>
+                      <a:round/>
+                      <a:headEnd type="none" w="med" len="med"/>
+                      <a:tailEnd type="none" w="med" len="med"/>
+                    </a:lnT>
+                    <a:lnB w="12700" cap="flat" cmpd="sng" algn="ctr">
+                      <a:noFill/>
+                      <a:prstDash val="solid"/>
+                      <a:round/>
+                      <a:headEnd type="none" w="med" len="med"/>
+                      <a:tailEnd type="none" w="med" len="med"/>
+                    </a:lnB>
+                    <a:lnTlToBr w="12700" cmpd="sng">
+                      <a:noFill/>
+                      <a:prstDash val="solid"/>
+                    </a:lnTlToBr>
+                    <a:lnBlToTr w="12700" cmpd="sng">
+                      <a:noFill/>
+                      <a:prstDash val="solid"/>
+                    </a:lnBlToTr>
+                    <a:solidFill>
+                      <a:schemeClr val="bg2"/>
+                    </a:solidFill>
+                  </a:tcPr>
+                </a:tc>
+              </a:tr>
+              <a:tr h="0">
+                <a:tc>
+                  <a:txBody>
+                    <a:bodyPr/>
+                    <a:lstStyle/>
+                    <a:p>
+                      <a:pPr algn="r"/>
+                      <a:r>
+                        <a:rPr lang="en-US" sz="1000" b="1" dirty="0" smtClean="0">
+                          <a:solidFill>
+                            <a:schemeClr val="tx1"/>
+                          </a:solidFill>
+                        </a:rPr>
+                        <a:t>Motor 2</a:t>
+                      </a:r>
+                      <a:endParaRPr lang="en-US" sz="1000" b="1" dirty="0">
+                        <a:solidFill>
+                          <a:schemeClr val="tx1"/>
+                        </a:solidFill>
+                      </a:endParaRPr>
+                    </a:p>
+                  </a:txBody>
+                  <a:tcPr>
+                    <a:lnL w="12700" cap="flat" cmpd="sng" algn="ctr">
+                      <a:solidFill>
+                        <a:schemeClr val="tx1"/>
+                      </a:solidFill>
+                      <a:prstDash val="solid"/>
+                      <a:round/>
+                      <a:headEnd type="none" w="med" len="med"/>
+                      <a:tailEnd type="none" w="med" len="med"/>
+                    </a:lnL>
+                    <a:lnR w="12700" cap="flat" cmpd="sng" algn="ctr">
+                      <a:noFill/>
+                      <a:prstDash val="solid"/>
+                      <a:round/>
+                      <a:headEnd type="none" w="med" len="med"/>
+                      <a:tailEnd type="none" w="med" len="med"/>
+                    </a:lnR>
+                    <a:lnT w="12700" cap="flat" cmpd="sng" algn="ctr">
+                      <a:noFill/>
+                      <a:prstDash val="solid"/>
+                      <a:round/>
+                      <a:headEnd type="none" w="med" len="med"/>
+                      <a:tailEnd type="none" w="med" len="med"/>
+                    </a:lnT>
+                    <a:lnB w="12700" cap="flat" cmpd="sng" algn="ctr">
+                      <a:noFill/>
+                      <a:prstDash val="solid"/>
+                      <a:round/>
+                      <a:headEnd type="none" w="med" len="med"/>
+                      <a:tailEnd type="none" w="med" len="med"/>
+                    </a:lnB>
+                    <a:lnTlToBr w="12700" cmpd="sng">
+                      <a:noFill/>
+                      <a:prstDash val="solid"/>
+                    </a:lnTlToBr>
+                    <a:lnBlToTr w="12700" cmpd="sng">
+                      <a:noFill/>
+                      <a:prstDash val="solid"/>
+                    </a:lnBlToTr>
+                    <a:solidFill>
+                      <a:schemeClr val="bg2"/>
+                    </a:solidFill>
+                  </a:tcPr>
+                </a:tc>
+                <a:tc>
+                  <a:txBody>
+                    <a:bodyPr/>
+                    <a:lstStyle/>
+                    <a:p>
+                      <a:endParaRPr lang="en-US" sz="1000" dirty="0">
+                        <a:solidFill>
+                          <a:schemeClr val="tx1"/>
+                        </a:solidFill>
+                      </a:endParaRPr>
+                    </a:p>
+                  </a:txBody>
+                  <a:tcPr>
+                    <a:lnL w="12700" cap="flat" cmpd="sng" algn="ctr">
+                      <a:noFill/>
+                      <a:prstDash val="solid"/>
+                      <a:round/>
+                      <a:headEnd type="none" w="med" len="med"/>
+                      <a:tailEnd type="none" w="med" len="med"/>
+                    </a:lnL>
+                    <a:lnR w="12700" cap="flat" cmpd="sng" algn="ctr">
+                      <a:noFill/>
+                      <a:prstDash val="solid"/>
+                      <a:round/>
+                      <a:headEnd type="none" w="med" len="med"/>
+                      <a:tailEnd type="none" w="med" len="med"/>
+                    </a:lnR>
+                    <a:lnT w="12700" cap="flat" cmpd="sng" algn="ctr">
+                      <a:noFill/>
+                      <a:prstDash val="solid"/>
+                      <a:round/>
+                      <a:headEnd type="none" w="med" len="med"/>
+                      <a:tailEnd type="none" w="med" len="med"/>
+                    </a:lnT>
+                    <a:lnB w="12700" cap="flat" cmpd="sng" algn="ctr">
+                      <a:noFill/>
+                      <a:prstDash val="solid"/>
+                      <a:round/>
+                      <a:headEnd type="none" w="med" len="med"/>
+                      <a:tailEnd type="none" w="med" len="med"/>
+                    </a:lnB>
+                    <a:lnTlToBr w="12700" cmpd="sng">
+                      <a:noFill/>
+                      <a:prstDash val="solid"/>
+                    </a:lnTlToBr>
+                    <a:lnBlToTr w="12700" cmpd="sng">
+                      <a:noFill/>
+                      <a:prstDash val="solid"/>
+                    </a:lnBlToTr>
+                    <a:solidFill>
+                      <a:srgbClr val="00B050"/>
+                    </a:solidFill>
+                  </a:tcPr>
+                </a:tc>
+                <a:tc>
+                  <a:txBody>
+                    <a:bodyPr/>
+                    <a:lstStyle/>
+                    <a:p>
+                      <a:endParaRPr lang="en-US" sz="700" dirty="0">
+                        <a:solidFill>
+                          <a:schemeClr val="tx1"/>
+                        </a:solidFill>
+                      </a:endParaRPr>
+                    </a:p>
+                  </a:txBody>
+                  <a:tcPr>
+                    <a:lnL w="12700" cap="flat" cmpd="sng" algn="ctr">
+                      <a:noFill/>
+                      <a:prstDash val="solid"/>
+                      <a:round/>
+                      <a:headEnd type="none" w="med" len="med"/>
+                      <a:tailEnd type="none" w="med" len="med"/>
+                    </a:lnL>
+                    <a:lnR w="12700" cap="flat" cmpd="sng" algn="ctr">
+                      <a:solidFill>
+                        <a:schemeClr val="tx1"/>
+                      </a:solidFill>
+                      <a:prstDash val="solid"/>
+                      <a:round/>
+                      <a:headEnd type="none" w="med" len="med"/>
+                      <a:tailEnd type="none" w="med" len="med"/>
+                    </a:lnR>
+                    <a:lnT w="12700" cap="flat" cmpd="sng" algn="ctr">
+                      <a:noFill/>
+                      <a:prstDash val="solid"/>
+                      <a:round/>
+                      <a:headEnd type="none" w="med" len="med"/>
+                      <a:tailEnd type="none" w="med" len="med"/>
+                    </a:lnT>
+                    <a:lnB w="12700" cap="flat" cmpd="sng" algn="ctr">
+                      <a:noFill/>
+                      <a:prstDash val="solid"/>
+                      <a:round/>
+                      <a:headEnd type="none" w="med" len="med"/>
+                      <a:tailEnd type="none" w="med" len="med"/>
+                    </a:lnB>
+                    <a:lnTlToBr w="12700" cmpd="sng">
+                      <a:noFill/>
+                      <a:prstDash val="solid"/>
+                    </a:lnTlToBr>
+                    <a:lnBlToTr w="12700" cmpd="sng">
+                      <a:noFill/>
+                      <a:prstDash val="solid"/>
+                    </a:lnBlToTr>
+                    <a:solidFill>
+                      <a:schemeClr val="bg2"/>
+                    </a:solidFill>
+                  </a:tcPr>
+                </a:tc>
+              </a:tr>
+              <a:tr h="0">
+                <a:tc>
+                  <a:txBody>
+                    <a:bodyPr/>
+                    <a:lstStyle/>
+                    <a:p>
+                      <a:pPr algn="r"/>
+                      <a:r>
+                        <a:rPr lang="en-US" sz="1000" b="1" dirty="0" smtClean="0">
+                          <a:solidFill>
+                            <a:schemeClr val="tx1"/>
+                          </a:solidFill>
+                        </a:rPr>
+                        <a:t>Motor 3</a:t>
+                      </a:r>
+                      <a:endParaRPr lang="en-US" sz="1000" b="1" dirty="0">
+                        <a:solidFill>
+                          <a:schemeClr val="tx1"/>
+                        </a:solidFill>
+                      </a:endParaRPr>
+                    </a:p>
+                  </a:txBody>
+                  <a:tcPr>
+                    <a:lnL w="12700" cap="flat" cmpd="sng" algn="ctr">
+                      <a:solidFill>
+                        <a:schemeClr val="tx1"/>
+                      </a:solidFill>
+                      <a:prstDash val="solid"/>
+                      <a:round/>
+                      <a:headEnd type="none" w="med" len="med"/>
+                      <a:tailEnd type="none" w="med" len="med"/>
+                    </a:lnL>
+                    <a:lnR w="12700" cap="flat" cmpd="sng" algn="ctr">
+                      <a:noFill/>
+                      <a:prstDash val="solid"/>
+                      <a:round/>
+                      <a:headEnd type="none" w="med" len="med"/>
+                      <a:tailEnd type="none" w="med" len="med"/>
+                    </a:lnR>
+                    <a:lnT w="12700" cap="flat" cmpd="sng" algn="ctr">
+                      <a:noFill/>
+                      <a:prstDash val="solid"/>
+                      <a:round/>
+                      <a:headEnd type="none" w="med" len="med"/>
+                      <a:tailEnd type="none" w="med" len="med"/>
+                    </a:lnT>
+                    <a:lnB w="12700" cap="flat" cmpd="sng" algn="ctr">
+                      <a:noFill/>
+                      <a:prstDash val="solid"/>
+                      <a:round/>
+                      <a:headEnd type="none" w="med" len="med"/>
+                      <a:tailEnd type="none" w="med" len="med"/>
+                    </a:lnB>
+                    <a:lnTlToBr w="12700" cmpd="sng">
+                      <a:noFill/>
+                      <a:prstDash val="solid"/>
+                    </a:lnTlToBr>
+                    <a:lnBlToTr w="12700" cmpd="sng">
+                      <a:noFill/>
+                      <a:prstDash val="solid"/>
+                    </a:lnBlToTr>
+                    <a:solidFill>
+                      <a:schemeClr val="bg2"/>
+                    </a:solidFill>
+                  </a:tcPr>
+                </a:tc>
+                <a:tc>
+                  <a:txBody>
+                    <a:bodyPr/>
+                    <a:lstStyle/>
+                    <a:p>
+                      <a:endParaRPr lang="en-US" sz="1000" dirty="0">
+                        <a:solidFill>
+                          <a:schemeClr val="tx1"/>
+                        </a:solidFill>
+                      </a:endParaRPr>
+                    </a:p>
+                  </a:txBody>
+                  <a:tcPr>
+                    <a:lnL w="12700" cap="flat" cmpd="sng" algn="ctr">
+                      <a:noFill/>
+                      <a:prstDash val="solid"/>
+                      <a:round/>
+                      <a:headEnd type="none" w="med" len="med"/>
+                      <a:tailEnd type="none" w="med" len="med"/>
+                    </a:lnL>
+                    <a:lnR w="12700" cap="flat" cmpd="sng" algn="ctr">
+                      <a:noFill/>
+                      <a:prstDash val="solid"/>
+                      <a:round/>
+                      <a:headEnd type="none" w="med" len="med"/>
+                      <a:tailEnd type="none" w="med" len="med"/>
+                    </a:lnR>
+                    <a:lnT w="12700" cap="flat" cmpd="sng" algn="ctr">
+                      <a:noFill/>
+                      <a:prstDash val="solid"/>
+                      <a:round/>
+                      <a:headEnd type="none" w="med" len="med"/>
+                      <a:tailEnd type="none" w="med" len="med"/>
+                    </a:lnT>
+                    <a:lnB w="12700" cap="flat" cmpd="sng" algn="ctr">
+                      <a:noFill/>
+                      <a:prstDash val="solid"/>
+                      <a:round/>
+                      <a:headEnd type="none" w="med" len="med"/>
+                      <a:tailEnd type="none" w="med" len="med"/>
+                    </a:lnB>
+                    <a:lnTlToBr w="12700" cmpd="sng">
+                      <a:noFill/>
+                      <a:prstDash val="solid"/>
+                    </a:lnTlToBr>
+                    <a:lnBlToTr w="12700" cmpd="sng">
+                      <a:noFill/>
+                      <a:prstDash val="solid"/>
+                    </a:lnBlToTr>
+                    <a:solidFill>
+                      <a:srgbClr val="FFFF00"/>
+                    </a:solidFill>
+                  </a:tcPr>
+                </a:tc>
+                <a:tc>
+                  <a:txBody>
+                    <a:bodyPr/>
+                    <a:lstStyle/>
+                    <a:p>
+                      <a:r>
+                        <a:rPr lang="en-US" sz="700" dirty="0" smtClean="0">
+                          <a:solidFill>
+                            <a:schemeClr val="tx1"/>
+                          </a:solidFill>
+                        </a:rPr>
+                        <a:t>Volt</a:t>
+                      </a:r>
+                      <a:r>
+                        <a:rPr lang="en-US" sz="700" baseline="0" dirty="0" smtClean="0">
+                          <a:solidFill>
+                            <a:schemeClr val="tx1"/>
+                          </a:solidFill>
+                        </a:rPr>
+                        <a:t> wan</a:t>
+                      </a:r>
+                      <a:endParaRPr lang="en-US" sz="700" dirty="0">
+                        <a:solidFill>
+                          <a:schemeClr val="tx1"/>
+                        </a:solidFill>
+                      </a:endParaRPr>
+                    </a:p>
+                  </a:txBody>
+                  <a:tcPr>
+                    <a:lnL w="12700" cap="flat" cmpd="sng" algn="ctr">
+                      <a:noFill/>
+                      <a:prstDash val="solid"/>
+                      <a:round/>
+                      <a:headEnd type="none" w="med" len="med"/>
+                      <a:tailEnd type="none" w="med" len="med"/>
+                    </a:lnL>
+                    <a:lnR w="12700" cap="flat" cmpd="sng" algn="ctr">
+                      <a:solidFill>
+                        <a:schemeClr val="tx1"/>
+                      </a:solidFill>
+                      <a:prstDash val="solid"/>
+                      <a:round/>
+                      <a:headEnd type="none" w="med" len="med"/>
+                      <a:tailEnd type="none" w="med" len="med"/>
+                    </a:lnR>
+                    <a:lnT w="12700" cap="flat" cmpd="sng" algn="ctr">
+                      <a:noFill/>
+                      <a:prstDash val="solid"/>
+                      <a:round/>
+                      <a:headEnd type="none" w="med" len="med"/>
+                      <a:tailEnd type="none" w="med" len="med"/>
+                    </a:lnT>
+                    <a:lnB w="12700" cap="flat" cmpd="sng" algn="ctr">
+                      <a:noFill/>
+                      <a:prstDash val="solid"/>
+                      <a:round/>
+                      <a:headEnd type="none" w="med" len="med"/>
+                      <a:tailEnd type="none" w="med" len="med"/>
+                    </a:lnB>
+                    <a:lnTlToBr w="12700" cmpd="sng">
+                      <a:noFill/>
+                      <a:prstDash val="solid"/>
+                    </a:lnTlToBr>
+                    <a:lnBlToTr w="12700" cmpd="sng">
+                      <a:noFill/>
+                      <a:prstDash val="solid"/>
+                    </a:lnBlToTr>
+                    <a:solidFill>
+                      <a:schemeClr val="bg2"/>
+                    </a:solidFill>
+                  </a:tcPr>
+                </a:tc>
+              </a:tr>
+              <a:tr h="0">
+                <a:tc>
+                  <a:txBody>
+                    <a:bodyPr/>
+                    <a:lstStyle/>
+                    <a:p>
+                      <a:pPr algn="r"/>
+                      <a:r>
+                        <a:rPr lang="en-US" sz="1000" b="1" dirty="0" smtClean="0">
+                          <a:solidFill>
+                            <a:schemeClr val="tx1"/>
+                          </a:solidFill>
+                        </a:rPr>
+                        <a:t>Motor 4</a:t>
+                      </a:r>
+                      <a:endParaRPr lang="en-US" sz="1000" b="1" dirty="0">
+                        <a:solidFill>
+                          <a:schemeClr val="tx1"/>
+                        </a:solidFill>
+                      </a:endParaRPr>
+                    </a:p>
+                  </a:txBody>
+                  <a:tcPr>
+                    <a:lnL w="12700" cap="flat" cmpd="sng" algn="ctr">
+                      <a:solidFill>
+                        <a:schemeClr val="tx1"/>
+                      </a:solidFill>
+                      <a:prstDash val="solid"/>
+                      <a:round/>
+                      <a:headEnd type="none" w="med" len="med"/>
+                      <a:tailEnd type="none" w="med" len="med"/>
+                    </a:lnL>
+                    <a:lnR w="12700" cap="flat" cmpd="sng" algn="ctr">
+                      <a:noFill/>
+                      <a:prstDash val="solid"/>
+                      <a:round/>
+                      <a:headEnd type="none" w="med" len="med"/>
+                      <a:tailEnd type="none" w="med" len="med"/>
+                    </a:lnR>
+                    <a:lnT w="12700" cap="flat" cmpd="sng" algn="ctr">
+                      <a:noFill/>
+                      <a:prstDash val="solid"/>
+                      <a:round/>
+                      <a:headEnd type="none" w="med" len="med"/>
+                      <a:tailEnd type="none" w="med" len="med"/>
+                    </a:lnT>
+                    <a:lnB w="12700" cap="flat" cmpd="sng" algn="ctr">
+                      <a:noFill/>
+                      <a:prstDash val="solid"/>
+                      <a:round/>
+                      <a:headEnd type="none" w="med" len="med"/>
+                      <a:tailEnd type="none" w="med" len="med"/>
+                    </a:lnB>
+                    <a:lnTlToBr w="12700" cmpd="sng">
+                      <a:noFill/>
+                      <a:prstDash val="solid"/>
+                    </a:lnTlToBr>
+                    <a:lnBlToTr w="12700" cmpd="sng">
+                      <a:noFill/>
+                      <a:prstDash val="solid"/>
+                    </a:lnBlToTr>
+                    <a:solidFill>
+                      <a:schemeClr val="bg2"/>
+                    </a:solidFill>
+                  </a:tcPr>
+                </a:tc>
+                <a:tc>
+                  <a:txBody>
+                    <a:bodyPr/>
+                    <a:lstStyle/>
+                    <a:p>
+                      <a:endParaRPr lang="en-US" sz="1000" dirty="0">
+                        <a:solidFill>
+                          <a:schemeClr val="tx1"/>
+                        </a:solidFill>
+                      </a:endParaRPr>
+                    </a:p>
+                  </a:txBody>
+                  <a:tcPr>
+                    <a:lnL w="12700" cap="flat" cmpd="sng" algn="ctr">
+                      <a:noFill/>
+                      <a:prstDash val="solid"/>
+                      <a:round/>
+                      <a:headEnd type="none" w="med" len="med"/>
+                      <a:tailEnd type="none" w="med" len="med"/>
+                    </a:lnL>
+                    <a:lnR w="12700" cap="flat" cmpd="sng" algn="ctr">
+                      <a:noFill/>
+                      <a:prstDash val="solid"/>
+                      <a:round/>
+                      <a:headEnd type="none" w="med" len="med"/>
+                      <a:tailEnd type="none" w="med" len="med"/>
+                    </a:lnR>
+                    <a:lnT w="12700" cap="flat" cmpd="sng" algn="ctr">
+                      <a:noFill/>
+                      <a:prstDash val="solid"/>
+                      <a:round/>
+                      <a:headEnd type="none" w="med" len="med"/>
+                      <a:tailEnd type="none" w="med" len="med"/>
+                    </a:lnT>
+                    <a:lnB w="12700" cap="flat" cmpd="sng" algn="ctr">
+                      <a:noFill/>
+                      <a:prstDash val="solid"/>
+                      <a:round/>
+                      <a:headEnd type="none" w="med" len="med"/>
+                      <a:tailEnd type="none" w="med" len="med"/>
+                    </a:lnB>
+                    <a:lnTlToBr w="12700" cmpd="sng">
+                      <a:noFill/>
+                      <a:prstDash val="solid"/>
+                    </a:lnTlToBr>
+                    <a:lnBlToTr w="12700" cmpd="sng">
+                      <a:noFill/>
+                      <a:prstDash val="solid"/>
+                    </a:lnBlToTr>
+                    <a:solidFill>
+                      <a:srgbClr val="00B050"/>
+                    </a:solidFill>
+                  </a:tcPr>
+                </a:tc>
+                <a:tc>
+                  <a:txBody>
+                    <a:bodyPr/>
+                    <a:lstStyle/>
+                    <a:p>
+                      <a:endParaRPr lang="en-US" sz="700" dirty="0">
+                        <a:solidFill>
+                          <a:schemeClr val="tx1"/>
+                        </a:solidFill>
+                      </a:endParaRPr>
+                    </a:p>
+                  </a:txBody>
+                  <a:tcPr>
+                    <a:lnL w="12700" cap="flat" cmpd="sng" algn="ctr">
+                      <a:noFill/>
+                      <a:prstDash val="solid"/>
+                      <a:round/>
+                      <a:headEnd type="none" w="med" len="med"/>
+                      <a:tailEnd type="none" w="med" len="med"/>
+                    </a:lnL>
+                    <a:lnR w="12700" cap="flat" cmpd="sng" algn="ctr">
+                      <a:solidFill>
+                        <a:schemeClr val="tx1"/>
+                      </a:solidFill>
+                      <a:prstDash val="solid"/>
+                      <a:round/>
+                      <a:headEnd type="none" w="med" len="med"/>
+                      <a:tailEnd type="none" w="med" len="med"/>
+                    </a:lnR>
+                    <a:lnT w="12700" cap="flat" cmpd="sng" algn="ctr">
+                      <a:noFill/>
+                      <a:prstDash val="solid"/>
+                      <a:round/>
+                      <a:headEnd type="none" w="med" len="med"/>
+                      <a:tailEnd type="none" w="med" len="med"/>
+                    </a:lnT>
+                    <a:lnB w="12700" cap="flat" cmpd="sng" algn="ctr">
+                      <a:noFill/>
+                      <a:prstDash val="solid"/>
+                      <a:round/>
+                      <a:headEnd type="none" w="med" len="med"/>
+                      <a:tailEnd type="none" w="med" len="med"/>
+                    </a:lnB>
+                    <a:lnTlToBr w="12700" cmpd="sng">
+                      <a:noFill/>
+                      <a:prstDash val="solid"/>
+                    </a:lnTlToBr>
+                    <a:lnBlToTr w="12700" cmpd="sng">
+                      <a:noFill/>
+                      <a:prstDash val="solid"/>
+                    </a:lnBlToTr>
+                    <a:solidFill>
+                      <a:schemeClr val="bg2"/>
+                    </a:solidFill>
+                  </a:tcPr>
+                </a:tc>
+              </a:tr>
+            </a:tbl>
+          </a:graphicData>
+        </a:graphic>
+      </p:graphicFrame>
+      <p:sp>
+        <p:nvSpPr>
+          <p:cNvPr id="8" name="Rectangle 7"/>
           <p:cNvSpPr/>
           <p:nvPr/>
         </p:nvSpPr>
         <p:spPr>
           <a:xfrm>
-            <a:off x="638175" y="3743324"/>
-            <a:ext cx="6743700" cy="2047875"/>
+            <a:off x="2395469" y="4963844"/>
+            <a:ext cx="5278072" cy="1213119"/>
           </a:xfrm>
           <a:prstGeom prst="rect">
             <a:avLst/>
           </a:prstGeom>
+          <a:solidFill>
+            <a:schemeClr val="bg2"/>
+          </a:solidFill>
+          <a:ln w="25400">
+            <a:solidFill>
+              <a:schemeClr val="bg1">
+                <a:lumMod val="50000"/>
+              </a:schemeClr>
+            </a:solidFill>
+          </a:ln>
         </p:spPr>
         <p:style>
           <a:lnRef idx="2">
@@ -6066,20 +7700,956 @@
           </a:p>
         </p:txBody>
       </p:sp>
-      <p:sp>
-        <p:nvSpPr>
-          <p:cNvPr id="5" name="Rectangle 4"/>
+      <p:graphicFrame>
+        <p:nvGraphicFramePr>
+          <p:cNvPr id="9" name="Table 8"/>
+          <p:cNvGraphicFramePr>
+            <a:graphicFrameLocks noGrp="1"/>
+          </p:cNvGraphicFramePr>
+          <p:nvPr>
+            <p:extLst>
+              <p:ext uri="{D42A27DB-BD31-4B8C-83A1-F6EECF244321}">
+                <p14:modId xmlns:p14="http://schemas.microsoft.com/office/powerpoint/2010/main" val="637464923"/>
+              </p:ext>
+            </p:extLst>
+          </p:nvPr>
+        </p:nvGraphicFramePr>
+        <p:xfrm>
+          <a:off x="5645286" y="3744644"/>
+          <a:ext cx="2002049" cy="1219200"/>
+        </p:xfrm>
+        <a:graphic>
+          <a:graphicData uri="http://schemas.openxmlformats.org/drawingml/2006/table">
+            <a:tbl>
+              <a:tblPr firstRow="1" bandRow="1">
+                <a:tableStyleId>{5C22544A-7EE6-4342-B048-85BDC9FD1C3A}</a:tableStyleId>
+              </a:tblPr>
+              <a:tblGrid>
+                <a:gridCol w="1047584"/>
+                <a:gridCol w="290995"/>
+                <a:gridCol w="663470"/>
+              </a:tblGrid>
+              <a:tr h="0">
+                <a:tc>
+                  <a:txBody>
+                    <a:bodyPr/>
+                    <a:lstStyle/>
+                    <a:p>
+                      <a:r>
+                        <a:rPr lang="en-US" sz="1000" b="1" dirty="0" smtClean="0">
+                          <a:solidFill>
+                            <a:schemeClr val="tx1"/>
+                          </a:solidFill>
+                        </a:rPr>
+                        <a:t>FMV</a:t>
+                      </a:r>
+                      <a:endParaRPr lang="en-US" sz="1000" b="1" dirty="0">
+                        <a:solidFill>
+                          <a:schemeClr val="tx1"/>
+                        </a:solidFill>
+                      </a:endParaRPr>
+                    </a:p>
+                  </a:txBody>
+                  <a:tcPr>
+                    <a:lnL w="12700" cap="flat" cmpd="sng" algn="ctr">
+                      <a:solidFill>
+                        <a:schemeClr val="tx1"/>
+                      </a:solidFill>
+                      <a:prstDash val="solid"/>
+                      <a:round/>
+                      <a:headEnd type="none" w="med" len="med"/>
+                      <a:tailEnd type="none" w="med" len="med"/>
+                    </a:lnL>
+                    <a:lnR w="12700" cap="flat" cmpd="sng" algn="ctr">
+                      <a:noFill/>
+                      <a:prstDash val="solid"/>
+                      <a:round/>
+                      <a:headEnd type="none" w="med" len="med"/>
+                      <a:tailEnd type="none" w="med" len="med"/>
+                    </a:lnR>
+                    <a:lnT w="12700" cap="flat" cmpd="sng" algn="ctr">
+                      <a:solidFill>
+                        <a:schemeClr val="tx1"/>
+                      </a:solidFill>
+                      <a:prstDash val="solid"/>
+                      <a:round/>
+                      <a:headEnd type="none" w="med" len="med"/>
+                      <a:tailEnd type="none" w="med" len="med"/>
+                    </a:lnT>
+                    <a:lnB w="12700" cap="flat" cmpd="sng" algn="ctr">
+                      <a:noFill/>
+                      <a:prstDash val="solid"/>
+                      <a:round/>
+                      <a:headEnd type="none" w="med" len="med"/>
+                      <a:tailEnd type="none" w="med" len="med"/>
+                    </a:lnB>
+                    <a:lnTlToBr w="12700" cmpd="sng">
+                      <a:noFill/>
+                      <a:prstDash val="solid"/>
+                    </a:lnTlToBr>
+                    <a:lnBlToTr w="12700" cmpd="sng">
+                      <a:noFill/>
+                      <a:prstDash val="solid"/>
+                    </a:lnBlToTr>
+                    <a:solidFill>
+                      <a:schemeClr val="bg2"/>
+                    </a:solidFill>
+                  </a:tcPr>
+                </a:tc>
+                <a:tc>
+                  <a:txBody>
+                    <a:bodyPr/>
+                    <a:lstStyle/>
+                    <a:p>
+                      <a:endParaRPr lang="en-US" sz="1000" dirty="0">
+                        <a:solidFill>
+                          <a:schemeClr val="tx1"/>
+                        </a:solidFill>
+                      </a:endParaRPr>
+                    </a:p>
+                  </a:txBody>
+                  <a:tcPr>
+                    <a:lnL w="12700" cap="flat" cmpd="sng" algn="ctr">
+                      <a:noFill/>
+                      <a:prstDash val="solid"/>
+                      <a:round/>
+                      <a:headEnd type="none" w="med" len="med"/>
+                      <a:tailEnd type="none" w="med" len="med"/>
+                    </a:lnL>
+                    <a:lnR w="12700" cap="flat" cmpd="sng" algn="ctr">
+                      <a:noFill/>
+                      <a:prstDash val="solid"/>
+                      <a:round/>
+                      <a:headEnd type="none" w="med" len="med"/>
+                      <a:tailEnd type="none" w="med" len="med"/>
+                    </a:lnR>
+                    <a:lnT w="12700" cap="flat" cmpd="sng" algn="ctr">
+                      <a:solidFill>
+                        <a:schemeClr val="tx1"/>
+                      </a:solidFill>
+                      <a:prstDash val="solid"/>
+                      <a:round/>
+                      <a:headEnd type="none" w="med" len="med"/>
+                      <a:tailEnd type="none" w="med" len="med"/>
+                    </a:lnT>
+                    <a:lnB w="12700" cap="flat" cmpd="sng" algn="ctr">
+                      <a:noFill/>
+                      <a:prstDash val="solid"/>
+                      <a:round/>
+                      <a:headEnd type="none" w="med" len="med"/>
+                      <a:tailEnd type="none" w="med" len="med"/>
+                    </a:lnB>
+                    <a:lnTlToBr w="12700" cmpd="sng">
+                      <a:noFill/>
+                      <a:prstDash val="solid"/>
+                    </a:lnTlToBr>
+                    <a:lnBlToTr w="12700" cmpd="sng">
+                      <a:noFill/>
+                      <a:prstDash val="solid"/>
+                    </a:lnBlToTr>
+                    <a:solidFill>
+                      <a:srgbClr val="00B050"/>
+                    </a:solidFill>
+                  </a:tcPr>
+                </a:tc>
+                <a:tc>
+                  <a:txBody>
+                    <a:bodyPr/>
+                    <a:lstStyle/>
+                    <a:p>
+                      <a:endParaRPr lang="en-US" sz="1000" dirty="0">
+                        <a:solidFill>
+                          <a:schemeClr val="tx1"/>
+                        </a:solidFill>
+                      </a:endParaRPr>
+                    </a:p>
+                  </a:txBody>
+                  <a:tcPr>
+                    <a:lnL w="12700" cap="flat" cmpd="sng" algn="ctr">
+                      <a:noFill/>
+                      <a:prstDash val="solid"/>
+                      <a:round/>
+                      <a:headEnd type="none" w="med" len="med"/>
+                      <a:tailEnd type="none" w="med" len="med"/>
+                    </a:lnL>
+                    <a:lnR w="12700" cap="flat" cmpd="sng" algn="ctr">
+                      <a:solidFill>
+                        <a:schemeClr val="tx1"/>
+                      </a:solidFill>
+                      <a:prstDash val="solid"/>
+                      <a:round/>
+                      <a:headEnd type="none" w="med" len="med"/>
+                      <a:tailEnd type="none" w="med" len="med"/>
+                    </a:lnR>
+                    <a:lnT w="12700" cap="flat" cmpd="sng" algn="ctr">
+                      <a:solidFill>
+                        <a:schemeClr val="tx1"/>
+                      </a:solidFill>
+                      <a:prstDash val="solid"/>
+                      <a:round/>
+                      <a:headEnd type="none" w="med" len="med"/>
+                      <a:tailEnd type="none" w="med" len="med"/>
+                    </a:lnT>
+                    <a:lnB w="12700" cap="flat" cmpd="sng" algn="ctr">
+                      <a:noFill/>
+                      <a:prstDash val="solid"/>
+                      <a:round/>
+                      <a:headEnd type="none" w="med" len="med"/>
+                      <a:tailEnd type="none" w="med" len="med"/>
+                    </a:lnB>
+                    <a:lnTlToBr w="12700" cmpd="sng">
+                      <a:noFill/>
+                      <a:prstDash val="solid"/>
+                    </a:lnTlToBr>
+                    <a:lnBlToTr w="12700" cmpd="sng">
+                      <a:noFill/>
+                      <a:prstDash val="solid"/>
+                    </a:lnBlToTr>
+                    <a:solidFill>
+                      <a:schemeClr val="bg2"/>
+                    </a:solidFill>
+                  </a:tcPr>
+                </a:tc>
+              </a:tr>
+              <a:tr h="0">
+                <a:tc>
+                  <a:txBody>
+                    <a:bodyPr/>
+                    <a:lstStyle/>
+                    <a:p>
+                      <a:r>
+                        <a:rPr lang="en-US" sz="1000" b="1" dirty="0" smtClean="0">
+                          <a:solidFill>
+                            <a:schemeClr val="tx1"/>
+                          </a:solidFill>
+                        </a:rPr>
+                        <a:t>Wide Area</a:t>
+                      </a:r>
+                    </a:p>
+                  </a:txBody>
+                  <a:tcPr>
+                    <a:lnL w="12700" cap="flat" cmpd="sng" algn="ctr">
+                      <a:solidFill>
+                        <a:schemeClr val="tx1"/>
+                      </a:solidFill>
+                      <a:prstDash val="solid"/>
+                      <a:round/>
+                      <a:headEnd type="none" w="med" len="med"/>
+                      <a:tailEnd type="none" w="med" len="med"/>
+                    </a:lnL>
+                    <a:lnR w="12700" cap="flat" cmpd="sng" algn="ctr">
+                      <a:noFill/>
+                      <a:prstDash val="solid"/>
+                      <a:round/>
+                      <a:headEnd type="none" w="med" len="med"/>
+                      <a:tailEnd type="none" w="med" len="med"/>
+                    </a:lnR>
+                    <a:lnT w="12700" cap="flat" cmpd="sng" algn="ctr">
+                      <a:noFill/>
+                      <a:prstDash val="solid"/>
+                      <a:round/>
+                      <a:headEnd type="none" w="med" len="med"/>
+                      <a:tailEnd type="none" w="med" len="med"/>
+                    </a:lnT>
+                    <a:lnB w="12700" cap="flat" cmpd="sng" algn="ctr">
+                      <a:noFill/>
+                      <a:prstDash val="solid"/>
+                      <a:round/>
+                      <a:headEnd type="none" w="med" len="med"/>
+                      <a:tailEnd type="none" w="med" len="med"/>
+                    </a:lnB>
+                    <a:lnTlToBr w="12700" cmpd="sng">
+                      <a:noFill/>
+                      <a:prstDash val="solid"/>
+                    </a:lnTlToBr>
+                    <a:lnBlToTr w="12700" cmpd="sng">
+                      <a:noFill/>
+                      <a:prstDash val="solid"/>
+                    </a:lnBlToTr>
+                    <a:solidFill>
+                      <a:schemeClr val="bg2"/>
+                    </a:solidFill>
+                  </a:tcPr>
+                </a:tc>
+                <a:tc>
+                  <a:txBody>
+                    <a:bodyPr/>
+                    <a:lstStyle/>
+                    <a:p>
+                      <a:endParaRPr lang="en-US" sz="1000" dirty="0">
+                        <a:solidFill>
+                          <a:schemeClr val="tx1"/>
+                        </a:solidFill>
+                      </a:endParaRPr>
+                    </a:p>
+                  </a:txBody>
+                  <a:tcPr>
+                    <a:lnL w="12700" cap="flat" cmpd="sng" algn="ctr">
+                      <a:noFill/>
+                      <a:prstDash val="solid"/>
+                      <a:round/>
+                      <a:headEnd type="none" w="med" len="med"/>
+                      <a:tailEnd type="none" w="med" len="med"/>
+                    </a:lnL>
+                    <a:lnR w="12700" cap="flat" cmpd="sng" algn="ctr">
+                      <a:noFill/>
+                      <a:prstDash val="solid"/>
+                      <a:round/>
+                      <a:headEnd type="none" w="med" len="med"/>
+                      <a:tailEnd type="none" w="med" len="med"/>
+                    </a:lnR>
+                    <a:lnT w="12700" cap="flat" cmpd="sng" algn="ctr">
+                      <a:noFill/>
+                      <a:prstDash val="solid"/>
+                      <a:round/>
+                      <a:headEnd type="none" w="med" len="med"/>
+                      <a:tailEnd type="none" w="med" len="med"/>
+                    </a:lnT>
+                    <a:lnB w="12700" cap="flat" cmpd="sng" algn="ctr">
+                      <a:noFill/>
+                      <a:prstDash val="solid"/>
+                      <a:round/>
+                      <a:headEnd type="none" w="med" len="med"/>
+                      <a:tailEnd type="none" w="med" len="med"/>
+                    </a:lnB>
+                    <a:lnTlToBr w="12700" cmpd="sng">
+                      <a:noFill/>
+                      <a:prstDash val="solid"/>
+                    </a:lnTlToBr>
+                    <a:lnBlToTr w="12700" cmpd="sng">
+                      <a:noFill/>
+                      <a:prstDash val="solid"/>
+                    </a:lnBlToTr>
+                    <a:solidFill>
+                      <a:srgbClr val="00B050"/>
+                    </a:solidFill>
+                  </a:tcPr>
+                </a:tc>
+                <a:tc>
+                  <a:txBody>
+                    <a:bodyPr/>
+                    <a:lstStyle/>
+                    <a:p>
+                      <a:endParaRPr lang="en-US" sz="1000" dirty="0">
+                        <a:solidFill>
+                          <a:schemeClr val="tx1"/>
+                        </a:solidFill>
+                      </a:endParaRPr>
+                    </a:p>
+                  </a:txBody>
+                  <a:tcPr>
+                    <a:lnL w="12700" cap="flat" cmpd="sng" algn="ctr">
+                      <a:noFill/>
+                      <a:prstDash val="solid"/>
+                      <a:round/>
+                      <a:headEnd type="none" w="med" len="med"/>
+                      <a:tailEnd type="none" w="med" len="med"/>
+                    </a:lnL>
+                    <a:lnR w="12700" cap="flat" cmpd="sng" algn="ctr">
+                      <a:solidFill>
+                        <a:schemeClr val="tx1"/>
+                      </a:solidFill>
+                      <a:prstDash val="solid"/>
+                      <a:round/>
+                      <a:headEnd type="none" w="med" len="med"/>
+                      <a:tailEnd type="none" w="med" len="med"/>
+                    </a:lnR>
+                    <a:lnT w="12700" cap="flat" cmpd="sng" algn="ctr">
+                      <a:noFill/>
+                      <a:prstDash val="solid"/>
+                      <a:round/>
+                      <a:headEnd type="none" w="med" len="med"/>
+                      <a:tailEnd type="none" w="med" len="med"/>
+                    </a:lnT>
+                    <a:lnB w="12700" cap="flat" cmpd="sng" algn="ctr">
+                      <a:noFill/>
+                      <a:prstDash val="solid"/>
+                      <a:round/>
+                      <a:headEnd type="none" w="med" len="med"/>
+                      <a:tailEnd type="none" w="med" len="med"/>
+                    </a:lnB>
+                    <a:lnTlToBr w="12700" cmpd="sng">
+                      <a:noFill/>
+                      <a:prstDash val="solid"/>
+                    </a:lnTlToBr>
+                    <a:lnBlToTr w="12700" cmpd="sng">
+                      <a:noFill/>
+                      <a:prstDash val="solid"/>
+                    </a:lnBlToTr>
+                    <a:solidFill>
+                      <a:schemeClr val="bg2"/>
+                    </a:solidFill>
+                  </a:tcPr>
+                </a:tc>
+              </a:tr>
+              <a:tr h="0">
+                <a:tc>
+                  <a:txBody>
+                    <a:bodyPr/>
+                    <a:lstStyle/>
+                    <a:p>
+                      <a:pPr algn="l"/>
+                      <a:r>
+                        <a:rPr lang="en-US" sz="1000" b="1" dirty="0" smtClean="0">
+                          <a:solidFill>
+                            <a:schemeClr val="tx1"/>
+                          </a:solidFill>
+                        </a:rPr>
+                        <a:t>Pay </a:t>
+                      </a:r>
+                      <a:r>
+                        <a:rPr lang="en-US" sz="1000" b="1" dirty="0" err="1" smtClean="0">
+                          <a:solidFill>
+                            <a:schemeClr val="tx1"/>
+                          </a:solidFill>
+                        </a:rPr>
+                        <a:t>Comms</a:t>
+                      </a:r>
+                      <a:endParaRPr lang="en-US" sz="1000" b="1" baseline="0" dirty="0" smtClean="0">
+                        <a:solidFill>
+                          <a:schemeClr val="tx1"/>
+                        </a:solidFill>
+                      </a:endParaRPr>
+                    </a:p>
+                  </a:txBody>
+                  <a:tcPr>
+                    <a:lnL w="12700" cap="flat" cmpd="sng" algn="ctr">
+                      <a:solidFill>
+                        <a:schemeClr val="tx1"/>
+                      </a:solidFill>
+                      <a:prstDash val="solid"/>
+                      <a:round/>
+                      <a:headEnd type="none" w="med" len="med"/>
+                      <a:tailEnd type="none" w="med" len="med"/>
+                    </a:lnL>
+                    <a:lnR w="12700" cap="flat" cmpd="sng" algn="ctr">
+                      <a:noFill/>
+                      <a:prstDash val="solid"/>
+                      <a:round/>
+                      <a:headEnd type="none" w="med" len="med"/>
+                      <a:tailEnd type="none" w="med" len="med"/>
+                    </a:lnR>
+                    <a:lnT w="12700" cap="flat" cmpd="sng" algn="ctr">
+                      <a:noFill/>
+                      <a:prstDash val="solid"/>
+                      <a:round/>
+                      <a:headEnd type="none" w="med" len="med"/>
+                      <a:tailEnd type="none" w="med" len="med"/>
+                    </a:lnT>
+                    <a:lnB w="12700" cap="flat" cmpd="sng" algn="ctr">
+                      <a:noFill/>
+                      <a:prstDash val="solid"/>
+                      <a:round/>
+                      <a:headEnd type="none" w="med" len="med"/>
+                      <a:tailEnd type="none" w="med" len="med"/>
+                    </a:lnB>
+                    <a:lnTlToBr w="12700" cmpd="sng">
+                      <a:noFill/>
+                      <a:prstDash val="solid"/>
+                    </a:lnTlToBr>
+                    <a:lnBlToTr w="12700" cmpd="sng">
+                      <a:noFill/>
+                      <a:prstDash val="solid"/>
+                    </a:lnBlToTr>
+                    <a:solidFill>
+                      <a:schemeClr val="bg2"/>
+                    </a:solidFill>
+                  </a:tcPr>
+                </a:tc>
+                <a:tc>
+                  <a:txBody>
+                    <a:bodyPr/>
+                    <a:lstStyle/>
+                    <a:p>
+                      <a:endParaRPr lang="en-US" sz="1000" dirty="0">
+                        <a:solidFill>
+                          <a:schemeClr val="tx1"/>
+                        </a:solidFill>
+                      </a:endParaRPr>
+                    </a:p>
+                  </a:txBody>
+                  <a:tcPr>
+                    <a:lnL w="12700" cap="flat" cmpd="sng" algn="ctr">
+                      <a:noFill/>
+                      <a:prstDash val="solid"/>
+                      <a:round/>
+                      <a:headEnd type="none" w="med" len="med"/>
+                      <a:tailEnd type="none" w="med" len="med"/>
+                    </a:lnL>
+                    <a:lnR w="12700" cap="flat" cmpd="sng" algn="ctr">
+                      <a:noFill/>
+                      <a:prstDash val="solid"/>
+                      <a:round/>
+                      <a:headEnd type="none" w="med" len="med"/>
+                      <a:tailEnd type="none" w="med" len="med"/>
+                    </a:lnR>
+                    <a:lnT w="12700" cap="flat" cmpd="sng" algn="ctr">
+                      <a:noFill/>
+                      <a:prstDash val="solid"/>
+                      <a:round/>
+                      <a:headEnd type="none" w="med" len="med"/>
+                      <a:tailEnd type="none" w="med" len="med"/>
+                    </a:lnT>
+                    <a:lnB w="12700" cap="flat" cmpd="sng" algn="ctr">
+                      <a:noFill/>
+                      <a:prstDash val="solid"/>
+                      <a:round/>
+                      <a:headEnd type="none" w="med" len="med"/>
+                      <a:tailEnd type="none" w="med" len="med"/>
+                    </a:lnB>
+                    <a:lnTlToBr w="12700" cmpd="sng">
+                      <a:noFill/>
+                      <a:prstDash val="solid"/>
+                    </a:lnTlToBr>
+                    <a:lnBlToTr w="12700" cmpd="sng">
+                      <a:noFill/>
+                      <a:prstDash val="solid"/>
+                    </a:lnBlToTr>
+                    <a:solidFill>
+                      <a:srgbClr val="00B050"/>
+                    </a:solidFill>
+                  </a:tcPr>
+                </a:tc>
+                <a:tc>
+                  <a:txBody>
+                    <a:bodyPr/>
+                    <a:lstStyle/>
+                    <a:p>
+                      <a:endParaRPr lang="en-US" sz="1000" dirty="0">
+                        <a:solidFill>
+                          <a:schemeClr val="tx1"/>
+                        </a:solidFill>
+                      </a:endParaRPr>
+                    </a:p>
+                  </a:txBody>
+                  <a:tcPr>
+                    <a:lnL w="12700" cap="flat" cmpd="sng" algn="ctr">
+                      <a:noFill/>
+                      <a:prstDash val="solid"/>
+                      <a:round/>
+                      <a:headEnd type="none" w="med" len="med"/>
+                      <a:tailEnd type="none" w="med" len="med"/>
+                    </a:lnL>
+                    <a:lnR w="12700" cap="flat" cmpd="sng" algn="ctr">
+                      <a:solidFill>
+                        <a:schemeClr val="tx1"/>
+                      </a:solidFill>
+                      <a:prstDash val="solid"/>
+                      <a:round/>
+                      <a:headEnd type="none" w="med" len="med"/>
+                      <a:tailEnd type="none" w="med" len="med"/>
+                    </a:lnR>
+                    <a:lnT w="12700" cap="flat" cmpd="sng" algn="ctr">
+                      <a:noFill/>
+                      <a:prstDash val="solid"/>
+                      <a:round/>
+                      <a:headEnd type="none" w="med" len="med"/>
+                      <a:tailEnd type="none" w="med" len="med"/>
+                    </a:lnT>
+                    <a:lnB w="12700" cap="flat" cmpd="sng" algn="ctr">
+                      <a:noFill/>
+                      <a:prstDash val="solid"/>
+                      <a:round/>
+                      <a:headEnd type="none" w="med" len="med"/>
+                      <a:tailEnd type="none" w="med" len="med"/>
+                    </a:lnB>
+                    <a:lnTlToBr w="12700" cmpd="sng">
+                      <a:noFill/>
+                      <a:prstDash val="solid"/>
+                    </a:lnTlToBr>
+                    <a:lnBlToTr w="12700" cmpd="sng">
+                      <a:noFill/>
+                      <a:prstDash val="solid"/>
+                    </a:lnBlToTr>
+                    <a:solidFill>
+                      <a:schemeClr val="bg2"/>
+                    </a:solidFill>
+                  </a:tcPr>
+                </a:tc>
+              </a:tr>
+              <a:tr h="0">
+                <a:tc>
+                  <a:txBody>
+                    <a:bodyPr/>
+                    <a:lstStyle/>
+                    <a:p>
+                      <a:pPr algn="l"/>
+                      <a:r>
+                        <a:rPr lang="en-US" sz="1000" b="1" dirty="0" err="1" smtClean="0">
+                          <a:solidFill>
+                            <a:schemeClr val="tx1"/>
+                          </a:solidFill>
+                        </a:rPr>
+                        <a:t>Nav</a:t>
+                      </a:r>
+                      <a:endParaRPr lang="en-US" sz="1000" b="1" dirty="0">
+                        <a:solidFill>
+                          <a:schemeClr val="tx1"/>
+                        </a:solidFill>
+                      </a:endParaRPr>
+                    </a:p>
+                  </a:txBody>
+                  <a:tcPr>
+                    <a:lnL w="12700" cap="flat" cmpd="sng" algn="ctr">
+                      <a:solidFill>
+                        <a:schemeClr val="tx1"/>
+                      </a:solidFill>
+                      <a:prstDash val="solid"/>
+                      <a:round/>
+                      <a:headEnd type="none" w="med" len="med"/>
+                      <a:tailEnd type="none" w="med" len="med"/>
+                    </a:lnL>
+                    <a:lnR w="12700" cap="flat" cmpd="sng" algn="ctr">
+                      <a:noFill/>
+                      <a:prstDash val="solid"/>
+                      <a:round/>
+                      <a:headEnd type="none" w="med" len="med"/>
+                      <a:tailEnd type="none" w="med" len="med"/>
+                    </a:lnR>
+                    <a:lnT w="12700" cap="flat" cmpd="sng" algn="ctr">
+                      <a:noFill/>
+                      <a:prstDash val="solid"/>
+                      <a:round/>
+                      <a:headEnd type="none" w="med" len="med"/>
+                      <a:tailEnd type="none" w="med" len="med"/>
+                    </a:lnT>
+                    <a:lnB w="12700" cap="flat" cmpd="sng" algn="ctr">
+                      <a:noFill/>
+                      <a:prstDash val="solid"/>
+                      <a:round/>
+                      <a:headEnd type="none" w="med" len="med"/>
+                      <a:tailEnd type="none" w="med" len="med"/>
+                    </a:lnB>
+                    <a:lnTlToBr w="12700" cmpd="sng">
+                      <a:noFill/>
+                      <a:prstDash val="solid"/>
+                    </a:lnTlToBr>
+                    <a:lnBlToTr w="12700" cmpd="sng">
+                      <a:noFill/>
+                      <a:prstDash val="solid"/>
+                    </a:lnBlToTr>
+                    <a:solidFill>
+                      <a:schemeClr val="bg2"/>
+                    </a:solidFill>
+                  </a:tcPr>
+                </a:tc>
+                <a:tc>
+                  <a:txBody>
+                    <a:bodyPr/>
+                    <a:lstStyle/>
+                    <a:p>
+                      <a:endParaRPr lang="en-US" sz="1000" dirty="0">
+                        <a:solidFill>
+                          <a:schemeClr val="tx1"/>
+                        </a:solidFill>
+                      </a:endParaRPr>
+                    </a:p>
+                  </a:txBody>
+                  <a:tcPr>
+                    <a:lnL w="12700" cap="flat" cmpd="sng" algn="ctr">
+                      <a:noFill/>
+                      <a:prstDash val="solid"/>
+                      <a:round/>
+                      <a:headEnd type="none" w="med" len="med"/>
+                      <a:tailEnd type="none" w="med" len="med"/>
+                    </a:lnL>
+                    <a:lnR w="12700" cap="flat" cmpd="sng" algn="ctr">
+                      <a:noFill/>
+                      <a:prstDash val="solid"/>
+                      <a:round/>
+                      <a:headEnd type="none" w="med" len="med"/>
+                      <a:tailEnd type="none" w="med" len="med"/>
+                    </a:lnR>
+                    <a:lnT w="12700" cap="flat" cmpd="sng" algn="ctr">
+                      <a:noFill/>
+                      <a:prstDash val="solid"/>
+                      <a:round/>
+                      <a:headEnd type="none" w="med" len="med"/>
+                      <a:tailEnd type="none" w="med" len="med"/>
+                    </a:lnT>
+                    <a:lnB w="12700" cap="flat" cmpd="sng" algn="ctr">
+                      <a:noFill/>
+                      <a:prstDash val="solid"/>
+                      <a:round/>
+                      <a:headEnd type="none" w="med" len="med"/>
+                      <a:tailEnd type="none" w="med" len="med"/>
+                    </a:lnB>
+                    <a:lnTlToBr w="12700" cmpd="sng">
+                      <a:noFill/>
+                      <a:prstDash val="solid"/>
+                    </a:lnTlToBr>
+                    <a:lnBlToTr w="12700" cmpd="sng">
+                      <a:noFill/>
+                      <a:prstDash val="solid"/>
+                    </a:lnBlToTr>
+                    <a:solidFill>
+                      <a:srgbClr val="00B050"/>
+                    </a:solidFill>
+                  </a:tcPr>
+                </a:tc>
+                <a:tc>
+                  <a:txBody>
+                    <a:bodyPr/>
+                    <a:lstStyle/>
+                    <a:p>
+                      <a:endParaRPr lang="en-US" sz="1000" dirty="0">
+                        <a:solidFill>
+                          <a:schemeClr val="tx1"/>
+                        </a:solidFill>
+                      </a:endParaRPr>
+                    </a:p>
+                  </a:txBody>
+                  <a:tcPr>
+                    <a:lnL w="12700" cap="flat" cmpd="sng" algn="ctr">
+                      <a:noFill/>
+                      <a:prstDash val="solid"/>
+                      <a:round/>
+                      <a:headEnd type="none" w="med" len="med"/>
+                      <a:tailEnd type="none" w="med" len="med"/>
+                    </a:lnL>
+                    <a:lnR w="12700" cap="flat" cmpd="sng" algn="ctr">
+                      <a:solidFill>
+                        <a:schemeClr val="tx1"/>
+                      </a:solidFill>
+                      <a:prstDash val="solid"/>
+                      <a:round/>
+                      <a:headEnd type="none" w="med" len="med"/>
+                      <a:tailEnd type="none" w="med" len="med"/>
+                    </a:lnR>
+                    <a:lnT w="12700" cap="flat" cmpd="sng" algn="ctr">
+                      <a:noFill/>
+                      <a:prstDash val="solid"/>
+                      <a:round/>
+                      <a:headEnd type="none" w="med" len="med"/>
+                      <a:tailEnd type="none" w="med" len="med"/>
+                    </a:lnT>
+                    <a:lnB w="12700" cap="flat" cmpd="sng" algn="ctr">
+                      <a:noFill/>
+                      <a:prstDash val="solid"/>
+                      <a:round/>
+                      <a:headEnd type="none" w="med" len="med"/>
+                      <a:tailEnd type="none" w="med" len="med"/>
+                    </a:lnB>
+                    <a:lnTlToBr w="12700" cmpd="sng">
+                      <a:noFill/>
+                      <a:prstDash val="solid"/>
+                    </a:lnTlToBr>
+                    <a:lnBlToTr w="12700" cmpd="sng">
+                      <a:noFill/>
+                      <a:prstDash val="solid"/>
+                    </a:lnBlToTr>
+                    <a:solidFill>
+                      <a:schemeClr val="bg2"/>
+                    </a:solidFill>
+                  </a:tcPr>
+                </a:tc>
+              </a:tr>
+              <a:tr h="0">
+                <a:tc>
+                  <a:txBody>
+                    <a:bodyPr/>
+                    <a:lstStyle/>
+                    <a:p>
+                      <a:pPr algn="l"/>
+                      <a:r>
+                        <a:rPr lang="en-US" sz="1000" b="1" dirty="0" smtClean="0">
+                          <a:solidFill>
+                            <a:schemeClr val="tx1"/>
+                          </a:solidFill>
+                        </a:rPr>
+                        <a:t>SRM</a:t>
+                      </a:r>
+                      <a:endParaRPr lang="en-US" sz="1000" b="1" dirty="0">
+                        <a:solidFill>
+                          <a:schemeClr val="tx1"/>
+                        </a:solidFill>
+                      </a:endParaRPr>
+                    </a:p>
+                  </a:txBody>
+                  <a:tcPr>
+                    <a:lnL w="12700" cap="flat" cmpd="sng" algn="ctr">
+                      <a:solidFill>
+                        <a:schemeClr val="tx1"/>
+                      </a:solidFill>
+                      <a:prstDash val="solid"/>
+                      <a:round/>
+                      <a:headEnd type="none" w="med" len="med"/>
+                      <a:tailEnd type="none" w="med" len="med"/>
+                    </a:lnL>
+                    <a:lnR w="12700" cap="flat" cmpd="sng" algn="ctr">
+                      <a:noFill/>
+                      <a:prstDash val="solid"/>
+                      <a:round/>
+                      <a:headEnd type="none" w="med" len="med"/>
+                      <a:tailEnd type="none" w="med" len="med"/>
+                    </a:lnR>
+                    <a:lnT w="12700" cap="flat" cmpd="sng" algn="ctr">
+                      <a:noFill/>
+                      <a:prstDash val="solid"/>
+                      <a:round/>
+                      <a:headEnd type="none" w="med" len="med"/>
+                      <a:tailEnd type="none" w="med" len="med"/>
+                    </a:lnT>
+                    <a:lnB w="12700" cap="flat" cmpd="sng" algn="ctr">
+                      <a:noFill/>
+                      <a:prstDash val="solid"/>
+                      <a:round/>
+                      <a:headEnd type="none" w="med" len="med"/>
+                      <a:tailEnd type="none" w="med" len="med"/>
+                    </a:lnB>
+                    <a:lnTlToBr w="12700" cmpd="sng">
+                      <a:noFill/>
+                      <a:prstDash val="solid"/>
+                    </a:lnTlToBr>
+                    <a:lnBlToTr w="12700" cmpd="sng">
+                      <a:noFill/>
+                      <a:prstDash val="solid"/>
+                    </a:lnBlToTr>
+                    <a:solidFill>
+                      <a:schemeClr val="bg2"/>
+                    </a:solidFill>
+                  </a:tcPr>
+                </a:tc>
+                <a:tc>
+                  <a:txBody>
+                    <a:bodyPr/>
+                    <a:lstStyle/>
+                    <a:p>
+                      <a:endParaRPr lang="en-US" sz="1000" dirty="0">
+                        <a:solidFill>
+                          <a:schemeClr val="tx1"/>
+                        </a:solidFill>
+                      </a:endParaRPr>
+                    </a:p>
+                  </a:txBody>
+                  <a:tcPr>
+                    <a:lnL w="12700" cap="flat" cmpd="sng" algn="ctr">
+                      <a:noFill/>
+                      <a:prstDash val="solid"/>
+                      <a:round/>
+                      <a:headEnd type="none" w="med" len="med"/>
+                      <a:tailEnd type="none" w="med" len="med"/>
+                    </a:lnL>
+                    <a:lnR w="12700" cap="flat" cmpd="sng" algn="ctr">
+                      <a:noFill/>
+                      <a:prstDash val="solid"/>
+                      <a:round/>
+                      <a:headEnd type="none" w="med" len="med"/>
+                      <a:tailEnd type="none" w="med" len="med"/>
+                    </a:lnR>
+                    <a:lnT w="12700" cap="flat" cmpd="sng" algn="ctr">
+                      <a:noFill/>
+                      <a:prstDash val="solid"/>
+                      <a:round/>
+                      <a:headEnd type="none" w="med" len="med"/>
+                      <a:tailEnd type="none" w="med" len="med"/>
+                    </a:lnT>
+                    <a:lnB w="12700" cap="flat" cmpd="sng" algn="ctr">
+                      <a:noFill/>
+                      <a:prstDash val="solid"/>
+                      <a:round/>
+                      <a:headEnd type="none" w="med" len="med"/>
+                      <a:tailEnd type="none" w="med" len="med"/>
+                    </a:lnB>
+                    <a:lnTlToBr w="12700" cmpd="sng">
+                      <a:noFill/>
+                      <a:prstDash val="solid"/>
+                    </a:lnTlToBr>
+                    <a:lnBlToTr w="12700" cmpd="sng">
+                      <a:noFill/>
+                      <a:prstDash val="solid"/>
+                    </a:lnBlToTr>
+                    <a:solidFill>
+                      <a:srgbClr val="00B050"/>
+                    </a:solidFill>
+                  </a:tcPr>
+                </a:tc>
+                <a:tc>
+                  <a:txBody>
+                    <a:bodyPr/>
+                    <a:lstStyle/>
+                    <a:p>
+                      <a:endParaRPr lang="en-US" sz="1000" dirty="0">
+                        <a:solidFill>
+                          <a:schemeClr val="tx1"/>
+                        </a:solidFill>
+                      </a:endParaRPr>
+                    </a:p>
+                  </a:txBody>
+                  <a:tcPr>
+                    <a:lnL w="12700" cap="flat" cmpd="sng" algn="ctr">
+                      <a:noFill/>
+                      <a:prstDash val="solid"/>
+                      <a:round/>
+                      <a:headEnd type="none" w="med" len="med"/>
+                      <a:tailEnd type="none" w="med" len="med"/>
+                    </a:lnL>
+                    <a:lnR w="12700" cap="flat" cmpd="sng" algn="ctr">
+                      <a:solidFill>
+                        <a:schemeClr val="tx1"/>
+                      </a:solidFill>
+                      <a:prstDash val="solid"/>
+                      <a:round/>
+                      <a:headEnd type="none" w="med" len="med"/>
+                      <a:tailEnd type="none" w="med" len="med"/>
+                    </a:lnR>
+                    <a:lnT w="12700" cap="flat" cmpd="sng" algn="ctr">
+                      <a:noFill/>
+                      <a:prstDash val="solid"/>
+                      <a:round/>
+                      <a:headEnd type="none" w="med" len="med"/>
+                      <a:tailEnd type="none" w="med" len="med"/>
+                    </a:lnT>
+                    <a:lnB w="12700" cap="flat" cmpd="sng" algn="ctr">
+                      <a:noFill/>
+                      <a:prstDash val="solid"/>
+                      <a:round/>
+                      <a:headEnd type="none" w="med" len="med"/>
+                      <a:tailEnd type="none" w="med" len="med"/>
+                    </a:lnB>
+                    <a:lnTlToBr w="12700" cmpd="sng">
+                      <a:noFill/>
+                      <a:prstDash val="solid"/>
+                    </a:lnTlToBr>
+                    <a:lnBlToTr w="12700" cmpd="sng">
+                      <a:noFill/>
+                      <a:prstDash val="solid"/>
+                    </a:lnBlToTr>
+                    <a:solidFill>
+                      <a:schemeClr val="bg2"/>
+                    </a:solidFill>
+                  </a:tcPr>
+                </a:tc>
+              </a:tr>
+            </a:tbl>
+          </a:graphicData>
+        </a:graphic>
+      </p:graphicFrame>
+      <p:sp>
+        <p:nvSpPr>
+          <p:cNvPr id="10" name="Pie 9"/>
           <p:cNvSpPr/>
           <p:nvPr/>
         </p:nvSpPr>
         <p:spPr>
           <a:xfrm>
-            <a:off x="8191500" y="3914775"/>
-            <a:ext cx="3524250" cy="2133599"/>
-          </a:xfrm>
-          <a:prstGeom prst="rect">
-            <a:avLst/>
+            <a:off x="3631614" y="5044088"/>
+            <a:ext cx="914400" cy="914400"/>
+          </a:xfrm>
+          <a:prstGeom prst="pie">
+            <a:avLst>
+              <a:gd name="adj1" fmla="val 7526002"/>
+              <a:gd name="adj2" fmla="val 24505"/>
+            </a:avLst>
           </a:prstGeom>
+          <a:solidFill>
+            <a:schemeClr val="bg2"/>
+          </a:solidFill>
+          <a:ln>
+            <a:solidFill>
+              <a:schemeClr val="tx1"/>
+            </a:solidFill>
+          </a:ln>
         </p:spPr>
         <p:style>
           <a:lnRef idx="2">
@@ -6102,18 +8672,1726 @@
           <a:lstStyle/>
           <a:p>
             <a:pPr algn="ctr"/>
-            <a:r>
-              <a:rPr lang="en-US" dirty="0" err="1" smtClean="0"/>
-              <a:t>Comms</a:t>
-            </a:r>
-            <a:r>
-              <a:rPr lang="en-US" dirty="0" smtClean="0"/>
-              <a:t> settings</a:t>
-            </a:r>
-            <a:endParaRPr lang="en-US" dirty="0"/>
-          </a:p>
-        </p:txBody>
-      </p:sp>
+            <a:endParaRPr lang="en-US">
+              <a:solidFill>
+                <a:schemeClr val="tx1"/>
+              </a:solidFill>
+            </a:endParaRPr>
+          </a:p>
+        </p:txBody>
+      </p:sp>
+      <p:sp>
+        <p:nvSpPr>
+          <p:cNvPr id="11" name="Pie 10"/>
+          <p:cNvSpPr/>
+          <p:nvPr/>
+        </p:nvSpPr>
+        <p:spPr>
+          <a:xfrm>
+            <a:off x="3631614" y="5044088"/>
+            <a:ext cx="914400" cy="914400"/>
+          </a:xfrm>
+          <a:prstGeom prst="pie">
+            <a:avLst>
+              <a:gd name="adj1" fmla="val 7526002"/>
+              <a:gd name="adj2" fmla="val 18401760"/>
+            </a:avLst>
+          </a:prstGeom>
+          <a:solidFill>
+            <a:srgbClr val="00B050"/>
+          </a:solidFill>
+          <a:ln>
+            <a:solidFill>
+              <a:schemeClr val="tx1"/>
+            </a:solidFill>
+          </a:ln>
+        </p:spPr>
+        <p:style>
+          <a:lnRef idx="2">
+            <a:schemeClr val="accent1">
+              <a:shade val="50000"/>
+            </a:schemeClr>
+          </a:lnRef>
+          <a:fillRef idx="1">
+            <a:schemeClr val="accent1"/>
+          </a:fillRef>
+          <a:effectRef idx="0">
+            <a:schemeClr val="accent1"/>
+          </a:effectRef>
+          <a:fontRef idx="minor">
+            <a:schemeClr val="lt1"/>
+          </a:fontRef>
+        </p:style>
+        <p:txBody>
+          <a:bodyPr rtlCol="0" anchor="ctr"/>
+          <a:lstStyle/>
+          <a:p>
+            <a:pPr algn="ctr"/>
+            <a:endParaRPr lang="en-US">
+              <a:solidFill>
+                <a:schemeClr val="tx1"/>
+              </a:solidFill>
+            </a:endParaRPr>
+          </a:p>
+        </p:txBody>
+      </p:sp>
+      <p:sp>
+        <p:nvSpPr>
+          <p:cNvPr id="12" name="TextBox 11"/>
+          <p:cNvSpPr txBox="1"/>
+          <p:nvPr/>
+        </p:nvSpPr>
+        <p:spPr>
+          <a:xfrm>
+            <a:off x="3952582" y="5575273"/>
+            <a:ext cx="458780" cy="276999"/>
+          </a:xfrm>
+          <a:prstGeom prst="rect">
+            <a:avLst/>
+          </a:prstGeom>
+          <a:noFill/>
+        </p:spPr>
+        <p:txBody>
+          <a:bodyPr wrap="none" rtlCol="0">
+            <a:spAutoFit/>
+          </a:bodyPr>
+          <a:lstStyle/>
+          <a:p>
+            <a:r>
+              <a:rPr lang="en-US" sz="1200" dirty="0" smtClean="0"/>
+              <a:t>0.80</a:t>
+            </a:r>
+            <a:endParaRPr lang="en-US" sz="1200" dirty="0"/>
+          </a:p>
+        </p:txBody>
+      </p:sp>
+      <p:sp>
+        <p:nvSpPr>
+          <p:cNvPr id="13" name="Pie 12"/>
+          <p:cNvSpPr/>
+          <p:nvPr/>
+        </p:nvSpPr>
+        <p:spPr>
+          <a:xfrm>
+            <a:off x="4628373" y="5044088"/>
+            <a:ext cx="914400" cy="914400"/>
+          </a:xfrm>
+          <a:prstGeom prst="pie">
+            <a:avLst>
+              <a:gd name="adj1" fmla="val 7526002"/>
+              <a:gd name="adj2" fmla="val 24505"/>
+            </a:avLst>
+          </a:prstGeom>
+          <a:solidFill>
+            <a:schemeClr val="bg2"/>
+          </a:solidFill>
+          <a:ln>
+            <a:solidFill>
+              <a:schemeClr val="tx1"/>
+            </a:solidFill>
+          </a:ln>
+        </p:spPr>
+        <p:style>
+          <a:lnRef idx="2">
+            <a:schemeClr val="accent1">
+              <a:shade val="50000"/>
+            </a:schemeClr>
+          </a:lnRef>
+          <a:fillRef idx="1">
+            <a:schemeClr val="accent1"/>
+          </a:fillRef>
+          <a:effectRef idx="0">
+            <a:schemeClr val="accent1"/>
+          </a:effectRef>
+          <a:fontRef idx="minor">
+            <a:schemeClr val="lt1"/>
+          </a:fontRef>
+        </p:style>
+        <p:txBody>
+          <a:bodyPr rtlCol="0" anchor="ctr"/>
+          <a:lstStyle/>
+          <a:p>
+            <a:pPr algn="ctr"/>
+            <a:endParaRPr lang="en-US">
+              <a:solidFill>
+                <a:schemeClr val="tx1"/>
+              </a:solidFill>
+            </a:endParaRPr>
+          </a:p>
+        </p:txBody>
+      </p:sp>
+      <p:sp>
+        <p:nvSpPr>
+          <p:cNvPr id="14" name="Pie 13"/>
+          <p:cNvSpPr/>
+          <p:nvPr/>
+        </p:nvSpPr>
+        <p:spPr>
+          <a:xfrm>
+            <a:off x="4628373" y="5044088"/>
+            <a:ext cx="914400" cy="914400"/>
+          </a:xfrm>
+          <a:prstGeom prst="pie">
+            <a:avLst>
+              <a:gd name="adj1" fmla="val 7526002"/>
+              <a:gd name="adj2" fmla="val 18401760"/>
+            </a:avLst>
+          </a:prstGeom>
+          <a:solidFill>
+            <a:srgbClr val="00B050"/>
+          </a:solidFill>
+          <a:ln>
+            <a:solidFill>
+              <a:schemeClr val="tx1"/>
+            </a:solidFill>
+          </a:ln>
+        </p:spPr>
+        <p:style>
+          <a:lnRef idx="2">
+            <a:schemeClr val="accent1">
+              <a:shade val="50000"/>
+            </a:schemeClr>
+          </a:lnRef>
+          <a:fillRef idx="1">
+            <a:schemeClr val="accent1"/>
+          </a:fillRef>
+          <a:effectRef idx="0">
+            <a:schemeClr val="accent1"/>
+          </a:effectRef>
+          <a:fontRef idx="minor">
+            <a:schemeClr val="lt1"/>
+          </a:fontRef>
+        </p:style>
+        <p:txBody>
+          <a:bodyPr rtlCol="0" anchor="ctr"/>
+          <a:lstStyle/>
+          <a:p>
+            <a:pPr algn="ctr"/>
+            <a:endParaRPr lang="en-US">
+              <a:solidFill>
+                <a:schemeClr val="tx1"/>
+              </a:solidFill>
+            </a:endParaRPr>
+          </a:p>
+        </p:txBody>
+      </p:sp>
+      <p:sp>
+        <p:nvSpPr>
+          <p:cNvPr id="15" name="TextBox 14"/>
+          <p:cNvSpPr txBox="1"/>
+          <p:nvPr/>
+        </p:nvSpPr>
+        <p:spPr>
+          <a:xfrm>
+            <a:off x="4949341" y="5575273"/>
+            <a:ext cx="458780" cy="276999"/>
+          </a:xfrm>
+          <a:prstGeom prst="rect">
+            <a:avLst/>
+          </a:prstGeom>
+          <a:noFill/>
+        </p:spPr>
+        <p:txBody>
+          <a:bodyPr wrap="none" rtlCol="0">
+            <a:spAutoFit/>
+          </a:bodyPr>
+          <a:lstStyle/>
+          <a:p>
+            <a:r>
+              <a:rPr lang="en-US" sz="1200" dirty="0" smtClean="0"/>
+              <a:t>0.80</a:t>
+            </a:r>
+            <a:endParaRPr lang="en-US" sz="1200" dirty="0"/>
+          </a:p>
+        </p:txBody>
+      </p:sp>
+      <p:sp>
+        <p:nvSpPr>
+          <p:cNvPr id="16" name="Pie 15"/>
+          <p:cNvSpPr/>
+          <p:nvPr/>
+        </p:nvSpPr>
+        <p:spPr>
+          <a:xfrm>
+            <a:off x="5599643" y="5044088"/>
+            <a:ext cx="914400" cy="914400"/>
+          </a:xfrm>
+          <a:prstGeom prst="pie">
+            <a:avLst>
+              <a:gd name="adj1" fmla="val 7526002"/>
+              <a:gd name="adj2" fmla="val 24505"/>
+            </a:avLst>
+          </a:prstGeom>
+          <a:solidFill>
+            <a:schemeClr val="bg2"/>
+          </a:solidFill>
+          <a:ln>
+            <a:solidFill>
+              <a:schemeClr val="tx1"/>
+            </a:solidFill>
+          </a:ln>
+        </p:spPr>
+        <p:style>
+          <a:lnRef idx="2">
+            <a:schemeClr val="accent1">
+              <a:shade val="50000"/>
+            </a:schemeClr>
+          </a:lnRef>
+          <a:fillRef idx="1">
+            <a:schemeClr val="accent1"/>
+          </a:fillRef>
+          <a:effectRef idx="0">
+            <a:schemeClr val="accent1"/>
+          </a:effectRef>
+          <a:fontRef idx="minor">
+            <a:schemeClr val="lt1"/>
+          </a:fontRef>
+        </p:style>
+        <p:txBody>
+          <a:bodyPr rtlCol="0" anchor="ctr"/>
+          <a:lstStyle/>
+          <a:p>
+            <a:pPr algn="ctr"/>
+            <a:endParaRPr lang="en-US">
+              <a:solidFill>
+                <a:schemeClr val="tx1"/>
+              </a:solidFill>
+            </a:endParaRPr>
+          </a:p>
+        </p:txBody>
+      </p:sp>
+      <p:sp>
+        <p:nvSpPr>
+          <p:cNvPr id="17" name="Pie 16"/>
+          <p:cNvSpPr/>
+          <p:nvPr/>
+        </p:nvSpPr>
+        <p:spPr>
+          <a:xfrm>
+            <a:off x="5599643" y="5044088"/>
+            <a:ext cx="914400" cy="914400"/>
+          </a:xfrm>
+          <a:prstGeom prst="pie">
+            <a:avLst>
+              <a:gd name="adj1" fmla="val 7526002"/>
+              <a:gd name="adj2" fmla="val 18401760"/>
+            </a:avLst>
+          </a:prstGeom>
+          <a:solidFill>
+            <a:srgbClr val="00B050"/>
+          </a:solidFill>
+          <a:ln>
+            <a:solidFill>
+              <a:schemeClr val="tx1"/>
+            </a:solidFill>
+          </a:ln>
+        </p:spPr>
+        <p:style>
+          <a:lnRef idx="2">
+            <a:schemeClr val="accent1">
+              <a:shade val="50000"/>
+            </a:schemeClr>
+          </a:lnRef>
+          <a:fillRef idx="1">
+            <a:schemeClr val="accent1"/>
+          </a:fillRef>
+          <a:effectRef idx="0">
+            <a:schemeClr val="accent1"/>
+          </a:effectRef>
+          <a:fontRef idx="minor">
+            <a:schemeClr val="lt1"/>
+          </a:fontRef>
+        </p:style>
+        <p:txBody>
+          <a:bodyPr rtlCol="0" anchor="ctr"/>
+          <a:lstStyle/>
+          <a:p>
+            <a:pPr algn="ctr"/>
+            <a:endParaRPr lang="en-US">
+              <a:solidFill>
+                <a:schemeClr val="tx1"/>
+              </a:solidFill>
+            </a:endParaRPr>
+          </a:p>
+        </p:txBody>
+      </p:sp>
+      <p:sp>
+        <p:nvSpPr>
+          <p:cNvPr id="18" name="TextBox 17"/>
+          <p:cNvSpPr txBox="1"/>
+          <p:nvPr/>
+        </p:nvSpPr>
+        <p:spPr>
+          <a:xfrm>
+            <a:off x="5920611" y="5575273"/>
+            <a:ext cx="458780" cy="276999"/>
+          </a:xfrm>
+          <a:prstGeom prst="rect">
+            <a:avLst/>
+          </a:prstGeom>
+          <a:noFill/>
+        </p:spPr>
+        <p:txBody>
+          <a:bodyPr wrap="none" rtlCol="0">
+            <a:spAutoFit/>
+          </a:bodyPr>
+          <a:lstStyle/>
+          <a:p>
+            <a:r>
+              <a:rPr lang="en-US" sz="1200" dirty="0" smtClean="0"/>
+              <a:t>0.80</a:t>
+            </a:r>
+            <a:endParaRPr lang="en-US" sz="1200" dirty="0"/>
+          </a:p>
+        </p:txBody>
+      </p:sp>
+      <p:sp>
+        <p:nvSpPr>
+          <p:cNvPr id="19" name="Pie 18"/>
+          <p:cNvSpPr/>
+          <p:nvPr/>
+        </p:nvSpPr>
+        <p:spPr>
+          <a:xfrm>
+            <a:off x="6596402" y="5044088"/>
+            <a:ext cx="914400" cy="914400"/>
+          </a:xfrm>
+          <a:prstGeom prst="pie">
+            <a:avLst>
+              <a:gd name="adj1" fmla="val 7526002"/>
+              <a:gd name="adj2" fmla="val 24505"/>
+            </a:avLst>
+          </a:prstGeom>
+          <a:solidFill>
+            <a:schemeClr val="bg2"/>
+          </a:solidFill>
+          <a:ln>
+            <a:solidFill>
+              <a:schemeClr val="tx1"/>
+            </a:solidFill>
+          </a:ln>
+        </p:spPr>
+        <p:style>
+          <a:lnRef idx="2">
+            <a:schemeClr val="accent1">
+              <a:shade val="50000"/>
+            </a:schemeClr>
+          </a:lnRef>
+          <a:fillRef idx="1">
+            <a:schemeClr val="accent1"/>
+          </a:fillRef>
+          <a:effectRef idx="0">
+            <a:schemeClr val="accent1"/>
+          </a:effectRef>
+          <a:fontRef idx="minor">
+            <a:schemeClr val="lt1"/>
+          </a:fontRef>
+        </p:style>
+        <p:txBody>
+          <a:bodyPr rtlCol="0" anchor="ctr"/>
+          <a:lstStyle/>
+          <a:p>
+            <a:pPr algn="ctr"/>
+            <a:endParaRPr lang="en-US">
+              <a:solidFill>
+                <a:schemeClr val="tx1"/>
+              </a:solidFill>
+            </a:endParaRPr>
+          </a:p>
+        </p:txBody>
+      </p:sp>
+      <p:sp>
+        <p:nvSpPr>
+          <p:cNvPr id="20" name="Pie 19"/>
+          <p:cNvSpPr/>
+          <p:nvPr/>
+        </p:nvSpPr>
+        <p:spPr>
+          <a:xfrm>
+            <a:off x="6596402" y="5044088"/>
+            <a:ext cx="914400" cy="914400"/>
+          </a:xfrm>
+          <a:prstGeom prst="pie">
+            <a:avLst>
+              <a:gd name="adj1" fmla="val 7526002"/>
+              <a:gd name="adj2" fmla="val 18401760"/>
+            </a:avLst>
+          </a:prstGeom>
+          <a:solidFill>
+            <a:srgbClr val="00B050"/>
+          </a:solidFill>
+          <a:ln>
+            <a:solidFill>
+              <a:schemeClr val="tx1"/>
+            </a:solidFill>
+          </a:ln>
+        </p:spPr>
+        <p:style>
+          <a:lnRef idx="2">
+            <a:schemeClr val="accent1">
+              <a:shade val="50000"/>
+            </a:schemeClr>
+          </a:lnRef>
+          <a:fillRef idx="1">
+            <a:schemeClr val="accent1"/>
+          </a:fillRef>
+          <a:effectRef idx="0">
+            <a:schemeClr val="accent1"/>
+          </a:effectRef>
+          <a:fontRef idx="minor">
+            <a:schemeClr val="lt1"/>
+          </a:fontRef>
+        </p:style>
+        <p:txBody>
+          <a:bodyPr rtlCol="0" anchor="ctr"/>
+          <a:lstStyle/>
+          <a:p>
+            <a:pPr algn="ctr"/>
+            <a:endParaRPr lang="en-US">
+              <a:solidFill>
+                <a:schemeClr val="tx1"/>
+              </a:solidFill>
+            </a:endParaRPr>
+          </a:p>
+        </p:txBody>
+      </p:sp>
+      <p:sp>
+        <p:nvSpPr>
+          <p:cNvPr id="21" name="TextBox 20"/>
+          <p:cNvSpPr txBox="1"/>
+          <p:nvPr/>
+        </p:nvSpPr>
+        <p:spPr>
+          <a:xfrm>
+            <a:off x="6917370" y="5575273"/>
+            <a:ext cx="458780" cy="276999"/>
+          </a:xfrm>
+          <a:prstGeom prst="rect">
+            <a:avLst/>
+          </a:prstGeom>
+          <a:noFill/>
+        </p:spPr>
+        <p:txBody>
+          <a:bodyPr wrap="none" rtlCol="0">
+            <a:spAutoFit/>
+          </a:bodyPr>
+          <a:lstStyle/>
+          <a:p>
+            <a:r>
+              <a:rPr lang="en-US" sz="1200" dirty="0" smtClean="0"/>
+              <a:t>0.80</a:t>
+            </a:r>
+            <a:endParaRPr lang="en-US" sz="1200" dirty="0"/>
+          </a:p>
+        </p:txBody>
+      </p:sp>
+      <p:graphicFrame>
+        <p:nvGraphicFramePr>
+          <p:cNvPr id="22" name="Table 21"/>
+          <p:cNvGraphicFramePr>
+            <a:graphicFrameLocks noGrp="1"/>
+          </p:cNvGraphicFramePr>
+          <p:nvPr>
+            <p:extLst>
+              <p:ext uri="{D42A27DB-BD31-4B8C-83A1-F6EECF244321}">
+                <p14:modId xmlns:p14="http://schemas.microsoft.com/office/powerpoint/2010/main" val="1794727416"/>
+              </p:ext>
+            </p:extLst>
+          </p:nvPr>
+        </p:nvGraphicFramePr>
+        <p:xfrm>
+          <a:off x="2568880" y="5069716"/>
+          <a:ext cx="309390" cy="1042056"/>
+        </p:xfrm>
+        <a:graphic>
+          <a:graphicData uri="http://schemas.openxmlformats.org/drawingml/2006/table">
+            <a:tbl>
+              <a:tblPr firstRow="1" bandRow="1">
+                <a:tableStyleId>{5C22544A-7EE6-4342-B048-85BDC9FD1C3A}</a:tableStyleId>
+              </a:tblPr>
+              <a:tblGrid>
+                <a:gridCol w="309390"/>
+              </a:tblGrid>
+              <a:tr h="260514">
+                <a:tc>
+                  <a:txBody>
+                    <a:bodyPr/>
+                    <a:lstStyle/>
+                    <a:p>
+                      <a:endParaRPr lang="en-US" sz="1050" dirty="0"/>
+                    </a:p>
+                  </a:txBody>
+                  <a:tcPr>
+                    <a:lnL w="12700" cap="flat" cmpd="sng" algn="ctr">
+                      <a:solidFill>
+                        <a:schemeClr val="tx1"/>
+                      </a:solidFill>
+                      <a:prstDash val="solid"/>
+                      <a:round/>
+                      <a:headEnd type="none" w="med" len="med"/>
+                      <a:tailEnd type="none" w="med" len="med"/>
+                    </a:lnL>
+                    <a:lnR w="12700" cap="flat" cmpd="sng" algn="ctr">
+                      <a:solidFill>
+                        <a:schemeClr val="tx1"/>
+                      </a:solidFill>
+                      <a:prstDash val="solid"/>
+                      <a:round/>
+                      <a:headEnd type="none" w="med" len="med"/>
+                      <a:tailEnd type="none" w="med" len="med"/>
+                    </a:lnR>
+                    <a:lnT w="12700" cap="flat" cmpd="sng" algn="ctr">
+                      <a:solidFill>
+                        <a:schemeClr val="tx1"/>
+                      </a:solidFill>
+                      <a:prstDash val="solid"/>
+                      <a:round/>
+                      <a:headEnd type="none" w="med" len="med"/>
+                      <a:tailEnd type="none" w="med" len="med"/>
+                    </a:lnT>
+                    <a:lnB w="12700" cap="flat" cmpd="sng" algn="ctr">
+                      <a:solidFill>
+                        <a:schemeClr val="tx1"/>
+                      </a:solidFill>
+                      <a:prstDash val="solid"/>
+                      <a:round/>
+                      <a:headEnd type="none" w="med" len="med"/>
+                      <a:tailEnd type="none" w="med" len="med"/>
+                    </a:lnB>
+                    <a:solidFill>
+                      <a:schemeClr val="bg1"/>
+                    </a:solidFill>
+                  </a:tcPr>
+                </a:tc>
+              </a:tr>
+              <a:tr h="260514">
+                <a:tc>
+                  <a:txBody>
+                    <a:bodyPr/>
+                    <a:lstStyle/>
+                    <a:p>
+                      <a:endParaRPr lang="en-US" sz="1050"/>
+                    </a:p>
+                  </a:txBody>
+                  <a:tcPr>
+                    <a:lnL w="12700" cap="flat" cmpd="sng" algn="ctr">
+                      <a:solidFill>
+                        <a:schemeClr val="tx1"/>
+                      </a:solidFill>
+                      <a:prstDash val="solid"/>
+                      <a:round/>
+                      <a:headEnd type="none" w="med" len="med"/>
+                      <a:tailEnd type="none" w="med" len="med"/>
+                    </a:lnL>
+                    <a:lnR w="12700" cap="flat" cmpd="sng" algn="ctr">
+                      <a:solidFill>
+                        <a:schemeClr val="tx1"/>
+                      </a:solidFill>
+                      <a:prstDash val="solid"/>
+                      <a:round/>
+                      <a:headEnd type="none" w="med" len="med"/>
+                      <a:tailEnd type="none" w="med" len="med"/>
+                    </a:lnR>
+                    <a:lnT w="12700" cap="flat" cmpd="sng" algn="ctr">
+                      <a:solidFill>
+                        <a:schemeClr val="tx1"/>
+                      </a:solidFill>
+                      <a:prstDash val="solid"/>
+                      <a:round/>
+                      <a:headEnd type="none" w="med" len="med"/>
+                      <a:tailEnd type="none" w="med" len="med"/>
+                    </a:lnT>
+                    <a:lnB w="12700" cap="flat" cmpd="sng" algn="ctr">
+                      <a:solidFill>
+                        <a:schemeClr val="tx1"/>
+                      </a:solidFill>
+                      <a:prstDash val="solid"/>
+                      <a:round/>
+                      <a:headEnd type="none" w="med" len="med"/>
+                      <a:tailEnd type="none" w="med" len="med"/>
+                    </a:lnB>
+                    <a:solidFill>
+                      <a:srgbClr val="00B050"/>
+                    </a:solidFill>
+                  </a:tcPr>
+                </a:tc>
+              </a:tr>
+              <a:tr h="260514">
+                <a:tc>
+                  <a:txBody>
+                    <a:bodyPr/>
+                    <a:lstStyle/>
+                    <a:p>
+                      <a:endParaRPr lang="en-US" sz="1050"/>
+                    </a:p>
+                  </a:txBody>
+                  <a:tcPr>
+                    <a:lnL w="12700" cap="flat" cmpd="sng" algn="ctr">
+                      <a:solidFill>
+                        <a:schemeClr val="tx1"/>
+                      </a:solidFill>
+                      <a:prstDash val="solid"/>
+                      <a:round/>
+                      <a:headEnd type="none" w="med" len="med"/>
+                      <a:tailEnd type="none" w="med" len="med"/>
+                    </a:lnL>
+                    <a:lnR w="12700" cap="flat" cmpd="sng" algn="ctr">
+                      <a:solidFill>
+                        <a:schemeClr val="tx1"/>
+                      </a:solidFill>
+                      <a:prstDash val="solid"/>
+                      <a:round/>
+                      <a:headEnd type="none" w="med" len="med"/>
+                      <a:tailEnd type="none" w="med" len="med"/>
+                    </a:lnR>
+                    <a:lnT w="12700" cap="flat" cmpd="sng" algn="ctr">
+                      <a:solidFill>
+                        <a:schemeClr val="tx1"/>
+                      </a:solidFill>
+                      <a:prstDash val="solid"/>
+                      <a:round/>
+                      <a:headEnd type="none" w="med" len="med"/>
+                      <a:tailEnd type="none" w="med" len="med"/>
+                    </a:lnT>
+                    <a:lnB w="12700" cap="flat" cmpd="sng" algn="ctr">
+                      <a:solidFill>
+                        <a:schemeClr val="tx1"/>
+                      </a:solidFill>
+                      <a:prstDash val="solid"/>
+                      <a:round/>
+                      <a:headEnd type="none" w="med" len="med"/>
+                      <a:tailEnd type="none" w="med" len="med"/>
+                    </a:lnB>
+                    <a:solidFill>
+                      <a:srgbClr val="00B050"/>
+                    </a:solidFill>
+                  </a:tcPr>
+                </a:tc>
+              </a:tr>
+              <a:tr h="260514">
+                <a:tc>
+                  <a:txBody>
+                    <a:bodyPr/>
+                    <a:lstStyle/>
+                    <a:p>
+                      <a:endParaRPr lang="en-US" sz="1050" dirty="0"/>
+                    </a:p>
+                  </a:txBody>
+                  <a:tcPr>
+                    <a:lnL w="12700" cap="flat" cmpd="sng" algn="ctr">
+                      <a:solidFill>
+                        <a:schemeClr val="tx1"/>
+                      </a:solidFill>
+                      <a:prstDash val="solid"/>
+                      <a:round/>
+                      <a:headEnd type="none" w="med" len="med"/>
+                      <a:tailEnd type="none" w="med" len="med"/>
+                    </a:lnL>
+                    <a:lnR w="12700" cap="flat" cmpd="sng" algn="ctr">
+                      <a:solidFill>
+                        <a:schemeClr val="tx1"/>
+                      </a:solidFill>
+                      <a:prstDash val="solid"/>
+                      <a:round/>
+                      <a:headEnd type="none" w="med" len="med"/>
+                      <a:tailEnd type="none" w="med" len="med"/>
+                    </a:lnR>
+                    <a:lnT w="12700" cap="flat" cmpd="sng" algn="ctr">
+                      <a:solidFill>
+                        <a:schemeClr val="tx1"/>
+                      </a:solidFill>
+                      <a:prstDash val="solid"/>
+                      <a:round/>
+                      <a:headEnd type="none" w="med" len="med"/>
+                      <a:tailEnd type="none" w="med" len="med"/>
+                    </a:lnT>
+                    <a:lnB w="12700" cap="flat" cmpd="sng" algn="ctr">
+                      <a:solidFill>
+                        <a:schemeClr val="tx1"/>
+                      </a:solidFill>
+                      <a:prstDash val="solid"/>
+                      <a:round/>
+                      <a:headEnd type="none" w="med" len="med"/>
+                      <a:tailEnd type="none" w="med" len="med"/>
+                    </a:lnB>
+                    <a:solidFill>
+                      <a:srgbClr val="00B050"/>
+                    </a:solidFill>
+                  </a:tcPr>
+                </a:tc>
+              </a:tr>
+            </a:tbl>
+          </a:graphicData>
+        </a:graphic>
+      </p:graphicFrame>
+      <p:sp>
+        <p:nvSpPr>
+          <p:cNvPr id="23" name="TextBox 22"/>
+          <p:cNvSpPr txBox="1"/>
+          <p:nvPr/>
+        </p:nvSpPr>
+        <p:spPr>
+          <a:xfrm>
+            <a:off x="2865703" y="5029034"/>
+            <a:ext cx="888898" cy="830997"/>
+          </a:xfrm>
+          <a:prstGeom prst="rect">
+            <a:avLst/>
+          </a:prstGeom>
+          <a:noFill/>
+        </p:spPr>
+        <p:txBody>
+          <a:bodyPr wrap="none" rtlCol="0">
+            <a:spAutoFit/>
+          </a:bodyPr>
+          <a:lstStyle/>
+          <a:p>
+            <a:r>
+              <a:rPr lang="en-US" sz="1200" dirty="0" smtClean="0"/>
+              <a:t>Fuel State: </a:t>
+            </a:r>
+          </a:p>
+          <a:p>
+            <a:r>
+              <a:rPr lang="en-US" sz="1200" dirty="0"/>
+              <a:t> </a:t>
+            </a:r>
+            <a:r>
+              <a:rPr lang="en-US" sz="1200" dirty="0" smtClean="0"/>
+              <a:t>    0.76</a:t>
+            </a:r>
+          </a:p>
+          <a:p>
+            <a:r>
+              <a:rPr lang="en-US" sz="1200" dirty="0" smtClean="0"/>
+              <a:t>Time Rem: </a:t>
+            </a:r>
+          </a:p>
+          <a:p>
+            <a:r>
+              <a:rPr lang="en-US" sz="1200" dirty="0"/>
+              <a:t> </a:t>
+            </a:r>
+            <a:r>
+              <a:rPr lang="en-US" sz="1200" dirty="0" smtClean="0"/>
+              <a:t>    22 min</a:t>
+            </a:r>
+          </a:p>
+        </p:txBody>
+      </p:sp>
+      <p:graphicFrame>
+        <p:nvGraphicFramePr>
+          <p:cNvPr id="24" name="Table 23"/>
+          <p:cNvGraphicFramePr>
+            <a:graphicFrameLocks noGrp="1"/>
+          </p:cNvGraphicFramePr>
+          <p:nvPr>
+            <p:extLst>
+              <p:ext uri="{D42A27DB-BD31-4B8C-83A1-F6EECF244321}">
+                <p14:modId xmlns:p14="http://schemas.microsoft.com/office/powerpoint/2010/main" val="1929881290"/>
+              </p:ext>
+            </p:extLst>
+          </p:nvPr>
+        </p:nvGraphicFramePr>
+        <p:xfrm>
+          <a:off x="4007470" y="3752554"/>
+          <a:ext cx="1655545" cy="1219200"/>
+        </p:xfrm>
+        <a:graphic>
+          <a:graphicData uri="http://schemas.openxmlformats.org/drawingml/2006/table">
+            <a:tbl>
+              <a:tblPr firstRow="1" bandRow="1">
+                <a:tableStyleId>{5C22544A-7EE6-4342-B048-85BDC9FD1C3A}</a:tableStyleId>
+              </a:tblPr>
+              <a:tblGrid>
+                <a:gridCol w="866274"/>
+                <a:gridCol w="240631"/>
+                <a:gridCol w="548640"/>
+              </a:tblGrid>
+              <a:tr h="0">
+                <a:tc>
+                  <a:txBody>
+                    <a:bodyPr/>
+                    <a:lstStyle/>
+                    <a:p>
+                      <a:r>
+                        <a:rPr lang="en-US" sz="1000" b="1" dirty="0" smtClean="0">
+                          <a:solidFill>
+                            <a:schemeClr val="tx1"/>
+                          </a:solidFill>
+                        </a:rPr>
+                        <a:t>Electrical</a:t>
+                      </a:r>
+                      <a:endParaRPr lang="en-US" sz="1000" b="1" dirty="0">
+                        <a:solidFill>
+                          <a:schemeClr val="tx1"/>
+                        </a:solidFill>
+                      </a:endParaRPr>
+                    </a:p>
+                  </a:txBody>
+                  <a:tcPr>
+                    <a:lnL w="12700" cap="flat" cmpd="sng" algn="ctr">
+                      <a:solidFill>
+                        <a:schemeClr val="tx1"/>
+                      </a:solidFill>
+                      <a:prstDash val="solid"/>
+                      <a:round/>
+                      <a:headEnd type="none" w="med" len="med"/>
+                      <a:tailEnd type="none" w="med" len="med"/>
+                    </a:lnL>
+                    <a:lnR w="12700" cap="flat" cmpd="sng" algn="ctr">
+                      <a:noFill/>
+                      <a:prstDash val="solid"/>
+                      <a:round/>
+                      <a:headEnd type="none" w="med" len="med"/>
+                      <a:tailEnd type="none" w="med" len="med"/>
+                    </a:lnR>
+                    <a:lnT w="12700" cap="flat" cmpd="sng" algn="ctr">
+                      <a:solidFill>
+                        <a:schemeClr val="tx1"/>
+                      </a:solidFill>
+                      <a:prstDash val="solid"/>
+                      <a:round/>
+                      <a:headEnd type="none" w="med" len="med"/>
+                      <a:tailEnd type="none" w="med" len="med"/>
+                    </a:lnT>
+                    <a:lnB w="12700" cap="flat" cmpd="sng" algn="ctr">
+                      <a:noFill/>
+                      <a:prstDash val="solid"/>
+                      <a:round/>
+                      <a:headEnd type="none" w="med" len="med"/>
+                      <a:tailEnd type="none" w="med" len="med"/>
+                    </a:lnB>
+                    <a:lnTlToBr w="12700" cmpd="sng">
+                      <a:noFill/>
+                      <a:prstDash val="solid"/>
+                    </a:lnTlToBr>
+                    <a:lnBlToTr w="12700" cmpd="sng">
+                      <a:noFill/>
+                      <a:prstDash val="solid"/>
+                    </a:lnBlToTr>
+                    <a:solidFill>
+                      <a:schemeClr val="bg2"/>
+                    </a:solidFill>
+                  </a:tcPr>
+                </a:tc>
+                <a:tc>
+                  <a:txBody>
+                    <a:bodyPr/>
+                    <a:lstStyle/>
+                    <a:p>
+                      <a:endParaRPr lang="en-US" sz="1000" dirty="0">
+                        <a:solidFill>
+                          <a:schemeClr val="tx1"/>
+                        </a:solidFill>
+                      </a:endParaRPr>
+                    </a:p>
+                  </a:txBody>
+                  <a:tcPr>
+                    <a:lnL w="12700" cap="flat" cmpd="sng" algn="ctr">
+                      <a:noFill/>
+                      <a:prstDash val="solid"/>
+                      <a:round/>
+                      <a:headEnd type="none" w="med" len="med"/>
+                      <a:tailEnd type="none" w="med" len="med"/>
+                    </a:lnL>
+                    <a:lnR w="12700" cap="flat" cmpd="sng" algn="ctr">
+                      <a:noFill/>
+                      <a:prstDash val="solid"/>
+                      <a:round/>
+                      <a:headEnd type="none" w="med" len="med"/>
+                      <a:tailEnd type="none" w="med" len="med"/>
+                    </a:lnR>
+                    <a:lnT w="12700" cap="flat" cmpd="sng" algn="ctr">
+                      <a:solidFill>
+                        <a:schemeClr val="tx1"/>
+                      </a:solidFill>
+                      <a:prstDash val="solid"/>
+                      <a:round/>
+                      <a:headEnd type="none" w="med" len="med"/>
+                      <a:tailEnd type="none" w="med" len="med"/>
+                    </a:lnT>
+                    <a:lnB w="12700" cap="flat" cmpd="sng" algn="ctr">
+                      <a:noFill/>
+                      <a:prstDash val="solid"/>
+                      <a:round/>
+                      <a:headEnd type="none" w="med" len="med"/>
+                      <a:tailEnd type="none" w="med" len="med"/>
+                    </a:lnB>
+                    <a:lnTlToBr w="12700" cmpd="sng">
+                      <a:noFill/>
+                      <a:prstDash val="solid"/>
+                    </a:lnTlToBr>
+                    <a:lnBlToTr w="12700" cmpd="sng">
+                      <a:noFill/>
+                      <a:prstDash val="solid"/>
+                    </a:lnBlToTr>
+                    <a:solidFill>
+                      <a:srgbClr val="00B050"/>
+                    </a:solidFill>
+                  </a:tcPr>
+                </a:tc>
+                <a:tc>
+                  <a:txBody>
+                    <a:bodyPr/>
+                    <a:lstStyle/>
+                    <a:p>
+                      <a:endParaRPr lang="en-US" sz="1000" dirty="0">
+                        <a:solidFill>
+                          <a:schemeClr val="tx1"/>
+                        </a:solidFill>
+                      </a:endParaRPr>
+                    </a:p>
+                  </a:txBody>
+                  <a:tcPr>
+                    <a:lnL w="12700" cap="flat" cmpd="sng" algn="ctr">
+                      <a:noFill/>
+                      <a:prstDash val="solid"/>
+                      <a:round/>
+                      <a:headEnd type="none" w="med" len="med"/>
+                      <a:tailEnd type="none" w="med" len="med"/>
+                    </a:lnL>
+                    <a:lnR w="12700" cap="flat" cmpd="sng" algn="ctr">
+                      <a:solidFill>
+                        <a:schemeClr val="tx1"/>
+                      </a:solidFill>
+                      <a:prstDash val="solid"/>
+                      <a:round/>
+                      <a:headEnd type="none" w="med" len="med"/>
+                      <a:tailEnd type="none" w="med" len="med"/>
+                    </a:lnR>
+                    <a:lnT w="12700" cap="flat" cmpd="sng" algn="ctr">
+                      <a:solidFill>
+                        <a:schemeClr val="tx1"/>
+                      </a:solidFill>
+                      <a:prstDash val="solid"/>
+                      <a:round/>
+                      <a:headEnd type="none" w="med" len="med"/>
+                      <a:tailEnd type="none" w="med" len="med"/>
+                    </a:lnT>
+                    <a:lnB w="12700" cap="flat" cmpd="sng" algn="ctr">
+                      <a:noFill/>
+                      <a:prstDash val="solid"/>
+                      <a:round/>
+                      <a:headEnd type="none" w="med" len="med"/>
+                      <a:tailEnd type="none" w="med" len="med"/>
+                    </a:lnB>
+                    <a:lnTlToBr w="12700" cmpd="sng">
+                      <a:noFill/>
+                      <a:prstDash val="solid"/>
+                    </a:lnTlToBr>
+                    <a:lnBlToTr w="12700" cmpd="sng">
+                      <a:noFill/>
+                      <a:prstDash val="solid"/>
+                    </a:lnBlToTr>
+                    <a:solidFill>
+                      <a:schemeClr val="bg2"/>
+                    </a:solidFill>
+                  </a:tcPr>
+                </a:tc>
+              </a:tr>
+              <a:tr h="0">
+                <a:tc>
+                  <a:txBody>
+                    <a:bodyPr/>
+                    <a:lstStyle/>
+                    <a:p>
+                      <a:pPr algn="r"/>
+                      <a:r>
+                        <a:rPr lang="en-US" sz="1000" b="1" dirty="0" smtClean="0">
+                          <a:solidFill>
+                            <a:schemeClr val="tx1"/>
+                          </a:solidFill>
+                        </a:rPr>
+                        <a:t>Battery</a:t>
+                      </a:r>
+                    </a:p>
+                  </a:txBody>
+                  <a:tcPr>
+                    <a:lnL w="12700" cap="flat" cmpd="sng" algn="ctr">
+                      <a:solidFill>
+                        <a:schemeClr val="tx1"/>
+                      </a:solidFill>
+                      <a:prstDash val="solid"/>
+                      <a:round/>
+                      <a:headEnd type="none" w="med" len="med"/>
+                      <a:tailEnd type="none" w="med" len="med"/>
+                    </a:lnL>
+                    <a:lnR w="12700" cap="flat" cmpd="sng" algn="ctr">
+                      <a:noFill/>
+                      <a:prstDash val="solid"/>
+                      <a:round/>
+                      <a:headEnd type="none" w="med" len="med"/>
+                      <a:tailEnd type="none" w="med" len="med"/>
+                    </a:lnR>
+                    <a:lnT w="12700" cap="flat" cmpd="sng" algn="ctr">
+                      <a:noFill/>
+                      <a:prstDash val="solid"/>
+                      <a:round/>
+                      <a:headEnd type="none" w="med" len="med"/>
+                      <a:tailEnd type="none" w="med" len="med"/>
+                    </a:lnT>
+                    <a:lnB w="12700" cap="flat" cmpd="sng" algn="ctr">
+                      <a:noFill/>
+                      <a:prstDash val="solid"/>
+                      <a:round/>
+                      <a:headEnd type="none" w="med" len="med"/>
+                      <a:tailEnd type="none" w="med" len="med"/>
+                    </a:lnB>
+                    <a:lnTlToBr w="12700" cmpd="sng">
+                      <a:noFill/>
+                      <a:prstDash val="solid"/>
+                    </a:lnTlToBr>
+                    <a:lnBlToTr w="12700" cmpd="sng">
+                      <a:noFill/>
+                      <a:prstDash val="solid"/>
+                    </a:lnBlToTr>
+                    <a:solidFill>
+                      <a:schemeClr val="bg2"/>
+                    </a:solidFill>
+                  </a:tcPr>
+                </a:tc>
+                <a:tc>
+                  <a:txBody>
+                    <a:bodyPr/>
+                    <a:lstStyle/>
+                    <a:p>
+                      <a:endParaRPr lang="en-US" sz="1000" dirty="0">
+                        <a:solidFill>
+                          <a:schemeClr val="tx1"/>
+                        </a:solidFill>
+                      </a:endParaRPr>
+                    </a:p>
+                  </a:txBody>
+                  <a:tcPr>
+                    <a:lnL w="12700" cap="flat" cmpd="sng" algn="ctr">
+                      <a:noFill/>
+                      <a:prstDash val="solid"/>
+                      <a:round/>
+                      <a:headEnd type="none" w="med" len="med"/>
+                      <a:tailEnd type="none" w="med" len="med"/>
+                    </a:lnL>
+                    <a:lnR w="12700" cap="flat" cmpd="sng" algn="ctr">
+                      <a:noFill/>
+                      <a:prstDash val="solid"/>
+                      <a:round/>
+                      <a:headEnd type="none" w="med" len="med"/>
+                      <a:tailEnd type="none" w="med" len="med"/>
+                    </a:lnR>
+                    <a:lnT w="12700" cap="flat" cmpd="sng" algn="ctr">
+                      <a:noFill/>
+                      <a:prstDash val="solid"/>
+                      <a:round/>
+                      <a:headEnd type="none" w="med" len="med"/>
+                      <a:tailEnd type="none" w="med" len="med"/>
+                    </a:lnT>
+                    <a:lnB w="12700" cap="flat" cmpd="sng" algn="ctr">
+                      <a:noFill/>
+                      <a:prstDash val="solid"/>
+                      <a:round/>
+                      <a:headEnd type="none" w="med" len="med"/>
+                      <a:tailEnd type="none" w="med" len="med"/>
+                    </a:lnB>
+                    <a:lnTlToBr w="12700" cmpd="sng">
+                      <a:noFill/>
+                      <a:prstDash val="solid"/>
+                    </a:lnTlToBr>
+                    <a:lnBlToTr w="12700" cmpd="sng">
+                      <a:noFill/>
+                      <a:prstDash val="solid"/>
+                    </a:lnBlToTr>
+                    <a:solidFill>
+                      <a:srgbClr val="00B050"/>
+                    </a:solidFill>
+                  </a:tcPr>
+                </a:tc>
+                <a:tc>
+                  <a:txBody>
+                    <a:bodyPr/>
+                    <a:lstStyle/>
+                    <a:p>
+                      <a:endParaRPr lang="en-US" sz="1000" dirty="0">
+                        <a:solidFill>
+                          <a:schemeClr val="tx1"/>
+                        </a:solidFill>
+                      </a:endParaRPr>
+                    </a:p>
+                  </a:txBody>
+                  <a:tcPr>
+                    <a:lnL w="12700" cap="flat" cmpd="sng" algn="ctr">
+                      <a:noFill/>
+                      <a:prstDash val="solid"/>
+                      <a:round/>
+                      <a:headEnd type="none" w="med" len="med"/>
+                      <a:tailEnd type="none" w="med" len="med"/>
+                    </a:lnL>
+                    <a:lnR w="12700" cap="flat" cmpd="sng" algn="ctr">
+                      <a:solidFill>
+                        <a:schemeClr val="tx1"/>
+                      </a:solidFill>
+                      <a:prstDash val="solid"/>
+                      <a:round/>
+                      <a:headEnd type="none" w="med" len="med"/>
+                      <a:tailEnd type="none" w="med" len="med"/>
+                    </a:lnR>
+                    <a:lnT w="12700" cap="flat" cmpd="sng" algn="ctr">
+                      <a:noFill/>
+                      <a:prstDash val="solid"/>
+                      <a:round/>
+                      <a:headEnd type="none" w="med" len="med"/>
+                      <a:tailEnd type="none" w="med" len="med"/>
+                    </a:lnT>
+                    <a:lnB w="12700" cap="flat" cmpd="sng" algn="ctr">
+                      <a:noFill/>
+                      <a:prstDash val="solid"/>
+                      <a:round/>
+                      <a:headEnd type="none" w="med" len="med"/>
+                      <a:tailEnd type="none" w="med" len="med"/>
+                    </a:lnB>
+                    <a:lnTlToBr w="12700" cmpd="sng">
+                      <a:noFill/>
+                      <a:prstDash val="solid"/>
+                    </a:lnTlToBr>
+                    <a:lnBlToTr w="12700" cmpd="sng">
+                      <a:noFill/>
+                      <a:prstDash val="solid"/>
+                    </a:lnBlToTr>
+                    <a:solidFill>
+                      <a:schemeClr val="bg2"/>
+                    </a:solidFill>
+                  </a:tcPr>
+                </a:tc>
+              </a:tr>
+              <a:tr h="0">
+                <a:tc>
+                  <a:txBody>
+                    <a:bodyPr/>
+                    <a:lstStyle/>
+                    <a:p>
+                      <a:pPr algn="r"/>
+                      <a:r>
+                        <a:rPr lang="en-US" sz="1000" b="1" baseline="0" dirty="0" smtClean="0">
+                          <a:solidFill>
+                            <a:schemeClr val="tx1"/>
+                          </a:solidFill>
+                        </a:rPr>
+                        <a:t>Breakers</a:t>
+                      </a:r>
+                    </a:p>
+                  </a:txBody>
+                  <a:tcPr>
+                    <a:lnL w="12700" cap="flat" cmpd="sng" algn="ctr">
+                      <a:solidFill>
+                        <a:schemeClr val="tx1"/>
+                      </a:solidFill>
+                      <a:prstDash val="solid"/>
+                      <a:round/>
+                      <a:headEnd type="none" w="med" len="med"/>
+                      <a:tailEnd type="none" w="med" len="med"/>
+                    </a:lnL>
+                    <a:lnR w="12700" cap="flat" cmpd="sng" algn="ctr">
+                      <a:noFill/>
+                      <a:prstDash val="solid"/>
+                      <a:round/>
+                      <a:headEnd type="none" w="med" len="med"/>
+                      <a:tailEnd type="none" w="med" len="med"/>
+                    </a:lnR>
+                    <a:lnT w="12700" cap="flat" cmpd="sng" algn="ctr">
+                      <a:noFill/>
+                      <a:prstDash val="solid"/>
+                      <a:round/>
+                      <a:headEnd type="none" w="med" len="med"/>
+                      <a:tailEnd type="none" w="med" len="med"/>
+                    </a:lnT>
+                    <a:lnB w="12700" cap="flat" cmpd="sng" algn="ctr">
+                      <a:noFill/>
+                      <a:prstDash val="solid"/>
+                      <a:round/>
+                      <a:headEnd type="none" w="med" len="med"/>
+                      <a:tailEnd type="none" w="med" len="med"/>
+                    </a:lnB>
+                    <a:lnTlToBr w="12700" cmpd="sng">
+                      <a:noFill/>
+                      <a:prstDash val="solid"/>
+                    </a:lnTlToBr>
+                    <a:lnBlToTr w="12700" cmpd="sng">
+                      <a:noFill/>
+                      <a:prstDash val="solid"/>
+                    </a:lnBlToTr>
+                    <a:solidFill>
+                      <a:schemeClr val="bg2"/>
+                    </a:solidFill>
+                  </a:tcPr>
+                </a:tc>
+                <a:tc>
+                  <a:txBody>
+                    <a:bodyPr/>
+                    <a:lstStyle/>
+                    <a:p>
+                      <a:endParaRPr lang="en-US" sz="1000" dirty="0">
+                        <a:solidFill>
+                          <a:schemeClr val="tx1"/>
+                        </a:solidFill>
+                      </a:endParaRPr>
+                    </a:p>
+                  </a:txBody>
+                  <a:tcPr>
+                    <a:lnL w="12700" cap="flat" cmpd="sng" algn="ctr">
+                      <a:noFill/>
+                      <a:prstDash val="solid"/>
+                      <a:round/>
+                      <a:headEnd type="none" w="med" len="med"/>
+                      <a:tailEnd type="none" w="med" len="med"/>
+                    </a:lnL>
+                    <a:lnR w="12700" cap="flat" cmpd="sng" algn="ctr">
+                      <a:noFill/>
+                      <a:prstDash val="solid"/>
+                      <a:round/>
+                      <a:headEnd type="none" w="med" len="med"/>
+                      <a:tailEnd type="none" w="med" len="med"/>
+                    </a:lnR>
+                    <a:lnT w="12700" cap="flat" cmpd="sng" algn="ctr">
+                      <a:noFill/>
+                      <a:prstDash val="solid"/>
+                      <a:round/>
+                      <a:headEnd type="none" w="med" len="med"/>
+                      <a:tailEnd type="none" w="med" len="med"/>
+                    </a:lnT>
+                    <a:lnB w="12700" cap="flat" cmpd="sng" algn="ctr">
+                      <a:noFill/>
+                      <a:prstDash val="solid"/>
+                      <a:round/>
+                      <a:headEnd type="none" w="med" len="med"/>
+                      <a:tailEnd type="none" w="med" len="med"/>
+                    </a:lnB>
+                    <a:lnTlToBr w="12700" cmpd="sng">
+                      <a:noFill/>
+                      <a:prstDash val="solid"/>
+                    </a:lnTlToBr>
+                    <a:lnBlToTr w="12700" cmpd="sng">
+                      <a:noFill/>
+                      <a:prstDash val="solid"/>
+                    </a:lnBlToTr>
+                    <a:solidFill>
+                      <a:srgbClr val="00B050"/>
+                    </a:solidFill>
+                  </a:tcPr>
+                </a:tc>
+                <a:tc>
+                  <a:txBody>
+                    <a:bodyPr/>
+                    <a:lstStyle/>
+                    <a:p>
+                      <a:endParaRPr lang="en-US" sz="1000" dirty="0">
+                        <a:solidFill>
+                          <a:schemeClr val="tx1"/>
+                        </a:solidFill>
+                      </a:endParaRPr>
+                    </a:p>
+                  </a:txBody>
+                  <a:tcPr>
+                    <a:lnL w="12700" cap="flat" cmpd="sng" algn="ctr">
+                      <a:noFill/>
+                      <a:prstDash val="solid"/>
+                      <a:round/>
+                      <a:headEnd type="none" w="med" len="med"/>
+                      <a:tailEnd type="none" w="med" len="med"/>
+                    </a:lnL>
+                    <a:lnR w="12700" cap="flat" cmpd="sng" algn="ctr">
+                      <a:solidFill>
+                        <a:schemeClr val="tx1"/>
+                      </a:solidFill>
+                      <a:prstDash val="solid"/>
+                      <a:round/>
+                      <a:headEnd type="none" w="med" len="med"/>
+                      <a:tailEnd type="none" w="med" len="med"/>
+                    </a:lnR>
+                    <a:lnT w="12700" cap="flat" cmpd="sng" algn="ctr">
+                      <a:noFill/>
+                      <a:prstDash val="solid"/>
+                      <a:round/>
+                      <a:headEnd type="none" w="med" len="med"/>
+                      <a:tailEnd type="none" w="med" len="med"/>
+                    </a:lnT>
+                    <a:lnB w="12700" cap="flat" cmpd="sng" algn="ctr">
+                      <a:noFill/>
+                      <a:prstDash val="solid"/>
+                      <a:round/>
+                      <a:headEnd type="none" w="med" len="med"/>
+                      <a:tailEnd type="none" w="med" len="med"/>
+                    </a:lnB>
+                    <a:lnTlToBr w="12700" cmpd="sng">
+                      <a:noFill/>
+                      <a:prstDash val="solid"/>
+                    </a:lnTlToBr>
+                    <a:lnBlToTr w="12700" cmpd="sng">
+                      <a:noFill/>
+                      <a:prstDash val="solid"/>
+                    </a:lnBlToTr>
+                    <a:solidFill>
+                      <a:schemeClr val="bg2"/>
+                    </a:solidFill>
+                  </a:tcPr>
+                </a:tc>
+              </a:tr>
+              <a:tr h="0">
+                <a:tc>
+                  <a:txBody>
+                    <a:bodyPr/>
+                    <a:lstStyle/>
+                    <a:p>
+                      <a:pPr algn="l"/>
+                      <a:r>
+                        <a:rPr lang="en-US" sz="1000" b="1" dirty="0" err="1" smtClean="0">
+                          <a:solidFill>
+                            <a:schemeClr val="tx1"/>
+                          </a:solidFill>
+                        </a:rPr>
+                        <a:t>Comms</a:t>
+                      </a:r>
+                      <a:endParaRPr lang="en-US" sz="1000" b="1" dirty="0">
+                        <a:solidFill>
+                          <a:schemeClr val="tx1"/>
+                        </a:solidFill>
+                      </a:endParaRPr>
+                    </a:p>
+                  </a:txBody>
+                  <a:tcPr>
+                    <a:lnL w="12700" cap="flat" cmpd="sng" algn="ctr">
+                      <a:solidFill>
+                        <a:schemeClr val="tx1"/>
+                      </a:solidFill>
+                      <a:prstDash val="solid"/>
+                      <a:round/>
+                      <a:headEnd type="none" w="med" len="med"/>
+                      <a:tailEnd type="none" w="med" len="med"/>
+                    </a:lnL>
+                    <a:lnR w="12700" cap="flat" cmpd="sng" algn="ctr">
+                      <a:noFill/>
+                      <a:prstDash val="solid"/>
+                      <a:round/>
+                      <a:headEnd type="none" w="med" len="med"/>
+                      <a:tailEnd type="none" w="med" len="med"/>
+                    </a:lnR>
+                    <a:lnT w="12700" cap="flat" cmpd="sng" algn="ctr">
+                      <a:noFill/>
+                      <a:prstDash val="solid"/>
+                      <a:round/>
+                      <a:headEnd type="none" w="med" len="med"/>
+                      <a:tailEnd type="none" w="med" len="med"/>
+                    </a:lnT>
+                    <a:lnB w="12700" cap="flat" cmpd="sng" algn="ctr">
+                      <a:noFill/>
+                      <a:prstDash val="solid"/>
+                      <a:round/>
+                      <a:headEnd type="none" w="med" len="med"/>
+                      <a:tailEnd type="none" w="med" len="med"/>
+                    </a:lnB>
+                    <a:lnTlToBr w="12700" cmpd="sng">
+                      <a:noFill/>
+                      <a:prstDash val="solid"/>
+                    </a:lnTlToBr>
+                    <a:lnBlToTr w="12700" cmpd="sng">
+                      <a:noFill/>
+                      <a:prstDash val="solid"/>
+                    </a:lnBlToTr>
+                    <a:solidFill>
+                      <a:schemeClr val="bg2"/>
+                    </a:solidFill>
+                  </a:tcPr>
+                </a:tc>
+                <a:tc>
+                  <a:txBody>
+                    <a:bodyPr/>
+                    <a:lstStyle/>
+                    <a:p>
+                      <a:endParaRPr lang="en-US" sz="1000" dirty="0">
+                        <a:solidFill>
+                          <a:schemeClr val="tx1"/>
+                        </a:solidFill>
+                      </a:endParaRPr>
+                    </a:p>
+                  </a:txBody>
+                  <a:tcPr>
+                    <a:lnL w="12700" cap="flat" cmpd="sng" algn="ctr">
+                      <a:noFill/>
+                      <a:prstDash val="solid"/>
+                      <a:round/>
+                      <a:headEnd type="none" w="med" len="med"/>
+                      <a:tailEnd type="none" w="med" len="med"/>
+                    </a:lnL>
+                    <a:lnR w="12700" cap="flat" cmpd="sng" algn="ctr">
+                      <a:noFill/>
+                      <a:prstDash val="solid"/>
+                      <a:round/>
+                      <a:headEnd type="none" w="med" len="med"/>
+                      <a:tailEnd type="none" w="med" len="med"/>
+                    </a:lnR>
+                    <a:lnT w="12700" cap="flat" cmpd="sng" algn="ctr">
+                      <a:noFill/>
+                      <a:prstDash val="solid"/>
+                      <a:round/>
+                      <a:headEnd type="none" w="med" len="med"/>
+                      <a:tailEnd type="none" w="med" len="med"/>
+                    </a:lnT>
+                    <a:lnB w="12700" cap="flat" cmpd="sng" algn="ctr">
+                      <a:noFill/>
+                      <a:prstDash val="solid"/>
+                      <a:round/>
+                      <a:headEnd type="none" w="med" len="med"/>
+                      <a:tailEnd type="none" w="med" len="med"/>
+                    </a:lnB>
+                    <a:lnTlToBr w="12700" cmpd="sng">
+                      <a:noFill/>
+                      <a:prstDash val="solid"/>
+                    </a:lnTlToBr>
+                    <a:lnBlToTr w="12700" cmpd="sng">
+                      <a:noFill/>
+                      <a:prstDash val="solid"/>
+                    </a:lnBlToTr>
+                    <a:solidFill>
+                      <a:srgbClr val="00B050"/>
+                    </a:solidFill>
+                  </a:tcPr>
+                </a:tc>
+                <a:tc>
+                  <a:txBody>
+                    <a:bodyPr/>
+                    <a:lstStyle/>
+                    <a:p>
+                      <a:endParaRPr lang="en-US" sz="1000" dirty="0">
+                        <a:solidFill>
+                          <a:schemeClr val="tx1"/>
+                        </a:solidFill>
+                      </a:endParaRPr>
+                    </a:p>
+                  </a:txBody>
+                  <a:tcPr>
+                    <a:lnL w="12700" cap="flat" cmpd="sng" algn="ctr">
+                      <a:noFill/>
+                      <a:prstDash val="solid"/>
+                      <a:round/>
+                      <a:headEnd type="none" w="med" len="med"/>
+                      <a:tailEnd type="none" w="med" len="med"/>
+                    </a:lnL>
+                    <a:lnR w="12700" cap="flat" cmpd="sng" algn="ctr">
+                      <a:solidFill>
+                        <a:schemeClr val="tx1"/>
+                      </a:solidFill>
+                      <a:prstDash val="solid"/>
+                      <a:round/>
+                      <a:headEnd type="none" w="med" len="med"/>
+                      <a:tailEnd type="none" w="med" len="med"/>
+                    </a:lnR>
+                    <a:lnT w="12700" cap="flat" cmpd="sng" algn="ctr">
+                      <a:noFill/>
+                      <a:prstDash val="solid"/>
+                      <a:round/>
+                      <a:headEnd type="none" w="med" len="med"/>
+                      <a:tailEnd type="none" w="med" len="med"/>
+                    </a:lnT>
+                    <a:lnB w="12700" cap="flat" cmpd="sng" algn="ctr">
+                      <a:noFill/>
+                      <a:prstDash val="solid"/>
+                      <a:round/>
+                      <a:headEnd type="none" w="med" len="med"/>
+                      <a:tailEnd type="none" w="med" len="med"/>
+                    </a:lnB>
+                    <a:lnTlToBr w="12700" cmpd="sng">
+                      <a:noFill/>
+                      <a:prstDash val="solid"/>
+                    </a:lnTlToBr>
+                    <a:lnBlToTr w="12700" cmpd="sng">
+                      <a:noFill/>
+                      <a:prstDash val="solid"/>
+                    </a:lnBlToTr>
+                    <a:solidFill>
+                      <a:schemeClr val="bg2"/>
+                    </a:solidFill>
+                  </a:tcPr>
+                </a:tc>
+              </a:tr>
+              <a:tr h="0">
+                <a:tc>
+                  <a:txBody>
+                    <a:bodyPr/>
+                    <a:lstStyle/>
+                    <a:p>
+                      <a:pPr algn="l"/>
+                      <a:r>
+                        <a:rPr lang="en-US" sz="1000" b="1" dirty="0" smtClean="0">
+                          <a:solidFill>
+                            <a:schemeClr val="tx1"/>
+                          </a:solidFill>
+                        </a:rPr>
+                        <a:t>Network</a:t>
+                      </a:r>
+                      <a:endParaRPr lang="en-US" sz="1000" b="1" dirty="0">
+                        <a:solidFill>
+                          <a:schemeClr val="tx1"/>
+                        </a:solidFill>
+                      </a:endParaRPr>
+                    </a:p>
+                  </a:txBody>
+                  <a:tcPr>
+                    <a:lnL w="12700" cap="flat" cmpd="sng" algn="ctr">
+                      <a:solidFill>
+                        <a:schemeClr val="tx1"/>
+                      </a:solidFill>
+                      <a:prstDash val="solid"/>
+                      <a:round/>
+                      <a:headEnd type="none" w="med" len="med"/>
+                      <a:tailEnd type="none" w="med" len="med"/>
+                    </a:lnL>
+                    <a:lnR w="12700" cap="flat" cmpd="sng" algn="ctr">
+                      <a:noFill/>
+                      <a:prstDash val="solid"/>
+                      <a:round/>
+                      <a:headEnd type="none" w="med" len="med"/>
+                      <a:tailEnd type="none" w="med" len="med"/>
+                    </a:lnR>
+                    <a:lnT w="12700" cap="flat" cmpd="sng" algn="ctr">
+                      <a:noFill/>
+                      <a:prstDash val="solid"/>
+                      <a:round/>
+                      <a:headEnd type="none" w="med" len="med"/>
+                      <a:tailEnd type="none" w="med" len="med"/>
+                    </a:lnT>
+                    <a:lnB w="12700" cap="flat" cmpd="sng" algn="ctr">
+                      <a:noFill/>
+                      <a:prstDash val="solid"/>
+                      <a:round/>
+                      <a:headEnd type="none" w="med" len="med"/>
+                      <a:tailEnd type="none" w="med" len="med"/>
+                    </a:lnB>
+                    <a:lnTlToBr w="12700" cmpd="sng">
+                      <a:noFill/>
+                      <a:prstDash val="solid"/>
+                    </a:lnTlToBr>
+                    <a:lnBlToTr w="12700" cmpd="sng">
+                      <a:noFill/>
+                      <a:prstDash val="solid"/>
+                    </a:lnBlToTr>
+                    <a:solidFill>
+                      <a:schemeClr val="bg2"/>
+                    </a:solidFill>
+                  </a:tcPr>
+                </a:tc>
+                <a:tc>
+                  <a:txBody>
+                    <a:bodyPr/>
+                    <a:lstStyle/>
+                    <a:p>
+                      <a:endParaRPr lang="en-US" sz="1000" dirty="0">
+                        <a:solidFill>
+                          <a:schemeClr val="tx1"/>
+                        </a:solidFill>
+                      </a:endParaRPr>
+                    </a:p>
+                  </a:txBody>
+                  <a:tcPr>
+                    <a:lnL w="12700" cap="flat" cmpd="sng" algn="ctr">
+                      <a:noFill/>
+                      <a:prstDash val="solid"/>
+                      <a:round/>
+                      <a:headEnd type="none" w="med" len="med"/>
+                      <a:tailEnd type="none" w="med" len="med"/>
+                    </a:lnL>
+                    <a:lnR w="12700" cap="flat" cmpd="sng" algn="ctr">
+                      <a:noFill/>
+                      <a:prstDash val="solid"/>
+                      <a:round/>
+                      <a:headEnd type="none" w="med" len="med"/>
+                      <a:tailEnd type="none" w="med" len="med"/>
+                    </a:lnR>
+                    <a:lnT w="12700" cap="flat" cmpd="sng" algn="ctr">
+                      <a:noFill/>
+                      <a:prstDash val="solid"/>
+                      <a:round/>
+                      <a:headEnd type="none" w="med" len="med"/>
+                      <a:tailEnd type="none" w="med" len="med"/>
+                    </a:lnT>
+                    <a:lnB w="12700" cap="flat" cmpd="sng" algn="ctr">
+                      <a:noFill/>
+                      <a:prstDash val="solid"/>
+                      <a:round/>
+                      <a:headEnd type="none" w="med" len="med"/>
+                      <a:tailEnd type="none" w="med" len="med"/>
+                    </a:lnB>
+                    <a:lnTlToBr w="12700" cmpd="sng">
+                      <a:noFill/>
+                      <a:prstDash val="solid"/>
+                    </a:lnTlToBr>
+                    <a:lnBlToTr w="12700" cmpd="sng">
+                      <a:noFill/>
+                      <a:prstDash val="solid"/>
+                    </a:lnBlToTr>
+                    <a:solidFill>
+                      <a:srgbClr val="00B050"/>
+                    </a:solidFill>
+                  </a:tcPr>
+                </a:tc>
+                <a:tc>
+                  <a:txBody>
+                    <a:bodyPr/>
+                    <a:lstStyle/>
+                    <a:p>
+                      <a:endParaRPr lang="en-US" sz="1000" dirty="0">
+                        <a:solidFill>
+                          <a:schemeClr val="tx1"/>
+                        </a:solidFill>
+                      </a:endParaRPr>
+                    </a:p>
+                  </a:txBody>
+                  <a:tcPr>
+                    <a:lnL w="12700" cap="flat" cmpd="sng" algn="ctr">
+                      <a:noFill/>
+                      <a:prstDash val="solid"/>
+                      <a:round/>
+                      <a:headEnd type="none" w="med" len="med"/>
+                      <a:tailEnd type="none" w="med" len="med"/>
+                    </a:lnL>
+                    <a:lnR w="12700" cap="flat" cmpd="sng" algn="ctr">
+                      <a:solidFill>
+                        <a:schemeClr val="tx1"/>
+                      </a:solidFill>
+                      <a:prstDash val="solid"/>
+                      <a:round/>
+                      <a:headEnd type="none" w="med" len="med"/>
+                      <a:tailEnd type="none" w="med" len="med"/>
+                    </a:lnR>
+                    <a:lnT w="12700" cap="flat" cmpd="sng" algn="ctr">
+                      <a:noFill/>
+                      <a:prstDash val="solid"/>
+                      <a:round/>
+                      <a:headEnd type="none" w="med" len="med"/>
+                      <a:tailEnd type="none" w="med" len="med"/>
+                    </a:lnT>
+                    <a:lnB w="12700" cap="flat" cmpd="sng" algn="ctr">
+                      <a:noFill/>
+                      <a:prstDash val="solid"/>
+                      <a:round/>
+                      <a:headEnd type="none" w="med" len="med"/>
+                      <a:tailEnd type="none" w="med" len="med"/>
+                    </a:lnB>
+                    <a:lnTlToBr w="12700" cmpd="sng">
+                      <a:noFill/>
+                      <a:prstDash val="solid"/>
+                    </a:lnTlToBr>
+                    <a:lnBlToTr w="12700" cmpd="sng">
+                      <a:noFill/>
+                      <a:prstDash val="solid"/>
+                    </a:lnBlToTr>
+                    <a:solidFill>
+                      <a:schemeClr val="bg2"/>
+                    </a:solidFill>
+                  </a:tcPr>
+                </a:tc>
+              </a:tr>
+            </a:tbl>
+          </a:graphicData>
+        </a:graphic>
+      </p:graphicFrame>
     </p:spTree>
     <p:extLst>
       <p:ext uri="{BB962C8B-B14F-4D97-AF65-F5344CB8AC3E}">
@@ -6161,11 +10439,7 @@
           <a:p>
             <a:r>
               <a:rPr lang="en-US" dirty="0" smtClean="0"/>
-              <a:t>Sensor </a:t>
-            </a:r>
-            <a:r>
-              <a:rPr lang="en-US" dirty="0" smtClean="0"/>
-              <a:t>Controls</a:t>
+              <a:t>Sensor Controls</a:t>
             </a:r>
             <a:endParaRPr lang="en-US" dirty="0"/>
           </a:p>
@@ -6181,7 +10455,12 @@
             <p:ph idx="1"/>
           </p:nvPr>
         </p:nvSpPr>
-        <p:spPr/>
+        <p:spPr>
+          <a:xfrm>
+            <a:off x="838200" y="1587500"/>
+            <a:ext cx="5511085" cy="4589463"/>
+          </a:xfrm>
+        </p:spPr>
         <p:txBody>
           <a:bodyPr>
             <a:normAutofit/>
@@ -6244,20 +10523,52 @@
           </a:p>
         </p:txBody>
       </p:sp>
-      <p:sp>
-        <p:nvSpPr>
-          <p:cNvPr id="4" name="Rectangle 3"/>
-          <p:cNvSpPr/>
+      <p:pic>
+        <p:nvPicPr>
+          <p:cNvPr id="5" name="Google Shape;142;p5"/>
+          <p:cNvPicPr preferRelativeResize="0"/>
           <p:nvPr/>
-        </p:nvSpPr>
-        <p:spPr>
-          <a:xfrm>
-            <a:off x="7229475" y="3752850"/>
-            <a:ext cx="3600450" cy="2352675"/>
+        </p:nvPicPr>
+        <p:blipFill rotWithShape="1">
+          <a:blip r:embed="rId2">
+            <a:alphaModFix/>
+          </a:blip>
+          <a:srcRect/>
+          <a:stretch/>
+        </p:blipFill>
+        <p:spPr>
+          <a:xfrm>
+            <a:off x="6096000" y="1587500"/>
+            <a:ext cx="6096000" cy="4439813"/>
           </a:xfrm>
           <a:prstGeom prst="rect">
             <a:avLst/>
           </a:prstGeom>
+          <a:noFill/>
+          <a:ln>
+            <a:noFill/>
+          </a:ln>
+        </p:spPr>
+      </p:pic>
+      <p:sp>
+        <p:nvSpPr>
+          <p:cNvPr id="6" name="Rectangle 5"/>
+          <p:cNvSpPr/>
+          <p:nvPr/>
+        </p:nvSpPr>
+        <p:spPr>
+          <a:xfrm>
+            <a:off x="6194739" y="1712890"/>
+            <a:ext cx="3033668" cy="340993"/>
+          </a:xfrm>
+          <a:prstGeom prst="rect">
+            <a:avLst/>
+          </a:prstGeom>
+          <a:solidFill>
+            <a:schemeClr val="accent1">
+              <a:alpha val="65000"/>
+            </a:schemeClr>
+          </a:solidFill>
         </p:spPr>
         <p:style>
           <a:lnRef idx="2">
@@ -6279,12 +10590,67 @@
           <a:bodyPr rtlCol="0" anchor="ctr"/>
           <a:lstStyle/>
           <a:p>
-            <a:pPr algn="ctr"/>
+            <a:r>
+              <a:rPr lang="en-US" b="1" dirty="0" smtClean="0"/>
+              <a:t>[Manual]</a:t>
+            </a:r>
             <a:r>
               <a:rPr lang="en-US" dirty="0" smtClean="0"/>
-              <a:t>Wide area camera menu control</a:t>
+              <a:t> – </a:t>
+            </a:r>
+            <a:r>
+              <a:rPr lang="en-US" sz="1400" dirty="0" smtClean="0"/>
+              <a:t>Automatic – Settings</a:t>
             </a:r>
             <a:endParaRPr lang="en-US" dirty="0"/>
+          </a:p>
+        </p:txBody>
+      </p:sp>
+      <p:sp>
+        <p:nvSpPr>
+          <p:cNvPr id="7" name="Rectangle 6"/>
+          <p:cNvSpPr/>
+          <p:nvPr/>
+        </p:nvSpPr>
+        <p:spPr>
+          <a:xfrm>
+            <a:off x="6194739" y="2052664"/>
+            <a:ext cx="3033668" cy="307387"/>
+          </a:xfrm>
+          <a:prstGeom prst="rect">
+            <a:avLst/>
+          </a:prstGeom>
+          <a:solidFill>
+            <a:schemeClr val="accent1">
+              <a:alpha val="65000"/>
+            </a:schemeClr>
+          </a:solidFill>
+        </p:spPr>
+        <p:style>
+          <a:lnRef idx="2">
+            <a:schemeClr val="accent1">
+              <a:shade val="50000"/>
+            </a:schemeClr>
+          </a:lnRef>
+          <a:fillRef idx="1">
+            <a:schemeClr val="accent1"/>
+          </a:fillRef>
+          <a:effectRef idx="0">
+            <a:schemeClr val="accent1"/>
+          </a:effectRef>
+          <a:fontRef idx="minor">
+            <a:schemeClr val="lt1"/>
+          </a:fontRef>
+        </p:style>
+        <p:txBody>
+          <a:bodyPr rtlCol="0" anchor="ctr"/>
+          <a:lstStyle/>
+          <a:p>
+            <a:r>
+              <a:rPr lang="en-US" sz="1200" i="1" dirty="0" smtClean="0"/>
+              <a:t>Press action button to take picture</a:t>
+            </a:r>
+            <a:endParaRPr lang="en-US" sz="1200" i="1" dirty="0"/>
           </a:p>
         </p:txBody>
       </p:sp>
